--- a/apresentação.pptx
+++ b/apresentação.pptx
@@ -5,7 +5,7 @@
     <p:sldMasterId id="2147483658" r:id="rId1"/>
   </p:sldMasterIdLst>
   <p:notesMasterIdLst>
-    <p:notesMasterId r:id="rId16"/>
+    <p:notesMasterId r:id="rId11"/>
   </p:notesMasterIdLst>
   <p:sldIdLst>
     <p:sldId id="256" r:id="rId2"/>
@@ -13,39 +13,34 @@
     <p:sldId id="301" r:id="rId4"/>
     <p:sldId id="302" r:id="rId5"/>
     <p:sldId id="303" r:id="rId6"/>
-    <p:sldId id="308" r:id="rId7"/>
-    <p:sldId id="304" r:id="rId8"/>
-    <p:sldId id="305" r:id="rId9"/>
-    <p:sldId id="306" r:id="rId10"/>
-    <p:sldId id="307" r:id="rId11"/>
-    <p:sldId id="311" r:id="rId12"/>
-    <p:sldId id="309" r:id="rId13"/>
-    <p:sldId id="300" r:id="rId14"/>
-    <p:sldId id="312" r:id="rId15"/>
+    <p:sldId id="313" r:id="rId7"/>
+    <p:sldId id="314" r:id="rId8"/>
+    <p:sldId id="315" r:id="rId9"/>
+    <p:sldId id="312" r:id="rId10"/>
   </p:sldIdLst>
   <p:sldSz cx="9144000" cy="5143500" type="screen16x9"/>
   <p:notesSz cx="6858000" cy="9144000"/>
   <p:embeddedFontLst>
     <p:embeddedFont>
-      <p:font typeface="Segoe UI Light" pitchFamily="34" charset="0"/>
-      <p:regular r:id="rId17"/>
-      <p:italic r:id="rId18"/>
+      <p:font typeface="Vidaloka" panose="020B0604020202020204" charset="0"/>
+      <p:regular r:id="rId12"/>
     </p:embeddedFont>
     <p:embeddedFont>
-      <p:font typeface="Vidaloka" charset="0"/>
-      <p:regular r:id="rId19"/>
+      <p:font typeface="Segoe UI Black" panose="020B0A02040204020203" pitchFamily="34" charset="0"/>
+      <p:bold r:id="rId13"/>
+      <p:boldItalic r:id="rId14"/>
     </p:embeddedFont>
     <p:embeddedFont>
-      <p:font typeface="Segoe UI Black" pitchFamily="34" charset="0"/>
-      <p:bold r:id="rId20"/>
-      <p:boldItalic r:id="rId21"/>
+      <p:font typeface="Montserrat" panose="020B0604020202020204" charset="0"/>
+      <p:regular r:id="rId15"/>
+      <p:bold r:id="rId16"/>
+      <p:italic r:id="rId17"/>
+      <p:boldItalic r:id="rId18"/>
     </p:embeddedFont>
     <p:embeddedFont>
-      <p:font typeface="Montserrat" charset="0"/>
-      <p:regular r:id="rId22"/>
-      <p:bold r:id="rId23"/>
-      <p:italic r:id="rId24"/>
-      <p:boldItalic r:id="rId25"/>
+      <p:font typeface="Segoe UI Light" panose="020B0502040204020203" pitchFamily="34" charset="0"/>
+      <p:regular r:id="rId19"/>
+      <p:italic r:id="rId20"/>
     </p:embeddedFont>
   </p:embeddedFontLst>
   <p:defaultTextStyle>
@@ -277,6 +272,22 @@
       </a:defRPr>
     </a:lvl9pPr>
   </p:defaultTextStyle>
+  <p:extLst>
+    <p:ext uri="{EFAFB233-063F-42B5-8137-9DF3F51BA10A}">
+      <p15:sldGuideLst xmlns:p15="http://schemas.microsoft.com/office/powerpoint/2012/main">
+        <p15:guide id="1" orient="horz" pos="1620">
+          <p15:clr>
+            <a:srgbClr val="A4A3A4"/>
+          </p15:clr>
+        </p15:guide>
+        <p15:guide id="2" pos="2880">
+          <p15:clr>
+            <a:srgbClr val="A4A3A4"/>
+          </p15:clr>
+        </p15:guide>
+      </p15:sldGuideLst>
+    </p:ext>
+  </p:extLst>
 </p:presentation>
 </file>
 
@@ -830,526 +841,6 @@
 </p:notes>
 </file>
 
-<file path=ppt/notesSlides/notesSlide10.xml><?xml version="1.0" encoding="utf-8"?>
-<p:notes xmlns:a="http://schemas.openxmlformats.org/drawingml/2006/main" xmlns:r="http://schemas.openxmlformats.org/officeDocument/2006/relationships" xmlns:p="http://schemas.openxmlformats.org/presentationml/2006/main" showMasterSp="0" showMasterPhAnim="0">
-  <p:cSld>
-    <p:spTree>
-      <p:nvGrpSpPr>
-        <p:cNvPr id="1" name="Shape 75"/>
-        <p:cNvGrpSpPr/>
-        <p:nvPr/>
-      </p:nvGrpSpPr>
-      <p:grpSpPr>
-        <a:xfrm>
-          <a:off x="0" y="0"/>
-          <a:ext cx="0" cy="0"/>
-          <a:chOff x="0" y="0"/>
-          <a:chExt cx="0" cy="0"/>
-        </a:xfrm>
-      </p:grpSpPr>
-      <p:sp>
-        <p:nvSpPr>
-          <p:cNvPr id="76" name="Google Shape;76;g3606f1c2d_30:notes"/>
-          <p:cNvSpPr>
-            <a:spLocks noGrp="1" noRot="1" noChangeAspect="1"/>
-          </p:cNvSpPr>
-          <p:nvPr>
-            <p:ph type="sldImg" idx="2"/>
-          </p:nvPr>
-        </p:nvSpPr>
-        <p:spPr>
-          <a:xfrm>
-            <a:off x="381000" y="685800"/>
-            <a:ext cx="6096000" cy="3429000"/>
-          </a:xfrm>
-          <a:custGeom>
-            <a:avLst/>
-            <a:gdLst/>
-            <a:ahLst/>
-            <a:cxnLst/>
-            <a:rect l="l" t="t" r="r" b="b"/>
-            <a:pathLst>
-              <a:path w="120000" h="120000" extrusionOk="0">
-                <a:moveTo>
-                  <a:pt x="0" y="0"/>
-                </a:moveTo>
-                <a:lnTo>
-                  <a:pt x="120000" y="0"/>
-                </a:lnTo>
-                <a:lnTo>
-                  <a:pt x="120000" y="120000"/>
-                </a:lnTo>
-                <a:lnTo>
-                  <a:pt x="0" y="120000"/>
-                </a:lnTo>
-                <a:close/>
-              </a:path>
-            </a:pathLst>
-          </a:custGeom>
-        </p:spPr>
-      </p:sp>
-      <p:sp>
-        <p:nvSpPr>
-          <p:cNvPr id="77" name="Google Shape;77;g3606f1c2d_30:notes"/>
-          <p:cNvSpPr txBox="1">
-            <a:spLocks noGrp="1"/>
-          </p:cNvSpPr>
-          <p:nvPr>
-            <p:ph type="body" idx="1"/>
-          </p:nvPr>
-        </p:nvSpPr>
-        <p:spPr>
-          <a:xfrm>
-            <a:off x="685800" y="4343400"/>
-            <a:ext cx="5486400" cy="4114800"/>
-          </a:xfrm>
-          <a:prstGeom prst="rect">
-            <a:avLst/>
-          </a:prstGeom>
-        </p:spPr>
-        <p:txBody>
-          <a:bodyPr spcFirstLastPara="1" wrap="square" lIns="91425" tIns="91425" rIns="91425" bIns="91425" anchor="t" anchorCtr="0">
-            <a:noAutofit/>
-          </a:bodyPr>
-          <a:lstStyle/>
-          <a:p>
-            <a:pPr marL="0" lvl="0" indent="0" algn="l" rtl="0">
-              <a:spcBef>
-                <a:spcPts val="0"/>
-              </a:spcBef>
-              <a:spcAft>
-                <a:spcPts val="0"/>
-              </a:spcAft>
-              <a:buNone/>
-            </a:pPr>
-            <a:endParaRPr dirty="0"/>
-          </a:p>
-        </p:txBody>
-      </p:sp>
-    </p:spTree>
-  </p:cSld>
-  <p:clrMapOvr>
-    <a:masterClrMapping/>
-  </p:clrMapOvr>
-</p:notes>
-</file>
-
-<file path=ppt/notesSlides/notesSlide11.xml><?xml version="1.0" encoding="utf-8"?>
-<p:notes xmlns:a="http://schemas.openxmlformats.org/drawingml/2006/main" xmlns:r="http://schemas.openxmlformats.org/officeDocument/2006/relationships" xmlns:p="http://schemas.openxmlformats.org/presentationml/2006/main" showMasterSp="0" showMasterPhAnim="0">
-  <p:cSld>
-    <p:spTree>
-      <p:nvGrpSpPr>
-        <p:cNvPr id="1" name="Shape 75"/>
-        <p:cNvGrpSpPr/>
-        <p:nvPr/>
-      </p:nvGrpSpPr>
-      <p:grpSpPr>
-        <a:xfrm>
-          <a:off x="0" y="0"/>
-          <a:ext cx="0" cy="0"/>
-          <a:chOff x="0" y="0"/>
-          <a:chExt cx="0" cy="0"/>
-        </a:xfrm>
-      </p:grpSpPr>
-      <p:sp>
-        <p:nvSpPr>
-          <p:cNvPr id="76" name="Google Shape;76;g3606f1c2d_30:notes"/>
-          <p:cNvSpPr>
-            <a:spLocks noGrp="1" noRot="1" noChangeAspect="1"/>
-          </p:cNvSpPr>
-          <p:nvPr>
-            <p:ph type="sldImg" idx="2"/>
-          </p:nvPr>
-        </p:nvSpPr>
-        <p:spPr>
-          <a:xfrm>
-            <a:off x="381000" y="685800"/>
-            <a:ext cx="6096000" cy="3429000"/>
-          </a:xfrm>
-          <a:custGeom>
-            <a:avLst/>
-            <a:gdLst/>
-            <a:ahLst/>
-            <a:cxnLst/>
-            <a:rect l="l" t="t" r="r" b="b"/>
-            <a:pathLst>
-              <a:path w="120000" h="120000" extrusionOk="0">
-                <a:moveTo>
-                  <a:pt x="0" y="0"/>
-                </a:moveTo>
-                <a:lnTo>
-                  <a:pt x="120000" y="0"/>
-                </a:lnTo>
-                <a:lnTo>
-                  <a:pt x="120000" y="120000"/>
-                </a:lnTo>
-                <a:lnTo>
-                  <a:pt x="0" y="120000"/>
-                </a:lnTo>
-                <a:close/>
-              </a:path>
-            </a:pathLst>
-          </a:custGeom>
-        </p:spPr>
-      </p:sp>
-      <p:sp>
-        <p:nvSpPr>
-          <p:cNvPr id="77" name="Google Shape;77;g3606f1c2d_30:notes"/>
-          <p:cNvSpPr txBox="1">
-            <a:spLocks noGrp="1"/>
-          </p:cNvSpPr>
-          <p:nvPr>
-            <p:ph type="body" idx="1"/>
-          </p:nvPr>
-        </p:nvSpPr>
-        <p:spPr>
-          <a:xfrm>
-            <a:off x="685800" y="4343400"/>
-            <a:ext cx="5486400" cy="4114800"/>
-          </a:xfrm>
-          <a:prstGeom prst="rect">
-            <a:avLst/>
-          </a:prstGeom>
-        </p:spPr>
-        <p:txBody>
-          <a:bodyPr spcFirstLastPara="1" wrap="square" lIns="91425" tIns="91425" rIns="91425" bIns="91425" anchor="t" anchorCtr="0">
-            <a:noAutofit/>
-          </a:bodyPr>
-          <a:lstStyle/>
-          <a:p>
-            <a:pPr marL="0" lvl="0" indent="0" algn="l" rtl="0">
-              <a:spcBef>
-                <a:spcPts val="0"/>
-              </a:spcBef>
-              <a:spcAft>
-                <a:spcPts val="0"/>
-              </a:spcAft>
-              <a:buNone/>
-            </a:pPr>
-            <a:endParaRPr dirty="0"/>
-          </a:p>
-        </p:txBody>
-      </p:sp>
-    </p:spTree>
-  </p:cSld>
-  <p:clrMapOvr>
-    <a:masterClrMapping/>
-  </p:clrMapOvr>
-</p:notes>
-</file>
-
-<file path=ppt/notesSlides/notesSlide12.xml><?xml version="1.0" encoding="utf-8"?>
-<p:notes xmlns:a="http://schemas.openxmlformats.org/drawingml/2006/main" xmlns:r="http://schemas.openxmlformats.org/officeDocument/2006/relationships" xmlns:p="http://schemas.openxmlformats.org/presentationml/2006/main" showMasterSp="0" showMasterPhAnim="0">
-  <p:cSld>
-    <p:spTree>
-      <p:nvGrpSpPr>
-        <p:cNvPr id="1" name="Shape 75"/>
-        <p:cNvGrpSpPr/>
-        <p:nvPr/>
-      </p:nvGrpSpPr>
-      <p:grpSpPr>
-        <a:xfrm>
-          <a:off x="0" y="0"/>
-          <a:ext cx="0" cy="0"/>
-          <a:chOff x="0" y="0"/>
-          <a:chExt cx="0" cy="0"/>
-        </a:xfrm>
-      </p:grpSpPr>
-      <p:sp>
-        <p:nvSpPr>
-          <p:cNvPr id="76" name="Google Shape;76;g3606f1c2d_30:notes"/>
-          <p:cNvSpPr>
-            <a:spLocks noGrp="1" noRot="1" noChangeAspect="1"/>
-          </p:cNvSpPr>
-          <p:nvPr>
-            <p:ph type="sldImg" idx="2"/>
-          </p:nvPr>
-        </p:nvSpPr>
-        <p:spPr>
-          <a:xfrm>
-            <a:off x="381000" y="685800"/>
-            <a:ext cx="6096000" cy="3429000"/>
-          </a:xfrm>
-          <a:custGeom>
-            <a:avLst/>
-            <a:gdLst/>
-            <a:ahLst/>
-            <a:cxnLst/>
-            <a:rect l="l" t="t" r="r" b="b"/>
-            <a:pathLst>
-              <a:path w="120000" h="120000" extrusionOk="0">
-                <a:moveTo>
-                  <a:pt x="0" y="0"/>
-                </a:moveTo>
-                <a:lnTo>
-                  <a:pt x="120000" y="0"/>
-                </a:lnTo>
-                <a:lnTo>
-                  <a:pt x="120000" y="120000"/>
-                </a:lnTo>
-                <a:lnTo>
-                  <a:pt x="0" y="120000"/>
-                </a:lnTo>
-                <a:close/>
-              </a:path>
-            </a:pathLst>
-          </a:custGeom>
-        </p:spPr>
-      </p:sp>
-      <p:sp>
-        <p:nvSpPr>
-          <p:cNvPr id="77" name="Google Shape;77;g3606f1c2d_30:notes"/>
-          <p:cNvSpPr txBox="1">
-            <a:spLocks noGrp="1"/>
-          </p:cNvSpPr>
-          <p:nvPr>
-            <p:ph type="body" idx="1"/>
-          </p:nvPr>
-        </p:nvSpPr>
-        <p:spPr>
-          <a:xfrm>
-            <a:off x="685800" y="4343400"/>
-            <a:ext cx="5486400" cy="4114800"/>
-          </a:xfrm>
-          <a:prstGeom prst="rect">
-            <a:avLst/>
-          </a:prstGeom>
-        </p:spPr>
-        <p:txBody>
-          <a:bodyPr spcFirstLastPara="1" wrap="square" lIns="91425" tIns="91425" rIns="91425" bIns="91425" anchor="t" anchorCtr="0">
-            <a:noAutofit/>
-          </a:bodyPr>
-          <a:lstStyle/>
-          <a:p>
-            <a:pPr marL="0" lvl="0" indent="0" algn="l" rtl="0">
-              <a:spcBef>
-                <a:spcPts val="0"/>
-              </a:spcBef>
-              <a:spcAft>
-                <a:spcPts val="0"/>
-              </a:spcAft>
-              <a:buNone/>
-            </a:pPr>
-            <a:endParaRPr dirty="0"/>
-          </a:p>
-        </p:txBody>
-      </p:sp>
-    </p:spTree>
-  </p:cSld>
-  <p:clrMapOvr>
-    <a:masterClrMapping/>
-  </p:clrMapOvr>
-</p:notes>
-</file>
-
-<file path=ppt/notesSlides/notesSlide13.xml><?xml version="1.0" encoding="utf-8"?>
-<p:notes xmlns:a="http://schemas.openxmlformats.org/drawingml/2006/main" xmlns:r="http://schemas.openxmlformats.org/officeDocument/2006/relationships" xmlns:p="http://schemas.openxmlformats.org/presentationml/2006/main" showMasterSp="0" showMasterPhAnim="0">
-  <p:cSld>
-    <p:spTree>
-      <p:nvGrpSpPr>
-        <p:cNvPr id="1" name="Shape 84"/>
-        <p:cNvGrpSpPr/>
-        <p:nvPr/>
-      </p:nvGrpSpPr>
-      <p:grpSpPr>
-        <a:xfrm>
-          <a:off x="0" y="0"/>
-          <a:ext cx="0" cy="0"/>
-          <a:chOff x="0" y="0"/>
-          <a:chExt cx="0" cy="0"/>
-        </a:xfrm>
-      </p:grpSpPr>
-      <p:sp>
-        <p:nvSpPr>
-          <p:cNvPr id="85" name="Google Shape;85;g35f391192_04:notes"/>
-          <p:cNvSpPr>
-            <a:spLocks noGrp="1" noRot="1" noChangeAspect="1"/>
-          </p:cNvSpPr>
-          <p:nvPr>
-            <p:ph type="sldImg" idx="2"/>
-          </p:nvPr>
-        </p:nvSpPr>
-        <p:spPr>
-          <a:xfrm>
-            <a:off x="381000" y="685800"/>
-            <a:ext cx="6096000" cy="3429000"/>
-          </a:xfrm>
-          <a:custGeom>
-            <a:avLst/>
-            <a:gdLst/>
-            <a:ahLst/>
-            <a:cxnLst/>
-            <a:rect l="l" t="t" r="r" b="b"/>
-            <a:pathLst>
-              <a:path w="120000" h="120000" extrusionOk="0">
-                <a:moveTo>
-                  <a:pt x="0" y="0"/>
-                </a:moveTo>
-                <a:lnTo>
-                  <a:pt x="120000" y="0"/>
-                </a:lnTo>
-                <a:lnTo>
-                  <a:pt x="120000" y="120000"/>
-                </a:lnTo>
-                <a:lnTo>
-                  <a:pt x="0" y="120000"/>
-                </a:lnTo>
-                <a:close/>
-              </a:path>
-            </a:pathLst>
-          </a:custGeom>
-        </p:spPr>
-      </p:sp>
-      <p:sp>
-        <p:nvSpPr>
-          <p:cNvPr id="86" name="Google Shape;86;g35f391192_04:notes"/>
-          <p:cNvSpPr txBox="1">
-            <a:spLocks noGrp="1"/>
-          </p:cNvSpPr>
-          <p:nvPr>
-            <p:ph type="body" idx="1"/>
-          </p:nvPr>
-        </p:nvSpPr>
-        <p:spPr>
-          <a:xfrm>
-            <a:off x="685800" y="4343400"/>
-            <a:ext cx="5486400" cy="4114800"/>
-          </a:xfrm>
-          <a:prstGeom prst="rect">
-            <a:avLst/>
-          </a:prstGeom>
-        </p:spPr>
-        <p:txBody>
-          <a:bodyPr spcFirstLastPara="1" wrap="square" lIns="91425" tIns="91425" rIns="91425" bIns="91425" anchor="t" anchorCtr="0">
-            <a:noAutofit/>
-          </a:bodyPr>
-          <a:lstStyle/>
-          <a:p>
-            <a:pPr marL="0" lvl="0" indent="0" algn="l" rtl="0">
-              <a:spcBef>
-                <a:spcPts val="0"/>
-              </a:spcBef>
-              <a:spcAft>
-                <a:spcPts val="0"/>
-              </a:spcAft>
-              <a:buNone/>
-            </a:pPr>
-            <a:endParaRPr/>
-          </a:p>
-        </p:txBody>
-      </p:sp>
-    </p:spTree>
-  </p:cSld>
-  <p:clrMapOvr>
-    <a:masterClrMapping/>
-  </p:clrMapOvr>
-</p:notes>
-</file>
-
-<file path=ppt/notesSlides/notesSlide14.xml><?xml version="1.0" encoding="utf-8"?>
-<p:notes xmlns:a="http://schemas.openxmlformats.org/drawingml/2006/main" xmlns:r="http://schemas.openxmlformats.org/officeDocument/2006/relationships" xmlns:p="http://schemas.openxmlformats.org/presentationml/2006/main" showMasterSp="0" showMasterPhAnim="0">
-  <p:cSld>
-    <p:spTree>
-      <p:nvGrpSpPr>
-        <p:cNvPr id="1" name="Shape 84"/>
-        <p:cNvGrpSpPr/>
-        <p:nvPr/>
-      </p:nvGrpSpPr>
-      <p:grpSpPr>
-        <a:xfrm>
-          <a:off x="0" y="0"/>
-          <a:ext cx="0" cy="0"/>
-          <a:chOff x="0" y="0"/>
-          <a:chExt cx="0" cy="0"/>
-        </a:xfrm>
-      </p:grpSpPr>
-      <p:sp>
-        <p:nvSpPr>
-          <p:cNvPr id="85" name="Google Shape;85;g35f391192_04:notes"/>
-          <p:cNvSpPr>
-            <a:spLocks noGrp="1" noRot="1" noChangeAspect="1"/>
-          </p:cNvSpPr>
-          <p:nvPr>
-            <p:ph type="sldImg" idx="2"/>
-          </p:nvPr>
-        </p:nvSpPr>
-        <p:spPr>
-          <a:xfrm>
-            <a:off x="381000" y="685800"/>
-            <a:ext cx="6096000" cy="3429000"/>
-          </a:xfrm>
-          <a:custGeom>
-            <a:avLst/>
-            <a:gdLst/>
-            <a:ahLst/>
-            <a:cxnLst/>
-            <a:rect l="l" t="t" r="r" b="b"/>
-            <a:pathLst>
-              <a:path w="120000" h="120000" extrusionOk="0">
-                <a:moveTo>
-                  <a:pt x="0" y="0"/>
-                </a:moveTo>
-                <a:lnTo>
-                  <a:pt x="120000" y="0"/>
-                </a:lnTo>
-                <a:lnTo>
-                  <a:pt x="120000" y="120000"/>
-                </a:lnTo>
-                <a:lnTo>
-                  <a:pt x="0" y="120000"/>
-                </a:lnTo>
-                <a:close/>
-              </a:path>
-            </a:pathLst>
-          </a:custGeom>
-        </p:spPr>
-      </p:sp>
-      <p:sp>
-        <p:nvSpPr>
-          <p:cNvPr id="86" name="Google Shape;86;g35f391192_04:notes"/>
-          <p:cNvSpPr txBox="1">
-            <a:spLocks noGrp="1"/>
-          </p:cNvSpPr>
-          <p:nvPr>
-            <p:ph type="body" idx="1"/>
-          </p:nvPr>
-        </p:nvSpPr>
-        <p:spPr>
-          <a:xfrm>
-            <a:off x="685800" y="4343400"/>
-            <a:ext cx="5486400" cy="4114800"/>
-          </a:xfrm>
-          <a:prstGeom prst="rect">
-            <a:avLst/>
-          </a:prstGeom>
-        </p:spPr>
-        <p:txBody>
-          <a:bodyPr spcFirstLastPara="1" wrap="square" lIns="91425" tIns="91425" rIns="91425" bIns="91425" anchor="t" anchorCtr="0">
-            <a:noAutofit/>
-          </a:bodyPr>
-          <a:lstStyle/>
-          <a:p>
-            <a:pPr marL="0" lvl="0" indent="0" algn="l" rtl="0">
-              <a:spcBef>
-                <a:spcPts val="0"/>
-              </a:spcBef>
-              <a:spcAft>
-                <a:spcPts val="0"/>
-              </a:spcAft>
-              <a:buNone/>
-            </a:pPr>
-            <a:endParaRPr/>
-          </a:p>
-        </p:txBody>
-      </p:sp>
-    </p:spTree>
-  </p:cSld>
-  <p:clrMapOvr>
-    <a:masterClrMapping/>
-  </p:clrMapOvr>
-</p:notes>
-</file>
-
 <file path=ppt/notesSlides/notesSlide2.xml><?xml version="1.0" encoding="utf-8"?>
 <p:notes xmlns:a="http://schemas.openxmlformats.org/drawingml/2006/main" xmlns:r="http://schemas.openxmlformats.org/officeDocument/2006/relationships" xmlns:p="http://schemas.openxmlformats.org/presentationml/2006/main" showMasterSp="0" showMasterPhAnim="0">
   <p:cSld>
@@ -1863,6 +1354,11 @@
         </p:txBody>
       </p:sp>
     </p:spTree>
+    <p:extLst>
+      <p:ext uri="{BB962C8B-B14F-4D97-AF65-F5344CB8AC3E}">
+        <p14:creationId xmlns:p14="http://schemas.microsoft.com/office/powerpoint/2010/main" val="3729732358"/>
+      </p:ext>
+    </p:extLst>
   </p:cSld>
   <p:clrMapOvr>
     <a:masterClrMapping/>
@@ -1967,6 +1463,11 @@
         </p:txBody>
       </p:sp>
     </p:spTree>
+    <p:extLst>
+      <p:ext uri="{BB962C8B-B14F-4D97-AF65-F5344CB8AC3E}">
+        <p14:creationId xmlns:p14="http://schemas.microsoft.com/office/powerpoint/2010/main" val="689023548"/>
+      </p:ext>
+    </p:extLst>
   </p:cSld>
   <p:clrMapOvr>
     <a:masterClrMapping/>
@@ -2071,6 +1572,11 @@
         </p:txBody>
       </p:sp>
     </p:spTree>
+    <p:extLst>
+      <p:ext uri="{BB962C8B-B14F-4D97-AF65-F5344CB8AC3E}">
+        <p14:creationId xmlns:p14="http://schemas.microsoft.com/office/powerpoint/2010/main" val="4264360449"/>
+      </p:ext>
+    </p:extLst>
   </p:cSld>
   <p:clrMapOvr>
     <a:masterClrMapping/>
@@ -2083,7 +1589,7 @@
   <p:cSld>
     <p:spTree>
       <p:nvGrpSpPr>
-        <p:cNvPr id="1" name="Shape 75"/>
+        <p:cNvPr id="1" name="Shape 84"/>
         <p:cNvGrpSpPr/>
         <p:nvPr/>
       </p:nvGrpSpPr>
@@ -2097,7 +1603,7 @@
       </p:grpSpPr>
       <p:sp>
         <p:nvSpPr>
-          <p:cNvPr id="76" name="Google Shape;76;g3606f1c2d_30:notes"/>
+          <p:cNvPr id="85" name="Google Shape;85;g35f391192_04:notes"/>
           <p:cNvSpPr>
             <a:spLocks noGrp="1" noRot="1" noChangeAspect="1"/>
           </p:cNvSpPr>
@@ -2138,7 +1644,7 @@
       </p:sp>
       <p:sp>
         <p:nvSpPr>
-          <p:cNvPr id="77" name="Google Shape;77;g3606f1c2d_30:notes"/>
+          <p:cNvPr id="86" name="Google Shape;86;g35f391192_04:notes"/>
           <p:cNvSpPr txBox="1">
             <a:spLocks noGrp="1"/>
           </p:cNvSpPr>
@@ -2170,7 +1676,7 @@
               </a:spcAft>
               <a:buNone/>
             </a:pPr>
-            <a:endParaRPr dirty="0"/>
+            <a:endParaRPr/>
           </a:p>
         </p:txBody>
       </p:sp>
@@ -3333,10 +2839,12 @@
         <a:gradFill flip="none" rotWithShape="1">
           <a:gsLst>
             <a:gs pos="0">
-              <a:schemeClr val="tx1"/>
+              <a:schemeClr val="bg1"/>
             </a:gs>
             <a:gs pos="100000">
-              <a:srgbClr val="0070C0"/>
+              <a:schemeClr val="bg1">
+                <a:lumMod val="85000"/>
+              </a:schemeClr>
             </a:gs>
           </a:gsLst>
           <a:lin ang="2698631" scaled="0"/>
@@ -4798,8 +4306,8 @@
         </p:nvSpPr>
         <p:spPr>
           <a:xfrm>
-            <a:off x="971600" y="1779662"/>
-            <a:ext cx="7272808" cy="1320564"/>
+            <a:off x="1079437" y="1875774"/>
+            <a:ext cx="6984776" cy="1320564"/>
           </a:xfrm>
           <a:prstGeom prst="rect">
             <a:avLst/>
@@ -4813,38 +4321,24 @@
           <a:p>
             <a:pPr lvl="0"/>
             <a:r>
-              <a:rPr lang="pt-PT" sz="1800" b="1" dirty="0" smtClean="0">
+              <a:rPr lang="pt-PT" sz="2000" b="1" dirty="0" smtClean="0">
+                <a:solidFill>
+                  <a:schemeClr val="tx1">
+                    <a:lumMod val="50000"/>
+                  </a:schemeClr>
+                </a:solidFill>
                 <a:latin typeface="Segoe UI Black" pitchFamily="34" charset="0"/>
                 <a:ea typeface="Segoe UI Black" pitchFamily="34" charset="0"/>
                 <a:cs typeface="Segoe UI Light" pitchFamily="34" charset="0"/>
               </a:rPr>
-              <a:t>KANBAN </a:t>
+              <a:t>SISTEMA WEB PARA AJUDAR NA ORIENTAÇÃO VOCACIONAL E PROFISSIONAL DOS ESTUDANTES DO ENSINO MÉDIO DE LUANDA </a:t>
             </a:r>
-            <a:r>
-              <a:rPr lang="pt-PT" sz="1800" b="1" dirty="0">
-                <a:latin typeface="Segoe UI Black" pitchFamily="34" charset="0"/>
-                <a:ea typeface="Segoe UI Black" pitchFamily="34" charset="0"/>
-                <a:cs typeface="Segoe UI Light" pitchFamily="34" charset="0"/>
-              </a:rPr>
-              <a:t>E DESENVOLVIMENTO </a:t>
-            </a:r>
-            <a:r>
-              <a:rPr lang="pt-PT" sz="1800" b="1" dirty="0" smtClean="0">
-                <a:latin typeface="Segoe UI Black" pitchFamily="34" charset="0"/>
-                <a:ea typeface="Segoe UI Black" pitchFamily="34" charset="0"/>
-                <a:cs typeface="Segoe UI Light" pitchFamily="34" charset="0"/>
-              </a:rPr>
-              <a:t>ITERATIVO E </a:t>
-            </a:r>
-            <a:r>
-              <a:rPr lang="pt-PT" sz="1800" b="1" dirty="0">
-                <a:latin typeface="Segoe UI Black" pitchFamily="34" charset="0"/>
-                <a:ea typeface="Segoe UI Black" pitchFamily="34" charset="0"/>
-                <a:cs typeface="Segoe UI Light" pitchFamily="34" charset="0"/>
-              </a:rPr>
-              <a:t>INCREMENTAL</a:t>
-            </a:r>
-            <a:endParaRPr lang="pt-PT" sz="1800" b="1" dirty="0">
+            <a:endParaRPr lang="pt-PT" sz="2000" b="1" dirty="0">
+              <a:solidFill>
+                <a:schemeClr val="tx1">
+                  <a:lumMod val="50000"/>
+                </a:schemeClr>
+              </a:solidFill>
               <a:latin typeface="Segoe UI Black" pitchFamily="34" charset="0"/>
               <a:ea typeface="Segoe UI Black" pitchFamily="34" charset="0"/>
               <a:cs typeface="Segoe UI Light" pitchFamily="34" charset="0"/>
@@ -4935,2217 +4429,7 @@
           </p:txBody>
         </p:sp>
       </p:grpSp>
-      <p:sp>
-        <p:nvSpPr>
-          <p:cNvPr id="8" name="Google Shape;80;p13"/>
-          <p:cNvSpPr txBox="1">
-            <a:spLocks/>
-          </p:cNvSpPr>
-          <p:nvPr/>
-        </p:nvSpPr>
-        <p:spPr>
-          <a:xfrm>
-            <a:off x="3851920" y="1347614"/>
-            <a:ext cx="2160240" cy="792088"/>
-          </a:xfrm>
-          <a:prstGeom prst="rect">
-            <a:avLst/>
-          </a:prstGeom>
-        </p:spPr>
-        <p:txBody>
-          <a:bodyPr spcFirstLastPara="1" wrap="square" lIns="91425" tIns="91425" rIns="91425" bIns="91425" anchor="t" anchorCtr="0">
-            <a:noAutofit/>
-          </a:bodyPr>
-          <a:lstStyle>
-            <a:defPPr marR="0" lvl="0" algn="l" rtl="0">
-              <a:lnSpc>
-                <a:spcPct val="100000"/>
-              </a:lnSpc>
-              <a:spcBef>
-                <a:spcPts val="0"/>
-              </a:spcBef>
-              <a:spcAft>
-                <a:spcPts val="0"/>
-              </a:spcAft>
-            </a:defPPr>
-            <a:lvl1pPr marR="0" lvl="0" algn="l" rtl="0">
-              <a:lnSpc>
-                <a:spcPct val="100000"/>
-              </a:lnSpc>
-              <a:spcBef>
-                <a:spcPts val="0"/>
-              </a:spcBef>
-              <a:spcAft>
-                <a:spcPts val="0"/>
-              </a:spcAft>
-              <a:buClr>
-                <a:srgbClr val="000000"/>
-              </a:buClr>
-              <a:buFont typeface="Arial"/>
-              <a:defRPr sz="1400" b="0" i="0" u="none" strike="noStrike" cap="none">
-                <a:solidFill>
-                  <a:srgbClr val="000000"/>
-                </a:solidFill>
-                <a:latin typeface="Arial"/>
-                <a:ea typeface="Arial"/>
-                <a:cs typeface="Arial"/>
-                <a:sym typeface="Arial"/>
-              </a:defRPr>
-            </a:lvl1pPr>
-            <a:lvl2pPr marR="0" lvl="1" algn="l" rtl="0">
-              <a:lnSpc>
-                <a:spcPct val="100000"/>
-              </a:lnSpc>
-              <a:spcBef>
-                <a:spcPts val="0"/>
-              </a:spcBef>
-              <a:spcAft>
-                <a:spcPts val="0"/>
-              </a:spcAft>
-              <a:buClr>
-                <a:srgbClr val="000000"/>
-              </a:buClr>
-              <a:buFont typeface="Arial"/>
-              <a:defRPr sz="1400" b="0" i="0" u="none" strike="noStrike" cap="none">
-                <a:solidFill>
-                  <a:srgbClr val="000000"/>
-                </a:solidFill>
-                <a:latin typeface="Arial"/>
-                <a:ea typeface="Arial"/>
-                <a:cs typeface="Arial"/>
-                <a:sym typeface="Arial"/>
-              </a:defRPr>
-            </a:lvl2pPr>
-            <a:lvl3pPr marR="0" lvl="2" algn="l" rtl="0">
-              <a:lnSpc>
-                <a:spcPct val="100000"/>
-              </a:lnSpc>
-              <a:spcBef>
-                <a:spcPts val="0"/>
-              </a:spcBef>
-              <a:spcAft>
-                <a:spcPts val="0"/>
-              </a:spcAft>
-              <a:buClr>
-                <a:srgbClr val="000000"/>
-              </a:buClr>
-              <a:buFont typeface="Arial"/>
-              <a:defRPr sz="1400" b="0" i="0" u="none" strike="noStrike" cap="none">
-                <a:solidFill>
-                  <a:srgbClr val="000000"/>
-                </a:solidFill>
-                <a:latin typeface="Arial"/>
-                <a:ea typeface="Arial"/>
-                <a:cs typeface="Arial"/>
-                <a:sym typeface="Arial"/>
-              </a:defRPr>
-            </a:lvl3pPr>
-            <a:lvl4pPr marR="0" lvl="3" algn="l" rtl="0">
-              <a:lnSpc>
-                <a:spcPct val="100000"/>
-              </a:lnSpc>
-              <a:spcBef>
-                <a:spcPts val="0"/>
-              </a:spcBef>
-              <a:spcAft>
-                <a:spcPts val="0"/>
-              </a:spcAft>
-              <a:buClr>
-                <a:srgbClr val="000000"/>
-              </a:buClr>
-              <a:buFont typeface="Arial"/>
-              <a:defRPr sz="1400" b="0" i="0" u="none" strike="noStrike" cap="none">
-                <a:solidFill>
-                  <a:srgbClr val="000000"/>
-                </a:solidFill>
-                <a:latin typeface="Arial"/>
-                <a:ea typeface="Arial"/>
-                <a:cs typeface="Arial"/>
-                <a:sym typeface="Arial"/>
-              </a:defRPr>
-            </a:lvl4pPr>
-            <a:lvl5pPr marR="0" lvl="4" algn="l" rtl="0">
-              <a:lnSpc>
-                <a:spcPct val="100000"/>
-              </a:lnSpc>
-              <a:spcBef>
-                <a:spcPts val="0"/>
-              </a:spcBef>
-              <a:spcAft>
-                <a:spcPts val="0"/>
-              </a:spcAft>
-              <a:buClr>
-                <a:srgbClr val="000000"/>
-              </a:buClr>
-              <a:buFont typeface="Arial"/>
-              <a:defRPr sz="1400" b="0" i="0" u="none" strike="noStrike" cap="none">
-                <a:solidFill>
-                  <a:srgbClr val="000000"/>
-                </a:solidFill>
-                <a:latin typeface="Arial"/>
-                <a:ea typeface="Arial"/>
-                <a:cs typeface="Arial"/>
-                <a:sym typeface="Arial"/>
-              </a:defRPr>
-            </a:lvl5pPr>
-            <a:lvl6pPr marR="0" lvl="5" algn="l" rtl="0">
-              <a:lnSpc>
-                <a:spcPct val="100000"/>
-              </a:lnSpc>
-              <a:spcBef>
-                <a:spcPts val="0"/>
-              </a:spcBef>
-              <a:spcAft>
-                <a:spcPts val="0"/>
-              </a:spcAft>
-              <a:buClr>
-                <a:srgbClr val="000000"/>
-              </a:buClr>
-              <a:buFont typeface="Arial"/>
-              <a:defRPr sz="1400" b="0" i="0" u="none" strike="noStrike" cap="none">
-                <a:solidFill>
-                  <a:srgbClr val="000000"/>
-                </a:solidFill>
-                <a:latin typeface="Arial"/>
-                <a:ea typeface="Arial"/>
-                <a:cs typeface="Arial"/>
-                <a:sym typeface="Arial"/>
-              </a:defRPr>
-            </a:lvl6pPr>
-            <a:lvl7pPr marR="0" lvl="6" algn="l" rtl="0">
-              <a:lnSpc>
-                <a:spcPct val="100000"/>
-              </a:lnSpc>
-              <a:spcBef>
-                <a:spcPts val="0"/>
-              </a:spcBef>
-              <a:spcAft>
-                <a:spcPts val="0"/>
-              </a:spcAft>
-              <a:buClr>
-                <a:srgbClr val="000000"/>
-              </a:buClr>
-              <a:buFont typeface="Arial"/>
-              <a:defRPr sz="1400" b="0" i="0" u="none" strike="noStrike" cap="none">
-                <a:solidFill>
-                  <a:srgbClr val="000000"/>
-                </a:solidFill>
-                <a:latin typeface="Arial"/>
-                <a:ea typeface="Arial"/>
-                <a:cs typeface="Arial"/>
-                <a:sym typeface="Arial"/>
-              </a:defRPr>
-            </a:lvl7pPr>
-            <a:lvl8pPr marR="0" lvl="7" algn="l" rtl="0">
-              <a:lnSpc>
-                <a:spcPct val="100000"/>
-              </a:lnSpc>
-              <a:spcBef>
-                <a:spcPts val="0"/>
-              </a:spcBef>
-              <a:spcAft>
-                <a:spcPts val="0"/>
-              </a:spcAft>
-              <a:buClr>
-                <a:srgbClr val="000000"/>
-              </a:buClr>
-              <a:buFont typeface="Arial"/>
-              <a:defRPr sz="1400" b="0" i="0" u="none" strike="noStrike" cap="none">
-                <a:solidFill>
-                  <a:srgbClr val="000000"/>
-                </a:solidFill>
-                <a:latin typeface="Arial"/>
-                <a:ea typeface="Arial"/>
-                <a:cs typeface="Arial"/>
-                <a:sym typeface="Arial"/>
-              </a:defRPr>
-            </a:lvl8pPr>
-            <a:lvl9pPr marR="0" lvl="8" algn="l" rtl="0">
-              <a:lnSpc>
-                <a:spcPct val="100000"/>
-              </a:lnSpc>
-              <a:spcBef>
-                <a:spcPts val="0"/>
-              </a:spcBef>
-              <a:spcAft>
-                <a:spcPts val="0"/>
-              </a:spcAft>
-              <a:buClr>
-                <a:srgbClr val="000000"/>
-              </a:buClr>
-              <a:buFont typeface="Arial"/>
-              <a:defRPr sz="1400" b="0" i="0" u="none" strike="noStrike" cap="none">
-                <a:solidFill>
-                  <a:srgbClr val="000000"/>
-                </a:solidFill>
-                <a:latin typeface="Arial"/>
-                <a:ea typeface="Arial"/>
-                <a:cs typeface="Arial"/>
-                <a:sym typeface="Arial"/>
-              </a:defRPr>
-            </a:lvl9pPr>
-          </a:lstStyle>
-          <a:p>
-            <a:pPr>
-              <a:spcBef>
-                <a:spcPts val="600"/>
-              </a:spcBef>
-            </a:pPr>
-            <a:r>
-              <a:rPr lang="pt-PT" sz="3200" b="1" dirty="0" smtClean="0">
-                <a:solidFill>
-                  <a:schemeClr val="bg1"/>
-                </a:solidFill>
-              </a:rPr>
-              <a:t>TEMA:</a:t>
-            </a:r>
-            <a:endParaRPr lang="pt-PT" sz="3200" dirty="0">
-              <a:solidFill>
-                <a:schemeClr val="bg1"/>
-              </a:solidFill>
-            </a:endParaRPr>
-          </a:p>
-        </p:txBody>
-      </p:sp>
     </p:spTree>
-  </p:cSld>
-  <p:clrMapOvr>
-    <a:masterClrMapping/>
-  </p:clrMapOvr>
-  <p:timing>
-    <p:tnLst>
-      <p:par>
-        <p:cTn id="1" dur="indefinite" restart="never" nodeType="tmRoot"/>
-      </p:par>
-    </p:tnLst>
-  </p:timing>
-</p:sld>
-</file>
-
-<file path=ppt/slides/slide10.xml><?xml version="1.0" encoding="utf-8"?>
-<p:sld xmlns:a="http://schemas.openxmlformats.org/drawingml/2006/main" xmlns:r="http://schemas.openxmlformats.org/officeDocument/2006/relationships" xmlns:p="http://schemas.openxmlformats.org/presentationml/2006/main">
-  <p:cSld>
-    <p:spTree>
-      <p:nvGrpSpPr>
-        <p:cNvPr id="1" name="Shape 78"/>
-        <p:cNvGrpSpPr/>
-        <p:nvPr/>
-      </p:nvGrpSpPr>
-      <p:grpSpPr>
-        <a:xfrm>
-          <a:off x="0" y="0"/>
-          <a:ext cx="0" cy="0"/>
-          <a:chOff x="0" y="0"/>
-          <a:chExt cx="0" cy="0"/>
-        </a:xfrm>
-      </p:grpSpPr>
-      <p:sp>
-        <p:nvSpPr>
-          <p:cNvPr id="83" name="Google Shape;83;p13"/>
-          <p:cNvSpPr txBox="1">
-            <a:spLocks noGrp="1"/>
-          </p:cNvSpPr>
-          <p:nvPr>
-            <p:ph type="sldNum" idx="12"/>
-          </p:nvPr>
-        </p:nvSpPr>
-        <p:spPr>
-          <a:xfrm>
-            <a:off x="4297659" y="510251"/>
-            <a:ext cx="548700" cy="393600"/>
-          </a:xfrm>
-          <a:prstGeom prst="rect">
-            <a:avLst/>
-          </a:prstGeom>
-        </p:spPr>
-        <p:txBody>
-          <a:bodyPr spcFirstLastPara="1" wrap="square" lIns="91425" tIns="91425" rIns="91425" bIns="91425" anchor="ctr" anchorCtr="0">
-            <a:noAutofit/>
-          </a:bodyPr>
-          <a:lstStyle/>
-          <a:p>
-            <a:pPr marL="0" lvl="0" indent="0" algn="ctr" rtl="0">
-              <a:spcBef>
-                <a:spcPts val="0"/>
-              </a:spcBef>
-              <a:spcAft>
-                <a:spcPts val="0"/>
-              </a:spcAft>
-              <a:buNone/>
-            </a:pPr>
-            <a:fld id="{00000000-1234-1234-1234-123412341234}" type="slidenum">
-              <a:rPr lang="en" smtClean="0"/>
-              <a:t>10</a:t>
-            </a:fld>
-            <a:endParaRPr dirty="0"/>
-          </a:p>
-        </p:txBody>
-      </p:sp>
-      <p:sp>
-        <p:nvSpPr>
-          <p:cNvPr id="7" name="Google Shape;71;p12"/>
-          <p:cNvSpPr txBox="1">
-            <a:spLocks/>
-          </p:cNvSpPr>
-          <p:nvPr/>
-        </p:nvSpPr>
-        <p:spPr>
-          <a:xfrm>
-            <a:off x="1403648" y="1017926"/>
-            <a:ext cx="6840760" cy="473704"/>
-          </a:xfrm>
-          <a:prstGeom prst="rect">
-            <a:avLst/>
-          </a:prstGeom>
-          <a:noFill/>
-          <a:ln>
-            <a:noFill/>
-          </a:ln>
-        </p:spPr>
-        <p:txBody>
-          <a:bodyPr spcFirstLastPara="1" wrap="square" lIns="91425" tIns="91425" rIns="91425" bIns="91425" anchor="ctr" anchorCtr="0">
-            <a:noAutofit/>
-          </a:bodyPr>
-          <a:lstStyle>
-            <a:defPPr marR="0" lvl="0" algn="l" rtl="0">
-              <a:lnSpc>
-                <a:spcPct val="100000"/>
-              </a:lnSpc>
-              <a:spcBef>
-                <a:spcPts val="0"/>
-              </a:spcBef>
-              <a:spcAft>
-                <a:spcPts val="0"/>
-              </a:spcAft>
-            </a:defPPr>
-            <a:lvl1pPr marR="0" lvl="0" algn="ctr" rtl="0">
-              <a:lnSpc>
-                <a:spcPct val="100000"/>
-              </a:lnSpc>
-              <a:spcBef>
-                <a:spcPts val="0"/>
-              </a:spcBef>
-              <a:spcAft>
-                <a:spcPts val="0"/>
-              </a:spcAft>
-              <a:buClr>
-                <a:schemeClr val="lt1"/>
-              </a:buClr>
-              <a:buSzPts val="1800"/>
-              <a:buFont typeface="Vidaloka"/>
-              <a:buNone/>
-              <a:defRPr sz="1800" b="0" i="0" u="none" strike="noStrike" cap="none">
-                <a:solidFill>
-                  <a:schemeClr val="lt1"/>
-                </a:solidFill>
-                <a:latin typeface="Vidaloka"/>
-                <a:ea typeface="Vidaloka"/>
-                <a:cs typeface="Vidaloka"/>
-                <a:sym typeface="Vidaloka"/>
-              </a:defRPr>
-            </a:lvl1pPr>
-            <a:lvl2pPr marR="0" lvl="1" algn="ctr" rtl="0">
-              <a:lnSpc>
-                <a:spcPct val="100000"/>
-              </a:lnSpc>
-              <a:spcBef>
-                <a:spcPts val="0"/>
-              </a:spcBef>
-              <a:spcAft>
-                <a:spcPts val="0"/>
-              </a:spcAft>
-              <a:buClr>
-                <a:schemeClr val="lt1"/>
-              </a:buClr>
-              <a:buSzPts val="1800"/>
-              <a:buFont typeface="Vidaloka"/>
-              <a:buNone/>
-              <a:defRPr sz="1800" b="0" i="0" u="none" strike="noStrike" cap="none">
-                <a:solidFill>
-                  <a:schemeClr val="lt1"/>
-                </a:solidFill>
-                <a:latin typeface="Vidaloka"/>
-                <a:ea typeface="Vidaloka"/>
-                <a:cs typeface="Vidaloka"/>
-                <a:sym typeface="Vidaloka"/>
-              </a:defRPr>
-            </a:lvl2pPr>
-            <a:lvl3pPr marR="0" lvl="2" algn="ctr" rtl="0">
-              <a:lnSpc>
-                <a:spcPct val="100000"/>
-              </a:lnSpc>
-              <a:spcBef>
-                <a:spcPts val="0"/>
-              </a:spcBef>
-              <a:spcAft>
-                <a:spcPts val="0"/>
-              </a:spcAft>
-              <a:buClr>
-                <a:schemeClr val="lt1"/>
-              </a:buClr>
-              <a:buSzPts val="1800"/>
-              <a:buFont typeface="Vidaloka"/>
-              <a:buNone/>
-              <a:defRPr sz="1800" b="0" i="0" u="none" strike="noStrike" cap="none">
-                <a:solidFill>
-                  <a:schemeClr val="lt1"/>
-                </a:solidFill>
-                <a:latin typeface="Vidaloka"/>
-                <a:ea typeface="Vidaloka"/>
-                <a:cs typeface="Vidaloka"/>
-                <a:sym typeface="Vidaloka"/>
-              </a:defRPr>
-            </a:lvl3pPr>
-            <a:lvl4pPr marR="0" lvl="3" algn="ctr" rtl="0">
-              <a:lnSpc>
-                <a:spcPct val="100000"/>
-              </a:lnSpc>
-              <a:spcBef>
-                <a:spcPts val="0"/>
-              </a:spcBef>
-              <a:spcAft>
-                <a:spcPts val="0"/>
-              </a:spcAft>
-              <a:buClr>
-                <a:schemeClr val="lt1"/>
-              </a:buClr>
-              <a:buSzPts val="1800"/>
-              <a:buFont typeface="Vidaloka"/>
-              <a:buNone/>
-              <a:defRPr sz="1800" b="0" i="0" u="none" strike="noStrike" cap="none">
-                <a:solidFill>
-                  <a:schemeClr val="lt1"/>
-                </a:solidFill>
-                <a:latin typeface="Vidaloka"/>
-                <a:ea typeface="Vidaloka"/>
-                <a:cs typeface="Vidaloka"/>
-                <a:sym typeface="Vidaloka"/>
-              </a:defRPr>
-            </a:lvl4pPr>
-            <a:lvl5pPr marR="0" lvl="4" algn="ctr" rtl="0">
-              <a:lnSpc>
-                <a:spcPct val="100000"/>
-              </a:lnSpc>
-              <a:spcBef>
-                <a:spcPts val="0"/>
-              </a:spcBef>
-              <a:spcAft>
-                <a:spcPts val="0"/>
-              </a:spcAft>
-              <a:buClr>
-                <a:schemeClr val="lt1"/>
-              </a:buClr>
-              <a:buSzPts val="1800"/>
-              <a:buFont typeface="Vidaloka"/>
-              <a:buNone/>
-              <a:defRPr sz="1800" b="0" i="0" u="none" strike="noStrike" cap="none">
-                <a:solidFill>
-                  <a:schemeClr val="lt1"/>
-                </a:solidFill>
-                <a:latin typeface="Vidaloka"/>
-                <a:ea typeface="Vidaloka"/>
-                <a:cs typeface="Vidaloka"/>
-                <a:sym typeface="Vidaloka"/>
-              </a:defRPr>
-            </a:lvl5pPr>
-            <a:lvl6pPr marR="0" lvl="5" algn="ctr" rtl="0">
-              <a:lnSpc>
-                <a:spcPct val="100000"/>
-              </a:lnSpc>
-              <a:spcBef>
-                <a:spcPts val="0"/>
-              </a:spcBef>
-              <a:spcAft>
-                <a:spcPts val="0"/>
-              </a:spcAft>
-              <a:buClr>
-                <a:schemeClr val="lt1"/>
-              </a:buClr>
-              <a:buSzPts val="1800"/>
-              <a:buFont typeface="Vidaloka"/>
-              <a:buNone/>
-              <a:defRPr sz="1800" b="0" i="0" u="none" strike="noStrike" cap="none">
-                <a:solidFill>
-                  <a:schemeClr val="lt1"/>
-                </a:solidFill>
-                <a:latin typeface="Vidaloka"/>
-                <a:ea typeface="Vidaloka"/>
-                <a:cs typeface="Vidaloka"/>
-                <a:sym typeface="Vidaloka"/>
-              </a:defRPr>
-            </a:lvl6pPr>
-            <a:lvl7pPr marR="0" lvl="6" algn="ctr" rtl="0">
-              <a:lnSpc>
-                <a:spcPct val="100000"/>
-              </a:lnSpc>
-              <a:spcBef>
-                <a:spcPts val="0"/>
-              </a:spcBef>
-              <a:spcAft>
-                <a:spcPts val="0"/>
-              </a:spcAft>
-              <a:buClr>
-                <a:schemeClr val="lt1"/>
-              </a:buClr>
-              <a:buSzPts val="1800"/>
-              <a:buFont typeface="Vidaloka"/>
-              <a:buNone/>
-              <a:defRPr sz="1800" b="0" i="0" u="none" strike="noStrike" cap="none">
-                <a:solidFill>
-                  <a:schemeClr val="lt1"/>
-                </a:solidFill>
-                <a:latin typeface="Vidaloka"/>
-                <a:ea typeface="Vidaloka"/>
-                <a:cs typeface="Vidaloka"/>
-                <a:sym typeface="Vidaloka"/>
-              </a:defRPr>
-            </a:lvl7pPr>
-            <a:lvl8pPr marR="0" lvl="7" algn="ctr" rtl="0">
-              <a:lnSpc>
-                <a:spcPct val="100000"/>
-              </a:lnSpc>
-              <a:spcBef>
-                <a:spcPts val="0"/>
-              </a:spcBef>
-              <a:spcAft>
-                <a:spcPts val="0"/>
-              </a:spcAft>
-              <a:buClr>
-                <a:schemeClr val="lt1"/>
-              </a:buClr>
-              <a:buSzPts val="1800"/>
-              <a:buFont typeface="Vidaloka"/>
-              <a:buNone/>
-              <a:defRPr sz="1800" b="0" i="0" u="none" strike="noStrike" cap="none">
-                <a:solidFill>
-                  <a:schemeClr val="lt1"/>
-                </a:solidFill>
-                <a:latin typeface="Vidaloka"/>
-                <a:ea typeface="Vidaloka"/>
-                <a:cs typeface="Vidaloka"/>
-                <a:sym typeface="Vidaloka"/>
-              </a:defRPr>
-            </a:lvl8pPr>
-            <a:lvl9pPr marR="0" lvl="8" algn="ctr" rtl="0">
-              <a:lnSpc>
-                <a:spcPct val="100000"/>
-              </a:lnSpc>
-              <a:spcBef>
-                <a:spcPts val="0"/>
-              </a:spcBef>
-              <a:spcAft>
-                <a:spcPts val="0"/>
-              </a:spcAft>
-              <a:buClr>
-                <a:schemeClr val="lt1"/>
-              </a:buClr>
-              <a:buSzPts val="1800"/>
-              <a:buFont typeface="Vidaloka"/>
-              <a:buNone/>
-              <a:defRPr sz="1800" b="0" i="0" u="none" strike="noStrike" cap="none">
-                <a:solidFill>
-                  <a:schemeClr val="lt1"/>
-                </a:solidFill>
-                <a:latin typeface="Vidaloka"/>
-                <a:ea typeface="Vidaloka"/>
-                <a:cs typeface="Vidaloka"/>
-                <a:sym typeface="Vidaloka"/>
-              </a:defRPr>
-            </a:lvl9pPr>
-          </a:lstStyle>
-          <a:p>
-            <a:r>
-              <a:rPr lang="pt-PT" b="1" dirty="0">
-                <a:latin typeface="Segoe UI Black" pitchFamily="34" charset="0"/>
-                <a:ea typeface="Segoe UI Black" pitchFamily="34" charset="0"/>
-                <a:cs typeface="Segoe UI Light" pitchFamily="34" charset="0"/>
-              </a:rPr>
-              <a:t>VANTAGEM E DESVANTAGEM </a:t>
-            </a:r>
-            <a:r>
-              <a:rPr lang="pt-PT" b="1" dirty="0" smtClean="0">
-                <a:latin typeface="Segoe UI Black" pitchFamily="34" charset="0"/>
-                <a:ea typeface="Segoe UI Black" pitchFamily="34" charset="0"/>
-                <a:cs typeface="Segoe UI Light" pitchFamily="34" charset="0"/>
-              </a:rPr>
-              <a:t>DE USAR O DESENVOLVIMENTO ITERATIVO </a:t>
-            </a:r>
-            <a:r>
-              <a:rPr lang="pt-PT" b="1" dirty="0">
-                <a:latin typeface="Segoe UI Black" pitchFamily="34" charset="0"/>
-                <a:ea typeface="Segoe UI Black" pitchFamily="34" charset="0"/>
-                <a:cs typeface="Segoe UI Light" pitchFamily="34" charset="0"/>
-              </a:rPr>
-              <a:t>E </a:t>
-            </a:r>
-            <a:r>
-              <a:rPr lang="pt-PT" b="1" dirty="0" smtClean="0">
-                <a:latin typeface="Segoe UI Black" pitchFamily="34" charset="0"/>
-                <a:ea typeface="Segoe UI Black" pitchFamily="34" charset="0"/>
-                <a:cs typeface="Segoe UI Light" pitchFamily="34" charset="0"/>
-              </a:rPr>
-              <a:t>INCREMENTAL</a:t>
-            </a:r>
-            <a:endParaRPr lang="pt-PT" b="1" dirty="0">
-              <a:latin typeface="Segoe UI Black" pitchFamily="34" charset="0"/>
-              <a:ea typeface="Segoe UI Black" pitchFamily="34" charset="0"/>
-              <a:cs typeface="Segoe UI Light" pitchFamily="34" charset="0"/>
-            </a:endParaRPr>
-          </a:p>
-        </p:txBody>
-      </p:sp>
-      <p:pic>
-        <p:nvPicPr>
-          <p:cNvPr id="5123" name="Picture 3" descr="C:\Users\lcarlos\Desktop\patton_incremental_iterative_mnalisa.jpg"/>
-          <p:cNvPicPr>
-            <a:picLocks noChangeAspect="1" noChangeArrowheads="1"/>
-          </p:cNvPicPr>
-          <p:nvPr/>
-        </p:nvPicPr>
-        <p:blipFill>
-          <a:blip r:embed="rId3">
-            <a:extLst>
-              <a:ext uri="{28A0092B-C50C-407E-A947-70E740481C1C}">
-                <a14:useLocalDpi xmlns:a14="http://schemas.microsoft.com/office/drawing/2010/main" val="0"/>
-              </a:ext>
-            </a:extLst>
-          </a:blip>
-          <a:srcRect/>
-          <a:stretch>
-            <a:fillRect/>
-          </a:stretch>
-        </p:blipFill>
-        <p:spPr bwMode="auto">
-          <a:xfrm>
-            <a:off x="2962883" y="1635646"/>
-            <a:ext cx="3697349" cy="3037690"/>
-          </a:xfrm>
-          <a:prstGeom prst="rect">
-            <a:avLst/>
-          </a:prstGeom>
-          <a:noFill/>
-          <a:extLst>
-            <a:ext uri="{909E8E84-426E-40DD-AFC4-6F175D3DCCD1}">
-              <a14:hiddenFill xmlns:a14="http://schemas.microsoft.com/office/drawing/2010/main">
-                <a:solidFill>
-                  <a:srgbClr val="FFFFFF"/>
-                </a:solidFill>
-              </a14:hiddenFill>
-            </a:ext>
-          </a:extLst>
-        </p:spPr>
-      </p:pic>
-    </p:spTree>
-    <p:extLst>
-      <p:ext uri="{BB962C8B-B14F-4D97-AF65-F5344CB8AC3E}">
-        <p14:creationId xmlns:p14="http://schemas.microsoft.com/office/powerpoint/2010/main" val="2511238425"/>
-      </p:ext>
-    </p:extLst>
-  </p:cSld>
-  <p:clrMapOvr>
-    <a:masterClrMapping/>
-  </p:clrMapOvr>
-  <p:timing>
-    <p:tnLst>
-      <p:par>
-        <p:cTn id="1" dur="indefinite" restart="never" nodeType="tmRoot"/>
-      </p:par>
-    </p:tnLst>
-  </p:timing>
-</p:sld>
-</file>
-
-<file path=ppt/slides/slide11.xml><?xml version="1.0" encoding="utf-8"?>
-<p:sld xmlns:a="http://schemas.openxmlformats.org/drawingml/2006/main" xmlns:r="http://schemas.openxmlformats.org/officeDocument/2006/relationships" xmlns:p="http://schemas.openxmlformats.org/presentationml/2006/main">
-  <p:cSld>
-    <p:spTree>
-      <p:nvGrpSpPr>
-        <p:cNvPr id="1" name="Shape 78"/>
-        <p:cNvGrpSpPr/>
-        <p:nvPr/>
-      </p:nvGrpSpPr>
-      <p:grpSpPr>
-        <a:xfrm>
-          <a:off x="0" y="0"/>
-          <a:ext cx="0" cy="0"/>
-          <a:chOff x="0" y="0"/>
-          <a:chExt cx="0" cy="0"/>
-        </a:xfrm>
-      </p:grpSpPr>
-      <p:sp>
-        <p:nvSpPr>
-          <p:cNvPr id="83" name="Google Shape;83;p13"/>
-          <p:cNvSpPr txBox="1">
-            <a:spLocks noGrp="1"/>
-          </p:cNvSpPr>
-          <p:nvPr>
-            <p:ph type="sldNum" idx="12"/>
-          </p:nvPr>
-        </p:nvSpPr>
-        <p:spPr>
-          <a:xfrm>
-            <a:off x="4297659" y="510251"/>
-            <a:ext cx="548700" cy="393600"/>
-          </a:xfrm>
-          <a:prstGeom prst="rect">
-            <a:avLst/>
-          </a:prstGeom>
-        </p:spPr>
-        <p:txBody>
-          <a:bodyPr spcFirstLastPara="1" wrap="square" lIns="91425" tIns="91425" rIns="91425" bIns="91425" anchor="ctr" anchorCtr="0">
-            <a:noAutofit/>
-          </a:bodyPr>
-          <a:lstStyle/>
-          <a:p>
-            <a:pPr marL="0" lvl="0" indent="0" algn="ctr" rtl="0">
-              <a:spcBef>
-                <a:spcPts val="0"/>
-              </a:spcBef>
-              <a:spcAft>
-                <a:spcPts val="0"/>
-              </a:spcAft>
-              <a:buNone/>
-            </a:pPr>
-            <a:fld id="{00000000-1234-1234-1234-123412341234}" type="slidenum">
-              <a:rPr lang="en" smtClean="0"/>
-              <a:t>11</a:t>
-            </a:fld>
-            <a:endParaRPr dirty="0"/>
-          </a:p>
-        </p:txBody>
-      </p:sp>
-      <p:sp>
-        <p:nvSpPr>
-          <p:cNvPr id="7" name="Google Shape;71;p12"/>
-          <p:cNvSpPr txBox="1">
-            <a:spLocks/>
-          </p:cNvSpPr>
-          <p:nvPr/>
-        </p:nvSpPr>
-        <p:spPr>
-          <a:xfrm>
-            <a:off x="1403648" y="1017926"/>
-            <a:ext cx="6840760" cy="473704"/>
-          </a:xfrm>
-          <a:prstGeom prst="rect">
-            <a:avLst/>
-          </a:prstGeom>
-          <a:noFill/>
-          <a:ln>
-            <a:noFill/>
-          </a:ln>
-        </p:spPr>
-        <p:txBody>
-          <a:bodyPr spcFirstLastPara="1" wrap="square" lIns="91425" tIns="91425" rIns="91425" bIns="91425" anchor="ctr" anchorCtr="0">
-            <a:noAutofit/>
-          </a:bodyPr>
-          <a:lstStyle>
-            <a:defPPr marR="0" lvl="0" algn="l" rtl="0">
-              <a:lnSpc>
-                <a:spcPct val="100000"/>
-              </a:lnSpc>
-              <a:spcBef>
-                <a:spcPts val="0"/>
-              </a:spcBef>
-              <a:spcAft>
-                <a:spcPts val="0"/>
-              </a:spcAft>
-            </a:defPPr>
-            <a:lvl1pPr marR="0" lvl="0" algn="ctr" rtl="0">
-              <a:lnSpc>
-                <a:spcPct val="100000"/>
-              </a:lnSpc>
-              <a:spcBef>
-                <a:spcPts val="0"/>
-              </a:spcBef>
-              <a:spcAft>
-                <a:spcPts val="0"/>
-              </a:spcAft>
-              <a:buClr>
-                <a:schemeClr val="lt1"/>
-              </a:buClr>
-              <a:buSzPts val="1800"/>
-              <a:buFont typeface="Vidaloka"/>
-              <a:buNone/>
-              <a:defRPr sz="1800" b="0" i="0" u="none" strike="noStrike" cap="none">
-                <a:solidFill>
-                  <a:schemeClr val="lt1"/>
-                </a:solidFill>
-                <a:latin typeface="Vidaloka"/>
-                <a:ea typeface="Vidaloka"/>
-                <a:cs typeface="Vidaloka"/>
-                <a:sym typeface="Vidaloka"/>
-              </a:defRPr>
-            </a:lvl1pPr>
-            <a:lvl2pPr marR="0" lvl="1" algn="ctr" rtl="0">
-              <a:lnSpc>
-                <a:spcPct val="100000"/>
-              </a:lnSpc>
-              <a:spcBef>
-                <a:spcPts val="0"/>
-              </a:spcBef>
-              <a:spcAft>
-                <a:spcPts val="0"/>
-              </a:spcAft>
-              <a:buClr>
-                <a:schemeClr val="lt1"/>
-              </a:buClr>
-              <a:buSzPts val="1800"/>
-              <a:buFont typeface="Vidaloka"/>
-              <a:buNone/>
-              <a:defRPr sz="1800" b="0" i="0" u="none" strike="noStrike" cap="none">
-                <a:solidFill>
-                  <a:schemeClr val="lt1"/>
-                </a:solidFill>
-                <a:latin typeface="Vidaloka"/>
-                <a:ea typeface="Vidaloka"/>
-                <a:cs typeface="Vidaloka"/>
-                <a:sym typeface="Vidaloka"/>
-              </a:defRPr>
-            </a:lvl2pPr>
-            <a:lvl3pPr marR="0" lvl="2" algn="ctr" rtl="0">
-              <a:lnSpc>
-                <a:spcPct val="100000"/>
-              </a:lnSpc>
-              <a:spcBef>
-                <a:spcPts val="0"/>
-              </a:spcBef>
-              <a:spcAft>
-                <a:spcPts val="0"/>
-              </a:spcAft>
-              <a:buClr>
-                <a:schemeClr val="lt1"/>
-              </a:buClr>
-              <a:buSzPts val="1800"/>
-              <a:buFont typeface="Vidaloka"/>
-              <a:buNone/>
-              <a:defRPr sz="1800" b="0" i="0" u="none" strike="noStrike" cap="none">
-                <a:solidFill>
-                  <a:schemeClr val="lt1"/>
-                </a:solidFill>
-                <a:latin typeface="Vidaloka"/>
-                <a:ea typeface="Vidaloka"/>
-                <a:cs typeface="Vidaloka"/>
-                <a:sym typeface="Vidaloka"/>
-              </a:defRPr>
-            </a:lvl3pPr>
-            <a:lvl4pPr marR="0" lvl="3" algn="ctr" rtl="0">
-              <a:lnSpc>
-                <a:spcPct val="100000"/>
-              </a:lnSpc>
-              <a:spcBef>
-                <a:spcPts val="0"/>
-              </a:spcBef>
-              <a:spcAft>
-                <a:spcPts val="0"/>
-              </a:spcAft>
-              <a:buClr>
-                <a:schemeClr val="lt1"/>
-              </a:buClr>
-              <a:buSzPts val="1800"/>
-              <a:buFont typeface="Vidaloka"/>
-              <a:buNone/>
-              <a:defRPr sz="1800" b="0" i="0" u="none" strike="noStrike" cap="none">
-                <a:solidFill>
-                  <a:schemeClr val="lt1"/>
-                </a:solidFill>
-                <a:latin typeface="Vidaloka"/>
-                <a:ea typeface="Vidaloka"/>
-                <a:cs typeface="Vidaloka"/>
-                <a:sym typeface="Vidaloka"/>
-              </a:defRPr>
-            </a:lvl4pPr>
-            <a:lvl5pPr marR="0" lvl="4" algn="ctr" rtl="0">
-              <a:lnSpc>
-                <a:spcPct val="100000"/>
-              </a:lnSpc>
-              <a:spcBef>
-                <a:spcPts val="0"/>
-              </a:spcBef>
-              <a:spcAft>
-                <a:spcPts val="0"/>
-              </a:spcAft>
-              <a:buClr>
-                <a:schemeClr val="lt1"/>
-              </a:buClr>
-              <a:buSzPts val="1800"/>
-              <a:buFont typeface="Vidaloka"/>
-              <a:buNone/>
-              <a:defRPr sz="1800" b="0" i="0" u="none" strike="noStrike" cap="none">
-                <a:solidFill>
-                  <a:schemeClr val="lt1"/>
-                </a:solidFill>
-                <a:latin typeface="Vidaloka"/>
-                <a:ea typeface="Vidaloka"/>
-                <a:cs typeface="Vidaloka"/>
-                <a:sym typeface="Vidaloka"/>
-              </a:defRPr>
-            </a:lvl5pPr>
-            <a:lvl6pPr marR="0" lvl="5" algn="ctr" rtl="0">
-              <a:lnSpc>
-                <a:spcPct val="100000"/>
-              </a:lnSpc>
-              <a:spcBef>
-                <a:spcPts val="0"/>
-              </a:spcBef>
-              <a:spcAft>
-                <a:spcPts val="0"/>
-              </a:spcAft>
-              <a:buClr>
-                <a:schemeClr val="lt1"/>
-              </a:buClr>
-              <a:buSzPts val="1800"/>
-              <a:buFont typeface="Vidaloka"/>
-              <a:buNone/>
-              <a:defRPr sz="1800" b="0" i="0" u="none" strike="noStrike" cap="none">
-                <a:solidFill>
-                  <a:schemeClr val="lt1"/>
-                </a:solidFill>
-                <a:latin typeface="Vidaloka"/>
-                <a:ea typeface="Vidaloka"/>
-                <a:cs typeface="Vidaloka"/>
-                <a:sym typeface="Vidaloka"/>
-              </a:defRPr>
-            </a:lvl6pPr>
-            <a:lvl7pPr marR="0" lvl="6" algn="ctr" rtl="0">
-              <a:lnSpc>
-                <a:spcPct val="100000"/>
-              </a:lnSpc>
-              <a:spcBef>
-                <a:spcPts val="0"/>
-              </a:spcBef>
-              <a:spcAft>
-                <a:spcPts val="0"/>
-              </a:spcAft>
-              <a:buClr>
-                <a:schemeClr val="lt1"/>
-              </a:buClr>
-              <a:buSzPts val="1800"/>
-              <a:buFont typeface="Vidaloka"/>
-              <a:buNone/>
-              <a:defRPr sz="1800" b="0" i="0" u="none" strike="noStrike" cap="none">
-                <a:solidFill>
-                  <a:schemeClr val="lt1"/>
-                </a:solidFill>
-                <a:latin typeface="Vidaloka"/>
-                <a:ea typeface="Vidaloka"/>
-                <a:cs typeface="Vidaloka"/>
-                <a:sym typeface="Vidaloka"/>
-              </a:defRPr>
-            </a:lvl7pPr>
-            <a:lvl8pPr marR="0" lvl="7" algn="ctr" rtl="0">
-              <a:lnSpc>
-                <a:spcPct val="100000"/>
-              </a:lnSpc>
-              <a:spcBef>
-                <a:spcPts val="0"/>
-              </a:spcBef>
-              <a:spcAft>
-                <a:spcPts val="0"/>
-              </a:spcAft>
-              <a:buClr>
-                <a:schemeClr val="lt1"/>
-              </a:buClr>
-              <a:buSzPts val="1800"/>
-              <a:buFont typeface="Vidaloka"/>
-              <a:buNone/>
-              <a:defRPr sz="1800" b="0" i="0" u="none" strike="noStrike" cap="none">
-                <a:solidFill>
-                  <a:schemeClr val="lt1"/>
-                </a:solidFill>
-                <a:latin typeface="Vidaloka"/>
-                <a:ea typeface="Vidaloka"/>
-                <a:cs typeface="Vidaloka"/>
-                <a:sym typeface="Vidaloka"/>
-              </a:defRPr>
-            </a:lvl8pPr>
-            <a:lvl9pPr marR="0" lvl="8" algn="ctr" rtl="0">
-              <a:lnSpc>
-                <a:spcPct val="100000"/>
-              </a:lnSpc>
-              <a:spcBef>
-                <a:spcPts val="0"/>
-              </a:spcBef>
-              <a:spcAft>
-                <a:spcPts val="0"/>
-              </a:spcAft>
-              <a:buClr>
-                <a:schemeClr val="lt1"/>
-              </a:buClr>
-              <a:buSzPts val="1800"/>
-              <a:buFont typeface="Vidaloka"/>
-              <a:buNone/>
-              <a:defRPr sz="1800" b="0" i="0" u="none" strike="noStrike" cap="none">
-                <a:solidFill>
-                  <a:schemeClr val="lt1"/>
-                </a:solidFill>
-                <a:latin typeface="Vidaloka"/>
-                <a:ea typeface="Vidaloka"/>
-                <a:cs typeface="Vidaloka"/>
-                <a:sym typeface="Vidaloka"/>
-              </a:defRPr>
-            </a:lvl9pPr>
-          </a:lstStyle>
-          <a:p>
-            <a:r>
-              <a:rPr lang="pt-PT" b="1" dirty="0">
-                <a:latin typeface="Segoe UI Black" pitchFamily="34" charset="0"/>
-                <a:ea typeface="Segoe UI Black" pitchFamily="34" charset="0"/>
-                <a:cs typeface="Segoe UI Light" pitchFamily="34" charset="0"/>
-              </a:rPr>
-              <a:t>QUANDO APLICAR O KABAN</a:t>
-            </a:r>
-          </a:p>
-        </p:txBody>
-      </p:sp>
-      <p:pic>
-        <p:nvPicPr>
-          <p:cNvPr id="7170" name="Picture 2" descr="C:\Users\lcarlos\Desktop\kanbann-cores (1).png"/>
-          <p:cNvPicPr>
-            <a:picLocks noChangeAspect="1" noChangeArrowheads="1"/>
-          </p:cNvPicPr>
-          <p:nvPr/>
-        </p:nvPicPr>
-        <p:blipFill>
-          <a:blip r:embed="rId3">
-            <a:extLst>
-              <a:ext uri="{28A0092B-C50C-407E-A947-70E740481C1C}">
-                <a14:useLocalDpi xmlns:a14="http://schemas.microsoft.com/office/drawing/2010/main" val="0"/>
-              </a:ext>
-            </a:extLst>
-          </a:blip>
-          <a:srcRect/>
-          <a:stretch>
-            <a:fillRect/>
-          </a:stretch>
-        </p:blipFill>
-        <p:spPr bwMode="auto">
-          <a:xfrm>
-            <a:off x="1979712" y="1550176"/>
-            <a:ext cx="5976664" cy="3122807"/>
-          </a:xfrm>
-          <a:prstGeom prst="rect">
-            <a:avLst/>
-          </a:prstGeom>
-          <a:noFill/>
-          <a:extLst>
-            <a:ext uri="{909E8E84-426E-40DD-AFC4-6F175D3DCCD1}">
-              <a14:hiddenFill xmlns:a14="http://schemas.microsoft.com/office/drawing/2010/main">
-                <a:solidFill>
-                  <a:srgbClr val="FFFFFF"/>
-                </a:solidFill>
-              </a14:hiddenFill>
-            </a:ext>
-          </a:extLst>
-        </p:spPr>
-      </p:pic>
-    </p:spTree>
-    <p:extLst>
-      <p:ext uri="{BB962C8B-B14F-4D97-AF65-F5344CB8AC3E}">
-        <p14:creationId xmlns:p14="http://schemas.microsoft.com/office/powerpoint/2010/main" val="3613932988"/>
-      </p:ext>
-    </p:extLst>
-  </p:cSld>
-  <p:clrMapOvr>
-    <a:masterClrMapping/>
-  </p:clrMapOvr>
-  <p:timing>
-    <p:tnLst>
-      <p:par>
-        <p:cTn id="1" dur="indefinite" restart="never" nodeType="tmRoot"/>
-      </p:par>
-    </p:tnLst>
-  </p:timing>
-</p:sld>
-</file>
-
-<file path=ppt/slides/slide12.xml><?xml version="1.0" encoding="utf-8"?>
-<p:sld xmlns:a="http://schemas.openxmlformats.org/drawingml/2006/main" xmlns:r="http://schemas.openxmlformats.org/officeDocument/2006/relationships" xmlns:p="http://schemas.openxmlformats.org/presentationml/2006/main">
-  <p:cSld>
-    <p:spTree>
-      <p:nvGrpSpPr>
-        <p:cNvPr id="1" name="Shape 78"/>
-        <p:cNvGrpSpPr/>
-        <p:nvPr/>
-      </p:nvGrpSpPr>
-      <p:grpSpPr>
-        <a:xfrm>
-          <a:off x="0" y="0"/>
-          <a:ext cx="0" cy="0"/>
-          <a:chOff x="0" y="0"/>
-          <a:chExt cx="0" cy="0"/>
-        </a:xfrm>
-      </p:grpSpPr>
-      <p:sp>
-        <p:nvSpPr>
-          <p:cNvPr id="83" name="Google Shape;83;p13"/>
-          <p:cNvSpPr txBox="1">
-            <a:spLocks noGrp="1"/>
-          </p:cNvSpPr>
-          <p:nvPr>
-            <p:ph type="sldNum" idx="12"/>
-          </p:nvPr>
-        </p:nvSpPr>
-        <p:spPr>
-          <a:xfrm>
-            <a:off x="4297659" y="510251"/>
-            <a:ext cx="548700" cy="393600"/>
-          </a:xfrm>
-          <a:prstGeom prst="rect">
-            <a:avLst/>
-          </a:prstGeom>
-        </p:spPr>
-        <p:txBody>
-          <a:bodyPr spcFirstLastPara="1" wrap="square" lIns="91425" tIns="91425" rIns="91425" bIns="91425" anchor="ctr" anchorCtr="0">
-            <a:noAutofit/>
-          </a:bodyPr>
-          <a:lstStyle/>
-          <a:p>
-            <a:pPr marL="0" lvl="0" indent="0" algn="ctr" rtl="0">
-              <a:spcBef>
-                <a:spcPts val="0"/>
-              </a:spcBef>
-              <a:spcAft>
-                <a:spcPts val="0"/>
-              </a:spcAft>
-              <a:buNone/>
-            </a:pPr>
-            <a:fld id="{00000000-1234-1234-1234-123412341234}" type="slidenum">
-              <a:rPr lang="en" smtClean="0"/>
-              <a:t>12</a:t>
-            </a:fld>
-            <a:endParaRPr dirty="0"/>
-          </a:p>
-        </p:txBody>
-      </p:sp>
-      <p:sp>
-        <p:nvSpPr>
-          <p:cNvPr id="7" name="Google Shape;71;p12"/>
-          <p:cNvSpPr txBox="1">
-            <a:spLocks/>
-          </p:cNvSpPr>
-          <p:nvPr/>
-        </p:nvSpPr>
-        <p:spPr>
-          <a:xfrm>
-            <a:off x="1403648" y="1017926"/>
-            <a:ext cx="6840760" cy="473704"/>
-          </a:xfrm>
-          <a:prstGeom prst="rect">
-            <a:avLst/>
-          </a:prstGeom>
-          <a:noFill/>
-          <a:ln>
-            <a:noFill/>
-          </a:ln>
-        </p:spPr>
-        <p:txBody>
-          <a:bodyPr spcFirstLastPara="1" wrap="square" lIns="91425" tIns="91425" rIns="91425" bIns="91425" anchor="ctr" anchorCtr="0">
-            <a:noAutofit/>
-          </a:bodyPr>
-          <a:lstStyle>
-            <a:defPPr marR="0" lvl="0" algn="l" rtl="0">
-              <a:lnSpc>
-                <a:spcPct val="100000"/>
-              </a:lnSpc>
-              <a:spcBef>
-                <a:spcPts val="0"/>
-              </a:spcBef>
-              <a:spcAft>
-                <a:spcPts val="0"/>
-              </a:spcAft>
-            </a:defPPr>
-            <a:lvl1pPr marR="0" lvl="0" algn="ctr" rtl="0">
-              <a:lnSpc>
-                <a:spcPct val="100000"/>
-              </a:lnSpc>
-              <a:spcBef>
-                <a:spcPts val="0"/>
-              </a:spcBef>
-              <a:spcAft>
-                <a:spcPts val="0"/>
-              </a:spcAft>
-              <a:buClr>
-                <a:schemeClr val="lt1"/>
-              </a:buClr>
-              <a:buSzPts val="1800"/>
-              <a:buFont typeface="Vidaloka"/>
-              <a:buNone/>
-              <a:defRPr sz="1800" b="0" i="0" u="none" strike="noStrike" cap="none">
-                <a:solidFill>
-                  <a:schemeClr val="lt1"/>
-                </a:solidFill>
-                <a:latin typeface="Vidaloka"/>
-                <a:ea typeface="Vidaloka"/>
-                <a:cs typeface="Vidaloka"/>
-                <a:sym typeface="Vidaloka"/>
-              </a:defRPr>
-            </a:lvl1pPr>
-            <a:lvl2pPr marR="0" lvl="1" algn="ctr" rtl="0">
-              <a:lnSpc>
-                <a:spcPct val="100000"/>
-              </a:lnSpc>
-              <a:spcBef>
-                <a:spcPts val="0"/>
-              </a:spcBef>
-              <a:spcAft>
-                <a:spcPts val="0"/>
-              </a:spcAft>
-              <a:buClr>
-                <a:schemeClr val="lt1"/>
-              </a:buClr>
-              <a:buSzPts val="1800"/>
-              <a:buFont typeface="Vidaloka"/>
-              <a:buNone/>
-              <a:defRPr sz="1800" b="0" i="0" u="none" strike="noStrike" cap="none">
-                <a:solidFill>
-                  <a:schemeClr val="lt1"/>
-                </a:solidFill>
-                <a:latin typeface="Vidaloka"/>
-                <a:ea typeface="Vidaloka"/>
-                <a:cs typeface="Vidaloka"/>
-                <a:sym typeface="Vidaloka"/>
-              </a:defRPr>
-            </a:lvl2pPr>
-            <a:lvl3pPr marR="0" lvl="2" algn="ctr" rtl="0">
-              <a:lnSpc>
-                <a:spcPct val="100000"/>
-              </a:lnSpc>
-              <a:spcBef>
-                <a:spcPts val="0"/>
-              </a:spcBef>
-              <a:spcAft>
-                <a:spcPts val="0"/>
-              </a:spcAft>
-              <a:buClr>
-                <a:schemeClr val="lt1"/>
-              </a:buClr>
-              <a:buSzPts val="1800"/>
-              <a:buFont typeface="Vidaloka"/>
-              <a:buNone/>
-              <a:defRPr sz="1800" b="0" i="0" u="none" strike="noStrike" cap="none">
-                <a:solidFill>
-                  <a:schemeClr val="lt1"/>
-                </a:solidFill>
-                <a:latin typeface="Vidaloka"/>
-                <a:ea typeface="Vidaloka"/>
-                <a:cs typeface="Vidaloka"/>
-                <a:sym typeface="Vidaloka"/>
-              </a:defRPr>
-            </a:lvl3pPr>
-            <a:lvl4pPr marR="0" lvl="3" algn="ctr" rtl="0">
-              <a:lnSpc>
-                <a:spcPct val="100000"/>
-              </a:lnSpc>
-              <a:spcBef>
-                <a:spcPts val="0"/>
-              </a:spcBef>
-              <a:spcAft>
-                <a:spcPts val="0"/>
-              </a:spcAft>
-              <a:buClr>
-                <a:schemeClr val="lt1"/>
-              </a:buClr>
-              <a:buSzPts val="1800"/>
-              <a:buFont typeface="Vidaloka"/>
-              <a:buNone/>
-              <a:defRPr sz="1800" b="0" i="0" u="none" strike="noStrike" cap="none">
-                <a:solidFill>
-                  <a:schemeClr val="lt1"/>
-                </a:solidFill>
-                <a:latin typeface="Vidaloka"/>
-                <a:ea typeface="Vidaloka"/>
-                <a:cs typeface="Vidaloka"/>
-                <a:sym typeface="Vidaloka"/>
-              </a:defRPr>
-            </a:lvl4pPr>
-            <a:lvl5pPr marR="0" lvl="4" algn="ctr" rtl="0">
-              <a:lnSpc>
-                <a:spcPct val="100000"/>
-              </a:lnSpc>
-              <a:spcBef>
-                <a:spcPts val="0"/>
-              </a:spcBef>
-              <a:spcAft>
-                <a:spcPts val="0"/>
-              </a:spcAft>
-              <a:buClr>
-                <a:schemeClr val="lt1"/>
-              </a:buClr>
-              <a:buSzPts val="1800"/>
-              <a:buFont typeface="Vidaloka"/>
-              <a:buNone/>
-              <a:defRPr sz="1800" b="0" i="0" u="none" strike="noStrike" cap="none">
-                <a:solidFill>
-                  <a:schemeClr val="lt1"/>
-                </a:solidFill>
-                <a:latin typeface="Vidaloka"/>
-                <a:ea typeface="Vidaloka"/>
-                <a:cs typeface="Vidaloka"/>
-                <a:sym typeface="Vidaloka"/>
-              </a:defRPr>
-            </a:lvl5pPr>
-            <a:lvl6pPr marR="0" lvl="5" algn="ctr" rtl="0">
-              <a:lnSpc>
-                <a:spcPct val="100000"/>
-              </a:lnSpc>
-              <a:spcBef>
-                <a:spcPts val="0"/>
-              </a:spcBef>
-              <a:spcAft>
-                <a:spcPts val="0"/>
-              </a:spcAft>
-              <a:buClr>
-                <a:schemeClr val="lt1"/>
-              </a:buClr>
-              <a:buSzPts val="1800"/>
-              <a:buFont typeface="Vidaloka"/>
-              <a:buNone/>
-              <a:defRPr sz="1800" b="0" i="0" u="none" strike="noStrike" cap="none">
-                <a:solidFill>
-                  <a:schemeClr val="lt1"/>
-                </a:solidFill>
-                <a:latin typeface="Vidaloka"/>
-                <a:ea typeface="Vidaloka"/>
-                <a:cs typeface="Vidaloka"/>
-                <a:sym typeface="Vidaloka"/>
-              </a:defRPr>
-            </a:lvl6pPr>
-            <a:lvl7pPr marR="0" lvl="6" algn="ctr" rtl="0">
-              <a:lnSpc>
-                <a:spcPct val="100000"/>
-              </a:lnSpc>
-              <a:spcBef>
-                <a:spcPts val="0"/>
-              </a:spcBef>
-              <a:spcAft>
-                <a:spcPts val="0"/>
-              </a:spcAft>
-              <a:buClr>
-                <a:schemeClr val="lt1"/>
-              </a:buClr>
-              <a:buSzPts val="1800"/>
-              <a:buFont typeface="Vidaloka"/>
-              <a:buNone/>
-              <a:defRPr sz="1800" b="0" i="0" u="none" strike="noStrike" cap="none">
-                <a:solidFill>
-                  <a:schemeClr val="lt1"/>
-                </a:solidFill>
-                <a:latin typeface="Vidaloka"/>
-                <a:ea typeface="Vidaloka"/>
-                <a:cs typeface="Vidaloka"/>
-                <a:sym typeface="Vidaloka"/>
-              </a:defRPr>
-            </a:lvl7pPr>
-            <a:lvl8pPr marR="0" lvl="7" algn="ctr" rtl="0">
-              <a:lnSpc>
-                <a:spcPct val="100000"/>
-              </a:lnSpc>
-              <a:spcBef>
-                <a:spcPts val="0"/>
-              </a:spcBef>
-              <a:spcAft>
-                <a:spcPts val="0"/>
-              </a:spcAft>
-              <a:buClr>
-                <a:schemeClr val="lt1"/>
-              </a:buClr>
-              <a:buSzPts val="1800"/>
-              <a:buFont typeface="Vidaloka"/>
-              <a:buNone/>
-              <a:defRPr sz="1800" b="0" i="0" u="none" strike="noStrike" cap="none">
-                <a:solidFill>
-                  <a:schemeClr val="lt1"/>
-                </a:solidFill>
-                <a:latin typeface="Vidaloka"/>
-                <a:ea typeface="Vidaloka"/>
-                <a:cs typeface="Vidaloka"/>
-                <a:sym typeface="Vidaloka"/>
-              </a:defRPr>
-            </a:lvl8pPr>
-            <a:lvl9pPr marR="0" lvl="8" algn="ctr" rtl="0">
-              <a:lnSpc>
-                <a:spcPct val="100000"/>
-              </a:lnSpc>
-              <a:spcBef>
-                <a:spcPts val="0"/>
-              </a:spcBef>
-              <a:spcAft>
-                <a:spcPts val="0"/>
-              </a:spcAft>
-              <a:buClr>
-                <a:schemeClr val="lt1"/>
-              </a:buClr>
-              <a:buSzPts val="1800"/>
-              <a:buFont typeface="Vidaloka"/>
-              <a:buNone/>
-              <a:defRPr sz="1800" b="0" i="0" u="none" strike="noStrike" cap="none">
-                <a:solidFill>
-                  <a:schemeClr val="lt1"/>
-                </a:solidFill>
-                <a:latin typeface="Vidaloka"/>
-                <a:ea typeface="Vidaloka"/>
-                <a:cs typeface="Vidaloka"/>
-                <a:sym typeface="Vidaloka"/>
-              </a:defRPr>
-            </a:lvl9pPr>
-          </a:lstStyle>
-          <a:p>
-            <a:r>
-              <a:rPr lang="pt-PT" b="1" dirty="0">
-                <a:latin typeface="Segoe UI Black" pitchFamily="34" charset="0"/>
-                <a:ea typeface="Segoe UI Black" pitchFamily="34" charset="0"/>
-                <a:cs typeface="Segoe UI Light" pitchFamily="34" charset="0"/>
-              </a:rPr>
-              <a:t>QUANDO APLICAR O DESENVOLVIMENTO INTERATIVO E INCREMENTAL </a:t>
-            </a:r>
-          </a:p>
-        </p:txBody>
-      </p:sp>
-      <p:pic>
-        <p:nvPicPr>
-          <p:cNvPr id="7171" name="Picture 3" descr="C:\Users\lcarlos\Desktop\Iterative_Process_Diagram.svg.png"/>
-          <p:cNvPicPr>
-            <a:picLocks noChangeAspect="1" noChangeArrowheads="1"/>
-          </p:cNvPicPr>
-          <p:nvPr/>
-        </p:nvPicPr>
-        <p:blipFill>
-          <a:blip r:embed="rId3">
-            <a:extLst>
-              <a:ext uri="{28A0092B-C50C-407E-A947-70E740481C1C}">
-                <a14:useLocalDpi xmlns:a14="http://schemas.microsoft.com/office/drawing/2010/main" val="0"/>
-              </a:ext>
-            </a:extLst>
-          </a:blip>
-          <a:srcRect/>
-          <a:stretch>
-            <a:fillRect/>
-          </a:stretch>
-        </p:blipFill>
-        <p:spPr bwMode="auto">
-          <a:xfrm>
-            <a:off x="2195736" y="1742218"/>
-            <a:ext cx="5291634" cy="2963315"/>
-          </a:xfrm>
-          <a:prstGeom prst="rect">
-            <a:avLst/>
-          </a:prstGeom>
-          <a:noFill/>
-          <a:extLst>
-            <a:ext uri="{909E8E84-426E-40DD-AFC4-6F175D3DCCD1}">
-              <a14:hiddenFill xmlns:a14="http://schemas.microsoft.com/office/drawing/2010/main">
-                <a:solidFill>
-                  <a:srgbClr val="FFFFFF"/>
-                </a:solidFill>
-              </a14:hiddenFill>
-            </a:ext>
-          </a:extLst>
-        </p:spPr>
-      </p:pic>
-    </p:spTree>
-    <p:extLst>
-      <p:ext uri="{BB962C8B-B14F-4D97-AF65-F5344CB8AC3E}">
-        <p14:creationId xmlns:p14="http://schemas.microsoft.com/office/powerpoint/2010/main" val="1094244082"/>
-      </p:ext>
-    </p:extLst>
-  </p:cSld>
-  <p:clrMapOvr>
-    <a:masterClrMapping/>
-  </p:clrMapOvr>
-  <p:timing>
-    <p:tnLst>
-      <p:par>
-        <p:cTn id="1" dur="indefinite" restart="never" nodeType="tmRoot"/>
-      </p:par>
-    </p:tnLst>
-  </p:timing>
-</p:sld>
-</file>
-
-<file path=ppt/slides/slide13.xml><?xml version="1.0" encoding="utf-8"?>
-<p:sld xmlns:a="http://schemas.openxmlformats.org/drawingml/2006/main" xmlns:r="http://schemas.openxmlformats.org/officeDocument/2006/relationships" xmlns:p="http://schemas.openxmlformats.org/presentationml/2006/main">
-  <p:cSld>
-    <p:spTree>
-      <p:nvGrpSpPr>
-        <p:cNvPr id="1" name="Shape 87"/>
-        <p:cNvGrpSpPr/>
-        <p:nvPr/>
-      </p:nvGrpSpPr>
-      <p:grpSpPr>
-        <a:xfrm>
-          <a:off x="0" y="0"/>
-          <a:ext cx="0" cy="0"/>
-          <a:chOff x="0" y="0"/>
-          <a:chExt cx="0" cy="0"/>
-        </a:xfrm>
-      </p:grpSpPr>
-      <p:sp>
-        <p:nvSpPr>
-          <p:cNvPr id="88" name="Google Shape;88;p14"/>
-          <p:cNvSpPr txBox="1">
-            <a:spLocks noGrp="1"/>
-          </p:cNvSpPr>
-          <p:nvPr>
-            <p:ph type="body" idx="1"/>
-          </p:nvPr>
-        </p:nvSpPr>
-        <p:spPr>
-          <a:xfrm>
-            <a:off x="1115616" y="2129950"/>
-            <a:ext cx="7149076" cy="873848"/>
-          </a:xfrm>
-          <a:prstGeom prst="rect">
-            <a:avLst/>
-          </a:prstGeom>
-        </p:spPr>
-        <p:txBody>
-          <a:bodyPr spcFirstLastPara="1" wrap="square" lIns="91425" tIns="91425" rIns="91425" bIns="91425" anchor="ctr" anchorCtr="0">
-            <a:noAutofit/>
-          </a:bodyPr>
-          <a:lstStyle/>
-          <a:p>
-            <a:pPr marL="0" lvl="0" indent="0" algn="ctr" rtl="0">
-              <a:spcBef>
-                <a:spcPts val="600"/>
-              </a:spcBef>
-              <a:spcAft>
-                <a:spcPts val="0"/>
-              </a:spcAft>
-              <a:buClr>
-                <a:schemeClr val="dk1"/>
-              </a:buClr>
-              <a:buSzPts val="1100"/>
-              <a:buFont typeface="Arial"/>
-              <a:buNone/>
-            </a:pPr>
-            <a:r>
-              <a:rPr lang="pt-PT" sz="2000" b="1" dirty="0" smtClean="0"/>
-              <a:t>CONSIDERAÇÕES FINAIS</a:t>
-            </a:r>
-            <a:endParaRPr sz="2000" b="1" dirty="0"/>
-          </a:p>
-        </p:txBody>
-      </p:sp>
-      <p:sp>
-        <p:nvSpPr>
-          <p:cNvPr id="90" name="Google Shape;90;p14"/>
-          <p:cNvSpPr txBox="1">
-            <a:spLocks noGrp="1"/>
-          </p:cNvSpPr>
-          <p:nvPr>
-            <p:ph type="sldNum" idx="12"/>
-          </p:nvPr>
-        </p:nvSpPr>
-        <p:spPr>
-          <a:xfrm>
-            <a:off x="4297659" y="510251"/>
-            <a:ext cx="548700" cy="393600"/>
-          </a:xfrm>
-          <a:prstGeom prst="rect">
-            <a:avLst/>
-          </a:prstGeom>
-        </p:spPr>
-        <p:txBody>
-          <a:bodyPr spcFirstLastPara="1" wrap="square" lIns="91425" tIns="91425" rIns="91425" bIns="91425" anchor="ctr" anchorCtr="0">
-            <a:noAutofit/>
-          </a:bodyPr>
-          <a:lstStyle/>
-          <a:p>
-            <a:pPr marL="0" lvl="0" indent="0" algn="ctr" rtl="0">
-              <a:spcBef>
-                <a:spcPts val="0"/>
-              </a:spcBef>
-              <a:spcAft>
-                <a:spcPts val="0"/>
-              </a:spcAft>
-              <a:buNone/>
-            </a:pPr>
-            <a:fld id="{00000000-1234-1234-1234-123412341234}" type="slidenum">
-              <a:rPr lang="en"/>
-              <a:t>13</a:t>
-            </a:fld>
-            <a:endParaRPr/>
-          </a:p>
-        </p:txBody>
-      </p:sp>
-      <p:sp>
-        <p:nvSpPr>
-          <p:cNvPr id="2" name="AutoShape 2" descr="ucall logo"/>
-          <p:cNvSpPr>
-            <a:spLocks noChangeAspect="1" noChangeArrowheads="1"/>
-          </p:cNvSpPr>
-          <p:nvPr/>
-        </p:nvSpPr>
-        <p:spPr bwMode="auto">
-          <a:xfrm>
-            <a:off x="155575" y="-144463"/>
-            <a:ext cx="304800" cy="304801"/>
-          </a:xfrm>
-          <a:prstGeom prst="rect">
-            <a:avLst/>
-          </a:prstGeom>
-          <a:noFill/>
-          <a:extLst>
-            <a:ext uri="{909E8E84-426E-40DD-AFC4-6F175D3DCCD1}">
-              <a14:hiddenFill xmlns:a14="http://schemas.microsoft.com/office/drawing/2010/main">
-                <a:solidFill>
-                  <a:srgbClr val="FFFFFF"/>
-                </a:solidFill>
-              </a14:hiddenFill>
-            </a:ext>
-          </a:extLst>
-        </p:spPr>
-        <p:txBody>
-          <a:bodyPr vert="horz" wrap="square" lIns="91440" tIns="45720" rIns="91440" bIns="45720" numCol="1" anchor="t" anchorCtr="0" compatLnSpc="1">
-            <a:prstTxWarp prst="textNoShape">
-              <a:avLst/>
-            </a:prstTxWarp>
-          </a:bodyPr>
-          <a:lstStyle/>
-          <a:p>
-            <a:endParaRPr lang="pt-PT"/>
-          </a:p>
-        </p:txBody>
-      </p:sp>
-      <p:sp>
-        <p:nvSpPr>
-          <p:cNvPr id="3" name="AutoShape 4" descr="ucall logo"/>
-          <p:cNvSpPr>
-            <a:spLocks noChangeAspect="1" noChangeArrowheads="1"/>
-          </p:cNvSpPr>
-          <p:nvPr/>
-        </p:nvSpPr>
-        <p:spPr bwMode="auto">
-          <a:xfrm>
-            <a:off x="307975" y="7937"/>
-            <a:ext cx="304800" cy="304801"/>
-          </a:xfrm>
-          <a:prstGeom prst="rect">
-            <a:avLst/>
-          </a:prstGeom>
-          <a:noFill/>
-          <a:extLst>
-            <a:ext uri="{909E8E84-426E-40DD-AFC4-6F175D3DCCD1}">
-              <a14:hiddenFill xmlns:a14="http://schemas.microsoft.com/office/drawing/2010/main">
-                <a:solidFill>
-                  <a:srgbClr val="FFFFFF"/>
-                </a:solidFill>
-              </a14:hiddenFill>
-            </a:ext>
-          </a:extLst>
-        </p:spPr>
-        <p:txBody>
-          <a:bodyPr vert="horz" wrap="square" lIns="91440" tIns="45720" rIns="91440" bIns="45720" numCol="1" anchor="t" anchorCtr="0" compatLnSpc="1">
-            <a:prstTxWarp prst="textNoShape">
-              <a:avLst/>
-            </a:prstTxWarp>
-          </a:bodyPr>
-          <a:lstStyle/>
-          <a:p>
-            <a:endParaRPr lang="pt-PT"/>
-          </a:p>
-        </p:txBody>
-      </p:sp>
-    </p:spTree>
-    <p:extLst>
-      <p:ext uri="{BB962C8B-B14F-4D97-AF65-F5344CB8AC3E}">
-        <p14:creationId xmlns:p14="http://schemas.microsoft.com/office/powerpoint/2010/main" val="2414885418"/>
-      </p:ext>
-    </p:extLst>
-  </p:cSld>
-  <p:clrMapOvr>
-    <a:masterClrMapping/>
-  </p:clrMapOvr>
-  <p:timing>
-    <p:tnLst>
-      <p:par>
-        <p:cTn id="1" dur="indefinite" restart="never" nodeType="tmRoot"/>
-      </p:par>
-    </p:tnLst>
-  </p:timing>
-</p:sld>
-</file>
-
-<file path=ppt/slides/slide14.xml><?xml version="1.0" encoding="utf-8"?>
-<p:sld xmlns:a="http://schemas.openxmlformats.org/drawingml/2006/main" xmlns:r="http://schemas.openxmlformats.org/officeDocument/2006/relationships" xmlns:p="http://schemas.openxmlformats.org/presentationml/2006/main">
-  <p:cSld>
-    <p:spTree>
-      <p:nvGrpSpPr>
-        <p:cNvPr id="1" name="Shape 87"/>
-        <p:cNvGrpSpPr/>
-        <p:nvPr/>
-      </p:nvGrpSpPr>
-      <p:grpSpPr>
-        <a:xfrm>
-          <a:off x="0" y="0"/>
-          <a:ext cx="0" cy="0"/>
-          <a:chOff x="0" y="0"/>
-          <a:chExt cx="0" cy="0"/>
-        </a:xfrm>
-      </p:grpSpPr>
-      <p:sp>
-        <p:nvSpPr>
-          <p:cNvPr id="88" name="Google Shape;88;p14"/>
-          <p:cNvSpPr txBox="1">
-            <a:spLocks noGrp="1"/>
-          </p:cNvSpPr>
-          <p:nvPr>
-            <p:ph type="body" idx="1"/>
-          </p:nvPr>
-        </p:nvSpPr>
-        <p:spPr>
-          <a:xfrm>
-            <a:off x="1115616" y="2129950"/>
-            <a:ext cx="7149076" cy="873848"/>
-          </a:xfrm>
-          <a:prstGeom prst="rect">
-            <a:avLst/>
-          </a:prstGeom>
-        </p:spPr>
-        <p:txBody>
-          <a:bodyPr spcFirstLastPara="1" wrap="square" lIns="91425" tIns="91425" rIns="91425" bIns="91425" anchor="ctr" anchorCtr="0">
-            <a:noAutofit/>
-          </a:bodyPr>
-          <a:lstStyle/>
-          <a:p>
-            <a:pPr marL="0" lvl="0" indent="0" algn="ctr" rtl="0">
-              <a:spcBef>
-                <a:spcPts val="600"/>
-              </a:spcBef>
-              <a:spcAft>
-                <a:spcPts val="0"/>
-              </a:spcAft>
-              <a:buClr>
-                <a:schemeClr val="dk1"/>
-              </a:buClr>
-              <a:buSzPts val="1100"/>
-              <a:buFont typeface="Arial"/>
-              <a:buNone/>
-            </a:pPr>
-            <a:r>
-              <a:rPr lang="pt-PT" sz="2000" b="1" dirty="0" smtClean="0"/>
-              <a:t>OBRIGADO</a:t>
-            </a:r>
-            <a:endParaRPr sz="2000" b="1" dirty="0"/>
-          </a:p>
-        </p:txBody>
-      </p:sp>
-      <p:sp>
-        <p:nvSpPr>
-          <p:cNvPr id="90" name="Google Shape;90;p14"/>
-          <p:cNvSpPr txBox="1">
-            <a:spLocks noGrp="1"/>
-          </p:cNvSpPr>
-          <p:nvPr>
-            <p:ph type="sldNum" idx="12"/>
-          </p:nvPr>
-        </p:nvSpPr>
-        <p:spPr>
-          <a:xfrm>
-            <a:off x="4297659" y="510251"/>
-            <a:ext cx="548700" cy="393600"/>
-          </a:xfrm>
-          <a:prstGeom prst="rect">
-            <a:avLst/>
-          </a:prstGeom>
-        </p:spPr>
-        <p:txBody>
-          <a:bodyPr spcFirstLastPara="1" wrap="square" lIns="91425" tIns="91425" rIns="91425" bIns="91425" anchor="ctr" anchorCtr="0">
-            <a:noAutofit/>
-          </a:bodyPr>
-          <a:lstStyle/>
-          <a:p>
-            <a:pPr marL="0" lvl="0" indent="0" algn="ctr" rtl="0">
-              <a:spcBef>
-                <a:spcPts val="0"/>
-              </a:spcBef>
-              <a:spcAft>
-                <a:spcPts val="0"/>
-              </a:spcAft>
-              <a:buNone/>
-            </a:pPr>
-            <a:fld id="{00000000-1234-1234-1234-123412341234}" type="slidenum">
-              <a:rPr lang="en"/>
-              <a:t>14</a:t>
-            </a:fld>
-            <a:endParaRPr/>
-          </a:p>
-        </p:txBody>
-      </p:sp>
-      <p:sp>
-        <p:nvSpPr>
-          <p:cNvPr id="2" name="AutoShape 2" descr="ucall logo"/>
-          <p:cNvSpPr>
-            <a:spLocks noChangeAspect="1" noChangeArrowheads="1"/>
-          </p:cNvSpPr>
-          <p:nvPr/>
-        </p:nvSpPr>
-        <p:spPr bwMode="auto">
-          <a:xfrm>
-            <a:off x="155575" y="-144463"/>
-            <a:ext cx="304800" cy="304801"/>
-          </a:xfrm>
-          <a:prstGeom prst="rect">
-            <a:avLst/>
-          </a:prstGeom>
-          <a:noFill/>
-          <a:extLst>
-            <a:ext uri="{909E8E84-426E-40DD-AFC4-6F175D3DCCD1}">
-              <a14:hiddenFill xmlns:a14="http://schemas.microsoft.com/office/drawing/2010/main">
-                <a:solidFill>
-                  <a:srgbClr val="FFFFFF"/>
-                </a:solidFill>
-              </a14:hiddenFill>
-            </a:ext>
-          </a:extLst>
-        </p:spPr>
-        <p:txBody>
-          <a:bodyPr vert="horz" wrap="square" lIns="91440" tIns="45720" rIns="91440" bIns="45720" numCol="1" anchor="t" anchorCtr="0" compatLnSpc="1">
-            <a:prstTxWarp prst="textNoShape">
-              <a:avLst/>
-            </a:prstTxWarp>
-          </a:bodyPr>
-          <a:lstStyle/>
-          <a:p>
-            <a:endParaRPr lang="pt-PT"/>
-          </a:p>
-        </p:txBody>
-      </p:sp>
-      <p:sp>
-        <p:nvSpPr>
-          <p:cNvPr id="3" name="AutoShape 4" descr="ucall logo"/>
-          <p:cNvSpPr>
-            <a:spLocks noChangeAspect="1" noChangeArrowheads="1"/>
-          </p:cNvSpPr>
-          <p:nvPr/>
-        </p:nvSpPr>
-        <p:spPr bwMode="auto">
-          <a:xfrm>
-            <a:off x="307975" y="7937"/>
-            <a:ext cx="304800" cy="304801"/>
-          </a:xfrm>
-          <a:prstGeom prst="rect">
-            <a:avLst/>
-          </a:prstGeom>
-          <a:noFill/>
-          <a:extLst>
-            <a:ext uri="{909E8E84-426E-40DD-AFC4-6F175D3DCCD1}">
-              <a14:hiddenFill xmlns:a14="http://schemas.microsoft.com/office/drawing/2010/main">
-                <a:solidFill>
-                  <a:srgbClr val="FFFFFF"/>
-                </a:solidFill>
-              </a14:hiddenFill>
-            </a:ext>
-          </a:extLst>
-        </p:spPr>
-        <p:txBody>
-          <a:bodyPr vert="horz" wrap="square" lIns="91440" tIns="45720" rIns="91440" bIns="45720" numCol="1" anchor="t" anchorCtr="0" compatLnSpc="1">
-            <a:prstTxWarp prst="textNoShape">
-              <a:avLst/>
-            </a:prstTxWarp>
-          </a:bodyPr>
-          <a:lstStyle/>
-          <a:p>
-            <a:endParaRPr lang="pt-PT"/>
-          </a:p>
-        </p:txBody>
-      </p:sp>
-      <p:sp>
-        <p:nvSpPr>
-          <p:cNvPr id="6" name="Google Shape;88;p14"/>
-          <p:cNvSpPr txBox="1">
-            <a:spLocks/>
-          </p:cNvSpPr>
-          <p:nvPr/>
-        </p:nvSpPr>
-        <p:spPr>
-          <a:xfrm>
-            <a:off x="7236296" y="4155926"/>
-            <a:ext cx="1584176" cy="560070"/>
-          </a:xfrm>
-          <a:prstGeom prst="rect">
-            <a:avLst/>
-          </a:prstGeom>
-          <a:noFill/>
-          <a:ln>
-            <a:noFill/>
-          </a:ln>
-        </p:spPr>
-        <p:txBody>
-          <a:bodyPr spcFirstLastPara="1" wrap="square" lIns="91425" tIns="91425" rIns="91425" bIns="91425" anchor="ctr" anchorCtr="0">
-            <a:noAutofit/>
-          </a:bodyPr>
-          <a:lstStyle>
-            <a:defPPr marR="0" lvl="0" algn="l" rtl="0">
-              <a:lnSpc>
-                <a:spcPct val="100000"/>
-              </a:lnSpc>
-              <a:spcBef>
-                <a:spcPts val="0"/>
-              </a:spcBef>
-              <a:spcAft>
-                <a:spcPts val="0"/>
-              </a:spcAft>
-            </a:defPPr>
-            <a:lvl1pPr marL="457200" marR="0" lvl="0" indent="-381000" algn="l" rtl="0">
-              <a:lnSpc>
-                <a:spcPct val="100000"/>
-              </a:lnSpc>
-              <a:spcBef>
-                <a:spcPts val="600"/>
-              </a:spcBef>
-              <a:spcAft>
-                <a:spcPts val="0"/>
-              </a:spcAft>
-              <a:buClr>
-                <a:schemeClr val="lt1"/>
-              </a:buClr>
-              <a:buSzPts val="2400"/>
-              <a:buFont typeface="Montserrat"/>
-              <a:buChar char="▪"/>
-              <a:defRPr sz="2400" b="0" i="0" u="none" strike="noStrike" cap="none">
-                <a:solidFill>
-                  <a:schemeClr val="lt1"/>
-                </a:solidFill>
-                <a:latin typeface="Montserrat"/>
-                <a:ea typeface="Montserrat"/>
-                <a:cs typeface="Montserrat"/>
-                <a:sym typeface="Montserrat"/>
-              </a:defRPr>
-            </a:lvl1pPr>
-            <a:lvl2pPr marL="914400" marR="0" lvl="1" indent="-381000" algn="l" rtl="0">
-              <a:lnSpc>
-                <a:spcPct val="100000"/>
-              </a:lnSpc>
-              <a:spcBef>
-                <a:spcPts val="0"/>
-              </a:spcBef>
-              <a:spcAft>
-                <a:spcPts val="0"/>
-              </a:spcAft>
-              <a:buClr>
-                <a:schemeClr val="lt1"/>
-              </a:buClr>
-              <a:buSzPts val="2400"/>
-              <a:buFont typeface="Montserrat"/>
-              <a:buChar char="⬞"/>
-              <a:defRPr sz="2400" b="0" i="0" u="none" strike="noStrike" cap="none">
-                <a:solidFill>
-                  <a:schemeClr val="lt1"/>
-                </a:solidFill>
-                <a:latin typeface="Montserrat"/>
-                <a:ea typeface="Montserrat"/>
-                <a:cs typeface="Montserrat"/>
-                <a:sym typeface="Montserrat"/>
-              </a:defRPr>
-            </a:lvl2pPr>
-            <a:lvl3pPr marL="1371600" marR="0" lvl="2" indent="-381000" algn="l" rtl="0">
-              <a:lnSpc>
-                <a:spcPct val="100000"/>
-              </a:lnSpc>
-              <a:spcBef>
-                <a:spcPts val="0"/>
-              </a:spcBef>
-              <a:spcAft>
-                <a:spcPts val="0"/>
-              </a:spcAft>
-              <a:buClr>
-                <a:schemeClr val="lt1"/>
-              </a:buClr>
-              <a:buSzPts val="2400"/>
-              <a:buFont typeface="Montserrat"/>
-              <a:buChar char="⬞"/>
-              <a:defRPr sz="2400" b="0" i="0" u="none" strike="noStrike" cap="none">
-                <a:solidFill>
-                  <a:schemeClr val="lt1"/>
-                </a:solidFill>
-                <a:latin typeface="Montserrat"/>
-                <a:ea typeface="Montserrat"/>
-                <a:cs typeface="Montserrat"/>
-                <a:sym typeface="Montserrat"/>
-              </a:defRPr>
-            </a:lvl3pPr>
-            <a:lvl4pPr marL="1828800" marR="0" lvl="3" indent="-381000" algn="l" rtl="0">
-              <a:lnSpc>
-                <a:spcPct val="100000"/>
-              </a:lnSpc>
-              <a:spcBef>
-                <a:spcPts val="0"/>
-              </a:spcBef>
-              <a:spcAft>
-                <a:spcPts val="0"/>
-              </a:spcAft>
-              <a:buClr>
-                <a:schemeClr val="lt1"/>
-              </a:buClr>
-              <a:buSzPts val="2400"/>
-              <a:buFont typeface="Montserrat"/>
-              <a:buChar char="⬞"/>
-              <a:defRPr sz="2400" b="0" i="0" u="none" strike="noStrike" cap="none">
-                <a:solidFill>
-                  <a:schemeClr val="lt1"/>
-                </a:solidFill>
-                <a:latin typeface="Montserrat"/>
-                <a:ea typeface="Montserrat"/>
-                <a:cs typeface="Montserrat"/>
-                <a:sym typeface="Montserrat"/>
-              </a:defRPr>
-            </a:lvl4pPr>
-            <a:lvl5pPr marL="2286000" marR="0" lvl="4" indent="-381000" algn="l" rtl="0">
-              <a:lnSpc>
-                <a:spcPct val="100000"/>
-              </a:lnSpc>
-              <a:spcBef>
-                <a:spcPts val="0"/>
-              </a:spcBef>
-              <a:spcAft>
-                <a:spcPts val="0"/>
-              </a:spcAft>
-              <a:buClr>
-                <a:schemeClr val="lt1"/>
-              </a:buClr>
-              <a:buSzPts val="2400"/>
-              <a:buFont typeface="Montserrat"/>
-              <a:buChar char="⬞"/>
-              <a:defRPr sz="2400" b="0" i="0" u="none" strike="noStrike" cap="none">
-                <a:solidFill>
-                  <a:schemeClr val="lt1"/>
-                </a:solidFill>
-                <a:latin typeface="Montserrat"/>
-                <a:ea typeface="Montserrat"/>
-                <a:cs typeface="Montserrat"/>
-                <a:sym typeface="Montserrat"/>
-              </a:defRPr>
-            </a:lvl5pPr>
-            <a:lvl6pPr marL="2743200" marR="0" lvl="5" indent="-381000" algn="l" rtl="0">
-              <a:lnSpc>
-                <a:spcPct val="100000"/>
-              </a:lnSpc>
-              <a:spcBef>
-                <a:spcPts val="0"/>
-              </a:spcBef>
-              <a:spcAft>
-                <a:spcPts val="0"/>
-              </a:spcAft>
-              <a:buClr>
-                <a:schemeClr val="lt1"/>
-              </a:buClr>
-              <a:buSzPts val="2400"/>
-              <a:buFont typeface="Montserrat"/>
-              <a:buChar char="⬞"/>
-              <a:defRPr sz="2400" b="0" i="0" u="none" strike="noStrike" cap="none">
-                <a:solidFill>
-                  <a:schemeClr val="lt1"/>
-                </a:solidFill>
-                <a:latin typeface="Montserrat"/>
-                <a:ea typeface="Montserrat"/>
-                <a:cs typeface="Montserrat"/>
-                <a:sym typeface="Montserrat"/>
-              </a:defRPr>
-            </a:lvl6pPr>
-            <a:lvl7pPr marL="3200400" marR="0" lvl="6" indent="-381000" algn="l" rtl="0">
-              <a:lnSpc>
-                <a:spcPct val="100000"/>
-              </a:lnSpc>
-              <a:spcBef>
-                <a:spcPts val="0"/>
-              </a:spcBef>
-              <a:spcAft>
-                <a:spcPts val="0"/>
-              </a:spcAft>
-              <a:buClr>
-                <a:schemeClr val="lt1"/>
-              </a:buClr>
-              <a:buSzPts val="2400"/>
-              <a:buFont typeface="Montserrat"/>
-              <a:buChar char="⬞"/>
-              <a:defRPr sz="2400" b="0" i="0" u="none" strike="noStrike" cap="none">
-                <a:solidFill>
-                  <a:schemeClr val="lt1"/>
-                </a:solidFill>
-                <a:latin typeface="Montserrat"/>
-                <a:ea typeface="Montserrat"/>
-                <a:cs typeface="Montserrat"/>
-                <a:sym typeface="Montserrat"/>
-              </a:defRPr>
-            </a:lvl7pPr>
-            <a:lvl8pPr marL="3657600" marR="0" lvl="7" indent="-381000" algn="l" rtl="0">
-              <a:lnSpc>
-                <a:spcPct val="100000"/>
-              </a:lnSpc>
-              <a:spcBef>
-                <a:spcPts val="0"/>
-              </a:spcBef>
-              <a:spcAft>
-                <a:spcPts val="0"/>
-              </a:spcAft>
-              <a:buClr>
-                <a:schemeClr val="lt1"/>
-              </a:buClr>
-              <a:buSzPts val="2400"/>
-              <a:buFont typeface="Montserrat"/>
-              <a:buChar char="⬞"/>
-              <a:defRPr sz="2400" b="0" i="0" u="none" strike="noStrike" cap="none">
-                <a:solidFill>
-                  <a:schemeClr val="lt1"/>
-                </a:solidFill>
-                <a:latin typeface="Montserrat"/>
-                <a:ea typeface="Montserrat"/>
-                <a:cs typeface="Montserrat"/>
-                <a:sym typeface="Montserrat"/>
-              </a:defRPr>
-            </a:lvl8pPr>
-            <a:lvl9pPr marL="4114800" marR="0" lvl="8" indent="-381000" algn="l" rtl="0">
-              <a:lnSpc>
-                <a:spcPct val="100000"/>
-              </a:lnSpc>
-              <a:spcBef>
-                <a:spcPts val="0"/>
-              </a:spcBef>
-              <a:spcAft>
-                <a:spcPts val="0"/>
-              </a:spcAft>
-              <a:buClr>
-                <a:schemeClr val="lt1"/>
-              </a:buClr>
-              <a:buSzPts val="2400"/>
-              <a:buFont typeface="Montserrat"/>
-              <a:buChar char="⬞"/>
-              <a:defRPr sz="2400" b="0" i="0" u="none" strike="noStrike" cap="none">
-                <a:solidFill>
-                  <a:schemeClr val="lt1"/>
-                </a:solidFill>
-                <a:latin typeface="Montserrat"/>
-                <a:ea typeface="Montserrat"/>
-                <a:cs typeface="Montserrat"/>
-                <a:sym typeface="Montserrat"/>
-              </a:defRPr>
-            </a:lvl9pPr>
-          </a:lstStyle>
-          <a:p>
-            <a:pPr marL="0" indent="0" algn="ctr">
-              <a:buClr>
-                <a:schemeClr val="dk1"/>
-              </a:buClr>
-              <a:buSzPts val="1100"/>
-              <a:buFont typeface="Arial"/>
-              <a:buNone/>
-            </a:pPr>
-            <a:r>
-              <a:rPr lang="pt-PT" sz="1400" b="1" dirty="0" smtClean="0"/>
-              <a:t>“Mi Vida❤❤”</a:t>
-            </a:r>
-            <a:endParaRPr lang="pt-PT" sz="1400" b="1" dirty="0"/>
-          </a:p>
-        </p:txBody>
-      </p:sp>
-    </p:spTree>
-    <p:extLst>
-      <p:ext uri="{BB962C8B-B14F-4D97-AF65-F5344CB8AC3E}">
-        <p14:creationId xmlns:p14="http://schemas.microsoft.com/office/powerpoint/2010/main" val="1930314135"/>
-      </p:ext>
-    </p:extLst>
   </p:cSld>
   <p:clrMapOvr>
     <a:masterClrMapping/>
@@ -7219,9 +4503,483 @@
           </a:p>
         </p:txBody>
       </p:sp>
+      <p:sp>
+        <p:nvSpPr>
+          <p:cNvPr id="8" name="Google Shape;71;p12"/>
+          <p:cNvSpPr txBox="1">
+            <a:spLocks/>
+          </p:cNvSpPr>
+          <p:nvPr/>
+        </p:nvSpPr>
+        <p:spPr>
+          <a:xfrm>
+            <a:off x="5580112" y="903851"/>
+            <a:ext cx="3126060" cy="3181613"/>
+          </a:xfrm>
+          <a:prstGeom prst="rect">
+            <a:avLst/>
+          </a:prstGeom>
+          <a:noFill/>
+          <a:ln>
+            <a:noFill/>
+          </a:ln>
+        </p:spPr>
+        <p:txBody>
+          <a:bodyPr spcFirstLastPara="1" wrap="square" lIns="91425" tIns="91425" rIns="91425" bIns="91425" anchor="ctr" anchorCtr="0">
+            <a:noAutofit/>
+          </a:bodyPr>
+          <a:lstStyle>
+            <a:defPPr marR="0" lvl="0" algn="l" rtl="0">
+              <a:lnSpc>
+                <a:spcPct val="100000"/>
+              </a:lnSpc>
+              <a:spcBef>
+                <a:spcPts val="0"/>
+              </a:spcBef>
+              <a:spcAft>
+                <a:spcPts val="0"/>
+              </a:spcAft>
+            </a:defPPr>
+            <a:lvl1pPr marR="0" lvl="0" algn="ctr" rtl="0">
+              <a:lnSpc>
+                <a:spcPct val="100000"/>
+              </a:lnSpc>
+              <a:spcBef>
+                <a:spcPts val="0"/>
+              </a:spcBef>
+              <a:spcAft>
+                <a:spcPts val="0"/>
+              </a:spcAft>
+              <a:buClr>
+                <a:schemeClr val="lt1"/>
+              </a:buClr>
+              <a:buSzPts val="1800"/>
+              <a:buFont typeface="Vidaloka"/>
+              <a:buNone/>
+              <a:defRPr sz="1800" b="0" i="0" u="none" strike="noStrike" cap="none">
+                <a:solidFill>
+                  <a:schemeClr val="lt1"/>
+                </a:solidFill>
+                <a:latin typeface="Vidaloka"/>
+                <a:ea typeface="Vidaloka"/>
+                <a:cs typeface="Vidaloka"/>
+                <a:sym typeface="Vidaloka"/>
+              </a:defRPr>
+            </a:lvl1pPr>
+            <a:lvl2pPr marR="0" lvl="1" algn="ctr" rtl="0">
+              <a:lnSpc>
+                <a:spcPct val="100000"/>
+              </a:lnSpc>
+              <a:spcBef>
+                <a:spcPts val="0"/>
+              </a:spcBef>
+              <a:spcAft>
+                <a:spcPts val="0"/>
+              </a:spcAft>
+              <a:buClr>
+                <a:schemeClr val="lt1"/>
+              </a:buClr>
+              <a:buSzPts val="1800"/>
+              <a:buFont typeface="Vidaloka"/>
+              <a:buNone/>
+              <a:defRPr sz="1800" b="0" i="0" u="none" strike="noStrike" cap="none">
+                <a:solidFill>
+                  <a:schemeClr val="lt1"/>
+                </a:solidFill>
+                <a:latin typeface="Vidaloka"/>
+                <a:ea typeface="Vidaloka"/>
+                <a:cs typeface="Vidaloka"/>
+                <a:sym typeface="Vidaloka"/>
+              </a:defRPr>
+            </a:lvl2pPr>
+            <a:lvl3pPr marR="0" lvl="2" algn="ctr" rtl="0">
+              <a:lnSpc>
+                <a:spcPct val="100000"/>
+              </a:lnSpc>
+              <a:spcBef>
+                <a:spcPts val="0"/>
+              </a:spcBef>
+              <a:spcAft>
+                <a:spcPts val="0"/>
+              </a:spcAft>
+              <a:buClr>
+                <a:schemeClr val="lt1"/>
+              </a:buClr>
+              <a:buSzPts val="1800"/>
+              <a:buFont typeface="Vidaloka"/>
+              <a:buNone/>
+              <a:defRPr sz="1800" b="0" i="0" u="none" strike="noStrike" cap="none">
+                <a:solidFill>
+                  <a:schemeClr val="lt1"/>
+                </a:solidFill>
+                <a:latin typeface="Vidaloka"/>
+                <a:ea typeface="Vidaloka"/>
+                <a:cs typeface="Vidaloka"/>
+                <a:sym typeface="Vidaloka"/>
+              </a:defRPr>
+            </a:lvl3pPr>
+            <a:lvl4pPr marR="0" lvl="3" algn="ctr" rtl="0">
+              <a:lnSpc>
+                <a:spcPct val="100000"/>
+              </a:lnSpc>
+              <a:spcBef>
+                <a:spcPts val="0"/>
+              </a:spcBef>
+              <a:spcAft>
+                <a:spcPts val="0"/>
+              </a:spcAft>
+              <a:buClr>
+                <a:schemeClr val="lt1"/>
+              </a:buClr>
+              <a:buSzPts val="1800"/>
+              <a:buFont typeface="Vidaloka"/>
+              <a:buNone/>
+              <a:defRPr sz="1800" b="0" i="0" u="none" strike="noStrike" cap="none">
+                <a:solidFill>
+                  <a:schemeClr val="lt1"/>
+                </a:solidFill>
+                <a:latin typeface="Vidaloka"/>
+                <a:ea typeface="Vidaloka"/>
+                <a:cs typeface="Vidaloka"/>
+                <a:sym typeface="Vidaloka"/>
+              </a:defRPr>
+            </a:lvl4pPr>
+            <a:lvl5pPr marR="0" lvl="4" algn="ctr" rtl="0">
+              <a:lnSpc>
+                <a:spcPct val="100000"/>
+              </a:lnSpc>
+              <a:spcBef>
+                <a:spcPts val="0"/>
+              </a:spcBef>
+              <a:spcAft>
+                <a:spcPts val="0"/>
+              </a:spcAft>
+              <a:buClr>
+                <a:schemeClr val="lt1"/>
+              </a:buClr>
+              <a:buSzPts val="1800"/>
+              <a:buFont typeface="Vidaloka"/>
+              <a:buNone/>
+              <a:defRPr sz="1800" b="0" i="0" u="none" strike="noStrike" cap="none">
+                <a:solidFill>
+                  <a:schemeClr val="lt1"/>
+                </a:solidFill>
+                <a:latin typeface="Vidaloka"/>
+                <a:ea typeface="Vidaloka"/>
+                <a:cs typeface="Vidaloka"/>
+                <a:sym typeface="Vidaloka"/>
+              </a:defRPr>
+            </a:lvl5pPr>
+            <a:lvl6pPr marR="0" lvl="5" algn="ctr" rtl="0">
+              <a:lnSpc>
+                <a:spcPct val="100000"/>
+              </a:lnSpc>
+              <a:spcBef>
+                <a:spcPts val="0"/>
+              </a:spcBef>
+              <a:spcAft>
+                <a:spcPts val="0"/>
+              </a:spcAft>
+              <a:buClr>
+                <a:schemeClr val="lt1"/>
+              </a:buClr>
+              <a:buSzPts val="1800"/>
+              <a:buFont typeface="Vidaloka"/>
+              <a:buNone/>
+              <a:defRPr sz="1800" b="0" i="0" u="none" strike="noStrike" cap="none">
+                <a:solidFill>
+                  <a:schemeClr val="lt1"/>
+                </a:solidFill>
+                <a:latin typeface="Vidaloka"/>
+                <a:ea typeface="Vidaloka"/>
+                <a:cs typeface="Vidaloka"/>
+                <a:sym typeface="Vidaloka"/>
+              </a:defRPr>
+            </a:lvl6pPr>
+            <a:lvl7pPr marR="0" lvl="6" algn="ctr" rtl="0">
+              <a:lnSpc>
+                <a:spcPct val="100000"/>
+              </a:lnSpc>
+              <a:spcBef>
+                <a:spcPts val="0"/>
+              </a:spcBef>
+              <a:spcAft>
+                <a:spcPts val="0"/>
+              </a:spcAft>
+              <a:buClr>
+                <a:schemeClr val="lt1"/>
+              </a:buClr>
+              <a:buSzPts val="1800"/>
+              <a:buFont typeface="Vidaloka"/>
+              <a:buNone/>
+              <a:defRPr sz="1800" b="0" i="0" u="none" strike="noStrike" cap="none">
+                <a:solidFill>
+                  <a:schemeClr val="lt1"/>
+                </a:solidFill>
+                <a:latin typeface="Vidaloka"/>
+                <a:ea typeface="Vidaloka"/>
+                <a:cs typeface="Vidaloka"/>
+                <a:sym typeface="Vidaloka"/>
+              </a:defRPr>
+            </a:lvl7pPr>
+            <a:lvl8pPr marR="0" lvl="7" algn="ctr" rtl="0">
+              <a:lnSpc>
+                <a:spcPct val="100000"/>
+              </a:lnSpc>
+              <a:spcBef>
+                <a:spcPts val="0"/>
+              </a:spcBef>
+              <a:spcAft>
+                <a:spcPts val="0"/>
+              </a:spcAft>
+              <a:buClr>
+                <a:schemeClr val="lt1"/>
+              </a:buClr>
+              <a:buSzPts val="1800"/>
+              <a:buFont typeface="Vidaloka"/>
+              <a:buNone/>
+              <a:defRPr sz="1800" b="0" i="0" u="none" strike="noStrike" cap="none">
+                <a:solidFill>
+                  <a:schemeClr val="lt1"/>
+                </a:solidFill>
+                <a:latin typeface="Vidaloka"/>
+                <a:ea typeface="Vidaloka"/>
+                <a:cs typeface="Vidaloka"/>
+                <a:sym typeface="Vidaloka"/>
+              </a:defRPr>
+            </a:lvl8pPr>
+            <a:lvl9pPr marR="0" lvl="8" algn="ctr" rtl="0">
+              <a:lnSpc>
+                <a:spcPct val="100000"/>
+              </a:lnSpc>
+              <a:spcBef>
+                <a:spcPts val="0"/>
+              </a:spcBef>
+              <a:spcAft>
+                <a:spcPts val="0"/>
+              </a:spcAft>
+              <a:buClr>
+                <a:schemeClr val="lt1"/>
+              </a:buClr>
+              <a:buSzPts val="1800"/>
+              <a:buFont typeface="Vidaloka"/>
+              <a:buNone/>
+              <a:defRPr sz="1800" b="0" i="0" u="none" strike="noStrike" cap="none">
+                <a:solidFill>
+                  <a:schemeClr val="lt1"/>
+                </a:solidFill>
+                <a:latin typeface="Vidaloka"/>
+                <a:ea typeface="Vidaloka"/>
+                <a:cs typeface="Vidaloka"/>
+                <a:sym typeface="Vidaloka"/>
+              </a:defRPr>
+            </a:lvl9pPr>
+          </a:lstStyle>
+          <a:p>
+            <a:pPr marL="285750" indent="-285750">
+              <a:buFontTx/>
+              <a:buChar char="-"/>
+            </a:pPr>
+            <a:r>
+              <a:rPr lang="pt-PT" b="1" dirty="0" smtClean="0">
+                <a:solidFill>
+                  <a:schemeClr val="tx1">
+                    <a:lumMod val="50000"/>
+                  </a:schemeClr>
+                </a:solidFill>
+                <a:latin typeface="Segoe UI Black" pitchFamily="34" charset="0"/>
+                <a:ea typeface="Segoe UI Black" pitchFamily="34" charset="0"/>
+                <a:cs typeface="Segoe UI Light" pitchFamily="34" charset="0"/>
+              </a:rPr>
+              <a:t>P.O.V.P</a:t>
+            </a:r>
+          </a:p>
+          <a:p>
+            <a:pPr marL="285750" indent="-285750" algn="l">
+              <a:buFontTx/>
+              <a:buChar char="-"/>
+            </a:pPr>
+            <a:r>
+              <a:rPr lang="pt-PT" b="1" dirty="0" smtClean="0">
+                <a:solidFill>
+                  <a:schemeClr val="tx1">
+                    <a:lumMod val="50000"/>
+                  </a:schemeClr>
+                </a:solidFill>
+                <a:latin typeface="Segoe UI Black" pitchFamily="34" charset="0"/>
+                <a:ea typeface="Segoe UI Black" pitchFamily="34" charset="0"/>
+                <a:cs typeface="Segoe UI Light" pitchFamily="34" charset="0"/>
+              </a:rPr>
+              <a:t/>
+            </a:r>
+            <a:br>
+              <a:rPr lang="pt-PT" b="1" dirty="0" smtClean="0">
+                <a:solidFill>
+                  <a:schemeClr val="tx1">
+                    <a:lumMod val="50000"/>
+                  </a:schemeClr>
+                </a:solidFill>
+                <a:latin typeface="Segoe UI Black" pitchFamily="34" charset="0"/>
+                <a:ea typeface="Segoe UI Black" pitchFamily="34" charset="0"/>
+                <a:cs typeface="Segoe UI Light" pitchFamily="34" charset="0"/>
+              </a:rPr>
+            </a:br>
+            <a:r>
+              <a:rPr lang="pt-PT" b="1" dirty="0" smtClean="0">
+                <a:solidFill>
+                  <a:schemeClr val="tx1">
+                    <a:lumMod val="50000"/>
+                  </a:schemeClr>
+                </a:solidFill>
+                <a:latin typeface="Segoe UI Black" pitchFamily="34" charset="0"/>
+                <a:ea typeface="Segoe UI Black" pitchFamily="34" charset="0"/>
+                <a:cs typeface="Segoe UI Light" pitchFamily="34" charset="0"/>
+              </a:rPr>
+              <a:t>- Autoconhecimento</a:t>
+            </a:r>
+          </a:p>
+          <a:p>
+            <a:pPr marL="285750" indent="-285750" algn="l">
+              <a:buFontTx/>
+              <a:buChar char="-"/>
+            </a:pPr>
+            <a:endParaRPr lang="pt-PT" b="1" dirty="0" smtClean="0">
+              <a:solidFill>
+                <a:schemeClr val="tx1">
+                  <a:lumMod val="50000"/>
+                </a:schemeClr>
+              </a:solidFill>
+              <a:latin typeface="Segoe UI Black" pitchFamily="34" charset="0"/>
+              <a:ea typeface="Segoe UI Black" pitchFamily="34" charset="0"/>
+              <a:cs typeface="Segoe UI Light" pitchFamily="34" charset="0"/>
+            </a:endParaRPr>
+          </a:p>
+          <a:p>
+            <a:pPr marL="285750" indent="-285750" algn="l">
+              <a:buFontTx/>
+              <a:buChar char="-"/>
+            </a:pPr>
+            <a:r>
+              <a:rPr lang="pt-PT" b="1" dirty="0" smtClean="0">
+                <a:solidFill>
+                  <a:schemeClr val="tx1">
+                    <a:lumMod val="50000"/>
+                  </a:schemeClr>
+                </a:solidFill>
+                <a:latin typeface="Segoe UI Black" pitchFamily="34" charset="0"/>
+                <a:ea typeface="Segoe UI Black" pitchFamily="34" charset="0"/>
+                <a:cs typeface="Segoe UI Light" pitchFamily="34" charset="0"/>
+              </a:rPr>
+              <a:t>- Inserção : </a:t>
+            </a:r>
+          </a:p>
+          <a:p>
+            <a:pPr marL="285750" indent="-285750" algn="l">
+              <a:buFontTx/>
+              <a:buChar char="-"/>
+            </a:pPr>
+            <a:endParaRPr lang="pt-PT" b="1" dirty="0" smtClean="0">
+              <a:solidFill>
+                <a:schemeClr val="tx1">
+                  <a:lumMod val="50000"/>
+                </a:schemeClr>
+              </a:solidFill>
+              <a:latin typeface="Segoe UI Black" pitchFamily="34" charset="0"/>
+              <a:ea typeface="Segoe UI Black" pitchFamily="34" charset="0"/>
+              <a:cs typeface="Segoe UI Light" pitchFamily="34" charset="0"/>
+            </a:endParaRPr>
+          </a:p>
+          <a:p>
+            <a:pPr marL="285750" indent="-285750" algn="l">
+              <a:buFontTx/>
+              <a:buChar char="-"/>
+            </a:pPr>
+            <a:r>
+              <a:rPr lang="pt-PT" b="1" dirty="0" smtClean="0">
+                <a:solidFill>
+                  <a:schemeClr val="tx1">
+                    <a:lumMod val="50000"/>
+                  </a:schemeClr>
+                </a:solidFill>
+                <a:latin typeface="Segoe UI Black" pitchFamily="34" charset="0"/>
+                <a:ea typeface="Segoe UI Black" pitchFamily="34" charset="0"/>
+                <a:cs typeface="Segoe UI Light" pitchFamily="34" charset="0"/>
+              </a:rPr>
+              <a:t>* s</a:t>
+            </a:r>
+            <a:r>
+              <a:rPr lang="pt-PT" b="1" dirty="0" smtClean="0">
+                <a:solidFill>
+                  <a:schemeClr val="tx1">
+                    <a:lumMod val="50000"/>
+                  </a:schemeClr>
+                </a:solidFill>
+                <a:latin typeface="Segoe UI Black" pitchFamily="34" charset="0"/>
+                <a:ea typeface="Segoe UI Black" pitchFamily="34" charset="0"/>
+                <a:cs typeface="Segoe UI Light" pitchFamily="34" charset="0"/>
+              </a:rPr>
+              <a:t>ocial, </a:t>
+            </a:r>
+            <a:br>
+              <a:rPr lang="pt-PT" b="1" dirty="0" smtClean="0">
+                <a:solidFill>
+                  <a:schemeClr val="tx1">
+                    <a:lumMod val="50000"/>
+                  </a:schemeClr>
+                </a:solidFill>
+                <a:latin typeface="Segoe UI Black" pitchFamily="34" charset="0"/>
+                <a:ea typeface="Segoe UI Black" pitchFamily="34" charset="0"/>
+                <a:cs typeface="Segoe UI Light" pitchFamily="34" charset="0"/>
+              </a:rPr>
+            </a:br>
+            <a:r>
+              <a:rPr lang="pt-PT" b="1" dirty="0" smtClean="0">
+                <a:solidFill>
+                  <a:schemeClr val="tx1">
+                    <a:lumMod val="50000"/>
+                  </a:schemeClr>
+                </a:solidFill>
+                <a:latin typeface="Segoe UI Black" pitchFamily="34" charset="0"/>
+                <a:ea typeface="Segoe UI Black" pitchFamily="34" charset="0"/>
+                <a:cs typeface="Segoe UI Light" pitchFamily="34" charset="0"/>
+              </a:rPr>
+              <a:t>* econômico </a:t>
+            </a:r>
+          </a:p>
+          <a:p>
+            <a:pPr marL="285750" indent="-285750" algn="l">
+              <a:buFontTx/>
+              <a:buChar char="-"/>
+            </a:pPr>
+            <a:r>
+              <a:rPr lang="pt-PT" b="1" dirty="0" smtClean="0">
+                <a:solidFill>
+                  <a:schemeClr val="tx1">
+                    <a:lumMod val="50000"/>
+                  </a:schemeClr>
+                </a:solidFill>
+                <a:latin typeface="Segoe UI Black" pitchFamily="34" charset="0"/>
+                <a:ea typeface="Segoe UI Black" pitchFamily="34" charset="0"/>
+                <a:cs typeface="Segoe UI Light" pitchFamily="34" charset="0"/>
+              </a:rPr>
+              <a:t>* cultural</a:t>
+            </a:r>
+            <a:endParaRPr lang="pt-PT" b="1" dirty="0">
+              <a:solidFill>
+                <a:schemeClr val="tx1">
+                  <a:lumMod val="50000"/>
+                </a:schemeClr>
+              </a:solidFill>
+              <a:latin typeface="Segoe UI Black" pitchFamily="34" charset="0"/>
+              <a:ea typeface="Segoe UI Black" pitchFamily="34" charset="0"/>
+              <a:cs typeface="Segoe UI Light" pitchFamily="34" charset="0"/>
+            </a:endParaRPr>
+          </a:p>
+        </p:txBody>
+      </p:sp>
       <p:pic>
         <p:nvPicPr>
-          <p:cNvPr id="1026" name="Picture 2" descr="C:\Users\lcarlos\Desktop\kanbann-cores (1).png"/>
+          <p:cNvPr id="2" name="Picture 2" descr="Fotos Hesitacao, 2.000+ fotos de arquivo grátis de alta qualidade"/>
           <p:cNvPicPr>
             <a:picLocks noChangeAspect="1" noChangeArrowheads="1"/>
           </p:cNvPicPr>
@@ -7242,8 +5000,8 @@
         </p:blipFill>
         <p:spPr bwMode="auto">
           <a:xfrm>
-            <a:off x="539552" y="2067694"/>
-            <a:ext cx="3578975" cy="1870014"/>
+            <a:off x="611560" y="1419622"/>
+            <a:ext cx="3470057" cy="2466903"/>
           </a:xfrm>
           <a:prstGeom prst="rect">
             <a:avLst/>
@@ -7260,50 +5018,9 @@
           </a:extLst>
         </p:spPr>
       </p:pic>
-      <p:pic>
-        <p:nvPicPr>
-          <p:cNvPr id="1027" name="Picture 3" descr="C:\Users\lcarlos\Desktop\1_XysBNgtzZzOkFzSQw_pVXQ.png"/>
-          <p:cNvPicPr>
-            <a:picLocks noChangeAspect="1" noChangeArrowheads="1"/>
-          </p:cNvPicPr>
-          <p:nvPr/>
-        </p:nvPicPr>
-        <p:blipFill>
-          <a:blip r:embed="rId4">
-            <a:extLst>
-              <a:ext uri="{28A0092B-C50C-407E-A947-70E740481C1C}">
-                <a14:useLocalDpi xmlns:a14="http://schemas.microsoft.com/office/drawing/2010/main" val="0"/>
-              </a:ext>
-            </a:extLst>
-          </a:blip>
-          <a:srcRect/>
-          <a:stretch>
-            <a:fillRect/>
-          </a:stretch>
-        </p:blipFill>
-        <p:spPr bwMode="auto">
-          <a:xfrm>
-            <a:off x="5004048" y="2021459"/>
-            <a:ext cx="3672408" cy="2538547"/>
-          </a:xfrm>
-          <a:prstGeom prst="rect">
-            <a:avLst/>
-          </a:prstGeom>
-          <a:noFill/>
-          <a:extLst>
-            <a:ext uri="{909E8E84-426E-40DD-AFC4-6F175D3DCCD1}">
-              <a14:hiddenFill xmlns:a14="http://schemas.microsoft.com/office/drawing/2010/main">
-                <a:solidFill>
-                  <a:srgbClr val="FFFFFF"/>
-                </a:solidFill>
-              </a14:hiddenFill>
-            </a:ext>
-          </a:extLst>
-        </p:spPr>
-      </p:pic>
       <p:sp>
         <p:nvSpPr>
-          <p:cNvPr id="7" name="Google Shape;71;p12"/>
+          <p:cNvPr id="9" name="Google Shape;71;p12"/>
           <p:cNvSpPr txBox="1">
             <a:spLocks/>
           </p:cNvSpPr>
@@ -7311,8 +5028,8 @@
         </p:nvSpPr>
         <p:spPr>
           <a:xfrm>
-            <a:off x="323528" y="1093607"/>
-            <a:ext cx="3456384" cy="1262119"/>
+            <a:off x="611560" y="578400"/>
+            <a:ext cx="3470058" cy="816508"/>
           </a:xfrm>
           <a:prstGeom prst="rect">
             <a:avLst/>
@@ -7576,13 +5293,23 @@
           <a:p>
             <a:r>
               <a:rPr lang="pt-PT" b="1" dirty="0" smtClean="0">
+                <a:solidFill>
+                  <a:schemeClr val="tx1">
+                    <a:lumMod val="50000"/>
+                  </a:schemeClr>
+                </a:solidFill>
                 <a:latin typeface="Segoe UI Black" pitchFamily="34" charset="0"/>
                 <a:ea typeface="Segoe UI Black" pitchFamily="34" charset="0"/>
                 <a:cs typeface="Segoe UI Light" pitchFamily="34" charset="0"/>
               </a:rPr>
-              <a:t>KANBAN</a:t>
+              <a:t>O ser humano | Trabalho </a:t>
             </a:r>
             <a:endParaRPr lang="pt-PT" b="1" dirty="0">
+              <a:solidFill>
+                <a:schemeClr val="tx1">
+                  <a:lumMod val="50000"/>
+                </a:schemeClr>
+              </a:solidFill>
               <a:latin typeface="Segoe UI Black" pitchFamily="34" charset="0"/>
               <a:ea typeface="Segoe UI Black" pitchFamily="34" charset="0"/>
               <a:cs typeface="Segoe UI Light" pitchFamily="34" charset="0"/>
@@ -7592,7 +5319,7 @@
       </p:sp>
       <p:sp>
         <p:nvSpPr>
-          <p:cNvPr id="8" name="Google Shape;71;p12"/>
+          <p:cNvPr id="10" name="Google Shape;71;p12"/>
           <p:cNvSpPr txBox="1">
             <a:spLocks/>
           </p:cNvSpPr>
@@ -7600,8 +5327,8 @@
         </p:nvSpPr>
         <p:spPr>
           <a:xfrm>
-            <a:off x="3881636" y="1059582"/>
-            <a:ext cx="4824536" cy="1032532"/>
+            <a:off x="611560" y="3987490"/>
+            <a:ext cx="3470058" cy="816508"/>
           </a:xfrm>
           <a:prstGeom prst="rect">
             <a:avLst/>
@@ -7865,13 +5592,322 @@
           <a:p>
             <a:r>
               <a:rPr lang="pt-PT" b="1" dirty="0" smtClean="0">
+                <a:solidFill>
+                  <a:schemeClr val="tx1">
+                    <a:lumMod val="50000"/>
+                  </a:schemeClr>
+                </a:solidFill>
                 <a:latin typeface="Segoe UI Black" pitchFamily="34" charset="0"/>
                 <a:ea typeface="Segoe UI Black" pitchFamily="34" charset="0"/>
                 <a:cs typeface="Segoe UI Light" pitchFamily="34" charset="0"/>
               </a:rPr>
-              <a:t>DESENVOLVIMENTO ITERATIVO E INCREMENTAL</a:t>
+              <a:t>Auto-estima | + seguro e estável </a:t>
             </a:r>
             <a:endParaRPr lang="pt-PT" b="1" dirty="0">
+              <a:solidFill>
+                <a:schemeClr val="tx1">
+                  <a:lumMod val="50000"/>
+                </a:schemeClr>
+              </a:solidFill>
+              <a:latin typeface="Segoe UI Black" pitchFamily="34" charset="0"/>
+              <a:ea typeface="Segoe UI Black" pitchFamily="34" charset="0"/>
+              <a:cs typeface="Segoe UI Light" pitchFamily="34" charset="0"/>
+            </a:endParaRPr>
+          </a:p>
+        </p:txBody>
+      </p:sp>
+      <p:sp>
+        <p:nvSpPr>
+          <p:cNvPr id="11" name="Google Shape;71;p12"/>
+          <p:cNvSpPr txBox="1">
+            <a:spLocks/>
+          </p:cNvSpPr>
+          <p:nvPr/>
+        </p:nvSpPr>
+        <p:spPr>
+          <a:xfrm rot="16200000">
+            <a:off x="2836980" y="2230626"/>
+            <a:ext cx="3470058" cy="816508"/>
+          </a:xfrm>
+          <a:prstGeom prst="rect">
+            <a:avLst/>
+          </a:prstGeom>
+          <a:noFill/>
+          <a:ln>
+            <a:noFill/>
+          </a:ln>
+        </p:spPr>
+        <p:txBody>
+          <a:bodyPr spcFirstLastPara="1" wrap="square" lIns="91425" tIns="91425" rIns="91425" bIns="91425" anchor="ctr" anchorCtr="0">
+            <a:noAutofit/>
+          </a:bodyPr>
+          <a:lstStyle>
+            <a:defPPr marR="0" lvl="0" algn="l" rtl="0">
+              <a:lnSpc>
+                <a:spcPct val="100000"/>
+              </a:lnSpc>
+              <a:spcBef>
+                <a:spcPts val="0"/>
+              </a:spcBef>
+              <a:spcAft>
+                <a:spcPts val="0"/>
+              </a:spcAft>
+            </a:defPPr>
+            <a:lvl1pPr marR="0" lvl="0" algn="ctr" rtl="0">
+              <a:lnSpc>
+                <a:spcPct val="100000"/>
+              </a:lnSpc>
+              <a:spcBef>
+                <a:spcPts val="0"/>
+              </a:spcBef>
+              <a:spcAft>
+                <a:spcPts val="0"/>
+              </a:spcAft>
+              <a:buClr>
+                <a:schemeClr val="lt1"/>
+              </a:buClr>
+              <a:buSzPts val="1800"/>
+              <a:buFont typeface="Vidaloka"/>
+              <a:buNone/>
+              <a:defRPr sz="1800" b="0" i="0" u="none" strike="noStrike" cap="none">
+                <a:solidFill>
+                  <a:schemeClr val="lt1"/>
+                </a:solidFill>
+                <a:latin typeface="Vidaloka"/>
+                <a:ea typeface="Vidaloka"/>
+                <a:cs typeface="Vidaloka"/>
+                <a:sym typeface="Vidaloka"/>
+              </a:defRPr>
+            </a:lvl1pPr>
+            <a:lvl2pPr marR="0" lvl="1" algn="ctr" rtl="0">
+              <a:lnSpc>
+                <a:spcPct val="100000"/>
+              </a:lnSpc>
+              <a:spcBef>
+                <a:spcPts val="0"/>
+              </a:spcBef>
+              <a:spcAft>
+                <a:spcPts val="0"/>
+              </a:spcAft>
+              <a:buClr>
+                <a:schemeClr val="lt1"/>
+              </a:buClr>
+              <a:buSzPts val="1800"/>
+              <a:buFont typeface="Vidaloka"/>
+              <a:buNone/>
+              <a:defRPr sz="1800" b="0" i="0" u="none" strike="noStrike" cap="none">
+                <a:solidFill>
+                  <a:schemeClr val="lt1"/>
+                </a:solidFill>
+                <a:latin typeface="Vidaloka"/>
+                <a:ea typeface="Vidaloka"/>
+                <a:cs typeface="Vidaloka"/>
+                <a:sym typeface="Vidaloka"/>
+              </a:defRPr>
+            </a:lvl2pPr>
+            <a:lvl3pPr marR="0" lvl="2" algn="ctr" rtl="0">
+              <a:lnSpc>
+                <a:spcPct val="100000"/>
+              </a:lnSpc>
+              <a:spcBef>
+                <a:spcPts val="0"/>
+              </a:spcBef>
+              <a:spcAft>
+                <a:spcPts val="0"/>
+              </a:spcAft>
+              <a:buClr>
+                <a:schemeClr val="lt1"/>
+              </a:buClr>
+              <a:buSzPts val="1800"/>
+              <a:buFont typeface="Vidaloka"/>
+              <a:buNone/>
+              <a:defRPr sz="1800" b="0" i="0" u="none" strike="noStrike" cap="none">
+                <a:solidFill>
+                  <a:schemeClr val="lt1"/>
+                </a:solidFill>
+                <a:latin typeface="Vidaloka"/>
+                <a:ea typeface="Vidaloka"/>
+                <a:cs typeface="Vidaloka"/>
+                <a:sym typeface="Vidaloka"/>
+              </a:defRPr>
+            </a:lvl3pPr>
+            <a:lvl4pPr marR="0" lvl="3" algn="ctr" rtl="0">
+              <a:lnSpc>
+                <a:spcPct val="100000"/>
+              </a:lnSpc>
+              <a:spcBef>
+                <a:spcPts val="0"/>
+              </a:spcBef>
+              <a:spcAft>
+                <a:spcPts val="0"/>
+              </a:spcAft>
+              <a:buClr>
+                <a:schemeClr val="lt1"/>
+              </a:buClr>
+              <a:buSzPts val="1800"/>
+              <a:buFont typeface="Vidaloka"/>
+              <a:buNone/>
+              <a:defRPr sz="1800" b="0" i="0" u="none" strike="noStrike" cap="none">
+                <a:solidFill>
+                  <a:schemeClr val="lt1"/>
+                </a:solidFill>
+                <a:latin typeface="Vidaloka"/>
+                <a:ea typeface="Vidaloka"/>
+                <a:cs typeface="Vidaloka"/>
+                <a:sym typeface="Vidaloka"/>
+              </a:defRPr>
+            </a:lvl4pPr>
+            <a:lvl5pPr marR="0" lvl="4" algn="ctr" rtl="0">
+              <a:lnSpc>
+                <a:spcPct val="100000"/>
+              </a:lnSpc>
+              <a:spcBef>
+                <a:spcPts val="0"/>
+              </a:spcBef>
+              <a:spcAft>
+                <a:spcPts val="0"/>
+              </a:spcAft>
+              <a:buClr>
+                <a:schemeClr val="lt1"/>
+              </a:buClr>
+              <a:buSzPts val="1800"/>
+              <a:buFont typeface="Vidaloka"/>
+              <a:buNone/>
+              <a:defRPr sz="1800" b="0" i="0" u="none" strike="noStrike" cap="none">
+                <a:solidFill>
+                  <a:schemeClr val="lt1"/>
+                </a:solidFill>
+                <a:latin typeface="Vidaloka"/>
+                <a:ea typeface="Vidaloka"/>
+                <a:cs typeface="Vidaloka"/>
+                <a:sym typeface="Vidaloka"/>
+              </a:defRPr>
+            </a:lvl5pPr>
+            <a:lvl6pPr marR="0" lvl="5" algn="ctr" rtl="0">
+              <a:lnSpc>
+                <a:spcPct val="100000"/>
+              </a:lnSpc>
+              <a:spcBef>
+                <a:spcPts val="0"/>
+              </a:spcBef>
+              <a:spcAft>
+                <a:spcPts val="0"/>
+              </a:spcAft>
+              <a:buClr>
+                <a:schemeClr val="lt1"/>
+              </a:buClr>
+              <a:buSzPts val="1800"/>
+              <a:buFont typeface="Vidaloka"/>
+              <a:buNone/>
+              <a:defRPr sz="1800" b="0" i="0" u="none" strike="noStrike" cap="none">
+                <a:solidFill>
+                  <a:schemeClr val="lt1"/>
+                </a:solidFill>
+                <a:latin typeface="Vidaloka"/>
+                <a:ea typeface="Vidaloka"/>
+                <a:cs typeface="Vidaloka"/>
+                <a:sym typeface="Vidaloka"/>
+              </a:defRPr>
+            </a:lvl6pPr>
+            <a:lvl7pPr marR="0" lvl="6" algn="ctr" rtl="0">
+              <a:lnSpc>
+                <a:spcPct val="100000"/>
+              </a:lnSpc>
+              <a:spcBef>
+                <a:spcPts val="0"/>
+              </a:spcBef>
+              <a:spcAft>
+                <a:spcPts val="0"/>
+              </a:spcAft>
+              <a:buClr>
+                <a:schemeClr val="lt1"/>
+              </a:buClr>
+              <a:buSzPts val="1800"/>
+              <a:buFont typeface="Vidaloka"/>
+              <a:buNone/>
+              <a:defRPr sz="1800" b="0" i="0" u="none" strike="noStrike" cap="none">
+                <a:solidFill>
+                  <a:schemeClr val="lt1"/>
+                </a:solidFill>
+                <a:latin typeface="Vidaloka"/>
+                <a:ea typeface="Vidaloka"/>
+                <a:cs typeface="Vidaloka"/>
+                <a:sym typeface="Vidaloka"/>
+              </a:defRPr>
+            </a:lvl7pPr>
+            <a:lvl8pPr marR="0" lvl="7" algn="ctr" rtl="0">
+              <a:lnSpc>
+                <a:spcPct val="100000"/>
+              </a:lnSpc>
+              <a:spcBef>
+                <a:spcPts val="0"/>
+              </a:spcBef>
+              <a:spcAft>
+                <a:spcPts val="0"/>
+              </a:spcAft>
+              <a:buClr>
+                <a:schemeClr val="lt1"/>
+              </a:buClr>
+              <a:buSzPts val="1800"/>
+              <a:buFont typeface="Vidaloka"/>
+              <a:buNone/>
+              <a:defRPr sz="1800" b="0" i="0" u="none" strike="noStrike" cap="none">
+                <a:solidFill>
+                  <a:schemeClr val="lt1"/>
+                </a:solidFill>
+                <a:latin typeface="Vidaloka"/>
+                <a:ea typeface="Vidaloka"/>
+                <a:cs typeface="Vidaloka"/>
+                <a:sym typeface="Vidaloka"/>
+              </a:defRPr>
+            </a:lvl8pPr>
+            <a:lvl9pPr marR="0" lvl="8" algn="ctr" rtl="0">
+              <a:lnSpc>
+                <a:spcPct val="100000"/>
+              </a:lnSpc>
+              <a:spcBef>
+                <a:spcPts val="0"/>
+              </a:spcBef>
+              <a:spcAft>
+                <a:spcPts val="0"/>
+              </a:spcAft>
+              <a:buClr>
+                <a:schemeClr val="lt1"/>
+              </a:buClr>
+              <a:buSzPts val="1800"/>
+              <a:buFont typeface="Vidaloka"/>
+              <a:buNone/>
+              <a:defRPr sz="1800" b="0" i="0" u="none" strike="noStrike" cap="none">
+                <a:solidFill>
+                  <a:schemeClr val="lt1"/>
+                </a:solidFill>
+                <a:latin typeface="Vidaloka"/>
+                <a:ea typeface="Vidaloka"/>
+                <a:cs typeface="Vidaloka"/>
+                <a:sym typeface="Vidaloka"/>
+              </a:defRPr>
+            </a:lvl9pPr>
+          </a:lstStyle>
+          <a:p>
+            <a:r>
+              <a:rPr lang="pt-PT" b="1" dirty="0" smtClean="0">
+                <a:solidFill>
+                  <a:schemeClr val="tx1">
+                    <a:lumMod val="50000"/>
+                  </a:schemeClr>
+                </a:solidFill>
+                <a:latin typeface="Segoe UI Black" pitchFamily="34" charset="0"/>
+                <a:ea typeface="Segoe UI Black" pitchFamily="34" charset="0"/>
+                <a:cs typeface="Segoe UI Light" pitchFamily="34" charset="0"/>
+              </a:rPr>
+              <a:t>Dúvidas, incertezas, revoltas e identidade negativa (delinquência) </a:t>
+            </a:r>
+            <a:endParaRPr lang="pt-PT" b="1" dirty="0">
+              <a:solidFill>
+                <a:schemeClr val="tx1">
+                  <a:lumMod val="50000"/>
+                </a:schemeClr>
+              </a:solidFill>
               <a:latin typeface="Segoe UI Black" pitchFamily="34" charset="0"/>
               <a:ea typeface="Segoe UI Black" pitchFamily="34" charset="0"/>
               <a:cs typeface="Segoe UI Light" pitchFamily="34" charset="0"/>
@@ -7968,7 +6004,7 @@
         </p:nvSpPr>
         <p:spPr>
           <a:xfrm>
-            <a:off x="2771800" y="1017926"/>
+            <a:off x="258977" y="2109603"/>
             <a:ext cx="3456384" cy="473704"/>
           </a:xfrm>
           <a:prstGeom prst="rect">
@@ -8232,14 +6268,24 @@
           </a:lstStyle>
           <a:p>
             <a:r>
-              <a:rPr lang="pt-PT" b="1" dirty="0" smtClean="0">
+              <a:rPr lang="pt-PT" sz="2000" b="1" dirty="0" smtClean="0">
+                <a:solidFill>
+                  <a:schemeClr val="tx1">
+                    <a:lumMod val="50000"/>
+                  </a:schemeClr>
+                </a:solidFill>
                 <a:latin typeface="Segoe UI Black" pitchFamily="34" charset="0"/>
                 <a:ea typeface="Segoe UI Black" pitchFamily="34" charset="0"/>
                 <a:cs typeface="Segoe UI Light" pitchFamily="34" charset="0"/>
               </a:rPr>
-              <a:t>KANBAN</a:t>
+              <a:t>Situação Problemática</a:t>
             </a:r>
-            <a:endParaRPr lang="pt-PT" b="1" dirty="0">
+            <a:endParaRPr lang="pt-PT" sz="2000" b="1" dirty="0">
+              <a:solidFill>
+                <a:schemeClr val="tx1">
+                  <a:lumMod val="50000"/>
+                </a:schemeClr>
+              </a:solidFill>
               <a:latin typeface="Segoe UI Black" pitchFamily="34" charset="0"/>
               <a:ea typeface="Segoe UI Black" pitchFamily="34" charset="0"/>
               <a:cs typeface="Segoe UI Light" pitchFamily="34" charset="0"/>
@@ -8247,47 +6293,793 @@
           </a:p>
         </p:txBody>
       </p:sp>
-      <p:pic>
-        <p:nvPicPr>
-          <p:cNvPr id="2050" name="Picture 2" descr="C:\Users\lcarlos\Desktop\Kanban-for-Lean-Agile-Teams.png"/>
-          <p:cNvPicPr>
-            <a:picLocks noChangeAspect="1" noChangeArrowheads="1"/>
-          </p:cNvPicPr>
+      <p:sp>
+        <p:nvSpPr>
+          <p:cNvPr id="2" name="Chave Esquerda 1"/>
+          <p:cNvSpPr/>
           <p:nvPr/>
-        </p:nvPicPr>
-        <p:blipFill>
-          <a:blip r:embed="rId3">
-            <a:extLst>
-              <a:ext uri="{28A0092B-C50C-407E-A947-70E740481C1C}">
-                <a14:useLocalDpi xmlns:a14="http://schemas.microsoft.com/office/drawing/2010/main" val="0"/>
-              </a:ext>
-            </a:extLst>
-          </a:blip>
-          <a:srcRect/>
-          <a:stretch>
-            <a:fillRect/>
-          </a:stretch>
-        </p:blipFill>
-        <p:spPr bwMode="auto">
+        </p:nvSpPr>
+        <p:spPr>
           <a:xfrm>
-            <a:off x="1691680" y="1347614"/>
-            <a:ext cx="6048672" cy="3623913"/>
+            <a:off x="3563888" y="510251"/>
+            <a:ext cx="576064" cy="3672408"/>
+          </a:xfrm>
+          <a:prstGeom prst="leftBrace">
+            <a:avLst/>
+          </a:prstGeom>
+          <a:ln>
+            <a:solidFill>
+              <a:schemeClr val="tx1"/>
+            </a:solidFill>
+          </a:ln>
+        </p:spPr>
+        <p:style>
+          <a:lnRef idx="1">
+            <a:schemeClr val="accent1"/>
+          </a:lnRef>
+          <a:fillRef idx="0">
+            <a:schemeClr val="accent1"/>
+          </a:fillRef>
+          <a:effectRef idx="0">
+            <a:schemeClr val="accent1"/>
+          </a:effectRef>
+          <a:fontRef idx="minor">
+            <a:schemeClr val="tx1"/>
+          </a:fontRef>
+        </p:style>
+        <p:txBody>
+          <a:bodyPr rtlCol="0" anchor="ctr"/>
+          <a:lstStyle/>
+          <a:p>
+            <a:pPr algn="ctr"/>
+            <a:endParaRPr lang="pt-PT"/>
+          </a:p>
+        </p:txBody>
+      </p:sp>
+      <p:sp>
+        <p:nvSpPr>
+          <p:cNvPr id="6" name="Google Shape;71;p12"/>
+          <p:cNvSpPr txBox="1">
+            <a:spLocks/>
+          </p:cNvSpPr>
+          <p:nvPr/>
+        </p:nvSpPr>
+        <p:spPr>
+          <a:xfrm>
+            <a:off x="4147770" y="1027038"/>
+            <a:ext cx="4024630" cy="1616719"/>
           </a:xfrm>
           <a:prstGeom prst="rect">
             <a:avLst/>
           </a:prstGeom>
           <a:noFill/>
-          <a:extLst>
-            <a:ext uri="{909E8E84-426E-40DD-AFC4-6F175D3DCCD1}">
-              <a14:hiddenFill xmlns:a14="http://schemas.microsoft.com/office/drawing/2010/main">
-                <a:solidFill>
-                  <a:srgbClr val="FFFFFF"/>
-                </a:solidFill>
-              </a14:hiddenFill>
-            </a:ext>
-          </a:extLst>
+          <a:ln>
+            <a:noFill/>
+          </a:ln>
         </p:spPr>
-      </p:pic>
+        <p:txBody>
+          <a:bodyPr spcFirstLastPara="1" wrap="square" lIns="91425" tIns="91425" rIns="91425" bIns="91425" anchor="ctr" anchorCtr="0">
+            <a:noAutofit/>
+          </a:bodyPr>
+          <a:lstStyle>
+            <a:defPPr marR="0" lvl="0" algn="l" rtl="0">
+              <a:lnSpc>
+                <a:spcPct val="100000"/>
+              </a:lnSpc>
+              <a:spcBef>
+                <a:spcPts val="0"/>
+              </a:spcBef>
+              <a:spcAft>
+                <a:spcPts val="0"/>
+              </a:spcAft>
+            </a:defPPr>
+            <a:lvl1pPr marR="0" lvl="0" algn="ctr" rtl="0">
+              <a:lnSpc>
+                <a:spcPct val="100000"/>
+              </a:lnSpc>
+              <a:spcBef>
+                <a:spcPts val="0"/>
+              </a:spcBef>
+              <a:spcAft>
+                <a:spcPts val="0"/>
+              </a:spcAft>
+              <a:buClr>
+                <a:schemeClr val="lt1"/>
+              </a:buClr>
+              <a:buSzPts val="1800"/>
+              <a:buFont typeface="Vidaloka"/>
+              <a:buNone/>
+              <a:defRPr sz="1800" b="0" i="0" u="none" strike="noStrike" cap="none">
+                <a:solidFill>
+                  <a:schemeClr val="lt1"/>
+                </a:solidFill>
+                <a:latin typeface="Vidaloka"/>
+                <a:ea typeface="Vidaloka"/>
+                <a:cs typeface="Vidaloka"/>
+                <a:sym typeface="Vidaloka"/>
+              </a:defRPr>
+            </a:lvl1pPr>
+            <a:lvl2pPr marR="0" lvl="1" algn="ctr" rtl="0">
+              <a:lnSpc>
+                <a:spcPct val="100000"/>
+              </a:lnSpc>
+              <a:spcBef>
+                <a:spcPts val="0"/>
+              </a:spcBef>
+              <a:spcAft>
+                <a:spcPts val="0"/>
+              </a:spcAft>
+              <a:buClr>
+                <a:schemeClr val="lt1"/>
+              </a:buClr>
+              <a:buSzPts val="1800"/>
+              <a:buFont typeface="Vidaloka"/>
+              <a:buNone/>
+              <a:defRPr sz="1800" b="0" i="0" u="none" strike="noStrike" cap="none">
+                <a:solidFill>
+                  <a:schemeClr val="lt1"/>
+                </a:solidFill>
+                <a:latin typeface="Vidaloka"/>
+                <a:ea typeface="Vidaloka"/>
+                <a:cs typeface="Vidaloka"/>
+                <a:sym typeface="Vidaloka"/>
+              </a:defRPr>
+            </a:lvl2pPr>
+            <a:lvl3pPr marR="0" lvl="2" algn="ctr" rtl="0">
+              <a:lnSpc>
+                <a:spcPct val="100000"/>
+              </a:lnSpc>
+              <a:spcBef>
+                <a:spcPts val="0"/>
+              </a:spcBef>
+              <a:spcAft>
+                <a:spcPts val="0"/>
+              </a:spcAft>
+              <a:buClr>
+                <a:schemeClr val="lt1"/>
+              </a:buClr>
+              <a:buSzPts val="1800"/>
+              <a:buFont typeface="Vidaloka"/>
+              <a:buNone/>
+              <a:defRPr sz="1800" b="0" i="0" u="none" strike="noStrike" cap="none">
+                <a:solidFill>
+                  <a:schemeClr val="lt1"/>
+                </a:solidFill>
+                <a:latin typeface="Vidaloka"/>
+                <a:ea typeface="Vidaloka"/>
+                <a:cs typeface="Vidaloka"/>
+                <a:sym typeface="Vidaloka"/>
+              </a:defRPr>
+            </a:lvl3pPr>
+            <a:lvl4pPr marR="0" lvl="3" algn="ctr" rtl="0">
+              <a:lnSpc>
+                <a:spcPct val="100000"/>
+              </a:lnSpc>
+              <a:spcBef>
+                <a:spcPts val="0"/>
+              </a:spcBef>
+              <a:spcAft>
+                <a:spcPts val="0"/>
+              </a:spcAft>
+              <a:buClr>
+                <a:schemeClr val="lt1"/>
+              </a:buClr>
+              <a:buSzPts val="1800"/>
+              <a:buFont typeface="Vidaloka"/>
+              <a:buNone/>
+              <a:defRPr sz="1800" b="0" i="0" u="none" strike="noStrike" cap="none">
+                <a:solidFill>
+                  <a:schemeClr val="lt1"/>
+                </a:solidFill>
+                <a:latin typeface="Vidaloka"/>
+                <a:ea typeface="Vidaloka"/>
+                <a:cs typeface="Vidaloka"/>
+                <a:sym typeface="Vidaloka"/>
+              </a:defRPr>
+            </a:lvl4pPr>
+            <a:lvl5pPr marR="0" lvl="4" algn="ctr" rtl="0">
+              <a:lnSpc>
+                <a:spcPct val="100000"/>
+              </a:lnSpc>
+              <a:spcBef>
+                <a:spcPts val="0"/>
+              </a:spcBef>
+              <a:spcAft>
+                <a:spcPts val="0"/>
+              </a:spcAft>
+              <a:buClr>
+                <a:schemeClr val="lt1"/>
+              </a:buClr>
+              <a:buSzPts val="1800"/>
+              <a:buFont typeface="Vidaloka"/>
+              <a:buNone/>
+              <a:defRPr sz="1800" b="0" i="0" u="none" strike="noStrike" cap="none">
+                <a:solidFill>
+                  <a:schemeClr val="lt1"/>
+                </a:solidFill>
+                <a:latin typeface="Vidaloka"/>
+                <a:ea typeface="Vidaloka"/>
+                <a:cs typeface="Vidaloka"/>
+                <a:sym typeface="Vidaloka"/>
+              </a:defRPr>
+            </a:lvl5pPr>
+            <a:lvl6pPr marR="0" lvl="5" algn="ctr" rtl="0">
+              <a:lnSpc>
+                <a:spcPct val="100000"/>
+              </a:lnSpc>
+              <a:spcBef>
+                <a:spcPts val="0"/>
+              </a:spcBef>
+              <a:spcAft>
+                <a:spcPts val="0"/>
+              </a:spcAft>
+              <a:buClr>
+                <a:schemeClr val="lt1"/>
+              </a:buClr>
+              <a:buSzPts val="1800"/>
+              <a:buFont typeface="Vidaloka"/>
+              <a:buNone/>
+              <a:defRPr sz="1800" b="0" i="0" u="none" strike="noStrike" cap="none">
+                <a:solidFill>
+                  <a:schemeClr val="lt1"/>
+                </a:solidFill>
+                <a:latin typeface="Vidaloka"/>
+                <a:ea typeface="Vidaloka"/>
+                <a:cs typeface="Vidaloka"/>
+                <a:sym typeface="Vidaloka"/>
+              </a:defRPr>
+            </a:lvl6pPr>
+            <a:lvl7pPr marR="0" lvl="6" algn="ctr" rtl="0">
+              <a:lnSpc>
+                <a:spcPct val="100000"/>
+              </a:lnSpc>
+              <a:spcBef>
+                <a:spcPts val="0"/>
+              </a:spcBef>
+              <a:spcAft>
+                <a:spcPts val="0"/>
+              </a:spcAft>
+              <a:buClr>
+                <a:schemeClr val="lt1"/>
+              </a:buClr>
+              <a:buSzPts val="1800"/>
+              <a:buFont typeface="Vidaloka"/>
+              <a:buNone/>
+              <a:defRPr sz="1800" b="0" i="0" u="none" strike="noStrike" cap="none">
+                <a:solidFill>
+                  <a:schemeClr val="lt1"/>
+                </a:solidFill>
+                <a:latin typeface="Vidaloka"/>
+                <a:ea typeface="Vidaloka"/>
+                <a:cs typeface="Vidaloka"/>
+                <a:sym typeface="Vidaloka"/>
+              </a:defRPr>
+            </a:lvl7pPr>
+            <a:lvl8pPr marR="0" lvl="7" algn="ctr" rtl="0">
+              <a:lnSpc>
+                <a:spcPct val="100000"/>
+              </a:lnSpc>
+              <a:spcBef>
+                <a:spcPts val="0"/>
+              </a:spcBef>
+              <a:spcAft>
+                <a:spcPts val="0"/>
+              </a:spcAft>
+              <a:buClr>
+                <a:schemeClr val="lt1"/>
+              </a:buClr>
+              <a:buSzPts val="1800"/>
+              <a:buFont typeface="Vidaloka"/>
+              <a:buNone/>
+              <a:defRPr sz="1800" b="0" i="0" u="none" strike="noStrike" cap="none">
+                <a:solidFill>
+                  <a:schemeClr val="lt1"/>
+                </a:solidFill>
+                <a:latin typeface="Vidaloka"/>
+                <a:ea typeface="Vidaloka"/>
+                <a:cs typeface="Vidaloka"/>
+                <a:sym typeface="Vidaloka"/>
+              </a:defRPr>
+            </a:lvl8pPr>
+            <a:lvl9pPr marR="0" lvl="8" algn="ctr" rtl="0">
+              <a:lnSpc>
+                <a:spcPct val="100000"/>
+              </a:lnSpc>
+              <a:spcBef>
+                <a:spcPts val="0"/>
+              </a:spcBef>
+              <a:spcAft>
+                <a:spcPts val="0"/>
+              </a:spcAft>
+              <a:buClr>
+                <a:schemeClr val="lt1"/>
+              </a:buClr>
+              <a:buSzPts val="1800"/>
+              <a:buFont typeface="Vidaloka"/>
+              <a:buNone/>
+              <a:defRPr sz="1800" b="0" i="0" u="none" strike="noStrike" cap="none">
+                <a:solidFill>
+                  <a:schemeClr val="lt1"/>
+                </a:solidFill>
+                <a:latin typeface="Vidaloka"/>
+                <a:ea typeface="Vidaloka"/>
+                <a:cs typeface="Vidaloka"/>
+                <a:sym typeface="Vidaloka"/>
+              </a:defRPr>
+            </a:lvl9pPr>
+          </a:lstStyle>
+          <a:p>
+            <a:pPr algn="l"/>
+            <a:r>
+              <a:rPr lang="pt-PT" b="1" dirty="0" smtClean="0">
+                <a:solidFill>
+                  <a:schemeClr val="tx1">
+                    <a:lumMod val="50000"/>
+                  </a:schemeClr>
+                </a:solidFill>
+                <a:latin typeface="Segoe UI Black" pitchFamily="34" charset="0"/>
+                <a:ea typeface="Segoe UI Black" pitchFamily="34" charset="0"/>
+                <a:cs typeface="Segoe UI Light" pitchFamily="34" charset="0"/>
+              </a:rPr>
+              <a:t>Desafios:</a:t>
+            </a:r>
+          </a:p>
+          <a:p>
+            <a:pPr algn="l"/>
+            <a:r>
+              <a:rPr lang="pt-PT" b="1" dirty="0" smtClean="0">
+                <a:solidFill>
+                  <a:schemeClr val="tx1">
+                    <a:lumMod val="50000"/>
+                  </a:schemeClr>
+                </a:solidFill>
+                <a:latin typeface="Segoe UI Black" pitchFamily="34" charset="0"/>
+                <a:ea typeface="Segoe UI Black" pitchFamily="34" charset="0"/>
+                <a:cs typeface="Segoe UI Light" pitchFamily="34" charset="0"/>
+              </a:rPr>
+              <a:t>- Sucesso Financeiro, Prazer na função escolhida</a:t>
+            </a:r>
+            <a:br>
+              <a:rPr lang="pt-PT" b="1" dirty="0" smtClean="0">
+                <a:solidFill>
+                  <a:schemeClr val="tx1">
+                    <a:lumMod val="50000"/>
+                  </a:schemeClr>
+                </a:solidFill>
+                <a:latin typeface="Segoe UI Black" pitchFamily="34" charset="0"/>
+                <a:ea typeface="Segoe UI Black" pitchFamily="34" charset="0"/>
+                <a:cs typeface="Segoe UI Light" pitchFamily="34" charset="0"/>
+              </a:rPr>
+            </a:br>
+            <a:r>
+              <a:rPr lang="pt-PT" b="1" dirty="0" smtClean="0">
+                <a:solidFill>
+                  <a:schemeClr val="tx1">
+                    <a:lumMod val="50000"/>
+                  </a:schemeClr>
+                </a:solidFill>
+                <a:latin typeface="Segoe UI Black" pitchFamily="34" charset="0"/>
+                <a:ea typeface="Segoe UI Black" pitchFamily="34" charset="0"/>
+                <a:cs typeface="Segoe UI Light" pitchFamily="34" charset="0"/>
+              </a:rPr>
+              <a:t/>
+            </a:r>
+            <a:br>
+              <a:rPr lang="pt-PT" b="1" dirty="0" smtClean="0">
+                <a:solidFill>
+                  <a:schemeClr val="tx1">
+                    <a:lumMod val="50000"/>
+                  </a:schemeClr>
+                </a:solidFill>
+                <a:latin typeface="Segoe UI Black" pitchFamily="34" charset="0"/>
+                <a:ea typeface="Segoe UI Black" pitchFamily="34" charset="0"/>
+                <a:cs typeface="Segoe UI Light" pitchFamily="34" charset="0"/>
+              </a:rPr>
+            </a:br>
+            <a:r>
+              <a:rPr lang="pt-PT" b="1" dirty="0" smtClean="0">
+                <a:solidFill>
+                  <a:schemeClr val="tx1">
+                    <a:lumMod val="50000"/>
+                  </a:schemeClr>
+                </a:solidFill>
+                <a:latin typeface="Segoe UI Black" pitchFamily="34" charset="0"/>
+                <a:ea typeface="Segoe UI Black" pitchFamily="34" charset="0"/>
+                <a:cs typeface="Segoe UI Light" pitchFamily="34" charset="0"/>
+              </a:rPr>
+              <a:t>- Lidar com a realidade, pressões socias</a:t>
+            </a:r>
+            <a:r>
+              <a:rPr lang="pt-PT" b="1" dirty="0" smtClean="0">
+                <a:solidFill>
+                  <a:schemeClr val="tx1">
+                    <a:lumMod val="50000"/>
+                  </a:schemeClr>
+                </a:solidFill>
+                <a:latin typeface="Segoe UI Black" pitchFamily="34" charset="0"/>
+                <a:ea typeface="Segoe UI Black" pitchFamily="34" charset="0"/>
+                <a:cs typeface="Segoe UI Light" pitchFamily="34" charset="0"/>
+              </a:rPr>
+              <a:t/>
+            </a:r>
+            <a:br>
+              <a:rPr lang="pt-PT" b="1" dirty="0" smtClean="0">
+                <a:solidFill>
+                  <a:schemeClr val="tx1">
+                    <a:lumMod val="50000"/>
+                  </a:schemeClr>
+                </a:solidFill>
+                <a:latin typeface="Segoe UI Black" pitchFamily="34" charset="0"/>
+                <a:ea typeface="Segoe UI Black" pitchFamily="34" charset="0"/>
+                <a:cs typeface="Segoe UI Light" pitchFamily="34" charset="0"/>
+              </a:rPr>
+            </a:br>
+            <a:endParaRPr lang="pt-PT" b="1" dirty="0">
+              <a:solidFill>
+                <a:schemeClr val="tx1">
+                  <a:lumMod val="50000"/>
+                </a:schemeClr>
+              </a:solidFill>
+              <a:latin typeface="Segoe UI Black" pitchFamily="34" charset="0"/>
+              <a:ea typeface="Segoe UI Black" pitchFamily="34" charset="0"/>
+              <a:cs typeface="Segoe UI Light" pitchFamily="34" charset="0"/>
+            </a:endParaRPr>
+          </a:p>
+        </p:txBody>
+      </p:sp>
+      <p:sp>
+        <p:nvSpPr>
+          <p:cNvPr id="8" name="Google Shape;71;p12"/>
+          <p:cNvSpPr txBox="1">
+            <a:spLocks/>
+          </p:cNvSpPr>
+          <p:nvPr/>
+        </p:nvSpPr>
+        <p:spPr>
+          <a:xfrm>
+            <a:off x="4139952" y="2922519"/>
+            <a:ext cx="4032448" cy="945375"/>
+          </a:xfrm>
+          <a:prstGeom prst="rect">
+            <a:avLst/>
+          </a:prstGeom>
+          <a:noFill/>
+          <a:ln>
+            <a:noFill/>
+          </a:ln>
+        </p:spPr>
+        <p:txBody>
+          <a:bodyPr spcFirstLastPara="1" wrap="square" lIns="91425" tIns="91425" rIns="91425" bIns="91425" anchor="ctr" anchorCtr="0">
+            <a:noAutofit/>
+          </a:bodyPr>
+          <a:lstStyle>
+            <a:defPPr marR="0" lvl="0" algn="l" rtl="0">
+              <a:lnSpc>
+                <a:spcPct val="100000"/>
+              </a:lnSpc>
+              <a:spcBef>
+                <a:spcPts val="0"/>
+              </a:spcBef>
+              <a:spcAft>
+                <a:spcPts val="0"/>
+              </a:spcAft>
+            </a:defPPr>
+            <a:lvl1pPr marR="0" lvl="0" algn="ctr" rtl="0">
+              <a:lnSpc>
+                <a:spcPct val="100000"/>
+              </a:lnSpc>
+              <a:spcBef>
+                <a:spcPts val="0"/>
+              </a:spcBef>
+              <a:spcAft>
+                <a:spcPts val="0"/>
+              </a:spcAft>
+              <a:buClr>
+                <a:schemeClr val="lt1"/>
+              </a:buClr>
+              <a:buSzPts val="1800"/>
+              <a:buFont typeface="Vidaloka"/>
+              <a:buNone/>
+              <a:defRPr sz="1800" b="0" i="0" u="none" strike="noStrike" cap="none">
+                <a:solidFill>
+                  <a:schemeClr val="lt1"/>
+                </a:solidFill>
+                <a:latin typeface="Vidaloka"/>
+                <a:ea typeface="Vidaloka"/>
+                <a:cs typeface="Vidaloka"/>
+                <a:sym typeface="Vidaloka"/>
+              </a:defRPr>
+            </a:lvl1pPr>
+            <a:lvl2pPr marR="0" lvl="1" algn="ctr" rtl="0">
+              <a:lnSpc>
+                <a:spcPct val="100000"/>
+              </a:lnSpc>
+              <a:spcBef>
+                <a:spcPts val="0"/>
+              </a:spcBef>
+              <a:spcAft>
+                <a:spcPts val="0"/>
+              </a:spcAft>
+              <a:buClr>
+                <a:schemeClr val="lt1"/>
+              </a:buClr>
+              <a:buSzPts val="1800"/>
+              <a:buFont typeface="Vidaloka"/>
+              <a:buNone/>
+              <a:defRPr sz="1800" b="0" i="0" u="none" strike="noStrike" cap="none">
+                <a:solidFill>
+                  <a:schemeClr val="lt1"/>
+                </a:solidFill>
+                <a:latin typeface="Vidaloka"/>
+                <a:ea typeface="Vidaloka"/>
+                <a:cs typeface="Vidaloka"/>
+                <a:sym typeface="Vidaloka"/>
+              </a:defRPr>
+            </a:lvl2pPr>
+            <a:lvl3pPr marR="0" lvl="2" algn="ctr" rtl="0">
+              <a:lnSpc>
+                <a:spcPct val="100000"/>
+              </a:lnSpc>
+              <a:spcBef>
+                <a:spcPts val="0"/>
+              </a:spcBef>
+              <a:spcAft>
+                <a:spcPts val="0"/>
+              </a:spcAft>
+              <a:buClr>
+                <a:schemeClr val="lt1"/>
+              </a:buClr>
+              <a:buSzPts val="1800"/>
+              <a:buFont typeface="Vidaloka"/>
+              <a:buNone/>
+              <a:defRPr sz="1800" b="0" i="0" u="none" strike="noStrike" cap="none">
+                <a:solidFill>
+                  <a:schemeClr val="lt1"/>
+                </a:solidFill>
+                <a:latin typeface="Vidaloka"/>
+                <a:ea typeface="Vidaloka"/>
+                <a:cs typeface="Vidaloka"/>
+                <a:sym typeface="Vidaloka"/>
+              </a:defRPr>
+            </a:lvl3pPr>
+            <a:lvl4pPr marR="0" lvl="3" algn="ctr" rtl="0">
+              <a:lnSpc>
+                <a:spcPct val="100000"/>
+              </a:lnSpc>
+              <a:spcBef>
+                <a:spcPts val="0"/>
+              </a:spcBef>
+              <a:spcAft>
+                <a:spcPts val="0"/>
+              </a:spcAft>
+              <a:buClr>
+                <a:schemeClr val="lt1"/>
+              </a:buClr>
+              <a:buSzPts val="1800"/>
+              <a:buFont typeface="Vidaloka"/>
+              <a:buNone/>
+              <a:defRPr sz="1800" b="0" i="0" u="none" strike="noStrike" cap="none">
+                <a:solidFill>
+                  <a:schemeClr val="lt1"/>
+                </a:solidFill>
+                <a:latin typeface="Vidaloka"/>
+                <a:ea typeface="Vidaloka"/>
+                <a:cs typeface="Vidaloka"/>
+                <a:sym typeface="Vidaloka"/>
+              </a:defRPr>
+            </a:lvl4pPr>
+            <a:lvl5pPr marR="0" lvl="4" algn="ctr" rtl="0">
+              <a:lnSpc>
+                <a:spcPct val="100000"/>
+              </a:lnSpc>
+              <a:spcBef>
+                <a:spcPts val="0"/>
+              </a:spcBef>
+              <a:spcAft>
+                <a:spcPts val="0"/>
+              </a:spcAft>
+              <a:buClr>
+                <a:schemeClr val="lt1"/>
+              </a:buClr>
+              <a:buSzPts val="1800"/>
+              <a:buFont typeface="Vidaloka"/>
+              <a:buNone/>
+              <a:defRPr sz="1800" b="0" i="0" u="none" strike="noStrike" cap="none">
+                <a:solidFill>
+                  <a:schemeClr val="lt1"/>
+                </a:solidFill>
+                <a:latin typeface="Vidaloka"/>
+                <a:ea typeface="Vidaloka"/>
+                <a:cs typeface="Vidaloka"/>
+                <a:sym typeface="Vidaloka"/>
+              </a:defRPr>
+            </a:lvl5pPr>
+            <a:lvl6pPr marR="0" lvl="5" algn="ctr" rtl="0">
+              <a:lnSpc>
+                <a:spcPct val="100000"/>
+              </a:lnSpc>
+              <a:spcBef>
+                <a:spcPts val="0"/>
+              </a:spcBef>
+              <a:spcAft>
+                <a:spcPts val="0"/>
+              </a:spcAft>
+              <a:buClr>
+                <a:schemeClr val="lt1"/>
+              </a:buClr>
+              <a:buSzPts val="1800"/>
+              <a:buFont typeface="Vidaloka"/>
+              <a:buNone/>
+              <a:defRPr sz="1800" b="0" i="0" u="none" strike="noStrike" cap="none">
+                <a:solidFill>
+                  <a:schemeClr val="lt1"/>
+                </a:solidFill>
+                <a:latin typeface="Vidaloka"/>
+                <a:ea typeface="Vidaloka"/>
+                <a:cs typeface="Vidaloka"/>
+                <a:sym typeface="Vidaloka"/>
+              </a:defRPr>
+            </a:lvl6pPr>
+            <a:lvl7pPr marR="0" lvl="6" algn="ctr" rtl="0">
+              <a:lnSpc>
+                <a:spcPct val="100000"/>
+              </a:lnSpc>
+              <a:spcBef>
+                <a:spcPts val="0"/>
+              </a:spcBef>
+              <a:spcAft>
+                <a:spcPts val="0"/>
+              </a:spcAft>
+              <a:buClr>
+                <a:schemeClr val="lt1"/>
+              </a:buClr>
+              <a:buSzPts val="1800"/>
+              <a:buFont typeface="Vidaloka"/>
+              <a:buNone/>
+              <a:defRPr sz="1800" b="0" i="0" u="none" strike="noStrike" cap="none">
+                <a:solidFill>
+                  <a:schemeClr val="lt1"/>
+                </a:solidFill>
+                <a:latin typeface="Vidaloka"/>
+                <a:ea typeface="Vidaloka"/>
+                <a:cs typeface="Vidaloka"/>
+                <a:sym typeface="Vidaloka"/>
+              </a:defRPr>
+            </a:lvl7pPr>
+            <a:lvl8pPr marR="0" lvl="7" algn="ctr" rtl="0">
+              <a:lnSpc>
+                <a:spcPct val="100000"/>
+              </a:lnSpc>
+              <a:spcBef>
+                <a:spcPts val="0"/>
+              </a:spcBef>
+              <a:spcAft>
+                <a:spcPts val="0"/>
+              </a:spcAft>
+              <a:buClr>
+                <a:schemeClr val="lt1"/>
+              </a:buClr>
+              <a:buSzPts val="1800"/>
+              <a:buFont typeface="Vidaloka"/>
+              <a:buNone/>
+              <a:defRPr sz="1800" b="0" i="0" u="none" strike="noStrike" cap="none">
+                <a:solidFill>
+                  <a:schemeClr val="lt1"/>
+                </a:solidFill>
+                <a:latin typeface="Vidaloka"/>
+                <a:ea typeface="Vidaloka"/>
+                <a:cs typeface="Vidaloka"/>
+                <a:sym typeface="Vidaloka"/>
+              </a:defRPr>
+            </a:lvl8pPr>
+            <a:lvl9pPr marR="0" lvl="8" algn="ctr" rtl="0">
+              <a:lnSpc>
+                <a:spcPct val="100000"/>
+              </a:lnSpc>
+              <a:spcBef>
+                <a:spcPts val="0"/>
+              </a:spcBef>
+              <a:spcAft>
+                <a:spcPts val="0"/>
+              </a:spcAft>
+              <a:buClr>
+                <a:schemeClr val="lt1"/>
+              </a:buClr>
+              <a:buSzPts val="1800"/>
+              <a:buFont typeface="Vidaloka"/>
+              <a:buNone/>
+              <a:defRPr sz="1800" b="0" i="0" u="none" strike="noStrike" cap="none">
+                <a:solidFill>
+                  <a:schemeClr val="lt1"/>
+                </a:solidFill>
+                <a:latin typeface="Vidaloka"/>
+                <a:ea typeface="Vidaloka"/>
+                <a:cs typeface="Vidaloka"/>
+                <a:sym typeface="Vidaloka"/>
+              </a:defRPr>
+            </a:lvl9pPr>
+          </a:lstStyle>
+          <a:p>
+            <a:pPr algn="l"/>
+            <a:r>
+              <a:rPr lang="pt-PT" b="1" dirty="0" smtClean="0">
+                <a:solidFill>
+                  <a:schemeClr val="tx1">
+                    <a:lumMod val="50000"/>
+                  </a:schemeClr>
+                </a:solidFill>
+                <a:latin typeface="Segoe UI Black" pitchFamily="34" charset="0"/>
+                <a:ea typeface="Segoe UI Black" pitchFamily="34" charset="0"/>
+                <a:cs typeface="Segoe UI Light" pitchFamily="34" charset="0"/>
+              </a:rPr>
+              <a:t>Outros:</a:t>
+            </a:r>
+          </a:p>
+          <a:p>
+            <a:pPr algn="l"/>
+            <a:r>
+              <a:rPr lang="pt-PT" b="1" dirty="0" smtClean="0">
+                <a:solidFill>
+                  <a:schemeClr val="tx1">
+                    <a:lumMod val="50000"/>
+                  </a:schemeClr>
+                </a:solidFill>
+                <a:latin typeface="Segoe UI Black" pitchFamily="34" charset="0"/>
+                <a:ea typeface="Segoe UI Black" pitchFamily="34" charset="0"/>
+                <a:cs typeface="Segoe UI Light" pitchFamily="34" charset="0"/>
+              </a:rPr>
+              <a:t>- Busca auténtica</a:t>
+            </a:r>
+            <a:br>
+              <a:rPr lang="pt-PT" b="1" dirty="0" smtClean="0">
+                <a:solidFill>
+                  <a:schemeClr val="tx1">
+                    <a:lumMod val="50000"/>
+                  </a:schemeClr>
+                </a:solidFill>
+                <a:latin typeface="Segoe UI Black" pitchFamily="34" charset="0"/>
+                <a:ea typeface="Segoe UI Black" pitchFamily="34" charset="0"/>
+                <a:cs typeface="Segoe UI Light" pitchFamily="34" charset="0"/>
+              </a:rPr>
+            </a:br>
+            <a:r>
+              <a:rPr lang="pt-PT" b="1" dirty="0" smtClean="0">
+                <a:solidFill>
+                  <a:schemeClr val="tx1">
+                    <a:lumMod val="50000"/>
+                  </a:schemeClr>
+                </a:solidFill>
+                <a:latin typeface="Segoe UI Black" pitchFamily="34" charset="0"/>
+                <a:ea typeface="Segoe UI Black" pitchFamily="34" charset="0"/>
+                <a:cs typeface="Segoe UI Light" pitchFamily="34" charset="0"/>
+              </a:rPr>
+              <a:t/>
+            </a:r>
+            <a:br>
+              <a:rPr lang="pt-PT" b="1" dirty="0" smtClean="0">
+                <a:solidFill>
+                  <a:schemeClr val="tx1">
+                    <a:lumMod val="50000"/>
+                  </a:schemeClr>
+                </a:solidFill>
+                <a:latin typeface="Segoe UI Black" pitchFamily="34" charset="0"/>
+                <a:ea typeface="Segoe UI Black" pitchFamily="34" charset="0"/>
+                <a:cs typeface="Segoe UI Light" pitchFamily="34" charset="0"/>
+              </a:rPr>
+            </a:br>
+            <a:endParaRPr lang="pt-PT" b="1" dirty="0">
+              <a:solidFill>
+                <a:schemeClr val="tx1">
+                  <a:lumMod val="50000"/>
+                </a:schemeClr>
+              </a:solidFill>
+              <a:latin typeface="Segoe UI Black" pitchFamily="34" charset="0"/>
+              <a:ea typeface="Segoe UI Black" pitchFamily="34" charset="0"/>
+              <a:cs typeface="Segoe UI Light" pitchFamily="34" charset="0"/>
+            </a:endParaRPr>
+          </a:p>
+        </p:txBody>
+      </p:sp>
     </p:spTree>
     <p:extLst>
       <p:ext uri="{BB962C8B-B14F-4D97-AF65-F5344CB8AC3E}">
@@ -8369,7 +7161,7 @@
       </p:sp>
       <p:sp>
         <p:nvSpPr>
-          <p:cNvPr id="7" name="Google Shape;71;p12"/>
+          <p:cNvPr id="5" name="Google Shape;71;p12"/>
           <p:cNvSpPr txBox="1">
             <a:spLocks/>
           </p:cNvSpPr>
@@ -8377,8 +7169,8 @@
         </p:nvSpPr>
         <p:spPr>
           <a:xfrm>
-            <a:off x="2411760" y="1017926"/>
-            <a:ext cx="4752528" cy="473704"/>
+            <a:off x="773606" y="1304629"/>
+            <a:ext cx="3456384" cy="473704"/>
           </a:xfrm>
           <a:prstGeom prst="rect">
             <a:avLst/>
@@ -8641,14 +7433,24 @@
           </a:lstStyle>
           <a:p>
             <a:r>
-              <a:rPr lang="pt-PT" b="1" dirty="0">
+              <a:rPr lang="pt-PT" sz="2000" b="1" dirty="0" smtClean="0">
+                <a:solidFill>
+                  <a:schemeClr val="tx1">
+                    <a:lumMod val="50000"/>
+                  </a:schemeClr>
+                </a:solidFill>
                 <a:latin typeface="Segoe UI Black" pitchFamily="34" charset="0"/>
                 <a:ea typeface="Segoe UI Black" pitchFamily="34" charset="0"/>
                 <a:cs typeface="Segoe UI Light" pitchFamily="34" charset="0"/>
               </a:rPr>
-              <a:t>DESENVOLVIMENTO INCREMENTAL</a:t>
+              <a:t>Objecto de Estudo</a:t>
             </a:r>
-            <a:endParaRPr lang="pt-PT" b="1" dirty="0">
+            <a:endParaRPr lang="pt-PT" sz="2000" b="1" dirty="0">
+              <a:solidFill>
+                <a:schemeClr val="tx1">
+                  <a:lumMod val="50000"/>
+                </a:schemeClr>
+              </a:solidFill>
               <a:latin typeface="Segoe UI Black" pitchFamily="34" charset="0"/>
               <a:ea typeface="Segoe UI Black" pitchFamily="34" charset="0"/>
               <a:cs typeface="Segoe UI Light" pitchFamily="34" charset="0"/>
@@ -8656,47 +7458,1041 @@
           </a:p>
         </p:txBody>
       </p:sp>
-      <p:pic>
-        <p:nvPicPr>
-          <p:cNvPr id="3076" name="Picture 4" descr="C:\Users\lcarlos\Desktop\1_XysBNgtzZzOkFzSQw_pVXQ.png"/>
-          <p:cNvPicPr>
-            <a:picLocks noChangeAspect="1" noChangeArrowheads="1"/>
-          </p:cNvPicPr>
+      <p:sp>
+        <p:nvSpPr>
+          <p:cNvPr id="6" name="Chave Esquerda 5"/>
+          <p:cNvSpPr/>
           <p:nvPr/>
-        </p:nvPicPr>
-        <p:blipFill>
-          <a:blip r:embed="rId3">
-            <a:extLst>
-              <a:ext uri="{28A0092B-C50C-407E-A947-70E740481C1C}">
-                <a14:useLocalDpi xmlns:a14="http://schemas.microsoft.com/office/drawing/2010/main" val="0"/>
-              </a:ext>
-            </a:extLst>
-          </a:blip>
-          <a:srcRect/>
-          <a:stretch>
-            <a:fillRect/>
-          </a:stretch>
-        </p:blipFill>
-        <p:spPr bwMode="auto">
+        </p:nvSpPr>
+        <p:spPr>
           <a:xfrm>
-            <a:off x="2627784" y="1560544"/>
-            <a:ext cx="4608512" cy="3189618"/>
+            <a:off x="3966235" y="916857"/>
+            <a:ext cx="576064" cy="1294854"/>
+          </a:xfrm>
+          <a:prstGeom prst="leftBrace">
+            <a:avLst/>
+          </a:prstGeom>
+          <a:ln>
+            <a:solidFill>
+              <a:schemeClr val="tx1"/>
+            </a:solidFill>
+          </a:ln>
+        </p:spPr>
+        <p:style>
+          <a:lnRef idx="1">
+            <a:schemeClr val="accent1"/>
+          </a:lnRef>
+          <a:fillRef idx="0">
+            <a:schemeClr val="accent1"/>
+          </a:fillRef>
+          <a:effectRef idx="0">
+            <a:schemeClr val="accent1"/>
+          </a:effectRef>
+          <a:fontRef idx="minor">
+            <a:schemeClr val="tx1"/>
+          </a:fontRef>
+        </p:style>
+        <p:txBody>
+          <a:bodyPr rtlCol="0" anchor="ctr"/>
+          <a:lstStyle/>
+          <a:p>
+            <a:pPr algn="ctr"/>
+            <a:endParaRPr lang="pt-PT"/>
+          </a:p>
+        </p:txBody>
+      </p:sp>
+      <p:sp>
+        <p:nvSpPr>
+          <p:cNvPr id="8" name="Google Shape;71;p12"/>
+          <p:cNvSpPr txBox="1">
+            <a:spLocks/>
+          </p:cNvSpPr>
+          <p:nvPr/>
+        </p:nvSpPr>
+        <p:spPr>
+          <a:xfrm>
+            <a:off x="4540308" y="1335899"/>
+            <a:ext cx="3407684" cy="720080"/>
           </a:xfrm>
           <a:prstGeom prst="rect">
             <a:avLst/>
           </a:prstGeom>
           <a:noFill/>
-          <a:extLst>
-            <a:ext uri="{909E8E84-426E-40DD-AFC4-6F175D3DCCD1}">
-              <a14:hiddenFill xmlns:a14="http://schemas.microsoft.com/office/drawing/2010/main">
-                <a:solidFill>
-                  <a:srgbClr val="FFFFFF"/>
-                </a:solidFill>
-              </a14:hiddenFill>
-            </a:ext>
-          </a:extLst>
+          <a:ln>
+            <a:noFill/>
+          </a:ln>
         </p:spPr>
-      </p:pic>
+        <p:txBody>
+          <a:bodyPr spcFirstLastPara="1" wrap="square" lIns="91425" tIns="91425" rIns="91425" bIns="91425" anchor="ctr" anchorCtr="0">
+            <a:noAutofit/>
+          </a:bodyPr>
+          <a:lstStyle>
+            <a:defPPr marR="0" lvl="0" algn="l" rtl="0">
+              <a:lnSpc>
+                <a:spcPct val="100000"/>
+              </a:lnSpc>
+              <a:spcBef>
+                <a:spcPts val="0"/>
+              </a:spcBef>
+              <a:spcAft>
+                <a:spcPts val="0"/>
+              </a:spcAft>
+            </a:defPPr>
+            <a:lvl1pPr marR="0" lvl="0" algn="ctr" rtl="0">
+              <a:lnSpc>
+                <a:spcPct val="100000"/>
+              </a:lnSpc>
+              <a:spcBef>
+                <a:spcPts val="0"/>
+              </a:spcBef>
+              <a:spcAft>
+                <a:spcPts val="0"/>
+              </a:spcAft>
+              <a:buClr>
+                <a:schemeClr val="lt1"/>
+              </a:buClr>
+              <a:buSzPts val="1800"/>
+              <a:buFont typeface="Vidaloka"/>
+              <a:buNone/>
+              <a:defRPr sz="1800" b="0" i="0" u="none" strike="noStrike" cap="none">
+                <a:solidFill>
+                  <a:schemeClr val="lt1"/>
+                </a:solidFill>
+                <a:latin typeface="Vidaloka"/>
+                <a:ea typeface="Vidaloka"/>
+                <a:cs typeface="Vidaloka"/>
+                <a:sym typeface="Vidaloka"/>
+              </a:defRPr>
+            </a:lvl1pPr>
+            <a:lvl2pPr marR="0" lvl="1" algn="ctr" rtl="0">
+              <a:lnSpc>
+                <a:spcPct val="100000"/>
+              </a:lnSpc>
+              <a:spcBef>
+                <a:spcPts val="0"/>
+              </a:spcBef>
+              <a:spcAft>
+                <a:spcPts val="0"/>
+              </a:spcAft>
+              <a:buClr>
+                <a:schemeClr val="lt1"/>
+              </a:buClr>
+              <a:buSzPts val="1800"/>
+              <a:buFont typeface="Vidaloka"/>
+              <a:buNone/>
+              <a:defRPr sz="1800" b="0" i="0" u="none" strike="noStrike" cap="none">
+                <a:solidFill>
+                  <a:schemeClr val="lt1"/>
+                </a:solidFill>
+                <a:latin typeface="Vidaloka"/>
+                <a:ea typeface="Vidaloka"/>
+                <a:cs typeface="Vidaloka"/>
+                <a:sym typeface="Vidaloka"/>
+              </a:defRPr>
+            </a:lvl2pPr>
+            <a:lvl3pPr marR="0" lvl="2" algn="ctr" rtl="0">
+              <a:lnSpc>
+                <a:spcPct val="100000"/>
+              </a:lnSpc>
+              <a:spcBef>
+                <a:spcPts val="0"/>
+              </a:spcBef>
+              <a:spcAft>
+                <a:spcPts val="0"/>
+              </a:spcAft>
+              <a:buClr>
+                <a:schemeClr val="lt1"/>
+              </a:buClr>
+              <a:buSzPts val="1800"/>
+              <a:buFont typeface="Vidaloka"/>
+              <a:buNone/>
+              <a:defRPr sz="1800" b="0" i="0" u="none" strike="noStrike" cap="none">
+                <a:solidFill>
+                  <a:schemeClr val="lt1"/>
+                </a:solidFill>
+                <a:latin typeface="Vidaloka"/>
+                <a:ea typeface="Vidaloka"/>
+                <a:cs typeface="Vidaloka"/>
+                <a:sym typeface="Vidaloka"/>
+              </a:defRPr>
+            </a:lvl3pPr>
+            <a:lvl4pPr marR="0" lvl="3" algn="ctr" rtl="0">
+              <a:lnSpc>
+                <a:spcPct val="100000"/>
+              </a:lnSpc>
+              <a:spcBef>
+                <a:spcPts val="0"/>
+              </a:spcBef>
+              <a:spcAft>
+                <a:spcPts val="0"/>
+              </a:spcAft>
+              <a:buClr>
+                <a:schemeClr val="lt1"/>
+              </a:buClr>
+              <a:buSzPts val="1800"/>
+              <a:buFont typeface="Vidaloka"/>
+              <a:buNone/>
+              <a:defRPr sz="1800" b="0" i="0" u="none" strike="noStrike" cap="none">
+                <a:solidFill>
+                  <a:schemeClr val="lt1"/>
+                </a:solidFill>
+                <a:latin typeface="Vidaloka"/>
+                <a:ea typeface="Vidaloka"/>
+                <a:cs typeface="Vidaloka"/>
+                <a:sym typeface="Vidaloka"/>
+              </a:defRPr>
+            </a:lvl4pPr>
+            <a:lvl5pPr marR="0" lvl="4" algn="ctr" rtl="0">
+              <a:lnSpc>
+                <a:spcPct val="100000"/>
+              </a:lnSpc>
+              <a:spcBef>
+                <a:spcPts val="0"/>
+              </a:spcBef>
+              <a:spcAft>
+                <a:spcPts val="0"/>
+              </a:spcAft>
+              <a:buClr>
+                <a:schemeClr val="lt1"/>
+              </a:buClr>
+              <a:buSzPts val="1800"/>
+              <a:buFont typeface="Vidaloka"/>
+              <a:buNone/>
+              <a:defRPr sz="1800" b="0" i="0" u="none" strike="noStrike" cap="none">
+                <a:solidFill>
+                  <a:schemeClr val="lt1"/>
+                </a:solidFill>
+                <a:latin typeface="Vidaloka"/>
+                <a:ea typeface="Vidaloka"/>
+                <a:cs typeface="Vidaloka"/>
+                <a:sym typeface="Vidaloka"/>
+              </a:defRPr>
+            </a:lvl5pPr>
+            <a:lvl6pPr marR="0" lvl="5" algn="ctr" rtl="0">
+              <a:lnSpc>
+                <a:spcPct val="100000"/>
+              </a:lnSpc>
+              <a:spcBef>
+                <a:spcPts val="0"/>
+              </a:spcBef>
+              <a:spcAft>
+                <a:spcPts val="0"/>
+              </a:spcAft>
+              <a:buClr>
+                <a:schemeClr val="lt1"/>
+              </a:buClr>
+              <a:buSzPts val="1800"/>
+              <a:buFont typeface="Vidaloka"/>
+              <a:buNone/>
+              <a:defRPr sz="1800" b="0" i="0" u="none" strike="noStrike" cap="none">
+                <a:solidFill>
+                  <a:schemeClr val="lt1"/>
+                </a:solidFill>
+                <a:latin typeface="Vidaloka"/>
+                <a:ea typeface="Vidaloka"/>
+                <a:cs typeface="Vidaloka"/>
+                <a:sym typeface="Vidaloka"/>
+              </a:defRPr>
+            </a:lvl6pPr>
+            <a:lvl7pPr marR="0" lvl="6" algn="ctr" rtl="0">
+              <a:lnSpc>
+                <a:spcPct val="100000"/>
+              </a:lnSpc>
+              <a:spcBef>
+                <a:spcPts val="0"/>
+              </a:spcBef>
+              <a:spcAft>
+                <a:spcPts val="0"/>
+              </a:spcAft>
+              <a:buClr>
+                <a:schemeClr val="lt1"/>
+              </a:buClr>
+              <a:buSzPts val="1800"/>
+              <a:buFont typeface="Vidaloka"/>
+              <a:buNone/>
+              <a:defRPr sz="1800" b="0" i="0" u="none" strike="noStrike" cap="none">
+                <a:solidFill>
+                  <a:schemeClr val="lt1"/>
+                </a:solidFill>
+                <a:latin typeface="Vidaloka"/>
+                <a:ea typeface="Vidaloka"/>
+                <a:cs typeface="Vidaloka"/>
+                <a:sym typeface="Vidaloka"/>
+              </a:defRPr>
+            </a:lvl7pPr>
+            <a:lvl8pPr marR="0" lvl="7" algn="ctr" rtl="0">
+              <a:lnSpc>
+                <a:spcPct val="100000"/>
+              </a:lnSpc>
+              <a:spcBef>
+                <a:spcPts val="0"/>
+              </a:spcBef>
+              <a:spcAft>
+                <a:spcPts val="0"/>
+              </a:spcAft>
+              <a:buClr>
+                <a:schemeClr val="lt1"/>
+              </a:buClr>
+              <a:buSzPts val="1800"/>
+              <a:buFont typeface="Vidaloka"/>
+              <a:buNone/>
+              <a:defRPr sz="1800" b="0" i="0" u="none" strike="noStrike" cap="none">
+                <a:solidFill>
+                  <a:schemeClr val="lt1"/>
+                </a:solidFill>
+                <a:latin typeface="Vidaloka"/>
+                <a:ea typeface="Vidaloka"/>
+                <a:cs typeface="Vidaloka"/>
+                <a:sym typeface="Vidaloka"/>
+              </a:defRPr>
+            </a:lvl8pPr>
+            <a:lvl9pPr marR="0" lvl="8" algn="ctr" rtl="0">
+              <a:lnSpc>
+                <a:spcPct val="100000"/>
+              </a:lnSpc>
+              <a:spcBef>
+                <a:spcPts val="0"/>
+              </a:spcBef>
+              <a:spcAft>
+                <a:spcPts val="0"/>
+              </a:spcAft>
+              <a:buClr>
+                <a:schemeClr val="lt1"/>
+              </a:buClr>
+              <a:buSzPts val="1800"/>
+              <a:buFont typeface="Vidaloka"/>
+              <a:buNone/>
+              <a:defRPr sz="1800" b="0" i="0" u="none" strike="noStrike" cap="none">
+                <a:solidFill>
+                  <a:schemeClr val="lt1"/>
+                </a:solidFill>
+                <a:latin typeface="Vidaloka"/>
+                <a:ea typeface="Vidaloka"/>
+                <a:cs typeface="Vidaloka"/>
+                <a:sym typeface="Vidaloka"/>
+              </a:defRPr>
+            </a:lvl9pPr>
+          </a:lstStyle>
+          <a:p>
+            <a:pPr algn="l"/>
+            <a:r>
+              <a:rPr lang="pt-PT" b="1" dirty="0" smtClean="0">
+                <a:solidFill>
+                  <a:schemeClr val="tx1">
+                    <a:lumMod val="50000"/>
+                  </a:schemeClr>
+                </a:solidFill>
+                <a:latin typeface="Segoe UI Black" pitchFamily="34" charset="0"/>
+                <a:ea typeface="Segoe UI Black" pitchFamily="34" charset="0"/>
+                <a:cs typeface="Segoe UI Light" pitchFamily="34" charset="0"/>
+              </a:rPr>
+              <a:t>Processo de Orientação Vocacional </a:t>
+            </a:r>
+            <a:r>
+              <a:rPr lang="pt-PT" b="1" smtClean="0">
+                <a:solidFill>
+                  <a:schemeClr val="tx1">
+                    <a:lumMod val="50000"/>
+                  </a:schemeClr>
+                </a:solidFill>
+                <a:latin typeface="Segoe UI Black" pitchFamily="34" charset="0"/>
+                <a:ea typeface="Segoe UI Black" pitchFamily="34" charset="0"/>
+                <a:cs typeface="Segoe UI Light" pitchFamily="34" charset="0"/>
+              </a:rPr>
+              <a:t>e Profissional</a:t>
+            </a:r>
+            <a:r>
+              <a:rPr lang="pt-PT" b="1" dirty="0" smtClean="0">
+                <a:solidFill>
+                  <a:schemeClr val="tx1">
+                    <a:lumMod val="50000"/>
+                  </a:schemeClr>
+                </a:solidFill>
+                <a:latin typeface="Segoe UI Black" pitchFamily="34" charset="0"/>
+                <a:ea typeface="Segoe UI Black" pitchFamily="34" charset="0"/>
+                <a:cs typeface="Segoe UI Light" pitchFamily="34" charset="0"/>
+              </a:rPr>
+              <a:t/>
+            </a:r>
+            <a:br>
+              <a:rPr lang="pt-PT" b="1" dirty="0" smtClean="0">
+                <a:solidFill>
+                  <a:schemeClr val="tx1">
+                    <a:lumMod val="50000"/>
+                  </a:schemeClr>
+                </a:solidFill>
+                <a:latin typeface="Segoe UI Black" pitchFamily="34" charset="0"/>
+                <a:ea typeface="Segoe UI Black" pitchFamily="34" charset="0"/>
+                <a:cs typeface="Segoe UI Light" pitchFamily="34" charset="0"/>
+              </a:rPr>
+            </a:br>
+            <a:endParaRPr lang="pt-PT" b="1" dirty="0">
+              <a:solidFill>
+                <a:schemeClr val="tx1">
+                  <a:lumMod val="50000"/>
+                </a:schemeClr>
+              </a:solidFill>
+              <a:latin typeface="Segoe UI Black" pitchFamily="34" charset="0"/>
+              <a:ea typeface="Segoe UI Black" pitchFamily="34" charset="0"/>
+              <a:cs typeface="Segoe UI Light" pitchFamily="34" charset="0"/>
+            </a:endParaRPr>
+          </a:p>
+        </p:txBody>
+      </p:sp>
+      <p:sp>
+        <p:nvSpPr>
+          <p:cNvPr id="13" name="Google Shape;71;p12"/>
+          <p:cNvSpPr txBox="1">
+            <a:spLocks/>
+          </p:cNvSpPr>
+          <p:nvPr/>
+        </p:nvSpPr>
+        <p:spPr>
+          <a:xfrm>
+            <a:off x="926006" y="2888804"/>
+            <a:ext cx="3456384" cy="473704"/>
+          </a:xfrm>
+          <a:prstGeom prst="rect">
+            <a:avLst/>
+          </a:prstGeom>
+          <a:noFill/>
+          <a:ln>
+            <a:noFill/>
+          </a:ln>
+        </p:spPr>
+        <p:txBody>
+          <a:bodyPr spcFirstLastPara="1" wrap="square" lIns="91425" tIns="91425" rIns="91425" bIns="91425" anchor="ctr" anchorCtr="0">
+            <a:noAutofit/>
+          </a:bodyPr>
+          <a:lstStyle>
+            <a:defPPr marR="0" lvl="0" algn="l" rtl="0">
+              <a:lnSpc>
+                <a:spcPct val="100000"/>
+              </a:lnSpc>
+              <a:spcBef>
+                <a:spcPts val="0"/>
+              </a:spcBef>
+              <a:spcAft>
+                <a:spcPts val="0"/>
+              </a:spcAft>
+            </a:defPPr>
+            <a:lvl1pPr marR="0" lvl="0" algn="ctr" rtl="0">
+              <a:lnSpc>
+                <a:spcPct val="100000"/>
+              </a:lnSpc>
+              <a:spcBef>
+                <a:spcPts val="0"/>
+              </a:spcBef>
+              <a:spcAft>
+                <a:spcPts val="0"/>
+              </a:spcAft>
+              <a:buClr>
+                <a:schemeClr val="lt1"/>
+              </a:buClr>
+              <a:buSzPts val="1800"/>
+              <a:buFont typeface="Vidaloka"/>
+              <a:buNone/>
+              <a:defRPr sz="1800" b="0" i="0" u="none" strike="noStrike" cap="none">
+                <a:solidFill>
+                  <a:schemeClr val="lt1"/>
+                </a:solidFill>
+                <a:latin typeface="Vidaloka"/>
+                <a:ea typeface="Vidaloka"/>
+                <a:cs typeface="Vidaloka"/>
+                <a:sym typeface="Vidaloka"/>
+              </a:defRPr>
+            </a:lvl1pPr>
+            <a:lvl2pPr marR="0" lvl="1" algn="ctr" rtl="0">
+              <a:lnSpc>
+                <a:spcPct val="100000"/>
+              </a:lnSpc>
+              <a:spcBef>
+                <a:spcPts val="0"/>
+              </a:spcBef>
+              <a:spcAft>
+                <a:spcPts val="0"/>
+              </a:spcAft>
+              <a:buClr>
+                <a:schemeClr val="lt1"/>
+              </a:buClr>
+              <a:buSzPts val="1800"/>
+              <a:buFont typeface="Vidaloka"/>
+              <a:buNone/>
+              <a:defRPr sz="1800" b="0" i="0" u="none" strike="noStrike" cap="none">
+                <a:solidFill>
+                  <a:schemeClr val="lt1"/>
+                </a:solidFill>
+                <a:latin typeface="Vidaloka"/>
+                <a:ea typeface="Vidaloka"/>
+                <a:cs typeface="Vidaloka"/>
+                <a:sym typeface="Vidaloka"/>
+              </a:defRPr>
+            </a:lvl2pPr>
+            <a:lvl3pPr marR="0" lvl="2" algn="ctr" rtl="0">
+              <a:lnSpc>
+                <a:spcPct val="100000"/>
+              </a:lnSpc>
+              <a:spcBef>
+                <a:spcPts val="0"/>
+              </a:spcBef>
+              <a:spcAft>
+                <a:spcPts val="0"/>
+              </a:spcAft>
+              <a:buClr>
+                <a:schemeClr val="lt1"/>
+              </a:buClr>
+              <a:buSzPts val="1800"/>
+              <a:buFont typeface="Vidaloka"/>
+              <a:buNone/>
+              <a:defRPr sz="1800" b="0" i="0" u="none" strike="noStrike" cap="none">
+                <a:solidFill>
+                  <a:schemeClr val="lt1"/>
+                </a:solidFill>
+                <a:latin typeface="Vidaloka"/>
+                <a:ea typeface="Vidaloka"/>
+                <a:cs typeface="Vidaloka"/>
+                <a:sym typeface="Vidaloka"/>
+              </a:defRPr>
+            </a:lvl3pPr>
+            <a:lvl4pPr marR="0" lvl="3" algn="ctr" rtl="0">
+              <a:lnSpc>
+                <a:spcPct val="100000"/>
+              </a:lnSpc>
+              <a:spcBef>
+                <a:spcPts val="0"/>
+              </a:spcBef>
+              <a:spcAft>
+                <a:spcPts val="0"/>
+              </a:spcAft>
+              <a:buClr>
+                <a:schemeClr val="lt1"/>
+              </a:buClr>
+              <a:buSzPts val="1800"/>
+              <a:buFont typeface="Vidaloka"/>
+              <a:buNone/>
+              <a:defRPr sz="1800" b="0" i="0" u="none" strike="noStrike" cap="none">
+                <a:solidFill>
+                  <a:schemeClr val="lt1"/>
+                </a:solidFill>
+                <a:latin typeface="Vidaloka"/>
+                <a:ea typeface="Vidaloka"/>
+                <a:cs typeface="Vidaloka"/>
+                <a:sym typeface="Vidaloka"/>
+              </a:defRPr>
+            </a:lvl4pPr>
+            <a:lvl5pPr marR="0" lvl="4" algn="ctr" rtl="0">
+              <a:lnSpc>
+                <a:spcPct val="100000"/>
+              </a:lnSpc>
+              <a:spcBef>
+                <a:spcPts val="0"/>
+              </a:spcBef>
+              <a:spcAft>
+                <a:spcPts val="0"/>
+              </a:spcAft>
+              <a:buClr>
+                <a:schemeClr val="lt1"/>
+              </a:buClr>
+              <a:buSzPts val="1800"/>
+              <a:buFont typeface="Vidaloka"/>
+              <a:buNone/>
+              <a:defRPr sz="1800" b="0" i="0" u="none" strike="noStrike" cap="none">
+                <a:solidFill>
+                  <a:schemeClr val="lt1"/>
+                </a:solidFill>
+                <a:latin typeface="Vidaloka"/>
+                <a:ea typeface="Vidaloka"/>
+                <a:cs typeface="Vidaloka"/>
+                <a:sym typeface="Vidaloka"/>
+              </a:defRPr>
+            </a:lvl5pPr>
+            <a:lvl6pPr marR="0" lvl="5" algn="ctr" rtl="0">
+              <a:lnSpc>
+                <a:spcPct val="100000"/>
+              </a:lnSpc>
+              <a:spcBef>
+                <a:spcPts val="0"/>
+              </a:spcBef>
+              <a:spcAft>
+                <a:spcPts val="0"/>
+              </a:spcAft>
+              <a:buClr>
+                <a:schemeClr val="lt1"/>
+              </a:buClr>
+              <a:buSzPts val="1800"/>
+              <a:buFont typeface="Vidaloka"/>
+              <a:buNone/>
+              <a:defRPr sz="1800" b="0" i="0" u="none" strike="noStrike" cap="none">
+                <a:solidFill>
+                  <a:schemeClr val="lt1"/>
+                </a:solidFill>
+                <a:latin typeface="Vidaloka"/>
+                <a:ea typeface="Vidaloka"/>
+                <a:cs typeface="Vidaloka"/>
+                <a:sym typeface="Vidaloka"/>
+              </a:defRPr>
+            </a:lvl6pPr>
+            <a:lvl7pPr marR="0" lvl="6" algn="ctr" rtl="0">
+              <a:lnSpc>
+                <a:spcPct val="100000"/>
+              </a:lnSpc>
+              <a:spcBef>
+                <a:spcPts val="0"/>
+              </a:spcBef>
+              <a:spcAft>
+                <a:spcPts val="0"/>
+              </a:spcAft>
+              <a:buClr>
+                <a:schemeClr val="lt1"/>
+              </a:buClr>
+              <a:buSzPts val="1800"/>
+              <a:buFont typeface="Vidaloka"/>
+              <a:buNone/>
+              <a:defRPr sz="1800" b="0" i="0" u="none" strike="noStrike" cap="none">
+                <a:solidFill>
+                  <a:schemeClr val="lt1"/>
+                </a:solidFill>
+                <a:latin typeface="Vidaloka"/>
+                <a:ea typeface="Vidaloka"/>
+                <a:cs typeface="Vidaloka"/>
+                <a:sym typeface="Vidaloka"/>
+              </a:defRPr>
+            </a:lvl7pPr>
+            <a:lvl8pPr marR="0" lvl="7" algn="ctr" rtl="0">
+              <a:lnSpc>
+                <a:spcPct val="100000"/>
+              </a:lnSpc>
+              <a:spcBef>
+                <a:spcPts val="0"/>
+              </a:spcBef>
+              <a:spcAft>
+                <a:spcPts val="0"/>
+              </a:spcAft>
+              <a:buClr>
+                <a:schemeClr val="lt1"/>
+              </a:buClr>
+              <a:buSzPts val="1800"/>
+              <a:buFont typeface="Vidaloka"/>
+              <a:buNone/>
+              <a:defRPr sz="1800" b="0" i="0" u="none" strike="noStrike" cap="none">
+                <a:solidFill>
+                  <a:schemeClr val="lt1"/>
+                </a:solidFill>
+                <a:latin typeface="Vidaloka"/>
+                <a:ea typeface="Vidaloka"/>
+                <a:cs typeface="Vidaloka"/>
+                <a:sym typeface="Vidaloka"/>
+              </a:defRPr>
+            </a:lvl8pPr>
+            <a:lvl9pPr marR="0" lvl="8" algn="ctr" rtl="0">
+              <a:lnSpc>
+                <a:spcPct val="100000"/>
+              </a:lnSpc>
+              <a:spcBef>
+                <a:spcPts val="0"/>
+              </a:spcBef>
+              <a:spcAft>
+                <a:spcPts val="0"/>
+              </a:spcAft>
+              <a:buClr>
+                <a:schemeClr val="lt1"/>
+              </a:buClr>
+              <a:buSzPts val="1800"/>
+              <a:buFont typeface="Vidaloka"/>
+              <a:buNone/>
+              <a:defRPr sz="1800" b="0" i="0" u="none" strike="noStrike" cap="none">
+                <a:solidFill>
+                  <a:schemeClr val="lt1"/>
+                </a:solidFill>
+                <a:latin typeface="Vidaloka"/>
+                <a:ea typeface="Vidaloka"/>
+                <a:cs typeface="Vidaloka"/>
+                <a:sym typeface="Vidaloka"/>
+              </a:defRPr>
+            </a:lvl9pPr>
+          </a:lstStyle>
+          <a:p>
+            <a:r>
+              <a:rPr lang="pt-PT" sz="2000" b="1" dirty="0" smtClean="0">
+                <a:solidFill>
+                  <a:schemeClr val="tx1">
+                    <a:lumMod val="50000"/>
+                  </a:schemeClr>
+                </a:solidFill>
+                <a:latin typeface="Segoe UI Black" pitchFamily="34" charset="0"/>
+                <a:ea typeface="Segoe UI Black" pitchFamily="34" charset="0"/>
+                <a:cs typeface="Segoe UI Light" pitchFamily="34" charset="0"/>
+              </a:rPr>
+              <a:t>Campo de Acção</a:t>
+            </a:r>
+            <a:endParaRPr lang="pt-PT" sz="2000" b="1" dirty="0">
+              <a:solidFill>
+                <a:schemeClr val="tx1">
+                  <a:lumMod val="50000"/>
+                </a:schemeClr>
+              </a:solidFill>
+              <a:latin typeface="Segoe UI Black" pitchFamily="34" charset="0"/>
+              <a:ea typeface="Segoe UI Black" pitchFamily="34" charset="0"/>
+              <a:cs typeface="Segoe UI Light" pitchFamily="34" charset="0"/>
+            </a:endParaRPr>
+          </a:p>
+        </p:txBody>
+      </p:sp>
+      <p:sp>
+        <p:nvSpPr>
+          <p:cNvPr id="14" name="Chave Esquerda 13"/>
+          <p:cNvSpPr/>
+          <p:nvPr/>
+        </p:nvSpPr>
+        <p:spPr>
+          <a:xfrm>
+            <a:off x="4118635" y="2501032"/>
+            <a:ext cx="576064" cy="1294854"/>
+          </a:xfrm>
+          <a:prstGeom prst="leftBrace">
+            <a:avLst/>
+          </a:prstGeom>
+          <a:ln>
+            <a:solidFill>
+              <a:schemeClr val="tx1"/>
+            </a:solidFill>
+          </a:ln>
+        </p:spPr>
+        <p:style>
+          <a:lnRef idx="1">
+            <a:schemeClr val="accent1"/>
+          </a:lnRef>
+          <a:fillRef idx="0">
+            <a:schemeClr val="accent1"/>
+          </a:fillRef>
+          <a:effectRef idx="0">
+            <a:schemeClr val="accent1"/>
+          </a:effectRef>
+          <a:fontRef idx="minor">
+            <a:schemeClr val="tx1"/>
+          </a:fontRef>
+        </p:style>
+        <p:txBody>
+          <a:bodyPr rtlCol="0" anchor="ctr"/>
+          <a:lstStyle/>
+          <a:p>
+            <a:pPr algn="ctr"/>
+            <a:endParaRPr lang="pt-PT"/>
+          </a:p>
+        </p:txBody>
+      </p:sp>
+      <p:sp>
+        <p:nvSpPr>
+          <p:cNvPr id="15" name="Google Shape;71;p12"/>
+          <p:cNvSpPr txBox="1">
+            <a:spLocks/>
+          </p:cNvSpPr>
+          <p:nvPr/>
+        </p:nvSpPr>
+        <p:spPr>
+          <a:xfrm>
+            <a:off x="4692708" y="2920074"/>
+            <a:ext cx="3407684" cy="720080"/>
+          </a:xfrm>
+          <a:prstGeom prst="rect">
+            <a:avLst/>
+          </a:prstGeom>
+          <a:noFill/>
+          <a:ln>
+            <a:noFill/>
+          </a:ln>
+        </p:spPr>
+        <p:txBody>
+          <a:bodyPr spcFirstLastPara="1" wrap="square" lIns="91425" tIns="91425" rIns="91425" bIns="91425" anchor="ctr" anchorCtr="0">
+            <a:noAutofit/>
+          </a:bodyPr>
+          <a:lstStyle>
+            <a:defPPr marR="0" lvl="0" algn="l" rtl="0">
+              <a:lnSpc>
+                <a:spcPct val="100000"/>
+              </a:lnSpc>
+              <a:spcBef>
+                <a:spcPts val="0"/>
+              </a:spcBef>
+              <a:spcAft>
+                <a:spcPts val="0"/>
+              </a:spcAft>
+            </a:defPPr>
+            <a:lvl1pPr marR="0" lvl="0" algn="ctr" rtl="0">
+              <a:lnSpc>
+                <a:spcPct val="100000"/>
+              </a:lnSpc>
+              <a:spcBef>
+                <a:spcPts val="0"/>
+              </a:spcBef>
+              <a:spcAft>
+                <a:spcPts val="0"/>
+              </a:spcAft>
+              <a:buClr>
+                <a:schemeClr val="lt1"/>
+              </a:buClr>
+              <a:buSzPts val="1800"/>
+              <a:buFont typeface="Vidaloka"/>
+              <a:buNone/>
+              <a:defRPr sz="1800" b="0" i="0" u="none" strike="noStrike" cap="none">
+                <a:solidFill>
+                  <a:schemeClr val="lt1"/>
+                </a:solidFill>
+                <a:latin typeface="Vidaloka"/>
+                <a:ea typeface="Vidaloka"/>
+                <a:cs typeface="Vidaloka"/>
+                <a:sym typeface="Vidaloka"/>
+              </a:defRPr>
+            </a:lvl1pPr>
+            <a:lvl2pPr marR="0" lvl="1" algn="ctr" rtl="0">
+              <a:lnSpc>
+                <a:spcPct val="100000"/>
+              </a:lnSpc>
+              <a:spcBef>
+                <a:spcPts val="0"/>
+              </a:spcBef>
+              <a:spcAft>
+                <a:spcPts val="0"/>
+              </a:spcAft>
+              <a:buClr>
+                <a:schemeClr val="lt1"/>
+              </a:buClr>
+              <a:buSzPts val="1800"/>
+              <a:buFont typeface="Vidaloka"/>
+              <a:buNone/>
+              <a:defRPr sz="1800" b="0" i="0" u="none" strike="noStrike" cap="none">
+                <a:solidFill>
+                  <a:schemeClr val="lt1"/>
+                </a:solidFill>
+                <a:latin typeface="Vidaloka"/>
+                <a:ea typeface="Vidaloka"/>
+                <a:cs typeface="Vidaloka"/>
+                <a:sym typeface="Vidaloka"/>
+              </a:defRPr>
+            </a:lvl2pPr>
+            <a:lvl3pPr marR="0" lvl="2" algn="ctr" rtl="0">
+              <a:lnSpc>
+                <a:spcPct val="100000"/>
+              </a:lnSpc>
+              <a:spcBef>
+                <a:spcPts val="0"/>
+              </a:spcBef>
+              <a:spcAft>
+                <a:spcPts val="0"/>
+              </a:spcAft>
+              <a:buClr>
+                <a:schemeClr val="lt1"/>
+              </a:buClr>
+              <a:buSzPts val="1800"/>
+              <a:buFont typeface="Vidaloka"/>
+              <a:buNone/>
+              <a:defRPr sz="1800" b="0" i="0" u="none" strike="noStrike" cap="none">
+                <a:solidFill>
+                  <a:schemeClr val="lt1"/>
+                </a:solidFill>
+                <a:latin typeface="Vidaloka"/>
+                <a:ea typeface="Vidaloka"/>
+                <a:cs typeface="Vidaloka"/>
+                <a:sym typeface="Vidaloka"/>
+              </a:defRPr>
+            </a:lvl3pPr>
+            <a:lvl4pPr marR="0" lvl="3" algn="ctr" rtl="0">
+              <a:lnSpc>
+                <a:spcPct val="100000"/>
+              </a:lnSpc>
+              <a:spcBef>
+                <a:spcPts val="0"/>
+              </a:spcBef>
+              <a:spcAft>
+                <a:spcPts val="0"/>
+              </a:spcAft>
+              <a:buClr>
+                <a:schemeClr val="lt1"/>
+              </a:buClr>
+              <a:buSzPts val="1800"/>
+              <a:buFont typeface="Vidaloka"/>
+              <a:buNone/>
+              <a:defRPr sz="1800" b="0" i="0" u="none" strike="noStrike" cap="none">
+                <a:solidFill>
+                  <a:schemeClr val="lt1"/>
+                </a:solidFill>
+                <a:latin typeface="Vidaloka"/>
+                <a:ea typeface="Vidaloka"/>
+                <a:cs typeface="Vidaloka"/>
+                <a:sym typeface="Vidaloka"/>
+              </a:defRPr>
+            </a:lvl4pPr>
+            <a:lvl5pPr marR="0" lvl="4" algn="ctr" rtl="0">
+              <a:lnSpc>
+                <a:spcPct val="100000"/>
+              </a:lnSpc>
+              <a:spcBef>
+                <a:spcPts val="0"/>
+              </a:spcBef>
+              <a:spcAft>
+                <a:spcPts val="0"/>
+              </a:spcAft>
+              <a:buClr>
+                <a:schemeClr val="lt1"/>
+              </a:buClr>
+              <a:buSzPts val="1800"/>
+              <a:buFont typeface="Vidaloka"/>
+              <a:buNone/>
+              <a:defRPr sz="1800" b="0" i="0" u="none" strike="noStrike" cap="none">
+                <a:solidFill>
+                  <a:schemeClr val="lt1"/>
+                </a:solidFill>
+                <a:latin typeface="Vidaloka"/>
+                <a:ea typeface="Vidaloka"/>
+                <a:cs typeface="Vidaloka"/>
+                <a:sym typeface="Vidaloka"/>
+              </a:defRPr>
+            </a:lvl5pPr>
+            <a:lvl6pPr marR="0" lvl="5" algn="ctr" rtl="0">
+              <a:lnSpc>
+                <a:spcPct val="100000"/>
+              </a:lnSpc>
+              <a:spcBef>
+                <a:spcPts val="0"/>
+              </a:spcBef>
+              <a:spcAft>
+                <a:spcPts val="0"/>
+              </a:spcAft>
+              <a:buClr>
+                <a:schemeClr val="lt1"/>
+              </a:buClr>
+              <a:buSzPts val="1800"/>
+              <a:buFont typeface="Vidaloka"/>
+              <a:buNone/>
+              <a:defRPr sz="1800" b="0" i="0" u="none" strike="noStrike" cap="none">
+                <a:solidFill>
+                  <a:schemeClr val="lt1"/>
+                </a:solidFill>
+                <a:latin typeface="Vidaloka"/>
+                <a:ea typeface="Vidaloka"/>
+                <a:cs typeface="Vidaloka"/>
+                <a:sym typeface="Vidaloka"/>
+              </a:defRPr>
+            </a:lvl6pPr>
+            <a:lvl7pPr marR="0" lvl="6" algn="ctr" rtl="0">
+              <a:lnSpc>
+                <a:spcPct val="100000"/>
+              </a:lnSpc>
+              <a:spcBef>
+                <a:spcPts val="0"/>
+              </a:spcBef>
+              <a:spcAft>
+                <a:spcPts val="0"/>
+              </a:spcAft>
+              <a:buClr>
+                <a:schemeClr val="lt1"/>
+              </a:buClr>
+              <a:buSzPts val="1800"/>
+              <a:buFont typeface="Vidaloka"/>
+              <a:buNone/>
+              <a:defRPr sz="1800" b="0" i="0" u="none" strike="noStrike" cap="none">
+                <a:solidFill>
+                  <a:schemeClr val="lt1"/>
+                </a:solidFill>
+                <a:latin typeface="Vidaloka"/>
+                <a:ea typeface="Vidaloka"/>
+                <a:cs typeface="Vidaloka"/>
+                <a:sym typeface="Vidaloka"/>
+              </a:defRPr>
+            </a:lvl7pPr>
+            <a:lvl8pPr marR="0" lvl="7" algn="ctr" rtl="0">
+              <a:lnSpc>
+                <a:spcPct val="100000"/>
+              </a:lnSpc>
+              <a:spcBef>
+                <a:spcPts val="0"/>
+              </a:spcBef>
+              <a:spcAft>
+                <a:spcPts val="0"/>
+              </a:spcAft>
+              <a:buClr>
+                <a:schemeClr val="lt1"/>
+              </a:buClr>
+              <a:buSzPts val="1800"/>
+              <a:buFont typeface="Vidaloka"/>
+              <a:buNone/>
+              <a:defRPr sz="1800" b="0" i="0" u="none" strike="noStrike" cap="none">
+                <a:solidFill>
+                  <a:schemeClr val="lt1"/>
+                </a:solidFill>
+                <a:latin typeface="Vidaloka"/>
+                <a:ea typeface="Vidaloka"/>
+                <a:cs typeface="Vidaloka"/>
+                <a:sym typeface="Vidaloka"/>
+              </a:defRPr>
+            </a:lvl8pPr>
+            <a:lvl9pPr marR="0" lvl="8" algn="ctr" rtl="0">
+              <a:lnSpc>
+                <a:spcPct val="100000"/>
+              </a:lnSpc>
+              <a:spcBef>
+                <a:spcPts val="0"/>
+              </a:spcBef>
+              <a:spcAft>
+                <a:spcPts val="0"/>
+              </a:spcAft>
+              <a:buClr>
+                <a:schemeClr val="lt1"/>
+              </a:buClr>
+              <a:buSzPts val="1800"/>
+              <a:buFont typeface="Vidaloka"/>
+              <a:buNone/>
+              <a:defRPr sz="1800" b="0" i="0" u="none" strike="noStrike" cap="none">
+                <a:solidFill>
+                  <a:schemeClr val="lt1"/>
+                </a:solidFill>
+                <a:latin typeface="Vidaloka"/>
+                <a:ea typeface="Vidaloka"/>
+                <a:cs typeface="Vidaloka"/>
+                <a:sym typeface="Vidaloka"/>
+              </a:defRPr>
+            </a:lvl9pPr>
+          </a:lstStyle>
+          <a:p>
+            <a:pPr algn="l"/>
+            <a:r>
+              <a:rPr lang="pt-PT" b="1" dirty="0" smtClean="0">
+                <a:solidFill>
+                  <a:schemeClr val="tx1">
+                    <a:lumMod val="50000"/>
+                  </a:schemeClr>
+                </a:solidFill>
+                <a:latin typeface="Segoe UI Black" pitchFamily="34" charset="0"/>
+                <a:ea typeface="Segoe UI Black" pitchFamily="34" charset="0"/>
+                <a:cs typeface="Segoe UI Light" pitchFamily="34" charset="0"/>
+              </a:rPr>
+              <a:t>Ensino Médio de Luanda (Estudantes)</a:t>
+            </a:r>
+            <a:br>
+              <a:rPr lang="pt-PT" b="1" dirty="0" smtClean="0">
+                <a:solidFill>
+                  <a:schemeClr val="tx1">
+                    <a:lumMod val="50000"/>
+                  </a:schemeClr>
+                </a:solidFill>
+                <a:latin typeface="Segoe UI Black" pitchFamily="34" charset="0"/>
+                <a:ea typeface="Segoe UI Black" pitchFamily="34" charset="0"/>
+                <a:cs typeface="Segoe UI Light" pitchFamily="34" charset="0"/>
+              </a:rPr>
+            </a:br>
+            <a:endParaRPr lang="pt-PT" b="1" dirty="0">
+              <a:solidFill>
+                <a:schemeClr val="tx1">
+                  <a:lumMod val="50000"/>
+                </a:schemeClr>
+              </a:solidFill>
+              <a:latin typeface="Segoe UI Black" pitchFamily="34" charset="0"/>
+              <a:ea typeface="Segoe UI Black" pitchFamily="34" charset="0"/>
+              <a:cs typeface="Segoe UI Light" pitchFamily="34" charset="0"/>
+            </a:endParaRPr>
+          </a:p>
+        </p:txBody>
+      </p:sp>
     </p:spTree>
     <p:extLst>
       <p:ext uri="{BB962C8B-B14F-4D97-AF65-F5344CB8AC3E}">
@@ -8778,7 +8574,7 @@
       </p:sp>
       <p:sp>
         <p:nvSpPr>
-          <p:cNvPr id="7" name="Google Shape;71;p12"/>
+          <p:cNvPr id="5" name="Google Shape;71;p12"/>
           <p:cNvSpPr txBox="1">
             <a:spLocks/>
           </p:cNvSpPr>
@@ -8786,8 +8582,8 @@
         </p:nvSpPr>
         <p:spPr>
           <a:xfrm>
-            <a:off x="2411760" y="1017926"/>
-            <a:ext cx="4752528" cy="473704"/>
+            <a:off x="258977" y="2109603"/>
+            <a:ext cx="3456384" cy="473704"/>
           </a:xfrm>
           <a:prstGeom prst="rect">
             <a:avLst/>
@@ -9050,22 +8846,24 @@
           </a:lstStyle>
           <a:p>
             <a:r>
-              <a:rPr lang="pt-PT" b="1" dirty="0">
+              <a:rPr lang="pt-PT" sz="2000" b="1" dirty="0" smtClean="0">
+                <a:solidFill>
+                  <a:schemeClr val="tx1">
+                    <a:lumMod val="50000"/>
+                  </a:schemeClr>
+                </a:solidFill>
                 <a:latin typeface="Segoe UI Black" pitchFamily="34" charset="0"/>
                 <a:ea typeface="Segoe UI Black" pitchFamily="34" charset="0"/>
                 <a:cs typeface="Segoe UI Light" pitchFamily="34" charset="0"/>
               </a:rPr>
-              <a:t>DESENVOLVIMENTO </a:t>
+              <a:t>Hipóteses </a:t>
             </a:r>
-            <a:r>
-              <a:rPr lang="pt-PT" b="1" dirty="0" smtClean="0">
-                <a:latin typeface="Segoe UI Black" pitchFamily="34" charset="0"/>
-                <a:ea typeface="Segoe UI Black" pitchFamily="34" charset="0"/>
-                <a:cs typeface="Segoe UI Light" pitchFamily="34" charset="0"/>
-              </a:rPr>
-              <a:t>ITERATIVO</a:t>
-            </a:r>
-            <a:endParaRPr lang="pt-PT" b="1" dirty="0">
+            <a:endParaRPr lang="pt-PT" sz="2000" b="1" u="sng" dirty="0">
+              <a:solidFill>
+                <a:schemeClr val="tx1">
+                  <a:lumMod val="50000"/>
+                </a:schemeClr>
+              </a:solidFill>
               <a:latin typeface="Segoe UI Black" pitchFamily="34" charset="0"/>
               <a:ea typeface="Segoe UI Black" pitchFamily="34" charset="0"/>
               <a:cs typeface="Segoe UI Light" pitchFamily="34" charset="0"/>
@@ -9073,47 +8871,390 @@
           </a:p>
         </p:txBody>
       </p:sp>
-      <p:pic>
-        <p:nvPicPr>
-          <p:cNvPr id="3074" name="Picture 2" descr="C:\Users\lcarlos\Desktop\bcc55369-af12-4759-91b8-c6e924d4a574_132132bb71.jpg"/>
-          <p:cNvPicPr>
-            <a:picLocks noChangeAspect="1" noChangeArrowheads="1"/>
-          </p:cNvPicPr>
+      <p:sp>
+        <p:nvSpPr>
+          <p:cNvPr id="6" name="Chave Esquerda 5"/>
+          <p:cNvSpPr/>
           <p:nvPr/>
-        </p:nvPicPr>
-        <p:blipFill>
-          <a:blip r:embed="rId3">
-            <a:extLst>
-              <a:ext uri="{28A0092B-C50C-407E-A947-70E740481C1C}">
-                <a14:useLocalDpi xmlns:a14="http://schemas.microsoft.com/office/drawing/2010/main" val="0"/>
-              </a:ext>
-            </a:extLst>
-          </a:blip>
-          <a:srcRect/>
-          <a:stretch>
-            <a:fillRect/>
-          </a:stretch>
-        </p:blipFill>
-        <p:spPr bwMode="auto">
+        </p:nvSpPr>
+        <p:spPr>
           <a:xfrm>
-            <a:off x="1763688" y="1891160"/>
-            <a:ext cx="5906343" cy="1785112"/>
+            <a:off x="3563888" y="510251"/>
+            <a:ext cx="576064" cy="3672408"/>
+          </a:xfrm>
+          <a:prstGeom prst="leftBrace">
+            <a:avLst/>
+          </a:prstGeom>
+          <a:ln>
+            <a:solidFill>
+              <a:schemeClr val="tx1"/>
+            </a:solidFill>
+          </a:ln>
+        </p:spPr>
+        <p:style>
+          <a:lnRef idx="1">
+            <a:schemeClr val="accent1"/>
+          </a:lnRef>
+          <a:fillRef idx="0">
+            <a:schemeClr val="accent1"/>
+          </a:fillRef>
+          <a:effectRef idx="0">
+            <a:schemeClr val="accent1"/>
+          </a:effectRef>
+          <a:fontRef idx="minor">
+            <a:schemeClr val="tx1"/>
+          </a:fontRef>
+        </p:style>
+        <p:txBody>
+          <a:bodyPr rtlCol="0" anchor="ctr"/>
+          <a:lstStyle/>
+          <a:p>
+            <a:pPr algn="ctr"/>
+            <a:endParaRPr lang="pt-PT"/>
+          </a:p>
+        </p:txBody>
+      </p:sp>
+      <p:sp>
+        <p:nvSpPr>
+          <p:cNvPr id="8" name="Google Shape;71;p12"/>
+          <p:cNvSpPr txBox="1">
+            <a:spLocks/>
+          </p:cNvSpPr>
+          <p:nvPr/>
+        </p:nvSpPr>
+        <p:spPr>
+          <a:xfrm>
+            <a:off x="4139952" y="1635646"/>
+            <a:ext cx="4024630" cy="1616719"/>
           </a:xfrm>
           <a:prstGeom prst="rect">
             <a:avLst/>
           </a:prstGeom>
           <a:noFill/>
-          <a:extLst>
-            <a:ext uri="{909E8E84-426E-40DD-AFC4-6F175D3DCCD1}">
-              <a14:hiddenFill xmlns:a14="http://schemas.microsoft.com/office/drawing/2010/main">
-                <a:solidFill>
-                  <a:srgbClr val="FFFFFF"/>
-                </a:solidFill>
-              </a14:hiddenFill>
-            </a:ext>
-          </a:extLst>
+          <a:ln>
+            <a:noFill/>
+          </a:ln>
         </p:spPr>
-      </p:pic>
+        <p:txBody>
+          <a:bodyPr spcFirstLastPara="1" wrap="square" lIns="91425" tIns="91425" rIns="91425" bIns="91425" anchor="ctr" anchorCtr="0">
+            <a:noAutofit/>
+          </a:bodyPr>
+          <a:lstStyle>
+            <a:defPPr marR="0" lvl="0" algn="l" rtl="0">
+              <a:lnSpc>
+                <a:spcPct val="100000"/>
+              </a:lnSpc>
+              <a:spcBef>
+                <a:spcPts val="0"/>
+              </a:spcBef>
+              <a:spcAft>
+                <a:spcPts val="0"/>
+              </a:spcAft>
+            </a:defPPr>
+            <a:lvl1pPr marR="0" lvl="0" algn="ctr" rtl="0">
+              <a:lnSpc>
+                <a:spcPct val="100000"/>
+              </a:lnSpc>
+              <a:spcBef>
+                <a:spcPts val="0"/>
+              </a:spcBef>
+              <a:spcAft>
+                <a:spcPts val="0"/>
+              </a:spcAft>
+              <a:buClr>
+                <a:schemeClr val="lt1"/>
+              </a:buClr>
+              <a:buSzPts val="1800"/>
+              <a:buFont typeface="Vidaloka"/>
+              <a:buNone/>
+              <a:defRPr sz="1800" b="0" i="0" u="none" strike="noStrike" cap="none">
+                <a:solidFill>
+                  <a:schemeClr val="lt1"/>
+                </a:solidFill>
+                <a:latin typeface="Vidaloka"/>
+                <a:ea typeface="Vidaloka"/>
+                <a:cs typeface="Vidaloka"/>
+                <a:sym typeface="Vidaloka"/>
+              </a:defRPr>
+            </a:lvl1pPr>
+            <a:lvl2pPr marR="0" lvl="1" algn="ctr" rtl="0">
+              <a:lnSpc>
+                <a:spcPct val="100000"/>
+              </a:lnSpc>
+              <a:spcBef>
+                <a:spcPts val="0"/>
+              </a:spcBef>
+              <a:spcAft>
+                <a:spcPts val="0"/>
+              </a:spcAft>
+              <a:buClr>
+                <a:schemeClr val="lt1"/>
+              </a:buClr>
+              <a:buSzPts val="1800"/>
+              <a:buFont typeface="Vidaloka"/>
+              <a:buNone/>
+              <a:defRPr sz="1800" b="0" i="0" u="none" strike="noStrike" cap="none">
+                <a:solidFill>
+                  <a:schemeClr val="lt1"/>
+                </a:solidFill>
+                <a:latin typeface="Vidaloka"/>
+                <a:ea typeface="Vidaloka"/>
+                <a:cs typeface="Vidaloka"/>
+                <a:sym typeface="Vidaloka"/>
+              </a:defRPr>
+            </a:lvl2pPr>
+            <a:lvl3pPr marR="0" lvl="2" algn="ctr" rtl="0">
+              <a:lnSpc>
+                <a:spcPct val="100000"/>
+              </a:lnSpc>
+              <a:spcBef>
+                <a:spcPts val="0"/>
+              </a:spcBef>
+              <a:spcAft>
+                <a:spcPts val="0"/>
+              </a:spcAft>
+              <a:buClr>
+                <a:schemeClr val="lt1"/>
+              </a:buClr>
+              <a:buSzPts val="1800"/>
+              <a:buFont typeface="Vidaloka"/>
+              <a:buNone/>
+              <a:defRPr sz="1800" b="0" i="0" u="none" strike="noStrike" cap="none">
+                <a:solidFill>
+                  <a:schemeClr val="lt1"/>
+                </a:solidFill>
+                <a:latin typeface="Vidaloka"/>
+                <a:ea typeface="Vidaloka"/>
+                <a:cs typeface="Vidaloka"/>
+                <a:sym typeface="Vidaloka"/>
+              </a:defRPr>
+            </a:lvl3pPr>
+            <a:lvl4pPr marR="0" lvl="3" algn="ctr" rtl="0">
+              <a:lnSpc>
+                <a:spcPct val="100000"/>
+              </a:lnSpc>
+              <a:spcBef>
+                <a:spcPts val="0"/>
+              </a:spcBef>
+              <a:spcAft>
+                <a:spcPts val="0"/>
+              </a:spcAft>
+              <a:buClr>
+                <a:schemeClr val="lt1"/>
+              </a:buClr>
+              <a:buSzPts val="1800"/>
+              <a:buFont typeface="Vidaloka"/>
+              <a:buNone/>
+              <a:defRPr sz="1800" b="0" i="0" u="none" strike="noStrike" cap="none">
+                <a:solidFill>
+                  <a:schemeClr val="lt1"/>
+                </a:solidFill>
+                <a:latin typeface="Vidaloka"/>
+                <a:ea typeface="Vidaloka"/>
+                <a:cs typeface="Vidaloka"/>
+                <a:sym typeface="Vidaloka"/>
+              </a:defRPr>
+            </a:lvl4pPr>
+            <a:lvl5pPr marR="0" lvl="4" algn="ctr" rtl="0">
+              <a:lnSpc>
+                <a:spcPct val="100000"/>
+              </a:lnSpc>
+              <a:spcBef>
+                <a:spcPts val="0"/>
+              </a:spcBef>
+              <a:spcAft>
+                <a:spcPts val="0"/>
+              </a:spcAft>
+              <a:buClr>
+                <a:schemeClr val="lt1"/>
+              </a:buClr>
+              <a:buSzPts val="1800"/>
+              <a:buFont typeface="Vidaloka"/>
+              <a:buNone/>
+              <a:defRPr sz="1800" b="0" i="0" u="none" strike="noStrike" cap="none">
+                <a:solidFill>
+                  <a:schemeClr val="lt1"/>
+                </a:solidFill>
+                <a:latin typeface="Vidaloka"/>
+                <a:ea typeface="Vidaloka"/>
+                <a:cs typeface="Vidaloka"/>
+                <a:sym typeface="Vidaloka"/>
+              </a:defRPr>
+            </a:lvl5pPr>
+            <a:lvl6pPr marR="0" lvl="5" algn="ctr" rtl="0">
+              <a:lnSpc>
+                <a:spcPct val="100000"/>
+              </a:lnSpc>
+              <a:spcBef>
+                <a:spcPts val="0"/>
+              </a:spcBef>
+              <a:spcAft>
+                <a:spcPts val="0"/>
+              </a:spcAft>
+              <a:buClr>
+                <a:schemeClr val="lt1"/>
+              </a:buClr>
+              <a:buSzPts val="1800"/>
+              <a:buFont typeface="Vidaloka"/>
+              <a:buNone/>
+              <a:defRPr sz="1800" b="0" i="0" u="none" strike="noStrike" cap="none">
+                <a:solidFill>
+                  <a:schemeClr val="lt1"/>
+                </a:solidFill>
+                <a:latin typeface="Vidaloka"/>
+                <a:ea typeface="Vidaloka"/>
+                <a:cs typeface="Vidaloka"/>
+                <a:sym typeface="Vidaloka"/>
+              </a:defRPr>
+            </a:lvl6pPr>
+            <a:lvl7pPr marR="0" lvl="6" algn="ctr" rtl="0">
+              <a:lnSpc>
+                <a:spcPct val="100000"/>
+              </a:lnSpc>
+              <a:spcBef>
+                <a:spcPts val="0"/>
+              </a:spcBef>
+              <a:spcAft>
+                <a:spcPts val="0"/>
+              </a:spcAft>
+              <a:buClr>
+                <a:schemeClr val="lt1"/>
+              </a:buClr>
+              <a:buSzPts val="1800"/>
+              <a:buFont typeface="Vidaloka"/>
+              <a:buNone/>
+              <a:defRPr sz="1800" b="0" i="0" u="none" strike="noStrike" cap="none">
+                <a:solidFill>
+                  <a:schemeClr val="lt1"/>
+                </a:solidFill>
+                <a:latin typeface="Vidaloka"/>
+                <a:ea typeface="Vidaloka"/>
+                <a:cs typeface="Vidaloka"/>
+                <a:sym typeface="Vidaloka"/>
+              </a:defRPr>
+            </a:lvl7pPr>
+            <a:lvl8pPr marR="0" lvl="7" algn="ctr" rtl="0">
+              <a:lnSpc>
+                <a:spcPct val="100000"/>
+              </a:lnSpc>
+              <a:spcBef>
+                <a:spcPts val="0"/>
+              </a:spcBef>
+              <a:spcAft>
+                <a:spcPts val="0"/>
+              </a:spcAft>
+              <a:buClr>
+                <a:schemeClr val="lt1"/>
+              </a:buClr>
+              <a:buSzPts val="1800"/>
+              <a:buFont typeface="Vidaloka"/>
+              <a:buNone/>
+              <a:defRPr sz="1800" b="0" i="0" u="none" strike="noStrike" cap="none">
+                <a:solidFill>
+                  <a:schemeClr val="lt1"/>
+                </a:solidFill>
+                <a:latin typeface="Vidaloka"/>
+                <a:ea typeface="Vidaloka"/>
+                <a:cs typeface="Vidaloka"/>
+                <a:sym typeface="Vidaloka"/>
+              </a:defRPr>
+            </a:lvl8pPr>
+            <a:lvl9pPr marR="0" lvl="8" algn="ctr" rtl="0">
+              <a:lnSpc>
+                <a:spcPct val="100000"/>
+              </a:lnSpc>
+              <a:spcBef>
+                <a:spcPts val="0"/>
+              </a:spcBef>
+              <a:spcAft>
+                <a:spcPts val="0"/>
+              </a:spcAft>
+              <a:buClr>
+                <a:schemeClr val="lt1"/>
+              </a:buClr>
+              <a:buSzPts val="1800"/>
+              <a:buFont typeface="Vidaloka"/>
+              <a:buNone/>
+              <a:defRPr sz="1800" b="0" i="0" u="none" strike="noStrike" cap="none">
+                <a:solidFill>
+                  <a:schemeClr val="lt1"/>
+                </a:solidFill>
+                <a:latin typeface="Vidaloka"/>
+                <a:ea typeface="Vidaloka"/>
+                <a:cs typeface="Vidaloka"/>
+                <a:sym typeface="Vidaloka"/>
+              </a:defRPr>
+            </a:lvl9pPr>
+          </a:lstStyle>
+          <a:p>
+            <a:pPr algn="l"/>
+            <a:r>
+              <a:rPr lang="pt-PT" b="1" dirty="0" smtClean="0">
+                <a:solidFill>
+                  <a:schemeClr val="tx1">
+                    <a:lumMod val="50000"/>
+                  </a:schemeClr>
+                </a:solidFill>
+                <a:latin typeface="Segoe UI Black" pitchFamily="34" charset="0"/>
+                <a:ea typeface="Segoe UI Black" pitchFamily="34" charset="0"/>
+                <a:cs typeface="Segoe UI Light" pitchFamily="34" charset="0"/>
+              </a:rPr>
+              <a:t>- Palestras Sobre a OVP</a:t>
+            </a:r>
+          </a:p>
+          <a:p>
+            <a:pPr algn="l"/>
+            <a:endParaRPr lang="pt-PT" b="1" dirty="0" smtClean="0">
+              <a:solidFill>
+                <a:schemeClr val="tx1">
+                  <a:lumMod val="50000"/>
+                </a:schemeClr>
+              </a:solidFill>
+              <a:latin typeface="Segoe UI Black" pitchFamily="34" charset="0"/>
+              <a:ea typeface="Segoe UI Black" pitchFamily="34" charset="0"/>
+              <a:cs typeface="Segoe UI Light" pitchFamily="34" charset="0"/>
+            </a:endParaRPr>
+          </a:p>
+          <a:p>
+            <a:pPr algn="l"/>
+            <a:r>
+              <a:rPr lang="pt-PT" b="1" dirty="0" smtClean="0">
+                <a:solidFill>
+                  <a:schemeClr val="tx1">
+                    <a:lumMod val="50000"/>
+                  </a:schemeClr>
+                </a:solidFill>
+                <a:latin typeface="Segoe UI Black" pitchFamily="34" charset="0"/>
+                <a:ea typeface="Segoe UI Black" pitchFamily="34" charset="0"/>
+                <a:cs typeface="Segoe UI Light" pitchFamily="34" charset="0"/>
+              </a:rPr>
+              <a:t>- Sistema Web para OVP</a:t>
+            </a:r>
+            <a:br>
+              <a:rPr lang="pt-PT" b="1" dirty="0" smtClean="0">
+                <a:solidFill>
+                  <a:schemeClr val="tx1">
+                    <a:lumMod val="50000"/>
+                  </a:schemeClr>
+                </a:solidFill>
+                <a:latin typeface="Segoe UI Black" pitchFamily="34" charset="0"/>
+                <a:ea typeface="Segoe UI Black" pitchFamily="34" charset="0"/>
+                <a:cs typeface="Segoe UI Light" pitchFamily="34" charset="0"/>
+              </a:rPr>
+            </a:br>
+            <a:endParaRPr lang="pt-PT" b="1" dirty="0">
+              <a:solidFill>
+                <a:schemeClr val="tx1">
+                  <a:lumMod val="50000"/>
+                </a:schemeClr>
+              </a:solidFill>
+              <a:latin typeface="Segoe UI Black" pitchFamily="34" charset="0"/>
+              <a:ea typeface="Segoe UI Black" pitchFamily="34" charset="0"/>
+              <a:cs typeface="Segoe UI Light" pitchFamily="34" charset="0"/>
+            </a:endParaRPr>
+          </a:p>
+        </p:txBody>
+      </p:sp>
     </p:spTree>
     <p:extLst>
       <p:ext uri="{BB962C8B-B14F-4D97-AF65-F5344CB8AC3E}">
@@ -9195,7 +9336,7 @@
       </p:sp>
       <p:sp>
         <p:nvSpPr>
-          <p:cNvPr id="7" name="Google Shape;71;p12"/>
+          <p:cNvPr id="5" name="Google Shape;71;p12"/>
           <p:cNvSpPr txBox="1">
             <a:spLocks/>
           </p:cNvSpPr>
@@ -9203,8 +9344,8 @@
         </p:nvSpPr>
         <p:spPr>
           <a:xfrm>
-            <a:off x="1835696" y="1017926"/>
-            <a:ext cx="6120680" cy="473704"/>
+            <a:off x="2627784" y="2139702"/>
+            <a:ext cx="3456384" cy="473704"/>
           </a:xfrm>
           <a:prstGeom prst="rect">
             <a:avLst/>
@@ -9467,32 +9608,20 @@
           </a:lstStyle>
           <a:p>
             <a:r>
-              <a:rPr lang="pt-PT" b="1" dirty="0" smtClean="0">
+              <a:rPr lang="pt-PT" sz="2000" b="1" dirty="0" smtClean="0">
+                <a:solidFill>
+                  <a:schemeClr val="tx1"/>
+                </a:solidFill>
                 <a:latin typeface="Segoe UI Black" pitchFamily="34" charset="0"/>
                 <a:ea typeface="Segoe UI Black" pitchFamily="34" charset="0"/>
                 <a:cs typeface="Segoe UI Light" pitchFamily="34" charset="0"/>
               </a:rPr>
-              <a:t>DESENVOLVIMENTO ITERATIVO E </a:t>
+              <a:t>Objectivo Geral</a:t>
             </a:r>
-            <a:r>
-              <a:rPr lang="pt-PT" b="1" dirty="0">
-                <a:latin typeface="Segoe UI Black" pitchFamily="34" charset="0"/>
-                <a:ea typeface="Segoe UI Black" pitchFamily="34" charset="0"/>
-                <a:cs typeface="Segoe UI Light" pitchFamily="34" charset="0"/>
-              </a:rPr>
-              <a:t>INCREMENTAL</a:t>
-            </a:r>
-          </a:p>
-          <a:p>
-            <a:r>
-              <a:rPr lang="pt-PT" b="1" dirty="0" smtClean="0">
-                <a:latin typeface="Segoe UI Black" pitchFamily="34" charset="0"/>
-                <a:ea typeface="Segoe UI Black" pitchFamily="34" charset="0"/>
-                <a:cs typeface="Segoe UI Light" pitchFamily="34" charset="0"/>
-              </a:rPr>
-              <a:t> </a:t>
-            </a:r>
-            <a:endParaRPr lang="pt-PT" b="1" dirty="0">
+            <a:endParaRPr lang="pt-PT" sz="2000" b="1" dirty="0">
+              <a:solidFill>
+                <a:schemeClr val="tx1"/>
+              </a:solidFill>
               <a:latin typeface="Segoe UI Black" pitchFamily="34" charset="0"/>
               <a:ea typeface="Segoe UI Black" pitchFamily="34" charset="0"/>
               <a:cs typeface="Segoe UI Light" pitchFamily="34" charset="0"/>
@@ -9500,51 +9629,10 @@
           </a:p>
         </p:txBody>
       </p:sp>
-      <p:pic>
-        <p:nvPicPr>
-          <p:cNvPr id="6146" name="Picture 2" descr="C:\Users\lcarlos\Desktop\patton_incremental_iterative_mnalisa.jpg"/>
-          <p:cNvPicPr>
-            <a:picLocks noChangeAspect="1" noChangeArrowheads="1"/>
-          </p:cNvPicPr>
-          <p:nvPr/>
-        </p:nvPicPr>
-        <p:blipFill>
-          <a:blip r:embed="rId3">
-            <a:extLst>
-              <a:ext uri="{28A0092B-C50C-407E-A947-70E740481C1C}">
-                <a14:useLocalDpi xmlns:a14="http://schemas.microsoft.com/office/drawing/2010/main" val="0"/>
-              </a:ext>
-            </a:extLst>
-          </a:blip>
-          <a:srcRect/>
-          <a:stretch>
-            <a:fillRect/>
-          </a:stretch>
-        </p:blipFill>
-        <p:spPr bwMode="auto">
-          <a:xfrm>
-            <a:off x="2411760" y="1491630"/>
-            <a:ext cx="4680519" cy="3198705"/>
-          </a:xfrm>
-          <a:prstGeom prst="rect">
-            <a:avLst/>
-          </a:prstGeom>
-          <a:noFill/>
-          <a:extLst>
-            <a:ext uri="{909E8E84-426E-40DD-AFC4-6F175D3DCCD1}">
-              <a14:hiddenFill xmlns:a14="http://schemas.microsoft.com/office/drawing/2010/main">
-                <a:solidFill>
-                  <a:srgbClr val="FFFFFF"/>
-                </a:solidFill>
-              </a14:hiddenFill>
-            </a:ext>
-          </a:extLst>
-        </p:spPr>
-      </p:pic>
     </p:spTree>
     <p:extLst>
       <p:ext uri="{BB962C8B-B14F-4D97-AF65-F5344CB8AC3E}">
-        <p14:creationId xmlns:p14="http://schemas.microsoft.com/office/powerpoint/2010/main" val="3740120723"/>
+        <p14:creationId xmlns:p14="http://schemas.microsoft.com/office/powerpoint/2010/main" val="2594706607"/>
       </p:ext>
     </p:extLst>
   </p:cSld>
@@ -9630,8 +9718,8 @@
         </p:nvSpPr>
         <p:spPr>
           <a:xfrm>
-            <a:off x="1187624" y="984292"/>
-            <a:ext cx="6984776" cy="473704"/>
+            <a:off x="258977" y="2109603"/>
+            <a:ext cx="3456384" cy="473704"/>
           </a:xfrm>
           <a:prstGeom prst="rect">
             <a:avLst/>
@@ -9894,22 +9982,24 @@
           </a:lstStyle>
           <a:p>
             <a:r>
-              <a:rPr lang="pt-PT" b="1" dirty="0">
+              <a:rPr lang="pt-PT" sz="2000" b="1" dirty="0" smtClean="0">
+                <a:solidFill>
+                  <a:schemeClr val="tx1">
+                    <a:lumMod val="50000"/>
+                  </a:schemeClr>
+                </a:solidFill>
                 <a:latin typeface="Segoe UI Black" pitchFamily="34" charset="0"/>
                 <a:ea typeface="Segoe UI Black" pitchFamily="34" charset="0"/>
                 <a:cs typeface="Segoe UI Light" pitchFamily="34" charset="0"/>
               </a:rPr>
-              <a:t>CARACTERISTICAS DA </a:t>
+              <a:t>Objectivo Específico</a:t>
             </a:r>
-            <a:r>
-              <a:rPr lang="pt-PT" b="1" dirty="0" smtClean="0">
-                <a:latin typeface="Segoe UI Black" pitchFamily="34" charset="0"/>
-                <a:ea typeface="Segoe UI Black" pitchFamily="34" charset="0"/>
-                <a:cs typeface="Segoe UI Light" pitchFamily="34" charset="0"/>
-              </a:rPr>
-              <a:t>METODOLOGIA KANBAN</a:t>
-            </a:r>
-            <a:endParaRPr lang="pt-PT" b="1" dirty="0">
+            <a:endParaRPr lang="pt-PT" sz="2000" b="1" dirty="0">
+              <a:solidFill>
+                <a:schemeClr val="tx1">
+                  <a:lumMod val="50000"/>
+                </a:schemeClr>
+              </a:solidFill>
               <a:latin typeface="Segoe UI Black" pitchFamily="34" charset="0"/>
               <a:ea typeface="Segoe UI Black" pitchFamily="34" charset="0"/>
               <a:cs typeface="Segoe UI Light" pitchFamily="34" charset="0"/>
@@ -9919,131 +10009,482 @@
       </p:sp>
       <p:sp>
         <p:nvSpPr>
-          <p:cNvPr id="5" name="Google Shape;89;p14"/>
-          <p:cNvSpPr txBox="1">
-            <a:spLocks noGrp="1"/>
-          </p:cNvSpPr>
-          <p:nvPr>
-            <p:ph type="title"/>
-          </p:nvPr>
+          <p:cNvPr id="2" name="Chave Esquerda 1"/>
+          <p:cNvSpPr/>
+          <p:nvPr/>
         </p:nvSpPr>
         <p:spPr>
           <a:xfrm>
-            <a:off x="547996" y="1457996"/>
-            <a:ext cx="8488500" cy="3024336"/>
+            <a:off x="3563888" y="510251"/>
+            <a:ext cx="576064" cy="3672408"/>
+          </a:xfrm>
+          <a:prstGeom prst="leftBrace">
+            <a:avLst/>
+          </a:prstGeom>
+          <a:ln>
+            <a:solidFill>
+              <a:schemeClr val="tx1"/>
+            </a:solidFill>
+          </a:ln>
+        </p:spPr>
+        <p:style>
+          <a:lnRef idx="1">
+            <a:schemeClr val="accent1"/>
+          </a:lnRef>
+          <a:fillRef idx="0">
+            <a:schemeClr val="accent1"/>
+          </a:fillRef>
+          <a:effectRef idx="0">
+            <a:schemeClr val="accent1"/>
+          </a:effectRef>
+          <a:fontRef idx="minor">
+            <a:schemeClr val="tx1"/>
+          </a:fontRef>
+        </p:style>
+        <p:txBody>
+          <a:bodyPr rtlCol="0" anchor="ctr"/>
+          <a:lstStyle/>
+          <a:p>
+            <a:pPr algn="ctr"/>
+            <a:endParaRPr lang="pt-PT"/>
+          </a:p>
+        </p:txBody>
+      </p:sp>
+      <p:sp>
+        <p:nvSpPr>
+          <p:cNvPr id="6" name="Google Shape;71;p12"/>
+          <p:cNvSpPr txBox="1">
+            <a:spLocks/>
+          </p:cNvSpPr>
+          <p:nvPr/>
+        </p:nvSpPr>
+        <p:spPr>
+          <a:xfrm>
+            <a:off x="4139952" y="1538095"/>
+            <a:ext cx="4024630" cy="1616719"/>
           </a:xfrm>
           <a:prstGeom prst="rect">
             <a:avLst/>
           </a:prstGeom>
+          <a:noFill/>
+          <a:ln>
+            <a:noFill/>
+          </a:ln>
         </p:spPr>
         <p:txBody>
           <a:bodyPr spcFirstLastPara="1" wrap="square" lIns="91425" tIns="91425" rIns="91425" bIns="91425" anchor="ctr" anchorCtr="0">
             <a:noAutofit/>
           </a:bodyPr>
-          <a:lstStyle/>
+          <a:lstStyle>
+            <a:defPPr marR="0" lvl="0" algn="l" rtl="0">
+              <a:lnSpc>
+                <a:spcPct val="100000"/>
+              </a:lnSpc>
+              <a:spcBef>
+                <a:spcPts val="0"/>
+              </a:spcBef>
+              <a:spcAft>
+                <a:spcPts val="0"/>
+              </a:spcAft>
+            </a:defPPr>
+            <a:lvl1pPr marR="0" lvl="0" algn="ctr" rtl="0">
+              <a:lnSpc>
+                <a:spcPct val="100000"/>
+              </a:lnSpc>
+              <a:spcBef>
+                <a:spcPts val="0"/>
+              </a:spcBef>
+              <a:spcAft>
+                <a:spcPts val="0"/>
+              </a:spcAft>
+              <a:buClr>
+                <a:schemeClr val="lt1"/>
+              </a:buClr>
+              <a:buSzPts val="1800"/>
+              <a:buFont typeface="Vidaloka"/>
+              <a:buNone/>
+              <a:defRPr sz="1800" b="0" i="0" u="none" strike="noStrike" cap="none">
+                <a:solidFill>
+                  <a:schemeClr val="lt1"/>
+                </a:solidFill>
+                <a:latin typeface="Vidaloka"/>
+                <a:ea typeface="Vidaloka"/>
+                <a:cs typeface="Vidaloka"/>
+                <a:sym typeface="Vidaloka"/>
+              </a:defRPr>
+            </a:lvl1pPr>
+            <a:lvl2pPr marR="0" lvl="1" algn="ctr" rtl="0">
+              <a:lnSpc>
+                <a:spcPct val="100000"/>
+              </a:lnSpc>
+              <a:spcBef>
+                <a:spcPts val="0"/>
+              </a:spcBef>
+              <a:spcAft>
+                <a:spcPts val="0"/>
+              </a:spcAft>
+              <a:buClr>
+                <a:schemeClr val="lt1"/>
+              </a:buClr>
+              <a:buSzPts val="1800"/>
+              <a:buFont typeface="Vidaloka"/>
+              <a:buNone/>
+              <a:defRPr sz="1800" b="0" i="0" u="none" strike="noStrike" cap="none">
+                <a:solidFill>
+                  <a:schemeClr val="lt1"/>
+                </a:solidFill>
+                <a:latin typeface="Vidaloka"/>
+                <a:ea typeface="Vidaloka"/>
+                <a:cs typeface="Vidaloka"/>
+                <a:sym typeface="Vidaloka"/>
+              </a:defRPr>
+            </a:lvl2pPr>
+            <a:lvl3pPr marR="0" lvl="2" algn="ctr" rtl="0">
+              <a:lnSpc>
+                <a:spcPct val="100000"/>
+              </a:lnSpc>
+              <a:spcBef>
+                <a:spcPts val="0"/>
+              </a:spcBef>
+              <a:spcAft>
+                <a:spcPts val="0"/>
+              </a:spcAft>
+              <a:buClr>
+                <a:schemeClr val="lt1"/>
+              </a:buClr>
+              <a:buSzPts val="1800"/>
+              <a:buFont typeface="Vidaloka"/>
+              <a:buNone/>
+              <a:defRPr sz="1800" b="0" i="0" u="none" strike="noStrike" cap="none">
+                <a:solidFill>
+                  <a:schemeClr val="lt1"/>
+                </a:solidFill>
+                <a:latin typeface="Vidaloka"/>
+                <a:ea typeface="Vidaloka"/>
+                <a:cs typeface="Vidaloka"/>
+                <a:sym typeface="Vidaloka"/>
+              </a:defRPr>
+            </a:lvl3pPr>
+            <a:lvl4pPr marR="0" lvl="3" algn="ctr" rtl="0">
+              <a:lnSpc>
+                <a:spcPct val="100000"/>
+              </a:lnSpc>
+              <a:spcBef>
+                <a:spcPts val="0"/>
+              </a:spcBef>
+              <a:spcAft>
+                <a:spcPts val="0"/>
+              </a:spcAft>
+              <a:buClr>
+                <a:schemeClr val="lt1"/>
+              </a:buClr>
+              <a:buSzPts val="1800"/>
+              <a:buFont typeface="Vidaloka"/>
+              <a:buNone/>
+              <a:defRPr sz="1800" b="0" i="0" u="none" strike="noStrike" cap="none">
+                <a:solidFill>
+                  <a:schemeClr val="lt1"/>
+                </a:solidFill>
+                <a:latin typeface="Vidaloka"/>
+                <a:ea typeface="Vidaloka"/>
+                <a:cs typeface="Vidaloka"/>
+                <a:sym typeface="Vidaloka"/>
+              </a:defRPr>
+            </a:lvl4pPr>
+            <a:lvl5pPr marR="0" lvl="4" algn="ctr" rtl="0">
+              <a:lnSpc>
+                <a:spcPct val="100000"/>
+              </a:lnSpc>
+              <a:spcBef>
+                <a:spcPts val="0"/>
+              </a:spcBef>
+              <a:spcAft>
+                <a:spcPts val="0"/>
+              </a:spcAft>
+              <a:buClr>
+                <a:schemeClr val="lt1"/>
+              </a:buClr>
+              <a:buSzPts val="1800"/>
+              <a:buFont typeface="Vidaloka"/>
+              <a:buNone/>
+              <a:defRPr sz="1800" b="0" i="0" u="none" strike="noStrike" cap="none">
+                <a:solidFill>
+                  <a:schemeClr val="lt1"/>
+                </a:solidFill>
+                <a:latin typeface="Vidaloka"/>
+                <a:ea typeface="Vidaloka"/>
+                <a:cs typeface="Vidaloka"/>
+                <a:sym typeface="Vidaloka"/>
+              </a:defRPr>
+            </a:lvl5pPr>
+            <a:lvl6pPr marR="0" lvl="5" algn="ctr" rtl="0">
+              <a:lnSpc>
+                <a:spcPct val="100000"/>
+              </a:lnSpc>
+              <a:spcBef>
+                <a:spcPts val="0"/>
+              </a:spcBef>
+              <a:spcAft>
+                <a:spcPts val="0"/>
+              </a:spcAft>
+              <a:buClr>
+                <a:schemeClr val="lt1"/>
+              </a:buClr>
+              <a:buSzPts val="1800"/>
+              <a:buFont typeface="Vidaloka"/>
+              <a:buNone/>
+              <a:defRPr sz="1800" b="0" i="0" u="none" strike="noStrike" cap="none">
+                <a:solidFill>
+                  <a:schemeClr val="lt1"/>
+                </a:solidFill>
+                <a:latin typeface="Vidaloka"/>
+                <a:ea typeface="Vidaloka"/>
+                <a:cs typeface="Vidaloka"/>
+                <a:sym typeface="Vidaloka"/>
+              </a:defRPr>
+            </a:lvl6pPr>
+            <a:lvl7pPr marR="0" lvl="6" algn="ctr" rtl="0">
+              <a:lnSpc>
+                <a:spcPct val="100000"/>
+              </a:lnSpc>
+              <a:spcBef>
+                <a:spcPts val="0"/>
+              </a:spcBef>
+              <a:spcAft>
+                <a:spcPts val="0"/>
+              </a:spcAft>
+              <a:buClr>
+                <a:schemeClr val="lt1"/>
+              </a:buClr>
+              <a:buSzPts val="1800"/>
+              <a:buFont typeface="Vidaloka"/>
+              <a:buNone/>
+              <a:defRPr sz="1800" b="0" i="0" u="none" strike="noStrike" cap="none">
+                <a:solidFill>
+                  <a:schemeClr val="lt1"/>
+                </a:solidFill>
+                <a:latin typeface="Vidaloka"/>
+                <a:ea typeface="Vidaloka"/>
+                <a:cs typeface="Vidaloka"/>
+                <a:sym typeface="Vidaloka"/>
+              </a:defRPr>
+            </a:lvl7pPr>
+            <a:lvl8pPr marR="0" lvl="7" algn="ctr" rtl="0">
+              <a:lnSpc>
+                <a:spcPct val="100000"/>
+              </a:lnSpc>
+              <a:spcBef>
+                <a:spcPts val="0"/>
+              </a:spcBef>
+              <a:spcAft>
+                <a:spcPts val="0"/>
+              </a:spcAft>
+              <a:buClr>
+                <a:schemeClr val="lt1"/>
+              </a:buClr>
+              <a:buSzPts val="1800"/>
+              <a:buFont typeface="Vidaloka"/>
+              <a:buNone/>
+              <a:defRPr sz="1800" b="0" i="0" u="none" strike="noStrike" cap="none">
+                <a:solidFill>
+                  <a:schemeClr val="lt1"/>
+                </a:solidFill>
+                <a:latin typeface="Vidaloka"/>
+                <a:ea typeface="Vidaloka"/>
+                <a:cs typeface="Vidaloka"/>
+                <a:sym typeface="Vidaloka"/>
+              </a:defRPr>
+            </a:lvl8pPr>
+            <a:lvl9pPr marR="0" lvl="8" algn="ctr" rtl="0">
+              <a:lnSpc>
+                <a:spcPct val="100000"/>
+              </a:lnSpc>
+              <a:spcBef>
+                <a:spcPts val="0"/>
+              </a:spcBef>
+              <a:spcAft>
+                <a:spcPts val="0"/>
+              </a:spcAft>
+              <a:buClr>
+                <a:schemeClr val="lt1"/>
+              </a:buClr>
+              <a:buSzPts val="1800"/>
+              <a:buFont typeface="Vidaloka"/>
+              <a:buNone/>
+              <a:defRPr sz="1800" b="0" i="0" u="none" strike="noStrike" cap="none">
+                <a:solidFill>
+                  <a:schemeClr val="lt1"/>
+                </a:solidFill>
+                <a:latin typeface="Vidaloka"/>
+                <a:ea typeface="Vidaloka"/>
+                <a:cs typeface="Vidaloka"/>
+                <a:sym typeface="Vidaloka"/>
+              </a:defRPr>
+            </a:lvl9pPr>
+          </a:lstStyle>
           <a:p>
-            <a:pPr lvl="0" algn="l"/>
+            <a:pPr marL="285750" indent="-285750" algn="l">
+              <a:buFontTx/>
+              <a:buChar char="-"/>
+            </a:pPr>
             <a:r>
-              <a:rPr lang="pt-PT" sz="2400" b="1" dirty="0" smtClean="0">
-                <a:latin typeface="Montserrat" charset="0"/>
+              <a:rPr lang="pt-PT" b="1" dirty="0" smtClean="0">
+                <a:solidFill>
+                  <a:schemeClr val="tx1">
+                    <a:lumMod val="50000"/>
+                  </a:schemeClr>
+                </a:solidFill>
+                <a:latin typeface="Segoe UI Black" pitchFamily="34" charset="0"/>
+                <a:ea typeface="Segoe UI Black" pitchFamily="34" charset="0"/>
+                <a:cs typeface="Segoe UI Light" pitchFamily="34" charset="0"/>
               </a:rPr>
-              <a:t>- Produção nivelada redução </a:t>
-            </a:r>
-            <a:r>
-              <a:rPr lang="pt-PT" sz="2400" b="1" dirty="0">
-                <a:latin typeface="Montserrat" charset="0"/>
-              </a:rPr>
-              <a:t>de </a:t>
-            </a:r>
-            <a:r>
-              <a:rPr lang="pt-PT" sz="2400" b="1" dirty="0" smtClean="0">
-                <a:latin typeface="Montserrat" charset="0"/>
-              </a:rPr>
-              <a:t>tempo de preparação</a:t>
+              <a:t>- Sistematizar</a:t>
             </a:r>
             <a:br>
-              <a:rPr lang="pt-PT" sz="2400" b="1" dirty="0" smtClean="0">
-                <a:latin typeface="Montserrat" charset="0"/>
+              <a:rPr lang="pt-PT" b="1" dirty="0" smtClean="0">
+                <a:solidFill>
+                  <a:schemeClr val="tx1">
+                    <a:lumMod val="50000"/>
+                  </a:schemeClr>
+                </a:solidFill>
+                <a:latin typeface="Segoe UI Black" pitchFamily="34" charset="0"/>
+                <a:ea typeface="Segoe UI Black" pitchFamily="34" charset="0"/>
+                <a:cs typeface="Segoe UI Light" pitchFamily="34" charset="0"/>
               </a:rPr>
             </a:br>
             <a:r>
-              <a:rPr lang="pt-PT" sz="2400" b="1" dirty="0" smtClean="0">
-                <a:latin typeface="Montserrat" charset="0"/>
+              <a:rPr lang="pt-PT" b="1" dirty="0">
+                <a:solidFill>
+                  <a:schemeClr val="tx1">
+                    <a:lumMod val="50000"/>
+                  </a:schemeClr>
+                </a:solidFill>
+                <a:latin typeface="Segoe UI Black" pitchFamily="34" charset="0"/>
+                <a:ea typeface="Segoe UI Black" pitchFamily="34" charset="0"/>
+                <a:cs typeface="Segoe UI Light" pitchFamily="34" charset="0"/>
+              </a:rPr>
+              <a:t/>
+            </a:r>
+            <a:br>
+              <a:rPr lang="pt-PT" b="1" dirty="0">
+                <a:solidFill>
+                  <a:schemeClr val="tx1">
+                    <a:lumMod val="50000"/>
+                  </a:schemeClr>
+                </a:solidFill>
+                <a:latin typeface="Segoe UI Black" pitchFamily="34" charset="0"/>
+                <a:ea typeface="Segoe UI Black" pitchFamily="34" charset="0"/>
+                <a:cs typeface="Segoe UI Light" pitchFamily="34" charset="0"/>
+              </a:rPr>
+            </a:br>
+            <a:r>
+              <a:rPr lang="pt-PT" b="1" dirty="0">
+                <a:solidFill>
+                  <a:schemeClr val="tx1">
+                    <a:lumMod val="50000"/>
+                  </a:schemeClr>
+                </a:solidFill>
+                <a:latin typeface="Segoe UI Black" pitchFamily="34" charset="0"/>
+                <a:ea typeface="Segoe UI Black" pitchFamily="34" charset="0"/>
+                <a:cs typeface="Segoe UI Light" pitchFamily="34" charset="0"/>
               </a:rPr>
               <a:t>- </a:t>
             </a:r>
             <a:r>
-              <a:rPr lang="pt-PT" sz="2400" b="1" dirty="0" err="1" smtClean="0">
-                <a:latin typeface="Montserrat" charset="0"/>
+              <a:rPr lang="pt-PT" b="1" dirty="0" smtClean="0">
+                <a:solidFill>
+                  <a:schemeClr val="tx1">
+                    <a:lumMod val="50000"/>
+                  </a:schemeClr>
+                </a:solidFill>
+                <a:latin typeface="Segoe UI Black" pitchFamily="34" charset="0"/>
+                <a:ea typeface="Segoe UI Black" pitchFamily="34" charset="0"/>
+                <a:cs typeface="Segoe UI Light" pitchFamily="34" charset="0"/>
               </a:rPr>
-              <a:t>Layout</a:t>
+              <a:t>Diagnosticar</a:t>
+            </a:r>
+          </a:p>
+          <a:p>
+            <a:pPr marL="285750" indent="-285750" algn="l">
+              <a:buFontTx/>
+              <a:buChar char="-"/>
+            </a:pPr>
+            <a:endParaRPr lang="pt-PT" b="1" dirty="0">
+              <a:solidFill>
+                <a:schemeClr val="tx1">
+                  <a:lumMod val="50000"/>
+                </a:schemeClr>
+              </a:solidFill>
+              <a:latin typeface="Segoe UI Black" pitchFamily="34" charset="0"/>
+              <a:ea typeface="Segoe UI Black" pitchFamily="34" charset="0"/>
+              <a:cs typeface="Segoe UI Light" pitchFamily="34" charset="0"/>
+            </a:endParaRPr>
+          </a:p>
+          <a:p>
+            <a:pPr marL="285750" indent="-285750" algn="l">
+              <a:buFontTx/>
+              <a:buChar char="-"/>
+            </a:pPr>
+            <a:r>
+              <a:rPr lang="pt-PT" b="1" dirty="0">
+                <a:solidFill>
+                  <a:schemeClr val="tx1">
+                    <a:lumMod val="50000"/>
+                  </a:schemeClr>
+                </a:solidFill>
+                <a:latin typeface="Segoe UI Black" pitchFamily="34" charset="0"/>
+                <a:ea typeface="Segoe UI Black" pitchFamily="34" charset="0"/>
+                <a:cs typeface="Segoe UI Light" pitchFamily="34" charset="0"/>
+              </a:rPr>
+              <a:t>- </a:t>
             </a:r>
             <a:r>
-              <a:rPr lang="pt-PT" sz="2400" b="1" dirty="0" smtClean="0">
-                <a:latin typeface="Montserrat" charset="0"/>
+              <a:rPr lang="pt-PT" b="1" dirty="0" smtClean="0">
+                <a:solidFill>
+                  <a:schemeClr val="tx1">
+                    <a:lumMod val="50000"/>
+                  </a:schemeClr>
+                </a:solidFill>
+                <a:latin typeface="Segoe UI Black" pitchFamily="34" charset="0"/>
+                <a:ea typeface="Segoe UI Black" pitchFamily="34" charset="0"/>
+                <a:cs typeface="Segoe UI Light" pitchFamily="34" charset="0"/>
               </a:rPr>
-              <a:t> </a:t>
+              <a:t>Concluir</a:t>
             </a:r>
             <a:r>
-              <a:rPr lang="pt-PT" sz="2400" b="1" dirty="0">
-                <a:latin typeface="Montserrat" charset="0"/>
+              <a:rPr lang="pt-PT" b="1" dirty="0" smtClean="0">
+                <a:solidFill>
+                  <a:schemeClr val="tx1">
+                    <a:lumMod val="50000"/>
+                  </a:schemeClr>
+                </a:solidFill>
+                <a:latin typeface="Segoe UI Black" pitchFamily="34" charset="0"/>
+                <a:ea typeface="Segoe UI Black" pitchFamily="34" charset="0"/>
+                <a:cs typeface="Segoe UI Light" pitchFamily="34" charset="0"/>
               </a:rPr>
-              <a:t>de </a:t>
-            </a:r>
-            <a:r>
-              <a:rPr lang="pt-PT" sz="2400" b="1" dirty="0" smtClean="0">
-                <a:latin typeface="Montserrat" charset="0"/>
-              </a:rPr>
-              <a:t>máquinas</a:t>
+              <a:t/>
             </a:r>
             <a:br>
-              <a:rPr lang="pt-PT" sz="2400" b="1" dirty="0" smtClean="0">
-                <a:latin typeface="Montserrat" charset="0"/>
+              <a:rPr lang="pt-PT" b="1" dirty="0" smtClean="0">
+                <a:solidFill>
+                  <a:schemeClr val="tx1">
+                    <a:lumMod val="50000"/>
+                  </a:schemeClr>
+                </a:solidFill>
+                <a:latin typeface="Segoe UI Black" pitchFamily="34" charset="0"/>
+                <a:ea typeface="Segoe UI Black" pitchFamily="34" charset="0"/>
+                <a:cs typeface="Segoe UI Light" pitchFamily="34" charset="0"/>
               </a:rPr>
             </a:br>
-            <a:r>
-              <a:rPr lang="pt-PT" sz="2400" b="1" dirty="0" smtClean="0">
-                <a:latin typeface="Montserrat" charset="0"/>
-              </a:rPr>
-              <a:t>- Padronização </a:t>
-            </a:r>
-            <a:r>
-              <a:rPr lang="pt-PT" sz="2400" b="1" dirty="0">
-                <a:latin typeface="Montserrat" charset="0"/>
-              </a:rPr>
-              <a:t>dos </a:t>
-            </a:r>
-            <a:r>
-              <a:rPr lang="pt-PT" sz="2400" b="1" dirty="0" smtClean="0">
-                <a:latin typeface="Montserrat" charset="0"/>
-              </a:rPr>
-              <a:t>trabalhos</a:t>
-            </a:r>
-            <a:br>
-              <a:rPr lang="pt-PT" sz="2400" b="1" dirty="0" smtClean="0">
-                <a:latin typeface="Montserrat" charset="0"/>
-              </a:rPr>
-            </a:br>
-            <a:r>
-              <a:rPr lang="pt-PT" sz="2400" b="1" dirty="0" smtClean="0">
-                <a:latin typeface="Montserrat" charset="0"/>
-              </a:rPr>
-              <a:t>- Aperfeiçoamento </a:t>
-            </a:r>
-            <a:r>
-              <a:rPr lang="pt-PT" sz="2400" b="1" dirty="0">
-                <a:latin typeface="Montserrat" charset="0"/>
-              </a:rPr>
-              <a:t>das </a:t>
-            </a:r>
-            <a:r>
-              <a:rPr lang="pt-PT" sz="2400" b="1" dirty="0" smtClean="0">
-                <a:latin typeface="Montserrat" charset="0"/>
-              </a:rPr>
-              <a:t>actividades.</a:t>
-            </a:r>
-            <a:endParaRPr sz="2400" b="1" dirty="0">
-              <a:latin typeface="Montserrat" charset="0"/>
+            <a:endParaRPr lang="pt-PT" b="1" dirty="0">
+              <a:solidFill>
+                <a:schemeClr val="tx1">
+                  <a:lumMod val="50000"/>
+                </a:schemeClr>
+              </a:solidFill>
+              <a:latin typeface="Segoe UI Black" pitchFamily="34" charset="0"/>
+              <a:ea typeface="Segoe UI Black" pitchFamily="34" charset="0"/>
+              <a:cs typeface="Segoe UI Light" pitchFamily="34" charset="0"/>
             </a:endParaRPr>
           </a:p>
         </p:txBody>
@@ -10051,7 +10492,7 @@
     </p:spTree>
     <p:extLst>
       <p:ext uri="{BB962C8B-B14F-4D97-AF65-F5344CB8AC3E}">
-        <p14:creationId xmlns:p14="http://schemas.microsoft.com/office/powerpoint/2010/main" val="1680694310"/>
+        <p14:creationId xmlns:p14="http://schemas.microsoft.com/office/powerpoint/2010/main" val="2436928638"/>
       </p:ext>
     </p:extLst>
   </p:cSld>
@@ -10137,8 +10578,8 @@
         </p:nvSpPr>
         <p:spPr>
           <a:xfrm>
-            <a:off x="1187624" y="984292"/>
-            <a:ext cx="6984776" cy="473704"/>
+            <a:off x="258977" y="2242062"/>
+            <a:ext cx="2584831" cy="473704"/>
           </a:xfrm>
           <a:prstGeom prst="rect">
             <a:avLst/>
@@ -10401,54 +10842,24 @@
           </a:lstStyle>
           <a:p>
             <a:r>
-              <a:rPr lang="pt-PT" b="1" dirty="0">
+              <a:rPr lang="pt-PT" sz="2000" b="1" dirty="0" smtClean="0">
+                <a:solidFill>
+                  <a:schemeClr val="tx1">
+                    <a:lumMod val="50000"/>
+                  </a:schemeClr>
+                </a:solidFill>
                 <a:latin typeface="Segoe UI Black" pitchFamily="34" charset="0"/>
                 <a:ea typeface="Segoe UI Black" pitchFamily="34" charset="0"/>
                 <a:cs typeface="Segoe UI Light" pitchFamily="34" charset="0"/>
               </a:rPr>
-              <a:t>CARACTERISTICAS DA </a:t>
+              <a:t>Metodologia Científica</a:t>
             </a:r>
-            <a:r>
-              <a:rPr lang="pt-PT" b="1" dirty="0" smtClean="0">
-                <a:latin typeface="Segoe UI Black" pitchFamily="34" charset="0"/>
-                <a:ea typeface="Segoe UI Black" pitchFamily="34" charset="0"/>
-                <a:cs typeface="Segoe UI Light" pitchFamily="34" charset="0"/>
-              </a:rPr>
-              <a:t>METODOLOGIA </a:t>
-            </a:r>
-            <a:r>
-              <a:rPr lang="pt-PT" b="1" dirty="0">
-                <a:latin typeface="Segoe UI Black" pitchFamily="34" charset="0"/>
-                <a:ea typeface="Segoe UI Black" pitchFamily="34" charset="0"/>
-                <a:cs typeface="Segoe UI Light" pitchFamily="34" charset="0"/>
-              </a:rPr>
-              <a:t>DESENVOLVIMENTO </a:t>
-            </a:r>
-            <a:r>
-              <a:rPr lang="pt-PT" b="1" dirty="0" smtClean="0">
-                <a:latin typeface="Segoe UI Black" pitchFamily="34" charset="0"/>
-                <a:ea typeface="Segoe UI Black" pitchFamily="34" charset="0"/>
-                <a:cs typeface="Segoe UI Light" pitchFamily="34" charset="0"/>
-              </a:rPr>
-              <a:t>ITERATIVO </a:t>
-            </a:r>
-            <a:r>
-              <a:rPr lang="pt-PT" b="1" dirty="0">
-                <a:latin typeface="Segoe UI Black" pitchFamily="34" charset="0"/>
-                <a:ea typeface="Segoe UI Black" pitchFamily="34" charset="0"/>
-                <a:cs typeface="Segoe UI Light" pitchFamily="34" charset="0"/>
-              </a:rPr>
-              <a:t>E </a:t>
-            </a:r>
-            <a:r>
-              <a:rPr lang="pt-PT" b="1" dirty="0" smtClean="0">
-                <a:latin typeface="Segoe UI Black" pitchFamily="34" charset="0"/>
-                <a:ea typeface="Segoe UI Black" pitchFamily="34" charset="0"/>
-                <a:cs typeface="Segoe UI Light" pitchFamily="34" charset="0"/>
-              </a:rPr>
-              <a:t>INCREMENTAL </a:t>
-            </a:r>
-            <a:endParaRPr lang="pt-PT" b="1" dirty="0">
+            <a:endParaRPr lang="pt-PT" sz="2000" b="1" dirty="0">
+              <a:solidFill>
+                <a:schemeClr val="tx1">
+                  <a:lumMod val="50000"/>
+                </a:schemeClr>
+              </a:solidFill>
               <a:latin typeface="Segoe UI Black" pitchFamily="34" charset="0"/>
               <a:ea typeface="Segoe UI Black" pitchFamily="34" charset="0"/>
               <a:cs typeface="Segoe UI Light" pitchFamily="34" charset="0"/>
@@ -10458,178 +10869,821 @@
       </p:sp>
       <p:sp>
         <p:nvSpPr>
-          <p:cNvPr id="5" name="Google Shape;89;p14"/>
-          <p:cNvSpPr txBox="1">
-            <a:spLocks noGrp="1"/>
-          </p:cNvSpPr>
-          <p:nvPr>
-            <p:ph type="title"/>
-          </p:nvPr>
+          <p:cNvPr id="2" name="Chave Esquerda 1"/>
+          <p:cNvSpPr/>
+          <p:nvPr/>
         </p:nvSpPr>
         <p:spPr>
           <a:xfrm>
-            <a:off x="547996" y="1707654"/>
-            <a:ext cx="8056452" cy="3024336"/>
+            <a:off x="2519772" y="496884"/>
+            <a:ext cx="576064" cy="4149731"/>
+          </a:xfrm>
+          <a:prstGeom prst="leftBrace">
+            <a:avLst/>
+          </a:prstGeom>
+          <a:ln>
+            <a:solidFill>
+              <a:schemeClr val="tx1"/>
+            </a:solidFill>
+          </a:ln>
+        </p:spPr>
+        <p:style>
+          <a:lnRef idx="1">
+            <a:schemeClr val="accent1"/>
+          </a:lnRef>
+          <a:fillRef idx="0">
+            <a:schemeClr val="accent1"/>
+          </a:fillRef>
+          <a:effectRef idx="0">
+            <a:schemeClr val="accent1"/>
+          </a:effectRef>
+          <a:fontRef idx="minor">
+            <a:schemeClr val="tx1"/>
+          </a:fontRef>
+        </p:style>
+        <p:txBody>
+          <a:bodyPr rtlCol="0" anchor="ctr"/>
+          <a:lstStyle/>
+          <a:p>
+            <a:pPr algn="ctr"/>
+            <a:endParaRPr lang="pt-PT"/>
+          </a:p>
+        </p:txBody>
+      </p:sp>
+      <p:sp>
+        <p:nvSpPr>
+          <p:cNvPr id="6" name="Google Shape;71;p12"/>
+          <p:cNvSpPr txBox="1">
+            <a:spLocks/>
+          </p:cNvSpPr>
+          <p:nvPr/>
+        </p:nvSpPr>
+        <p:spPr>
+          <a:xfrm>
+            <a:off x="2843808" y="267494"/>
+            <a:ext cx="5760640" cy="4608512"/>
           </a:xfrm>
           <a:prstGeom prst="rect">
             <a:avLst/>
           </a:prstGeom>
+          <a:noFill/>
+          <a:ln>
+            <a:noFill/>
+          </a:ln>
         </p:spPr>
         <p:txBody>
           <a:bodyPr spcFirstLastPara="1" wrap="square" lIns="91425" tIns="91425" rIns="91425" bIns="91425" anchor="ctr" anchorCtr="0">
             <a:noAutofit/>
           </a:bodyPr>
-          <a:lstStyle/>
+          <a:lstStyle>
+            <a:defPPr marR="0" lvl="0" algn="l" rtl="0">
+              <a:lnSpc>
+                <a:spcPct val="100000"/>
+              </a:lnSpc>
+              <a:spcBef>
+                <a:spcPts val="0"/>
+              </a:spcBef>
+              <a:spcAft>
+                <a:spcPts val="0"/>
+              </a:spcAft>
+            </a:defPPr>
+            <a:lvl1pPr marR="0" lvl="0" algn="ctr" rtl="0">
+              <a:lnSpc>
+                <a:spcPct val="100000"/>
+              </a:lnSpc>
+              <a:spcBef>
+                <a:spcPts val="0"/>
+              </a:spcBef>
+              <a:spcAft>
+                <a:spcPts val="0"/>
+              </a:spcAft>
+              <a:buClr>
+                <a:schemeClr val="lt1"/>
+              </a:buClr>
+              <a:buSzPts val="1800"/>
+              <a:buFont typeface="Vidaloka"/>
+              <a:buNone/>
+              <a:defRPr sz="1800" b="0" i="0" u="none" strike="noStrike" cap="none">
+                <a:solidFill>
+                  <a:schemeClr val="lt1"/>
+                </a:solidFill>
+                <a:latin typeface="Vidaloka"/>
+                <a:ea typeface="Vidaloka"/>
+                <a:cs typeface="Vidaloka"/>
+                <a:sym typeface="Vidaloka"/>
+              </a:defRPr>
+            </a:lvl1pPr>
+            <a:lvl2pPr marR="0" lvl="1" algn="ctr" rtl="0">
+              <a:lnSpc>
+                <a:spcPct val="100000"/>
+              </a:lnSpc>
+              <a:spcBef>
+                <a:spcPts val="0"/>
+              </a:spcBef>
+              <a:spcAft>
+                <a:spcPts val="0"/>
+              </a:spcAft>
+              <a:buClr>
+                <a:schemeClr val="lt1"/>
+              </a:buClr>
+              <a:buSzPts val="1800"/>
+              <a:buFont typeface="Vidaloka"/>
+              <a:buNone/>
+              <a:defRPr sz="1800" b="0" i="0" u="none" strike="noStrike" cap="none">
+                <a:solidFill>
+                  <a:schemeClr val="lt1"/>
+                </a:solidFill>
+                <a:latin typeface="Vidaloka"/>
+                <a:ea typeface="Vidaloka"/>
+                <a:cs typeface="Vidaloka"/>
+                <a:sym typeface="Vidaloka"/>
+              </a:defRPr>
+            </a:lvl2pPr>
+            <a:lvl3pPr marR="0" lvl="2" algn="ctr" rtl="0">
+              <a:lnSpc>
+                <a:spcPct val="100000"/>
+              </a:lnSpc>
+              <a:spcBef>
+                <a:spcPts val="0"/>
+              </a:spcBef>
+              <a:spcAft>
+                <a:spcPts val="0"/>
+              </a:spcAft>
+              <a:buClr>
+                <a:schemeClr val="lt1"/>
+              </a:buClr>
+              <a:buSzPts val="1800"/>
+              <a:buFont typeface="Vidaloka"/>
+              <a:buNone/>
+              <a:defRPr sz="1800" b="0" i="0" u="none" strike="noStrike" cap="none">
+                <a:solidFill>
+                  <a:schemeClr val="lt1"/>
+                </a:solidFill>
+                <a:latin typeface="Vidaloka"/>
+                <a:ea typeface="Vidaloka"/>
+                <a:cs typeface="Vidaloka"/>
+                <a:sym typeface="Vidaloka"/>
+              </a:defRPr>
+            </a:lvl3pPr>
+            <a:lvl4pPr marR="0" lvl="3" algn="ctr" rtl="0">
+              <a:lnSpc>
+                <a:spcPct val="100000"/>
+              </a:lnSpc>
+              <a:spcBef>
+                <a:spcPts val="0"/>
+              </a:spcBef>
+              <a:spcAft>
+                <a:spcPts val="0"/>
+              </a:spcAft>
+              <a:buClr>
+                <a:schemeClr val="lt1"/>
+              </a:buClr>
+              <a:buSzPts val="1800"/>
+              <a:buFont typeface="Vidaloka"/>
+              <a:buNone/>
+              <a:defRPr sz="1800" b="0" i="0" u="none" strike="noStrike" cap="none">
+                <a:solidFill>
+                  <a:schemeClr val="lt1"/>
+                </a:solidFill>
+                <a:latin typeface="Vidaloka"/>
+                <a:ea typeface="Vidaloka"/>
+                <a:cs typeface="Vidaloka"/>
+                <a:sym typeface="Vidaloka"/>
+              </a:defRPr>
+            </a:lvl4pPr>
+            <a:lvl5pPr marR="0" lvl="4" algn="ctr" rtl="0">
+              <a:lnSpc>
+                <a:spcPct val="100000"/>
+              </a:lnSpc>
+              <a:spcBef>
+                <a:spcPts val="0"/>
+              </a:spcBef>
+              <a:spcAft>
+                <a:spcPts val="0"/>
+              </a:spcAft>
+              <a:buClr>
+                <a:schemeClr val="lt1"/>
+              </a:buClr>
+              <a:buSzPts val="1800"/>
+              <a:buFont typeface="Vidaloka"/>
+              <a:buNone/>
+              <a:defRPr sz="1800" b="0" i="0" u="none" strike="noStrike" cap="none">
+                <a:solidFill>
+                  <a:schemeClr val="lt1"/>
+                </a:solidFill>
+                <a:latin typeface="Vidaloka"/>
+                <a:ea typeface="Vidaloka"/>
+                <a:cs typeface="Vidaloka"/>
+                <a:sym typeface="Vidaloka"/>
+              </a:defRPr>
+            </a:lvl5pPr>
+            <a:lvl6pPr marR="0" lvl="5" algn="ctr" rtl="0">
+              <a:lnSpc>
+                <a:spcPct val="100000"/>
+              </a:lnSpc>
+              <a:spcBef>
+                <a:spcPts val="0"/>
+              </a:spcBef>
+              <a:spcAft>
+                <a:spcPts val="0"/>
+              </a:spcAft>
+              <a:buClr>
+                <a:schemeClr val="lt1"/>
+              </a:buClr>
+              <a:buSzPts val="1800"/>
+              <a:buFont typeface="Vidaloka"/>
+              <a:buNone/>
+              <a:defRPr sz="1800" b="0" i="0" u="none" strike="noStrike" cap="none">
+                <a:solidFill>
+                  <a:schemeClr val="lt1"/>
+                </a:solidFill>
+                <a:latin typeface="Vidaloka"/>
+                <a:ea typeface="Vidaloka"/>
+                <a:cs typeface="Vidaloka"/>
+                <a:sym typeface="Vidaloka"/>
+              </a:defRPr>
+            </a:lvl6pPr>
+            <a:lvl7pPr marR="0" lvl="6" algn="ctr" rtl="0">
+              <a:lnSpc>
+                <a:spcPct val="100000"/>
+              </a:lnSpc>
+              <a:spcBef>
+                <a:spcPts val="0"/>
+              </a:spcBef>
+              <a:spcAft>
+                <a:spcPts val="0"/>
+              </a:spcAft>
+              <a:buClr>
+                <a:schemeClr val="lt1"/>
+              </a:buClr>
+              <a:buSzPts val="1800"/>
+              <a:buFont typeface="Vidaloka"/>
+              <a:buNone/>
+              <a:defRPr sz="1800" b="0" i="0" u="none" strike="noStrike" cap="none">
+                <a:solidFill>
+                  <a:schemeClr val="lt1"/>
+                </a:solidFill>
+                <a:latin typeface="Vidaloka"/>
+                <a:ea typeface="Vidaloka"/>
+                <a:cs typeface="Vidaloka"/>
+                <a:sym typeface="Vidaloka"/>
+              </a:defRPr>
+            </a:lvl7pPr>
+            <a:lvl8pPr marR="0" lvl="7" algn="ctr" rtl="0">
+              <a:lnSpc>
+                <a:spcPct val="100000"/>
+              </a:lnSpc>
+              <a:spcBef>
+                <a:spcPts val="0"/>
+              </a:spcBef>
+              <a:spcAft>
+                <a:spcPts val="0"/>
+              </a:spcAft>
+              <a:buClr>
+                <a:schemeClr val="lt1"/>
+              </a:buClr>
+              <a:buSzPts val="1800"/>
+              <a:buFont typeface="Vidaloka"/>
+              <a:buNone/>
+              <a:defRPr sz="1800" b="0" i="0" u="none" strike="noStrike" cap="none">
+                <a:solidFill>
+                  <a:schemeClr val="lt1"/>
+                </a:solidFill>
+                <a:latin typeface="Vidaloka"/>
+                <a:ea typeface="Vidaloka"/>
+                <a:cs typeface="Vidaloka"/>
+                <a:sym typeface="Vidaloka"/>
+              </a:defRPr>
+            </a:lvl8pPr>
+            <a:lvl9pPr marR="0" lvl="8" algn="ctr" rtl="0">
+              <a:lnSpc>
+                <a:spcPct val="100000"/>
+              </a:lnSpc>
+              <a:spcBef>
+                <a:spcPts val="0"/>
+              </a:spcBef>
+              <a:spcAft>
+                <a:spcPts val="0"/>
+              </a:spcAft>
+              <a:buClr>
+                <a:schemeClr val="lt1"/>
+              </a:buClr>
+              <a:buSzPts val="1800"/>
+              <a:buFont typeface="Vidaloka"/>
+              <a:buNone/>
+              <a:defRPr sz="1800" b="0" i="0" u="none" strike="noStrike" cap="none">
+                <a:solidFill>
+                  <a:schemeClr val="lt1"/>
+                </a:solidFill>
+                <a:latin typeface="Vidaloka"/>
+                <a:ea typeface="Vidaloka"/>
+                <a:cs typeface="Vidaloka"/>
+                <a:sym typeface="Vidaloka"/>
+              </a:defRPr>
+            </a:lvl9pPr>
+          </a:lstStyle>
           <a:p>
-            <a:pPr lvl="0" algn="l"/>
+            <a:pPr marL="285750" indent="-285750" algn="l">
+              <a:buFontTx/>
+              <a:buChar char="-"/>
+            </a:pPr>
             <a:r>
-              <a:rPr lang="pt-PT" sz="2400" b="1" dirty="0">
-                <a:latin typeface="Montserrat" charset="0"/>
+              <a:rPr lang="pt-PT" sz="1400" b="1" dirty="0" smtClean="0">
+                <a:solidFill>
+                  <a:schemeClr val="tx1">
+                    <a:lumMod val="50000"/>
+                  </a:schemeClr>
+                </a:solidFill>
+                <a:latin typeface="Segoe UI Black" pitchFamily="34" charset="0"/>
+                <a:ea typeface="Segoe UI Black" pitchFamily="34" charset="0"/>
+                <a:cs typeface="Segoe UI Light" pitchFamily="34" charset="0"/>
               </a:rPr>
-              <a:t>A ideia </a:t>
+              <a:t>-Finalidade:</a:t>
             </a:r>
             <a:r>
-              <a:rPr lang="pt-PT" sz="2400" b="1" dirty="0" smtClean="0">
-                <a:latin typeface="Montserrat" charset="0"/>
+              <a:rPr lang="pt-PT" sz="1400" b="1" dirty="0">
+                <a:solidFill>
+                  <a:schemeClr val="tx1">
+                    <a:lumMod val="50000"/>
+                  </a:schemeClr>
+                </a:solidFill>
+                <a:latin typeface="Segoe UI Black" pitchFamily="34" charset="0"/>
+                <a:ea typeface="Segoe UI Black" pitchFamily="34" charset="0"/>
+                <a:cs typeface="Segoe UI Light" pitchFamily="34" charset="0"/>
               </a:rPr>
-              <a:t>da </a:t>
+              <a:t/>
+            </a:r>
+            <a:br>
+              <a:rPr lang="pt-PT" sz="1400" b="1" dirty="0">
+                <a:solidFill>
+                  <a:schemeClr val="tx1">
+                    <a:lumMod val="50000"/>
+                  </a:schemeClr>
+                </a:solidFill>
+                <a:latin typeface="Segoe UI Black" pitchFamily="34" charset="0"/>
+                <a:ea typeface="Segoe UI Black" pitchFamily="34" charset="0"/>
+                <a:cs typeface="Segoe UI Light" pitchFamily="34" charset="0"/>
+              </a:rPr>
+            </a:br>
+            <a:r>
+              <a:rPr lang="pt-PT" sz="1000" b="1" dirty="0">
+                <a:solidFill>
+                  <a:srgbClr val="0070C0"/>
+                </a:solidFill>
+                <a:latin typeface="Segoe UI Black" pitchFamily="34" charset="0"/>
+                <a:ea typeface="Segoe UI Black" pitchFamily="34" charset="0"/>
+                <a:cs typeface="Segoe UI Light" pitchFamily="34" charset="0"/>
+              </a:rPr>
+              <a:t>Pesquisa Aplicada</a:t>
+            </a:r>
+          </a:p>
+          <a:p>
+            <a:pPr marL="285750" indent="-285750" algn="l">
+              <a:buFontTx/>
+              <a:buChar char="-"/>
+            </a:pPr>
+            <a:r>
+              <a:rPr lang="pt-PT" sz="1000" b="1" dirty="0">
+                <a:solidFill>
+                  <a:schemeClr val="tx1">
+                    <a:lumMod val="50000"/>
+                  </a:schemeClr>
+                </a:solidFill>
+                <a:latin typeface="Segoe UI Black" pitchFamily="34" charset="0"/>
+                <a:ea typeface="Segoe UI Black" pitchFamily="34" charset="0"/>
+                <a:cs typeface="Segoe UI Light" pitchFamily="34" charset="0"/>
+              </a:rPr>
+              <a:t>Aplicada é aquela em que o autor busca fazer um estudo científico voltado a solucionar algum problema específico, que já é conhecido e demonstrado no texto do trabalho</a:t>
             </a:r>
             <a:r>
-              <a:rPr lang="pt-PT" sz="2400" b="1" dirty="0">
-                <a:latin typeface="Montserrat" charset="0"/>
+              <a:rPr lang="pt-PT" sz="1000" b="1" dirty="0" smtClean="0">
+                <a:solidFill>
+                  <a:schemeClr val="tx1">
+                    <a:lumMod val="50000"/>
+                  </a:schemeClr>
+                </a:solidFill>
+                <a:latin typeface="Segoe UI Black" pitchFamily="34" charset="0"/>
+                <a:ea typeface="Segoe UI Black" pitchFamily="34" charset="0"/>
+                <a:cs typeface="Segoe UI Light" pitchFamily="34" charset="0"/>
               </a:rPr>
-              <a:t>criação de um </a:t>
+              <a:t>.</a:t>
+            </a:r>
+          </a:p>
+          <a:p>
+            <a:pPr marL="285750" indent="-285750" algn="l">
+              <a:buFontTx/>
+              <a:buChar char="-"/>
+            </a:pPr>
+            <a:r>
+              <a:rPr lang="pt-PT" sz="1400" b="1" dirty="0" smtClean="0">
+                <a:solidFill>
+                  <a:schemeClr val="tx1">
+                    <a:lumMod val="50000"/>
+                  </a:schemeClr>
+                </a:solidFill>
+                <a:latin typeface="Segoe UI Black" pitchFamily="34" charset="0"/>
+                <a:ea typeface="Segoe UI Black" pitchFamily="34" charset="0"/>
+                <a:cs typeface="Segoe UI Light" pitchFamily="34" charset="0"/>
+              </a:rPr>
+              <a:t/>
+            </a:r>
+            <a:br>
+              <a:rPr lang="pt-PT" sz="1400" b="1" dirty="0" smtClean="0">
+                <a:solidFill>
+                  <a:schemeClr val="tx1">
+                    <a:lumMod val="50000"/>
+                  </a:schemeClr>
+                </a:solidFill>
+                <a:latin typeface="Segoe UI Black" pitchFamily="34" charset="0"/>
+                <a:ea typeface="Segoe UI Black" pitchFamily="34" charset="0"/>
+                <a:cs typeface="Segoe UI Light" pitchFamily="34" charset="0"/>
+              </a:rPr>
+            </a:br>
+            <a:r>
+              <a:rPr lang="pt-PT" sz="1400" b="1" dirty="0" smtClean="0">
+                <a:solidFill>
+                  <a:schemeClr val="tx1">
+                    <a:lumMod val="50000"/>
+                  </a:schemeClr>
+                </a:solidFill>
+                <a:latin typeface="Segoe UI Black" pitchFamily="34" charset="0"/>
+                <a:ea typeface="Segoe UI Black" pitchFamily="34" charset="0"/>
+                <a:cs typeface="Segoe UI Light" pitchFamily="34" charset="0"/>
+              </a:rPr>
+              <a:t>-Objectivos:</a:t>
             </a:r>
             <a:r>
-              <a:rPr lang="pt-PT" sz="2400" b="1" dirty="0" smtClean="0">
-                <a:latin typeface="Montserrat" charset="0"/>
+              <a:rPr lang="pt-PT" sz="1400" b="1" dirty="0">
+                <a:solidFill>
+                  <a:schemeClr val="tx1">
+                    <a:lumMod val="50000"/>
+                  </a:schemeClr>
+                </a:solidFill>
+                <a:latin typeface="Segoe UI Black" pitchFamily="34" charset="0"/>
+                <a:ea typeface="Segoe UI Black" pitchFamily="34" charset="0"/>
+                <a:cs typeface="Segoe UI Light" pitchFamily="34" charset="0"/>
               </a:rPr>
-              <a:t>software que </a:t>
+              <a:t/>
+            </a:r>
+            <a:br>
+              <a:rPr lang="pt-PT" sz="1400" b="1" dirty="0">
+                <a:solidFill>
+                  <a:schemeClr val="tx1">
+                    <a:lumMod val="50000"/>
+                  </a:schemeClr>
+                </a:solidFill>
+                <a:latin typeface="Segoe UI Black" pitchFamily="34" charset="0"/>
+                <a:ea typeface="Segoe UI Black" pitchFamily="34" charset="0"/>
+                <a:cs typeface="Segoe UI Light" pitchFamily="34" charset="0"/>
+              </a:rPr>
+            </a:br>
+            <a:r>
+              <a:rPr lang="pt-PT" sz="1000" b="1" dirty="0">
+                <a:solidFill>
+                  <a:srgbClr val="0070C0"/>
+                </a:solidFill>
+                <a:latin typeface="Segoe UI Black" pitchFamily="34" charset="0"/>
+                <a:ea typeface="Segoe UI Black" pitchFamily="34" charset="0"/>
+                <a:cs typeface="Segoe UI Light" pitchFamily="34" charset="0"/>
+              </a:rPr>
+              <a:t>Pesquisa Exploratória</a:t>
+            </a:r>
+          </a:p>
+          <a:p>
+            <a:pPr marL="285750" indent="-285750" algn="l">
+              <a:buFontTx/>
+              <a:buChar char="-"/>
+            </a:pPr>
+            <a:r>
+              <a:rPr lang="pt-PT" sz="1000" b="1" dirty="0">
+                <a:solidFill>
+                  <a:schemeClr val="tx1">
+                    <a:lumMod val="50000"/>
+                  </a:schemeClr>
+                </a:solidFill>
+                <a:latin typeface="Segoe UI Black" pitchFamily="34" charset="0"/>
+                <a:ea typeface="Segoe UI Black" pitchFamily="34" charset="0"/>
+                <a:cs typeface="Segoe UI Light" pitchFamily="34" charset="0"/>
+              </a:rPr>
+              <a:t>Tem como objetivo identificar melhor, em caráter de sondagem, um fato ou fenômeno, tornando-o mais claro e propor problemas ou até hipóteses</a:t>
             </a:r>
             <a:r>
-              <a:rPr lang="pt-PT" sz="2400" b="1" dirty="0">
-                <a:latin typeface="Montserrat" charset="0"/>
+              <a:rPr lang="pt-PT" sz="1000" b="1" dirty="0" smtClean="0">
+                <a:solidFill>
+                  <a:schemeClr val="tx1">
+                    <a:lumMod val="50000"/>
+                  </a:schemeClr>
+                </a:solidFill>
+                <a:latin typeface="Segoe UI Black" pitchFamily="34" charset="0"/>
+                <a:ea typeface="Segoe UI Black" pitchFamily="34" charset="0"/>
+                <a:cs typeface="Segoe UI Light" pitchFamily="34" charset="0"/>
               </a:rPr>
-              <a:t>seja pautada por </a:t>
+              <a:t>.</a:t>
+            </a:r>
+          </a:p>
+          <a:p>
+            <a:pPr marL="285750" indent="-285750" algn="l">
+              <a:buFontTx/>
+              <a:buChar char="-"/>
+            </a:pPr>
+            <a:endParaRPr lang="pt-PT" sz="1000" b="1" dirty="0" smtClean="0">
+              <a:solidFill>
+                <a:schemeClr val="tx1">
+                  <a:lumMod val="50000"/>
+                </a:schemeClr>
+              </a:solidFill>
+              <a:latin typeface="Segoe UI Black" pitchFamily="34" charset="0"/>
+              <a:ea typeface="Segoe UI Black" pitchFamily="34" charset="0"/>
+              <a:cs typeface="Segoe UI Light" pitchFamily="34" charset="0"/>
+            </a:endParaRPr>
+          </a:p>
+          <a:p>
+            <a:pPr marL="285750" indent="-285750" algn="l">
+              <a:buFontTx/>
+              <a:buChar char="-"/>
+            </a:pPr>
+            <a:r>
+              <a:rPr lang="pt-PT" sz="1400" b="1" dirty="0" smtClean="0">
+                <a:solidFill>
+                  <a:schemeClr val="tx1">
+                    <a:lumMod val="50000"/>
+                  </a:schemeClr>
+                </a:solidFill>
+                <a:latin typeface="Segoe UI Black" pitchFamily="34" charset="0"/>
+                <a:ea typeface="Segoe UI Black" pitchFamily="34" charset="0"/>
+                <a:cs typeface="Segoe UI Light" pitchFamily="34" charset="0"/>
+              </a:rPr>
+              <a:t>-Abordagem</a:t>
             </a:r>
             <a:r>
-              <a:rPr lang="pt-PT" sz="2400" b="1" dirty="0" smtClean="0">
-                <a:latin typeface="Montserrat" charset="0"/>
+              <a:rPr lang="pt-PT" sz="1400" b="1" dirty="0">
+                <a:solidFill>
+                  <a:schemeClr val="tx1">
+                    <a:lumMod val="50000"/>
+                  </a:schemeClr>
+                </a:solidFill>
+                <a:latin typeface="Segoe UI Black" pitchFamily="34" charset="0"/>
+                <a:ea typeface="Segoe UI Black" pitchFamily="34" charset="0"/>
+                <a:cs typeface="Segoe UI Light" pitchFamily="34" charset="0"/>
+              </a:rPr>
+              <a:t>:</a:t>
+            </a:r>
+            <a:r>
+              <a:rPr lang="pt-PT" sz="1400" b="1" dirty="0" smtClean="0">
+                <a:solidFill>
+                  <a:schemeClr val="tx1">
+                    <a:lumMod val="50000"/>
+                  </a:schemeClr>
+                </a:solidFill>
+                <a:latin typeface="Segoe UI Black" pitchFamily="34" charset="0"/>
+                <a:ea typeface="Segoe UI Black" pitchFamily="34" charset="0"/>
+                <a:cs typeface="Segoe UI Light" pitchFamily="34" charset="0"/>
+              </a:rPr>
+              <a:t/>
+            </a:r>
+            <a:br>
+              <a:rPr lang="pt-PT" sz="1400" b="1" dirty="0" smtClean="0">
+                <a:solidFill>
+                  <a:schemeClr val="tx1">
+                    <a:lumMod val="50000"/>
+                  </a:schemeClr>
+                </a:solidFill>
+                <a:latin typeface="Segoe UI Black" pitchFamily="34" charset="0"/>
+                <a:ea typeface="Segoe UI Black" pitchFamily="34" charset="0"/>
+                <a:cs typeface="Segoe UI Light" pitchFamily="34" charset="0"/>
+              </a:rPr>
+            </a:br>
+            <a:r>
+              <a:rPr lang="pt-PT" sz="1000" b="1" dirty="0" smtClean="0">
+                <a:solidFill>
+                  <a:srgbClr val="0070C0"/>
+                </a:solidFill>
+                <a:latin typeface="Segoe UI Black" pitchFamily="34" charset="0"/>
+                <a:ea typeface="Segoe UI Black" pitchFamily="34" charset="0"/>
+                <a:cs typeface="Segoe UI Light" pitchFamily="34" charset="0"/>
+              </a:rPr>
+              <a:t>Pesquisa(Aboradagem) Qualitativa</a:t>
+            </a:r>
+          </a:p>
+          <a:p>
+            <a:pPr marL="285750" indent="-285750" algn="l">
+              <a:buFontTx/>
+              <a:buChar char="-"/>
+            </a:pPr>
+            <a:r>
+              <a:rPr lang="pt-PT" sz="1000" b="1" dirty="0" smtClean="0">
+                <a:solidFill>
+                  <a:schemeClr val="tx1">
+                    <a:lumMod val="50000"/>
+                  </a:schemeClr>
+                </a:solidFill>
+                <a:latin typeface="Segoe UI Black" pitchFamily="34" charset="0"/>
+                <a:ea typeface="Segoe UI Black" pitchFamily="34" charset="0"/>
+                <a:cs typeface="Segoe UI Light" pitchFamily="34" charset="0"/>
+              </a:rPr>
+              <a:t>Eventualmente se utilize alguns números, normalmente ela é aplicada a populações pequenas, que não viabilizam uma análise estatística.</a:t>
+            </a:r>
+          </a:p>
+          <a:p>
+            <a:pPr marL="285750" indent="-285750" algn="l">
+              <a:buFontTx/>
+              <a:buChar char="-"/>
+            </a:pPr>
+            <a:r>
+              <a:rPr lang="pt-PT" sz="1400" b="1" dirty="0" smtClean="0">
+                <a:solidFill>
+                  <a:schemeClr val="tx1">
+                    <a:lumMod val="50000"/>
+                  </a:schemeClr>
+                </a:solidFill>
+                <a:latin typeface="Segoe UI Black" pitchFamily="34" charset="0"/>
+                <a:ea typeface="Segoe UI Black" pitchFamily="34" charset="0"/>
+                <a:cs typeface="Segoe UI Light" pitchFamily="34" charset="0"/>
+              </a:rPr>
+              <a:t/>
+            </a:r>
+            <a:br>
+              <a:rPr lang="pt-PT" sz="1400" b="1" dirty="0" smtClean="0">
+                <a:solidFill>
+                  <a:schemeClr val="tx1">
+                    <a:lumMod val="50000"/>
+                  </a:schemeClr>
+                </a:solidFill>
+                <a:latin typeface="Segoe UI Black" pitchFamily="34" charset="0"/>
+                <a:ea typeface="Segoe UI Black" pitchFamily="34" charset="0"/>
+                <a:cs typeface="Segoe UI Light" pitchFamily="34" charset="0"/>
+              </a:rPr>
+            </a:br>
+            <a:r>
+              <a:rPr lang="pt-PT" sz="1400" b="1" dirty="0" smtClean="0">
+                <a:solidFill>
+                  <a:schemeClr val="tx1">
+                    <a:lumMod val="50000"/>
+                  </a:schemeClr>
+                </a:solidFill>
+                <a:latin typeface="Segoe UI Black" pitchFamily="34" charset="0"/>
+                <a:ea typeface="Segoe UI Black" pitchFamily="34" charset="0"/>
+                <a:cs typeface="Segoe UI Light" pitchFamily="34" charset="0"/>
+              </a:rPr>
+              <a:t>-Método:</a:t>
+            </a:r>
+            <a:br>
+              <a:rPr lang="pt-PT" sz="1400" b="1" dirty="0" smtClean="0">
+                <a:solidFill>
+                  <a:schemeClr val="tx1">
+                    <a:lumMod val="50000"/>
+                  </a:schemeClr>
+                </a:solidFill>
+                <a:latin typeface="Segoe UI Black" pitchFamily="34" charset="0"/>
+                <a:ea typeface="Segoe UI Black" pitchFamily="34" charset="0"/>
+                <a:cs typeface="Segoe UI Light" pitchFamily="34" charset="0"/>
+              </a:rPr>
+            </a:br>
+            <a:r>
+              <a:rPr lang="pt-PT" sz="1000" b="1" dirty="0" smtClean="0">
+                <a:solidFill>
+                  <a:srgbClr val="0070C0"/>
+                </a:solidFill>
+                <a:latin typeface="Segoe UI Black" pitchFamily="34" charset="0"/>
+                <a:ea typeface="Segoe UI Black" pitchFamily="34" charset="0"/>
+                <a:cs typeface="Segoe UI Light" pitchFamily="34" charset="0"/>
+              </a:rPr>
+              <a:t>Indutivo</a:t>
+            </a:r>
+          </a:p>
+          <a:p>
+            <a:pPr marL="285750" indent="-285750" algn="l">
+              <a:buFontTx/>
+              <a:buChar char="-"/>
+            </a:pPr>
+            <a:r>
+              <a:rPr lang="pt-PT" sz="1000" b="1" dirty="0" smtClean="0">
+                <a:solidFill>
+                  <a:schemeClr val="tx1">
+                    <a:lumMod val="50000"/>
+                  </a:schemeClr>
+                </a:solidFill>
+                <a:latin typeface="Segoe UI Black" pitchFamily="34" charset="0"/>
+                <a:ea typeface="Segoe UI Black" pitchFamily="34" charset="0"/>
+                <a:cs typeface="Segoe UI Light" pitchFamily="34" charset="0"/>
+              </a:rPr>
+              <a:t>No </a:t>
+            </a:r>
+            <a:r>
+              <a:rPr lang="pt-PT" sz="1000" b="1" dirty="0">
+                <a:solidFill>
+                  <a:schemeClr val="tx1">
+                    <a:lumMod val="50000"/>
+                  </a:schemeClr>
+                </a:solidFill>
+                <a:latin typeface="Segoe UI Black" pitchFamily="34" charset="0"/>
+                <a:ea typeface="Segoe UI Black" pitchFamily="34" charset="0"/>
+                <a:cs typeface="Segoe UI Light" pitchFamily="34" charset="0"/>
+              </a:rPr>
+              <a:t>método indutivo, o autor parte de observações específicas, para obter como conclusão uma premissa geral</a:t>
+            </a:r>
+            <a:r>
+              <a:rPr lang="pt-PT" sz="1000" b="1" dirty="0" smtClean="0">
+                <a:solidFill>
+                  <a:schemeClr val="tx1">
+                    <a:lumMod val="50000"/>
+                  </a:schemeClr>
+                </a:solidFill>
+                <a:latin typeface="Segoe UI Black" pitchFamily="34" charset="0"/>
+                <a:ea typeface="Segoe UI Black" pitchFamily="34" charset="0"/>
+                <a:cs typeface="Segoe UI Light" pitchFamily="34" charset="0"/>
+              </a:rPr>
+              <a:t>.</a:t>
+            </a:r>
+          </a:p>
+          <a:p>
+            <a:pPr marL="285750" indent="-285750" algn="l">
+              <a:buFontTx/>
+              <a:buChar char="-"/>
+            </a:pPr>
+            <a:endParaRPr lang="pt-PT" sz="1000" b="1" dirty="0">
+              <a:solidFill>
+                <a:schemeClr val="tx1">
+                  <a:lumMod val="50000"/>
+                </a:schemeClr>
+              </a:solidFill>
+              <a:latin typeface="Segoe UI Black" pitchFamily="34" charset="0"/>
+              <a:ea typeface="Segoe UI Black" pitchFamily="34" charset="0"/>
+              <a:cs typeface="Segoe UI Light" pitchFamily="34" charset="0"/>
+            </a:endParaRPr>
+          </a:p>
+          <a:p>
+            <a:pPr marL="285750" indent="-285750" algn="l">
+              <a:buFontTx/>
+              <a:buChar char="-"/>
+            </a:pPr>
+            <a:r>
+              <a:rPr lang="pt-PT" sz="1400" b="1" dirty="0" smtClean="0">
+                <a:solidFill>
+                  <a:schemeClr val="tx1">
+                    <a:lumMod val="50000"/>
+                  </a:schemeClr>
+                </a:solidFill>
+                <a:latin typeface="Segoe UI Black" pitchFamily="34" charset="0"/>
+                <a:ea typeface="Segoe UI Black" pitchFamily="34" charset="0"/>
+                <a:cs typeface="Segoe UI Light" pitchFamily="34" charset="0"/>
+              </a:rPr>
+              <a:t>-Procedimentos</a:t>
+            </a:r>
+            <a:r>
+              <a:rPr lang="pt-PT" sz="1400" b="1" dirty="0">
+                <a:solidFill>
+                  <a:schemeClr val="tx1">
+                    <a:lumMod val="50000"/>
+                  </a:schemeClr>
+                </a:solidFill>
+                <a:latin typeface="Segoe UI Black" pitchFamily="34" charset="0"/>
+                <a:ea typeface="Segoe UI Black" pitchFamily="34" charset="0"/>
+                <a:cs typeface="Segoe UI Light" pitchFamily="34" charset="0"/>
               </a:rPr>
               <a:t>:</a:t>
             </a:r>
             <a:br>
-              <a:rPr lang="pt-PT" sz="2400" b="1" dirty="0" smtClean="0">
-                <a:latin typeface="Montserrat" charset="0"/>
+              <a:rPr lang="pt-PT" sz="1400" b="1" dirty="0">
+                <a:solidFill>
+                  <a:schemeClr val="tx1">
+                    <a:lumMod val="50000"/>
+                  </a:schemeClr>
+                </a:solidFill>
+                <a:latin typeface="Segoe UI Black" pitchFamily="34" charset="0"/>
+                <a:ea typeface="Segoe UI Black" pitchFamily="34" charset="0"/>
+                <a:cs typeface="Segoe UI Light" pitchFamily="34" charset="0"/>
               </a:rPr>
             </a:br>
             <a:r>
-              <a:rPr lang="pt-PT" sz="2400" b="1" dirty="0">
-                <a:latin typeface="Montserrat" charset="0"/>
+              <a:rPr lang="pt-PT" sz="1000" b="1" dirty="0">
+                <a:solidFill>
+                  <a:srgbClr val="0070C0"/>
+                </a:solidFill>
+                <a:latin typeface="Segoe UI Black" pitchFamily="34" charset="0"/>
+                <a:ea typeface="Segoe UI Black" pitchFamily="34" charset="0"/>
+                <a:cs typeface="Segoe UI Light" pitchFamily="34" charset="0"/>
               </a:rPr>
-              <a:t/>
-            </a:r>
-            <a:br>
-              <a:rPr lang="pt-PT" sz="2400" b="1" dirty="0">
-                <a:latin typeface="Montserrat" charset="0"/>
-              </a:rPr>
-            </a:br>
-            <a:r>
-              <a:rPr lang="pt-PT" sz="2400" b="1" dirty="0" smtClean="0">
-                <a:latin typeface="Montserrat" charset="0"/>
-              </a:rPr>
-              <a:t>- Vários </a:t>
+              <a:t>Pesquisa </a:t>
             </a:r>
             <a:r>
-              <a:rPr lang="pt-PT" sz="2400" b="1" dirty="0">
-                <a:latin typeface="Montserrat" charset="0"/>
+              <a:rPr lang="pt-PT" sz="1000" b="1" dirty="0" smtClean="0">
+                <a:solidFill>
+                  <a:srgbClr val="0070C0"/>
+                </a:solidFill>
+                <a:latin typeface="Segoe UI Black" pitchFamily="34" charset="0"/>
+                <a:ea typeface="Segoe UI Black" pitchFamily="34" charset="0"/>
+                <a:cs typeface="Segoe UI Light" pitchFamily="34" charset="0"/>
               </a:rPr>
-              <a:t>ciclos </a:t>
+              <a:t>Bibliográfica / Estudo de Caso</a:t>
             </a:r>
-            <a:r>
-              <a:rPr lang="pt-PT" sz="2400" b="1" dirty="0" smtClean="0">
-                <a:latin typeface="Montserrat" charset="0"/>
-              </a:rPr>
-              <a:t>curtos</a:t>
-            </a:r>
-            <a:br>
-              <a:rPr lang="pt-PT" sz="2400" b="1" dirty="0" smtClean="0">
-                <a:latin typeface="Montserrat" charset="0"/>
-              </a:rPr>
-            </a:br>
-            <a:r>
-              <a:rPr lang="pt-PT" sz="2400" b="1" dirty="0" smtClean="0">
-                <a:latin typeface="Montserrat" charset="0"/>
-              </a:rPr>
-              <a:t>- Em </a:t>
-            </a:r>
-            <a:r>
-              <a:rPr lang="pt-PT" sz="2400" b="1" dirty="0">
-                <a:latin typeface="Montserrat" charset="0"/>
-              </a:rPr>
-              <a:t>que funcionalidades </a:t>
-            </a:r>
-            <a:r>
-              <a:rPr lang="pt-PT" sz="2400" b="1" dirty="0" smtClean="0">
-                <a:latin typeface="Montserrat" charset="0"/>
-              </a:rPr>
-              <a:t>são introduzidas</a:t>
-            </a:r>
-            <a:br>
-              <a:rPr lang="pt-PT" sz="2400" b="1" dirty="0" smtClean="0">
-                <a:latin typeface="Montserrat" charset="0"/>
-              </a:rPr>
-            </a:br>
-            <a:r>
-              <a:rPr lang="pt-PT" sz="2400" b="1" dirty="0" smtClean="0">
-                <a:latin typeface="Montserrat" charset="0"/>
-              </a:rPr>
-              <a:t>- Feedbacks colectados</a:t>
-            </a:r>
-            <a:br>
-              <a:rPr lang="pt-PT" sz="2400" b="1" dirty="0" smtClean="0">
-                <a:latin typeface="Montserrat" charset="0"/>
-              </a:rPr>
-            </a:br>
-            <a:r>
-              <a:rPr lang="pt-PT" sz="2400" b="1" dirty="0" smtClean="0">
-                <a:latin typeface="Montserrat" charset="0"/>
-              </a:rPr>
-              <a:t>-</a:t>
-            </a:r>
-            <a:r>
-              <a:rPr lang="pt-PT" sz="2400" b="1" dirty="0">
-                <a:latin typeface="Montserrat" charset="0"/>
-              </a:rPr>
-              <a:t>R</a:t>
-            </a:r>
-            <a:r>
-              <a:rPr lang="pt-PT" sz="2400" b="1" dirty="0" smtClean="0">
-                <a:latin typeface="Montserrat" charset="0"/>
-              </a:rPr>
-              <a:t>equisitos revistos</a:t>
-            </a:r>
-            <a:r>
-              <a:rPr lang="pt-PT" sz="2400" b="1" dirty="0">
-                <a:latin typeface="Montserrat" charset="0"/>
-              </a:rPr>
-              <a:t>.</a:t>
-            </a:r>
-            <a:br>
-              <a:rPr lang="pt-PT" sz="2400" b="1" dirty="0">
-                <a:latin typeface="Montserrat" charset="0"/>
-              </a:rPr>
-            </a:br>
-            <a:endParaRPr sz="2400" b="1" dirty="0">
-              <a:latin typeface="Montserrat" charset="0"/>
-            </a:endParaRPr>
           </a:p>
         </p:txBody>
       </p:sp>
     </p:spTree>
     <p:extLst>
       <p:ext uri="{BB962C8B-B14F-4D97-AF65-F5344CB8AC3E}">
-        <p14:creationId xmlns:p14="http://schemas.microsoft.com/office/powerpoint/2010/main" val="3803102074"/>
+        <p14:creationId xmlns:p14="http://schemas.microsoft.com/office/powerpoint/2010/main" val="906024637"/>
       </p:ext>
     </p:extLst>
   </p:cSld>
@@ -10651,7 +11705,7 @@
   <p:cSld>
     <p:spTree>
       <p:nvGrpSpPr>
-        <p:cNvPr id="1" name="Shape 78"/>
+        <p:cNvPr id="1" name="Shape 87"/>
         <p:cNvGrpSpPr/>
         <p:nvPr/>
       </p:nvGrpSpPr>
@@ -10665,7 +11719,66 @@
       </p:grpSpPr>
       <p:sp>
         <p:nvSpPr>
-          <p:cNvPr id="83" name="Google Shape;83;p13"/>
+          <p:cNvPr id="88" name="Google Shape;88;p14"/>
+          <p:cNvSpPr txBox="1">
+            <a:spLocks noGrp="1"/>
+          </p:cNvSpPr>
+          <p:nvPr>
+            <p:ph type="body" idx="1"/>
+          </p:nvPr>
+        </p:nvSpPr>
+        <p:spPr>
+          <a:xfrm>
+            <a:off x="1115616" y="2129950"/>
+            <a:ext cx="7149076" cy="873848"/>
+          </a:xfrm>
+          <a:prstGeom prst="rect">
+            <a:avLst/>
+          </a:prstGeom>
+        </p:spPr>
+        <p:txBody>
+          <a:bodyPr spcFirstLastPara="1" wrap="square" lIns="91425" tIns="91425" rIns="91425" bIns="91425" anchor="ctr" anchorCtr="0">
+            <a:noAutofit/>
+          </a:bodyPr>
+          <a:lstStyle/>
+          <a:p>
+            <a:pPr marL="0" lvl="0" indent="0" algn="ctr" rtl="0">
+              <a:spcBef>
+                <a:spcPts val="600"/>
+              </a:spcBef>
+              <a:spcAft>
+                <a:spcPts val="0"/>
+              </a:spcAft>
+              <a:buClr>
+                <a:schemeClr val="dk1"/>
+              </a:buClr>
+              <a:buSzPts val="1100"/>
+              <a:buFont typeface="Arial"/>
+              <a:buNone/>
+            </a:pPr>
+            <a:r>
+              <a:rPr lang="pt-PT" sz="2000" b="1" dirty="0" smtClean="0">
+                <a:solidFill>
+                  <a:schemeClr val="tx1">
+                    <a:lumMod val="50000"/>
+                  </a:schemeClr>
+                </a:solidFill>
+              </a:rPr>
+              <a:t>OBRIGADO</a:t>
+            </a:r>
+            <a:endParaRPr sz="2000" b="1" dirty="0">
+              <a:solidFill>
+                <a:schemeClr val="tx1">
+                  <a:lumMod val="50000"/>
+                </a:schemeClr>
+              </a:solidFill>
+            </a:endParaRPr>
+          </a:p>
+        </p:txBody>
+      </p:sp>
+      <p:sp>
+        <p:nvSpPr>
+          <p:cNvPr id="90" name="Google Shape;90;p14"/>
           <p:cNvSpPr txBox="1">
             <a:spLocks noGrp="1"/>
           </p:cNvSpPr>
@@ -10698,16 +11811,94 @@
               <a:buNone/>
             </a:pPr>
             <a:fld id="{00000000-1234-1234-1234-123412341234}" type="slidenum">
-              <a:rPr lang="en" smtClean="0"/>
+              <a:rPr lang="en"/>
               <a:t>9</a:t>
             </a:fld>
-            <a:endParaRPr dirty="0"/>
+            <a:endParaRPr/>
           </a:p>
         </p:txBody>
       </p:sp>
       <p:sp>
         <p:nvSpPr>
-          <p:cNvPr id="7" name="Google Shape;71;p12"/>
+          <p:cNvPr id="2" name="AutoShape 2" descr="ucall logo"/>
+          <p:cNvSpPr>
+            <a:spLocks noChangeAspect="1" noChangeArrowheads="1"/>
+          </p:cNvSpPr>
+          <p:nvPr/>
+        </p:nvSpPr>
+        <p:spPr bwMode="auto">
+          <a:xfrm>
+            <a:off x="155575" y="-144463"/>
+            <a:ext cx="304800" cy="304801"/>
+          </a:xfrm>
+          <a:prstGeom prst="rect">
+            <a:avLst/>
+          </a:prstGeom>
+          <a:noFill/>
+          <a:extLst>
+            <a:ext uri="{909E8E84-426E-40DD-AFC4-6F175D3DCCD1}">
+              <a14:hiddenFill xmlns:a14="http://schemas.microsoft.com/office/drawing/2010/main">
+                <a:solidFill>
+                  <a:srgbClr val="FFFFFF"/>
+                </a:solidFill>
+              </a14:hiddenFill>
+            </a:ext>
+          </a:extLst>
+        </p:spPr>
+        <p:txBody>
+          <a:bodyPr vert="horz" wrap="square" lIns="91440" tIns="45720" rIns="91440" bIns="45720" numCol="1" anchor="t" anchorCtr="0" compatLnSpc="1">
+            <a:prstTxWarp prst="textNoShape">
+              <a:avLst/>
+            </a:prstTxWarp>
+          </a:bodyPr>
+          <a:lstStyle/>
+          <a:p>
+            <a:endParaRPr lang="pt-PT"/>
+          </a:p>
+        </p:txBody>
+      </p:sp>
+      <p:sp>
+        <p:nvSpPr>
+          <p:cNvPr id="3" name="AutoShape 4" descr="ucall logo"/>
+          <p:cNvSpPr>
+            <a:spLocks noChangeAspect="1" noChangeArrowheads="1"/>
+          </p:cNvSpPr>
+          <p:nvPr/>
+        </p:nvSpPr>
+        <p:spPr bwMode="auto">
+          <a:xfrm>
+            <a:off x="307975" y="7937"/>
+            <a:ext cx="304800" cy="304801"/>
+          </a:xfrm>
+          <a:prstGeom prst="rect">
+            <a:avLst/>
+          </a:prstGeom>
+          <a:noFill/>
+          <a:extLst>
+            <a:ext uri="{909E8E84-426E-40DD-AFC4-6F175D3DCCD1}">
+              <a14:hiddenFill xmlns:a14="http://schemas.microsoft.com/office/drawing/2010/main">
+                <a:solidFill>
+                  <a:srgbClr val="FFFFFF"/>
+                </a:solidFill>
+              </a14:hiddenFill>
+            </a:ext>
+          </a:extLst>
+        </p:spPr>
+        <p:txBody>
+          <a:bodyPr vert="horz" wrap="square" lIns="91440" tIns="45720" rIns="91440" bIns="45720" numCol="1" anchor="t" anchorCtr="0" compatLnSpc="1">
+            <a:prstTxWarp prst="textNoShape">
+              <a:avLst/>
+            </a:prstTxWarp>
+          </a:bodyPr>
+          <a:lstStyle/>
+          <a:p>
+            <a:endParaRPr lang="pt-PT"/>
+          </a:p>
+        </p:txBody>
+      </p:sp>
+      <p:sp>
+        <p:nvSpPr>
+          <p:cNvPr id="6" name="Google Shape;88;p14"/>
           <p:cNvSpPr txBox="1">
             <a:spLocks/>
           </p:cNvSpPr>
@@ -10715,8 +11906,8 @@
         </p:nvSpPr>
         <p:spPr>
           <a:xfrm>
-            <a:off x="1403648" y="1017926"/>
-            <a:ext cx="6840760" cy="473704"/>
+            <a:off x="7236296" y="4155926"/>
+            <a:ext cx="1584176" cy="560070"/>
           </a:xfrm>
           <a:prstGeom prst="rect">
             <a:avLst/>
@@ -10742,298 +11933,262 @@
                 <a:spcPts val="0"/>
               </a:spcAft>
             </a:defPPr>
-            <a:lvl1pPr marR="0" lvl="0" algn="ctr" rtl="0">
-              <a:lnSpc>
-                <a:spcPct val="100000"/>
-              </a:lnSpc>
-              <a:spcBef>
-                <a:spcPts val="0"/>
-              </a:spcBef>
-              <a:spcAft>
-                <a:spcPts val="0"/>
-              </a:spcAft>
-              <a:buClr>
-                <a:schemeClr val="lt1"/>
-              </a:buClr>
-              <a:buSzPts val="1800"/>
-              <a:buFont typeface="Vidaloka"/>
-              <a:buNone/>
-              <a:defRPr sz="1800" b="0" i="0" u="none" strike="noStrike" cap="none">
-                <a:solidFill>
-                  <a:schemeClr val="lt1"/>
-                </a:solidFill>
-                <a:latin typeface="Vidaloka"/>
-                <a:ea typeface="Vidaloka"/>
-                <a:cs typeface="Vidaloka"/>
-                <a:sym typeface="Vidaloka"/>
+            <a:lvl1pPr marL="457200" marR="0" lvl="0" indent="-381000" algn="l" rtl="0">
+              <a:lnSpc>
+                <a:spcPct val="100000"/>
+              </a:lnSpc>
+              <a:spcBef>
+                <a:spcPts val="600"/>
+              </a:spcBef>
+              <a:spcAft>
+                <a:spcPts val="0"/>
+              </a:spcAft>
+              <a:buClr>
+                <a:schemeClr val="lt1"/>
+              </a:buClr>
+              <a:buSzPts val="2400"/>
+              <a:buFont typeface="Montserrat"/>
+              <a:buChar char="▪"/>
+              <a:defRPr sz="2400" b="0" i="0" u="none" strike="noStrike" cap="none">
+                <a:solidFill>
+                  <a:schemeClr val="lt1"/>
+                </a:solidFill>
+                <a:latin typeface="Montserrat"/>
+                <a:ea typeface="Montserrat"/>
+                <a:cs typeface="Montserrat"/>
+                <a:sym typeface="Montserrat"/>
               </a:defRPr>
             </a:lvl1pPr>
-            <a:lvl2pPr marR="0" lvl="1" algn="ctr" rtl="0">
-              <a:lnSpc>
-                <a:spcPct val="100000"/>
-              </a:lnSpc>
-              <a:spcBef>
-                <a:spcPts val="0"/>
-              </a:spcBef>
-              <a:spcAft>
-                <a:spcPts val="0"/>
-              </a:spcAft>
-              <a:buClr>
-                <a:schemeClr val="lt1"/>
-              </a:buClr>
-              <a:buSzPts val="1800"/>
-              <a:buFont typeface="Vidaloka"/>
-              <a:buNone/>
-              <a:defRPr sz="1800" b="0" i="0" u="none" strike="noStrike" cap="none">
-                <a:solidFill>
-                  <a:schemeClr val="lt1"/>
-                </a:solidFill>
-                <a:latin typeface="Vidaloka"/>
-                <a:ea typeface="Vidaloka"/>
-                <a:cs typeface="Vidaloka"/>
-                <a:sym typeface="Vidaloka"/>
+            <a:lvl2pPr marL="914400" marR="0" lvl="1" indent="-381000" algn="l" rtl="0">
+              <a:lnSpc>
+                <a:spcPct val="100000"/>
+              </a:lnSpc>
+              <a:spcBef>
+                <a:spcPts val="0"/>
+              </a:spcBef>
+              <a:spcAft>
+                <a:spcPts val="0"/>
+              </a:spcAft>
+              <a:buClr>
+                <a:schemeClr val="lt1"/>
+              </a:buClr>
+              <a:buSzPts val="2400"/>
+              <a:buFont typeface="Montserrat"/>
+              <a:buChar char="⬞"/>
+              <a:defRPr sz="2400" b="0" i="0" u="none" strike="noStrike" cap="none">
+                <a:solidFill>
+                  <a:schemeClr val="lt1"/>
+                </a:solidFill>
+                <a:latin typeface="Montserrat"/>
+                <a:ea typeface="Montserrat"/>
+                <a:cs typeface="Montserrat"/>
+                <a:sym typeface="Montserrat"/>
               </a:defRPr>
             </a:lvl2pPr>
-            <a:lvl3pPr marR="0" lvl="2" algn="ctr" rtl="0">
-              <a:lnSpc>
-                <a:spcPct val="100000"/>
-              </a:lnSpc>
-              <a:spcBef>
-                <a:spcPts val="0"/>
-              </a:spcBef>
-              <a:spcAft>
-                <a:spcPts val="0"/>
-              </a:spcAft>
-              <a:buClr>
-                <a:schemeClr val="lt1"/>
-              </a:buClr>
-              <a:buSzPts val="1800"/>
-              <a:buFont typeface="Vidaloka"/>
-              <a:buNone/>
-              <a:defRPr sz="1800" b="0" i="0" u="none" strike="noStrike" cap="none">
-                <a:solidFill>
-                  <a:schemeClr val="lt1"/>
-                </a:solidFill>
-                <a:latin typeface="Vidaloka"/>
-                <a:ea typeface="Vidaloka"/>
-                <a:cs typeface="Vidaloka"/>
-                <a:sym typeface="Vidaloka"/>
+            <a:lvl3pPr marL="1371600" marR="0" lvl="2" indent="-381000" algn="l" rtl="0">
+              <a:lnSpc>
+                <a:spcPct val="100000"/>
+              </a:lnSpc>
+              <a:spcBef>
+                <a:spcPts val="0"/>
+              </a:spcBef>
+              <a:spcAft>
+                <a:spcPts val="0"/>
+              </a:spcAft>
+              <a:buClr>
+                <a:schemeClr val="lt1"/>
+              </a:buClr>
+              <a:buSzPts val="2400"/>
+              <a:buFont typeface="Montserrat"/>
+              <a:buChar char="⬞"/>
+              <a:defRPr sz="2400" b="0" i="0" u="none" strike="noStrike" cap="none">
+                <a:solidFill>
+                  <a:schemeClr val="lt1"/>
+                </a:solidFill>
+                <a:latin typeface="Montserrat"/>
+                <a:ea typeface="Montserrat"/>
+                <a:cs typeface="Montserrat"/>
+                <a:sym typeface="Montserrat"/>
               </a:defRPr>
             </a:lvl3pPr>
-            <a:lvl4pPr marR="0" lvl="3" algn="ctr" rtl="0">
-              <a:lnSpc>
-                <a:spcPct val="100000"/>
-              </a:lnSpc>
-              <a:spcBef>
-                <a:spcPts val="0"/>
-              </a:spcBef>
-              <a:spcAft>
-                <a:spcPts val="0"/>
-              </a:spcAft>
-              <a:buClr>
-                <a:schemeClr val="lt1"/>
-              </a:buClr>
-              <a:buSzPts val="1800"/>
-              <a:buFont typeface="Vidaloka"/>
-              <a:buNone/>
-              <a:defRPr sz="1800" b="0" i="0" u="none" strike="noStrike" cap="none">
-                <a:solidFill>
-                  <a:schemeClr val="lt1"/>
-                </a:solidFill>
-                <a:latin typeface="Vidaloka"/>
-                <a:ea typeface="Vidaloka"/>
-                <a:cs typeface="Vidaloka"/>
-                <a:sym typeface="Vidaloka"/>
+            <a:lvl4pPr marL="1828800" marR="0" lvl="3" indent="-381000" algn="l" rtl="0">
+              <a:lnSpc>
+                <a:spcPct val="100000"/>
+              </a:lnSpc>
+              <a:spcBef>
+                <a:spcPts val="0"/>
+              </a:spcBef>
+              <a:spcAft>
+                <a:spcPts val="0"/>
+              </a:spcAft>
+              <a:buClr>
+                <a:schemeClr val="lt1"/>
+              </a:buClr>
+              <a:buSzPts val="2400"/>
+              <a:buFont typeface="Montserrat"/>
+              <a:buChar char="⬞"/>
+              <a:defRPr sz="2400" b="0" i="0" u="none" strike="noStrike" cap="none">
+                <a:solidFill>
+                  <a:schemeClr val="lt1"/>
+                </a:solidFill>
+                <a:latin typeface="Montserrat"/>
+                <a:ea typeface="Montserrat"/>
+                <a:cs typeface="Montserrat"/>
+                <a:sym typeface="Montserrat"/>
               </a:defRPr>
             </a:lvl4pPr>
-            <a:lvl5pPr marR="0" lvl="4" algn="ctr" rtl="0">
-              <a:lnSpc>
-                <a:spcPct val="100000"/>
-              </a:lnSpc>
-              <a:spcBef>
-                <a:spcPts val="0"/>
-              </a:spcBef>
-              <a:spcAft>
-                <a:spcPts val="0"/>
-              </a:spcAft>
-              <a:buClr>
-                <a:schemeClr val="lt1"/>
-              </a:buClr>
-              <a:buSzPts val="1800"/>
-              <a:buFont typeface="Vidaloka"/>
-              <a:buNone/>
-              <a:defRPr sz="1800" b="0" i="0" u="none" strike="noStrike" cap="none">
-                <a:solidFill>
-                  <a:schemeClr val="lt1"/>
-                </a:solidFill>
-                <a:latin typeface="Vidaloka"/>
-                <a:ea typeface="Vidaloka"/>
-                <a:cs typeface="Vidaloka"/>
-                <a:sym typeface="Vidaloka"/>
+            <a:lvl5pPr marL="2286000" marR="0" lvl="4" indent="-381000" algn="l" rtl="0">
+              <a:lnSpc>
+                <a:spcPct val="100000"/>
+              </a:lnSpc>
+              <a:spcBef>
+                <a:spcPts val="0"/>
+              </a:spcBef>
+              <a:spcAft>
+                <a:spcPts val="0"/>
+              </a:spcAft>
+              <a:buClr>
+                <a:schemeClr val="lt1"/>
+              </a:buClr>
+              <a:buSzPts val="2400"/>
+              <a:buFont typeface="Montserrat"/>
+              <a:buChar char="⬞"/>
+              <a:defRPr sz="2400" b="0" i="0" u="none" strike="noStrike" cap="none">
+                <a:solidFill>
+                  <a:schemeClr val="lt1"/>
+                </a:solidFill>
+                <a:latin typeface="Montserrat"/>
+                <a:ea typeface="Montserrat"/>
+                <a:cs typeface="Montserrat"/>
+                <a:sym typeface="Montserrat"/>
               </a:defRPr>
             </a:lvl5pPr>
-            <a:lvl6pPr marR="0" lvl="5" algn="ctr" rtl="0">
-              <a:lnSpc>
-                <a:spcPct val="100000"/>
-              </a:lnSpc>
-              <a:spcBef>
-                <a:spcPts val="0"/>
-              </a:spcBef>
-              <a:spcAft>
-                <a:spcPts val="0"/>
-              </a:spcAft>
-              <a:buClr>
-                <a:schemeClr val="lt1"/>
-              </a:buClr>
-              <a:buSzPts val="1800"/>
-              <a:buFont typeface="Vidaloka"/>
-              <a:buNone/>
-              <a:defRPr sz="1800" b="0" i="0" u="none" strike="noStrike" cap="none">
-                <a:solidFill>
-                  <a:schemeClr val="lt1"/>
-                </a:solidFill>
-                <a:latin typeface="Vidaloka"/>
-                <a:ea typeface="Vidaloka"/>
-                <a:cs typeface="Vidaloka"/>
-                <a:sym typeface="Vidaloka"/>
+            <a:lvl6pPr marL="2743200" marR="0" lvl="5" indent="-381000" algn="l" rtl="0">
+              <a:lnSpc>
+                <a:spcPct val="100000"/>
+              </a:lnSpc>
+              <a:spcBef>
+                <a:spcPts val="0"/>
+              </a:spcBef>
+              <a:spcAft>
+                <a:spcPts val="0"/>
+              </a:spcAft>
+              <a:buClr>
+                <a:schemeClr val="lt1"/>
+              </a:buClr>
+              <a:buSzPts val="2400"/>
+              <a:buFont typeface="Montserrat"/>
+              <a:buChar char="⬞"/>
+              <a:defRPr sz="2400" b="0" i="0" u="none" strike="noStrike" cap="none">
+                <a:solidFill>
+                  <a:schemeClr val="lt1"/>
+                </a:solidFill>
+                <a:latin typeface="Montserrat"/>
+                <a:ea typeface="Montserrat"/>
+                <a:cs typeface="Montserrat"/>
+                <a:sym typeface="Montserrat"/>
               </a:defRPr>
             </a:lvl6pPr>
-            <a:lvl7pPr marR="0" lvl="6" algn="ctr" rtl="0">
-              <a:lnSpc>
-                <a:spcPct val="100000"/>
-              </a:lnSpc>
-              <a:spcBef>
-                <a:spcPts val="0"/>
-              </a:spcBef>
-              <a:spcAft>
-                <a:spcPts val="0"/>
-              </a:spcAft>
-              <a:buClr>
-                <a:schemeClr val="lt1"/>
-              </a:buClr>
-              <a:buSzPts val="1800"/>
-              <a:buFont typeface="Vidaloka"/>
-              <a:buNone/>
-              <a:defRPr sz="1800" b="0" i="0" u="none" strike="noStrike" cap="none">
-                <a:solidFill>
-                  <a:schemeClr val="lt1"/>
-                </a:solidFill>
-                <a:latin typeface="Vidaloka"/>
-                <a:ea typeface="Vidaloka"/>
-                <a:cs typeface="Vidaloka"/>
-                <a:sym typeface="Vidaloka"/>
+            <a:lvl7pPr marL="3200400" marR="0" lvl="6" indent="-381000" algn="l" rtl="0">
+              <a:lnSpc>
+                <a:spcPct val="100000"/>
+              </a:lnSpc>
+              <a:spcBef>
+                <a:spcPts val="0"/>
+              </a:spcBef>
+              <a:spcAft>
+                <a:spcPts val="0"/>
+              </a:spcAft>
+              <a:buClr>
+                <a:schemeClr val="lt1"/>
+              </a:buClr>
+              <a:buSzPts val="2400"/>
+              <a:buFont typeface="Montserrat"/>
+              <a:buChar char="⬞"/>
+              <a:defRPr sz="2400" b="0" i="0" u="none" strike="noStrike" cap="none">
+                <a:solidFill>
+                  <a:schemeClr val="lt1"/>
+                </a:solidFill>
+                <a:latin typeface="Montserrat"/>
+                <a:ea typeface="Montserrat"/>
+                <a:cs typeface="Montserrat"/>
+                <a:sym typeface="Montserrat"/>
               </a:defRPr>
             </a:lvl7pPr>
-            <a:lvl8pPr marR="0" lvl="7" algn="ctr" rtl="0">
-              <a:lnSpc>
-                <a:spcPct val="100000"/>
-              </a:lnSpc>
-              <a:spcBef>
-                <a:spcPts val="0"/>
-              </a:spcBef>
-              <a:spcAft>
-                <a:spcPts val="0"/>
-              </a:spcAft>
-              <a:buClr>
-                <a:schemeClr val="lt1"/>
-              </a:buClr>
-              <a:buSzPts val="1800"/>
-              <a:buFont typeface="Vidaloka"/>
-              <a:buNone/>
-              <a:defRPr sz="1800" b="0" i="0" u="none" strike="noStrike" cap="none">
-                <a:solidFill>
-                  <a:schemeClr val="lt1"/>
-                </a:solidFill>
-                <a:latin typeface="Vidaloka"/>
-                <a:ea typeface="Vidaloka"/>
-                <a:cs typeface="Vidaloka"/>
-                <a:sym typeface="Vidaloka"/>
+            <a:lvl8pPr marL="3657600" marR="0" lvl="7" indent="-381000" algn="l" rtl="0">
+              <a:lnSpc>
+                <a:spcPct val="100000"/>
+              </a:lnSpc>
+              <a:spcBef>
+                <a:spcPts val="0"/>
+              </a:spcBef>
+              <a:spcAft>
+                <a:spcPts val="0"/>
+              </a:spcAft>
+              <a:buClr>
+                <a:schemeClr val="lt1"/>
+              </a:buClr>
+              <a:buSzPts val="2400"/>
+              <a:buFont typeface="Montserrat"/>
+              <a:buChar char="⬞"/>
+              <a:defRPr sz="2400" b="0" i="0" u="none" strike="noStrike" cap="none">
+                <a:solidFill>
+                  <a:schemeClr val="lt1"/>
+                </a:solidFill>
+                <a:latin typeface="Montserrat"/>
+                <a:ea typeface="Montserrat"/>
+                <a:cs typeface="Montserrat"/>
+                <a:sym typeface="Montserrat"/>
               </a:defRPr>
             </a:lvl8pPr>
-            <a:lvl9pPr marR="0" lvl="8" algn="ctr" rtl="0">
-              <a:lnSpc>
-                <a:spcPct val="100000"/>
-              </a:lnSpc>
-              <a:spcBef>
-                <a:spcPts val="0"/>
-              </a:spcBef>
-              <a:spcAft>
-                <a:spcPts val="0"/>
-              </a:spcAft>
-              <a:buClr>
-                <a:schemeClr val="lt1"/>
-              </a:buClr>
-              <a:buSzPts val="1800"/>
-              <a:buFont typeface="Vidaloka"/>
-              <a:buNone/>
-              <a:defRPr sz="1800" b="0" i="0" u="none" strike="noStrike" cap="none">
-                <a:solidFill>
-                  <a:schemeClr val="lt1"/>
-                </a:solidFill>
-                <a:latin typeface="Vidaloka"/>
-                <a:ea typeface="Vidaloka"/>
-                <a:cs typeface="Vidaloka"/>
-                <a:sym typeface="Vidaloka"/>
+            <a:lvl9pPr marL="4114800" marR="0" lvl="8" indent="-381000" algn="l" rtl="0">
+              <a:lnSpc>
+                <a:spcPct val="100000"/>
+              </a:lnSpc>
+              <a:spcBef>
+                <a:spcPts val="0"/>
+              </a:spcBef>
+              <a:spcAft>
+                <a:spcPts val="0"/>
+              </a:spcAft>
+              <a:buClr>
+                <a:schemeClr val="lt1"/>
+              </a:buClr>
+              <a:buSzPts val="2400"/>
+              <a:buFont typeface="Montserrat"/>
+              <a:buChar char="⬞"/>
+              <a:defRPr sz="2400" b="0" i="0" u="none" strike="noStrike" cap="none">
+                <a:solidFill>
+                  <a:schemeClr val="lt1"/>
+                </a:solidFill>
+                <a:latin typeface="Montserrat"/>
+                <a:ea typeface="Montserrat"/>
+                <a:cs typeface="Montserrat"/>
+                <a:sym typeface="Montserrat"/>
               </a:defRPr>
             </a:lvl9pPr>
           </a:lstStyle>
           <a:p>
+            <a:pPr marL="0" indent="0" algn="ctr">
+              <a:buClr>
+                <a:schemeClr val="dk1"/>
+              </a:buClr>
+              <a:buSzPts val="1100"/>
+              <a:buFont typeface="Arial"/>
+              <a:buNone/>
+            </a:pPr>
             <a:r>
-              <a:rPr lang="pt-PT" b="1" dirty="0">
-                <a:latin typeface="Segoe UI Black" pitchFamily="34" charset="0"/>
-                <a:ea typeface="Segoe UI Black" pitchFamily="34" charset="0"/>
-                <a:cs typeface="Segoe UI Light" pitchFamily="34" charset="0"/>
-              </a:rPr>
-              <a:t>VANTAGEM E DESVANTAGEM DE USAR O KANBAN</a:t>
+              <a:rPr lang="pt-PT" sz="1400" b="1" dirty="0" smtClean="0"/>
+              <a:t>“Mi Vida❤❤”</a:t>
             </a:r>
+            <a:endParaRPr lang="pt-PT" sz="1400" b="1" dirty="0"/>
           </a:p>
         </p:txBody>
       </p:sp>
-      <p:pic>
-        <p:nvPicPr>
-          <p:cNvPr id="4098" name="Picture 2" descr="C:\Users\lcarlos\Desktop\6-passos-para-criar-seu-próprio-Kanban-7922b9b1.png"/>
-          <p:cNvPicPr>
-            <a:picLocks noChangeAspect="1" noChangeArrowheads="1"/>
-          </p:cNvPicPr>
-          <p:nvPr/>
-        </p:nvPicPr>
-        <p:blipFill>
-          <a:blip r:embed="rId3">
-            <a:extLst>
-              <a:ext uri="{28A0092B-C50C-407E-A947-70E740481C1C}">
-                <a14:useLocalDpi xmlns:a14="http://schemas.microsoft.com/office/drawing/2010/main" val="0"/>
-              </a:ext>
-            </a:extLst>
-          </a:blip>
-          <a:srcRect/>
-          <a:stretch>
-            <a:fillRect/>
-          </a:stretch>
-        </p:blipFill>
-        <p:spPr bwMode="auto">
-          <a:xfrm>
-            <a:off x="1639989" y="1635646"/>
-            <a:ext cx="6648527" cy="3024336"/>
-          </a:xfrm>
-          <a:prstGeom prst="rect">
-            <a:avLst/>
-          </a:prstGeom>
-          <a:noFill/>
-          <a:extLst>
-            <a:ext uri="{909E8E84-426E-40DD-AFC4-6F175D3DCCD1}">
-              <a14:hiddenFill xmlns:a14="http://schemas.microsoft.com/office/drawing/2010/main">
-                <a:solidFill>
-                  <a:srgbClr val="FFFFFF"/>
-                </a:solidFill>
-              </a14:hiddenFill>
-            </a:ext>
-          </a:extLst>
-        </p:spPr>
-      </p:pic>
     </p:spTree>
     <p:extLst>
       <p:ext uri="{BB962C8B-B14F-4D97-AF65-F5344CB8AC3E}">
-        <p14:creationId xmlns:p14="http://schemas.microsoft.com/office/powerpoint/2010/main" val="4277221579"/>
+        <p14:creationId xmlns:p14="http://schemas.microsoft.com/office/powerpoint/2010/main" val="1930314135"/>
       </p:ext>
     </p:extLst>
   </p:cSld>

--- a/apresentação.pptx
+++ b/apresentação.pptx
@@ -5,7 +5,7 @@
     <p:sldMasterId id="2147483658" r:id="rId1"/>
   </p:sldMasterIdLst>
   <p:notesMasterIdLst>
-    <p:notesMasterId r:id="rId11"/>
+    <p:notesMasterId r:id="rId19"/>
   </p:notesMasterIdLst>
   <p:sldIdLst>
     <p:sldId id="256" r:id="rId2"/>
@@ -16,31 +16,39 @@
     <p:sldId id="313" r:id="rId7"/>
     <p:sldId id="314" r:id="rId8"/>
     <p:sldId id="315" r:id="rId9"/>
-    <p:sldId id="312" r:id="rId10"/>
+    <p:sldId id="317" r:id="rId10"/>
+    <p:sldId id="318" r:id="rId11"/>
+    <p:sldId id="319" r:id="rId12"/>
+    <p:sldId id="320" r:id="rId13"/>
+    <p:sldId id="321" r:id="rId14"/>
+    <p:sldId id="322" r:id="rId15"/>
+    <p:sldId id="323" r:id="rId16"/>
+    <p:sldId id="316" r:id="rId17"/>
+    <p:sldId id="312" r:id="rId18"/>
   </p:sldIdLst>
   <p:sldSz cx="9144000" cy="5143500" type="screen16x9"/>
   <p:notesSz cx="6858000" cy="9144000"/>
   <p:embeddedFontLst>
     <p:embeddedFont>
+      <p:font typeface="Segoe UI Light" panose="020B0502040204020203" pitchFamily="34" charset="0"/>
+      <p:regular r:id="rId20"/>
+      <p:italic r:id="rId21"/>
+    </p:embeddedFont>
+    <p:embeddedFont>
       <p:font typeface="Vidaloka" panose="020B0604020202020204" charset="0"/>
-      <p:regular r:id="rId12"/>
+      <p:regular r:id="rId22"/>
+    </p:embeddedFont>
+    <p:embeddedFont>
+      <p:font typeface="Montserrat" panose="020B0604020202020204" charset="0"/>
+      <p:regular r:id="rId23"/>
+      <p:bold r:id="rId24"/>
+      <p:italic r:id="rId25"/>
+      <p:boldItalic r:id="rId26"/>
     </p:embeddedFont>
     <p:embeddedFont>
       <p:font typeface="Segoe UI Black" panose="020B0A02040204020203" pitchFamily="34" charset="0"/>
-      <p:bold r:id="rId13"/>
-      <p:boldItalic r:id="rId14"/>
-    </p:embeddedFont>
-    <p:embeddedFont>
-      <p:font typeface="Montserrat" panose="020B0604020202020204" charset="0"/>
-      <p:regular r:id="rId15"/>
-      <p:bold r:id="rId16"/>
-      <p:italic r:id="rId17"/>
-      <p:boldItalic r:id="rId18"/>
-    </p:embeddedFont>
-    <p:embeddedFont>
-      <p:font typeface="Segoe UI Light" panose="020B0502040204020203" pitchFamily="34" charset="0"/>
-      <p:regular r:id="rId19"/>
-      <p:italic r:id="rId20"/>
+      <p:bold r:id="rId27"/>
+      <p:boldItalic r:id="rId28"/>
     </p:embeddedFont>
   </p:embeddedFontLst>
   <p:defaultTextStyle>
@@ -841,6 +849,830 @@
 </p:notes>
 </file>
 
+<file path=ppt/notesSlides/notesSlide10.xml><?xml version="1.0" encoding="utf-8"?>
+<p:notes xmlns:a="http://schemas.openxmlformats.org/drawingml/2006/main" xmlns:r="http://schemas.openxmlformats.org/officeDocument/2006/relationships" xmlns:p="http://schemas.openxmlformats.org/presentationml/2006/main" showMasterSp="0" showMasterPhAnim="0">
+  <p:cSld>
+    <p:spTree>
+      <p:nvGrpSpPr>
+        <p:cNvPr id="1" name="Shape 75"/>
+        <p:cNvGrpSpPr/>
+        <p:nvPr/>
+      </p:nvGrpSpPr>
+      <p:grpSpPr>
+        <a:xfrm>
+          <a:off x="0" y="0"/>
+          <a:ext cx="0" cy="0"/>
+          <a:chOff x="0" y="0"/>
+          <a:chExt cx="0" cy="0"/>
+        </a:xfrm>
+      </p:grpSpPr>
+      <p:sp>
+        <p:nvSpPr>
+          <p:cNvPr id="76" name="Google Shape;76;g3606f1c2d_30:notes"/>
+          <p:cNvSpPr>
+            <a:spLocks noGrp="1" noRot="1" noChangeAspect="1"/>
+          </p:cNvSpPr>
+          <p:nvPr>
+            <p:ph type="sldImg" idx="2"/>
+          </p:nvPr>
+        </p:nvSpPr>
+        <p:spPr>
+          <a:xfrm>
+            <a:off x="381000" y="685800"/>
+            <a:ext cx="6096000" cy="3429000"/>
+          </a:xfrm>
+          <a:custGeom>
+            <a:avLst/>
+            <a:gdLst/>
+            <a:ahLst/>
+            <a:cxnLst/>
+            <a:rect l="l" t="t" r="r" b="b"/>
+            <a:pathLst>
+              <a:path w="120000" h="120000" extrusionOk="0">
+                <a:moveTo>
+                  <a:pt x="0" y="0"/>
+                </a:moveTo>
+                <a:lnTo>
+                  <a:pt x="120000" y="0"/>
+                </a:lnTo>
+                <a:lnTo>
+                  <a:pt x="120000" y="120000"/>
+                </a:lnTo>
+                <a:lnTo>
+                  <a:pt x="0" y="120000"/>
+                </a:lnTo>
+                <a:close/>
+              </a:path>
+            </a:pathLst>
+          </a:custGeom>
+        </p:spPr>
+      </p:sp>
+      <p:sp>
+        <p:nvSpPr>
+          <p:cNvPr id="77" name="Google Shape;77;g3606f1c2d_30:notes"/>
+          <p:cNvSpPr txBox="1">
+            <a:spLocks noGrp="1"/>
+          </p:cNvSpPr>
+          <p:nvPr>
+            <p:ph type="body" idx="1"/>
+          </p:nvPr>
+        </p:nvSpPr>
+        <p:spPr>
+          <a:xfrm>
+            <a:off x="685800" y="4343400"/>
+            <a:ext cx="5486400" cy="4114800"/>
+          </a:xfrm>
+          <a:prstGeom prst="rect">
+            <a:avLst/>
+          </a:prstGeom>
+        </p:spPr>
+        <p:txBody>
+          <a:bodyPr spcFirstLastPara="1" wrap="square" lIns="91425" tIns="91425" rIns="91425" bIns="91425" anchor="t" anchorCtr="0">
+            <a:noAutofit/>
+          </a:bodyPr>
+          <a:lstStyle/>
+          <a:p>
+            <a:pPr marL="0" lvl="0" indent="0" algn="l" rtl="0">
+              <a:spcBef>
+                <a:spcPts val="0"/>
+              </a:spcBef>
+              <a:spcAft>
+                <a:spcPts val="0"/>
+              </a:spcAft>
+              <a:buNone/>
+            </a:pPr>
+            <a:endParaRPr dirty="0"/>
+          </a:p>
+        </p:txBody>
+      </p:sp>
+    </p:spTree>
+    <p:extLst>
+      <p:ext uri="{BB962C8B-B14F-4D97-AF65-F5344CB8AC3E}">
+        <p14:creationId xmlns:p14="http://schemas.microsoft.com/office/powerpoint/2010/main" val="3440630413"/>
+      </p:ext>
+    </p:extLst>
+  </p:cSld>
+  <p:clrMapOvr>
+    <a:masterClrMapping/>
+  </p:clrMapOvr>
+</p:notes>
+</file>
+
+<file path=ppt/notesSlides/notesSlide11.xml><?xml version="1.0" encoding="utf-8"?>
+<p:notes xmlns:a="http://schemas.openxmlformats.org/drawingml/2006/main" xmlns:r="http://schemas.openxmlformats.org/officeDocument/2006/relationships" xmlns:p="http://schemas.openxmlformats.org/presentationml/2006/main" showMasterSp="0" showMasterPhAnim="0">
+  <p:cSld>
+    <p:spTree>
+      <p:nvGrpSpPr>
+        <p:cNvPr id="1" name="Shape 75"/>
+        <p:cNvGrpSpPr/>
+        <p:nvPr/>
+      </p:nvGrpSpPr>
+      <p:grpSpPr>
+        <a:xfrm>
+          <a:off x="0" y="0"/>
+          <a:ext cx="0" cy="0"/>
+          <a:chOff x="0" y="0"/>
+          <a:chExt cx="0" cy="0"/>
+        </a:xfrm>
+      </p:grpSpPr>
+      <p:sp>
+        <p:nvSpPr>
+          <p:cNvPr id="76" name="Google Shape;76;g3606f1c2d_30:notes"/>
+          <p:cNvSpPr>
+            <a:spLocks noGrp="1" noRot="1" noChangeAspect="1"/>
+          </p:cNvSpPr>
+          <p:nvPr>
+            <p:ph type="sldImg" idx="2"/>
+          </p:nvPr>
+        </p:nvSpPr>
+        <p:spPr>
+          <a:xfrm>
+            <a:off x="381000" y="685800"/>
+            <a:ext cx="6096000" cy="3429000"/>
+          </a:xfrm>
+          <a:custGeom>
+            <a:avLst/>
+            <a:gdLst/>
+            <a:ahLst/>
+            <a:cxnLst/>
+            <a:rect l="l" t="t" r="r" b="b"/>
+            <a:pathLst>
+              <a:path w="120000" h="120000" extrusionOk="0">
+                <a:moveTo>
+                  <a:pt x="0" y="0"/>
+                </a:moveTo>
+                <a:lnTo>
+                  <a:pt x="120000" y="0"/>
+                </a:lnTo>
+                <a:lnTo>
+                  <a:pt x="120000" y="120000"/>
+                </a:lnTo>
+                <a:lnTo>
+                  <a:pt x="0" y="120000"/>
+                </a:lnTo>
+                <a:close/>
+              </a:path>
+            </a:pathLst>
+          </a:custGeom>
+        </p:spPr>
+      </p:sp>
+      <p:sp>
+        <p:nvSpPr>
+          <p:cNvPr id="77" name="Google Shape;77;g3606f1c2d_30:notes"/>
+          <p:cNvSpPr txBox="1">
+            <a:spLocks noGrp="1"/>
+          </p:cNvSpPr>
+          <p:nvPr>
+            <p:ph type="body" idx="1"/>
+          </p:nvPr>
+        </p:nvSpPr>
+        <p:spPr>
+          <a:xfrm>
+            <a:off x="685800" y="4343400"/>
+            <a:ext cx="5486400" cy="4114800"/>
+          </a:xfrm>
+          <a:prstGeom prst="rect">
+            <a:avLst/>
+          </a:prstGeom>
+        </p:spPr>
+        <p:txBody>
+          <a:bodyPr spcFirstLastPara="1" wrap="square" lIns="91425" tIns="91425" rIns="91425" bIns="91425" anchor="t" anchorCtr="0">
+            <a:noAutofit/>
+          </a:bodyPr>
+          <a:lstStyle/>
+          <a:p>
+            <a:pPr marL="0" lvl="0" indent="0" algn="l" rtl="0">
+              <a:spcBef>
+                <a:spcPts val="0"/>
+              </a:spcBef>
+              <a:spcAft>
+                <a:spcPts val="0"/>
+              </a:spcAft>
+              <a:buNone/>
+            </a:pPr>
+            <a:endParaRPr dirty="0"/>
+          </a:p>
+        </p:txBody>
+      </p:sp>
+    </p:spTree>
+    <p:extLst>
+      <p:ext uri="{BB962C8B-B14F-4D97-AF65-F5344CB8AC3E}">
+        <p14:creationId xmlns:p14="http://schemas.microsoft.com/office/powerpoint/2010/main" val="1339796156"/>
+      </p:ext>
+    </p:extLst>
+  </p:cSld>
+  <p:clrMapOvr>
+    <a:masterClrMapping/>
+  </p:clrMapOvr>
+</p:notes>
+</file>
+
+<file path=ppt/notesSlides/notesSlide12.xml><?xml version="1.0" encoding="utf-8"?>
+<p:notes xmlns:a="http://schemas.openxmlformats.org/drawingml/2006/main" xmlns:r="http://schemas.openxmlformats.org/officeDocument/2006/relationships" xmlns:p="http://schemas.openxmlformats.org/presentationml/2006/main" showMasterSp="0" showMasterPhAnim="0">
+  <p:cSld>
+    <p:spTree>
+      <p:nvGrpSpPr>
+        <p:cNvPr id="1" name="Shape 75"/>
+        <p:cNvGrpSpPr/>
+        <p:nvPr/>
+      </p:nvGrpSpPr>
+      <p:grpSpPr>
+        <a:xfrm>
+          <a:off x="0" y="0"/>
+          <a:ext cx="0" cy="0"/>
+          <a:chOff x="0" y="0"/>
+          <a:chExt cx="0" cy="0"/>
+        </a:xfrm>
+      </p:grpSpPr>
+      <p:sp>
+        <p:nvSpPr>
+          <p:cNvPr id="76" name="Google Shape;76;g3606f1c2d_30:notes"/>
+          <p:cNvSpPr>
+            <a:spLocks noGrp="1" noRot="1" noChangeAspect="1"/>
+          </p:cNvSpPr>
+          <p:nvPr>
+            <p:ph type="sldImg" idx="2"/>
+          </p:nvPr>
+        </p:nvSpPr>
+        <p:spPr>
+          <a:xfrm>
+            <a:off x="381000" y="685800"/>
+            <a:ext cx="6096000" cy="3429000"/>
+          </a:xfrm>
+          <a:custGeom>
+            <a:avLst/>
+            <a:gdLst/>
+            <a:ahLst/>
+            <a:cxnLst/>
+            <a:rect l="l" t="t" r="r" b="b"/>
+            <a:pathLst>
+              <a:path w="120000" h="120000" extrusionOk="0">
+                <a:moveTo>
+                  <a:pt x="0" y="0"/>
+                </a:moveTo>
+                <a:lnTo>
+                  <a:pt x="120000" y="0"/>
+                </a:lnTo>
+                <a:lnTo>
+                  <a:pt x="120000" y="120000"/>
+                </a:lnTo>
+                <a:lnTo>
+                  <a:pt x="0" y="120000"/>
+                </a:lnTo>
+                <a:close/>
+              </a:path>
+            </a:pathLst>
+          </a:custGeom>
+        </p:spPr>
+      </p:sp>
+      <p:sp>
+        <p:nvSpPr>
+          <p:cNvPr id="77" name="Google Shape;77;g3606f1c2d_30:notes"/>
+          <p:cNvSpPr txBox="1">
+            <a:spLocks noGrp="1"/>
+          </p:cNvSpPr>
+          <p:nvPr>
+            <p:ph type="body" idx="1"/>
+          </p:nvPr>
+        </p:nvSpPr>
+        <p:spPr>
+          <a:xfrm>
+            <a:off x="685800" y="4343400"/>
+            <a:ext cx="5486400" cy="4114800"/>
+          </a:xfrm>
+          <a:prstGeom prst="rect">
+            <a:avLst/>
+          </a:prstGeom>
+        </p:spPr>
+        <p:txBody>
+          <a:bodyPr spcFirstLastPara="1" wrap="square" lIns="91425" tIns="91425" rIns="91425" bIns="91425" anchor="t" anchorCtr="0">
+            <a:noAutofit/>
+          </a:bodyPr>
+          <a:lstStyle/>
+          <a:p>
+            <a:pPr marL="0" lvl="0" indent="0" algn="l" rtl="0">
+              <a:spcBef>
+                <a:spcPts val="0"/>
+              </a:spcBef>
+              <a:spcAft>
+                <a:spcPts val="0"/>
+              </a:spcAft>
+              <a:buNone/>
+            </a:pPr>
+            <a:endParaRPr dirty="0"/>
+          </a:p>
+        </p:txBody>
+      </p:sp>
+    </p:spTree>
+    <p:extLst>
+      <p:ext uri="{BB962C8B-B14F-4D97-AF65-F5344CB8AC3E}">
+        <p14:creationId xmlns:p14="http://schemas.microsoft.com/office/powerpoint/2010/main" val="2391510305"/>
+      </p:ext>
+    </p:extLst>
+  </p:cSld>
+  <p:clrMapOvr>
+    <a:masterClrMapping/>
+  </p:clrMapOvr>
+</p:notes>
+</file>
+
+<file path=ppt/notesSlides/notesSlide13.xml><?xml version="1.0" encoding="utf-8"?>
+<p:notes xmlns:a="http://schemas.openxmlformats.org/drawingml/2006/main" xmlns:r="http://schemas.openxmlformats.org/officeDocument/2006/relationships" xmlns:p="http://schemas.openxmlformats.org/presentationml/2006/main" showMasterSp="0" showMasterPhAnim="0">
+  <p:cSld>
+    <p:spTree>
+      <p:nvGrpSpPr>
+        <p:cNvPr id="1" name="Shape 75"/>
+        <p:cNvGrpSpPr/>
+        <p:nvPr/>
+      </p:nvGrpSpPr>
+      <p:grpSpPr>
+        <a:xfrm>
+          <a:off x="0" y="0"/>
+          <a:ext cx="0" cy="0"/>
+          <a:chOff x="0" y="0"/>
+          <a:chExt cx="0" cy="0"/>
+        </a:xfrm>
+      </p:grpSpPr>
+      <p:sp>
+        <p:nvSpPr>
+          <p:cNvPr id="76" name="Google Shape;76;g3606f1c2d_30:notes"/>
+          <p:cNvSpPr>
+            <a:spLocks noGrp="1" noRot="1" noChangeAspect="1"/>
+          </p:cNvSpPr>
+          <p:nvPr>
+            <p:ph type="sldImg" idx="2"/>
+          </p:nvPr>
+        </p:nvSpPr>
+        <p:spPr>
+          <a:xfrm>
+            <a:off x="381000" y="685800"/>
+            <a:ext cx="6096000" cy="3429000"/>
+          </a:xfrm>
+          <a:custGeom>
+            <a:avLst/>
+            <a:gdLst/>
+            <a:ahLst/>
+            <a:cxnLst/>
+            <a:rect l="l" t="t" r="r" b="b"/>
+            <a:pathLst>
+              <a:path w="120000" h="120000" extrusionOk="0">
+                <a:moveTo>
+                  <a:pt x="0" y="0"/>
+                </a:moveTo>
+                <a:lnTo>
+                  <a:pt x="120000" y="0"/>
+                </a:lnTo>
+                <a:lnTo>
+                  <a:pt x="120000" y="120000"/>
+                </a:lnTo>
+                <a:lnTo>
+                  <a:pt x="0" y="120000"/>
+                </a:lnTo>
+                <a:close/>
+              </a:path>
+            </a:pathLst>
+          </a:custGeom>
+        </p:spPr>
+      </p:sp>
+      <p:sp>
+        <p:nvSpPr>
+          <p:cNvPr id="77" name="Google Shape;77;g3606f1c2d_30:notes"/>
+          <p:cNvSpPr txBox="1">
+            <a:spLocks noGrp="1"/>
+          </p:cNvSpPr>
+          <p:nvPr>
+            <p:ph type="body" idx="1"/>
+          </p:nvPr>
+        </p:nvSpPr>
+        <p:spPr>
+          <a:xfrm>
+            <a:off x="685800" y="4343400"/>
+            <a:ext cx="5486400" cy="4114800"/>
+          </a:xfrm>
+          <a:prstGeom prst="rect">
+            <a:avLst/>
+          </a:prstGeom>
+        </p:spPr>
+        <p:txBody>
+          <a:bodyPr spcFirstLastPara="1" wrap="square" lIns="91425" tIns="91425" rIns="91425" bIns="91425" anchor="t" anchorCtr="0">
+            <a:noAutofit/>
+          </a:bodyPr>
+          <a:lstStyle/>
+          <a:p>
+            <a:pPr marL="0" lvl="0" indent="0" algn="l" rtl="0">
+              <a:spcBef>
+                <a:spcPts val="0"/>
+              </a:spcBef>
+              <a:spcAft>
+                <a:spcPts val="0"/>
+              </a:spcAft>
+              <a:buNone/>
+            </a:pPr>
+            <a:endParaRPr dirty="0"/>
+          </a:p>
+        </p:txBody>
+      </p:sp>
+    </p:spTree>
+    <p:extLst>
+      <p:ext uri="{BB962C8B-B14F-4D97-AF65-F5344CB8AC3E}">
+        <p14:creationId xmlns:p14="http://schemas.microsoft.com/office/powerpoint/2010/main" val="1737818409"/>
+      </p:ext>
+    </p:extLst>
+  </p:cSld>
+  <p:clrMapOvr>
+    <a:masterClrMapping/>
+  </p:clrMapOvr>
+</p:notes>
+</file>
+
+<file path=ppt/notesSlides/notesSlide14.xml><?xml version="1.0" encoding="utf-8"?>
+<p:notes xmlns:a="http://schemas.openxmlformats.org/drawingml/2006/main" xmlns:r="http://schemas.openxmlformats.org/officeDocument/2006/relationships" xmlns:p="http://schemas.openxmlformats.org/presentationml/2006/main" showMasterSp="0" showMasterPhAnim="0">
+  <p:cSld>
+    <p:spTree>
+      <p:nvGrpSpPr>
+        <p:cNvPr id="1" name="Shape 75"/>
+        <p:cNvGrpSpPr/>
+        <p:nvPr/>
+      </p:nvGrpSpPr>
+      <p:grpSpPr>
+        <a:xfrm>
+          <a:off x="0" y="0"/>
+          <a:ext cx="0" cy="0"/>
+          <a:chOff x="0" y="0"/>
+          <a:chExt cx="0" cy="0"/>
+        </a:xfrm>
+      </p:grpSpPr>
+      <p:sp>
+        <p:nvSpPr>
+          <p:cNvPr id="76" name="Google Shape;76;g3606f1c2d_30:notes"/>
+          <p:cNvSpPr>
+            <a:spLocks noGrp="1" noRot="1" noChangeAspect="1"/>
+          </p:cNvSpPr>
+          <p:nvPr>
+            <p:ph type="sldImg" idx="2"/>
+          </p:nvPr>
+        </p:nvSpPr>
+        <p:spPr>
+          <a:xfrm>
+            <a:off x="381000" y="685800"/>
+            <a:ext cx="6096000" cy="3429000"/>
+          </a:xfrm>
+          <a:custGeom>
+            <a:avLst/>
+            <a:gdLst/>
+            <a:ahLst/>
+            <a:cxnLst/>
+            <a:rect l="l" t="t" r="r" b="b"/>
+            <a:pathLst>
+              <a:path w="120000" h="120000" extrusionOk="0">
+                <a:moveTo>
+                  <a:pt x="0" y="0"/>
+                </a:moveTo>
+                <a:lnTo>
+                  <a:pt x="120000" y="0"/>
+                </a:lnTo>
+                <a:lnTo>
+                  <a:pt x="120000" y="120000"/>
+                </a:lnTo>
+                <a:lnTo>
+                  <a:pt x="0" y="120000"/>
+                </a:lnTo>
+                <a:close/>
+              </a:path>
+            </a:pathLst>
+          </a:custGeom>
+        </p:spPr>
+      </p:sp>
+      <p:sp>
+        <p:nvSpPr>
+          <p:cNvPr id="77" name="Google Shape;77;g3606f1c2d_30:notes"/>
+          <p:cNvSpPr txBox="1">
+            <a:spLocks noGrp="1"/>
+          </p:cNvSpPr>
+          <p:nvPr>
+            <p:ph type="body" idx="1"/>
+          </p:nvPr>
+        </p:nvSpPr>
+        <p:spPr>
+          <a:xfrm>
+            <a:off x="685800" y="4343400"/>
+            <a:ext cx="5486400" cy="4114800"/>
+          </a:xfrm>
+          <a:prstGeom prst="rect">
+            <a:avLst/>
+          </a:prstGeom>
+        </p:spPr>
+        <p:txBody>
+          <a:bodyPr spcFirstLastPara="1" wrap="square" lIns="91425" tIns="91425" rIns="91425" bIns="91425" anchor="t" anchorCtr="0">
+            <a:noAutofit/>
+          </a:bodyPr>
+          <a:lstStyle/>
+          <a:p>
+            <a:pPr marL="0" lvl="0" indent="0" algn="l" rtl="0">
+              <a:spcBef>
+                <a:spcPts val="0"/>
+              </a:spcBef>
+              <a:spcAft>
+                <a:spcPts val="0"/>
+              </a:spcAft>
+              <a:buNone/>
+            </a:pPr>
+            <a:endParaRPr dirty="0"/>
+          </a:p>
+        </p:txBody>
+      </p:sp>
+    </p:spTree>
+    <p:extLst>
+      <p:ext uri="{BB962C8B-B14F-4D97-AF65-F5344CB8AC3E}">
+        <p14:creationId xmlns:p14="http://schemas.microsoft.com/office/powerpoint/2010/main" val="1631974260"/>
+      </p:ext>
+    </p:extLst>
+  </p:cSld>
+  <p:clrMapOvr>
+    <a:masterClrMapping/>
+  </p:clrMapOvr>
+</p:notes>
+</file>
+
+<file path=ppt/notesSlides/notesSlide15.xml><?xml version="1.0" encoding="utf-8"?>
+<p:notes xmlns:a="http://schemas.openxmlformats.org/drawingml/2006/main" xmlns:r="http://schemas.openxmlformats.org/officeDocument/2006/relationships" xmlns:p="http://schemas.openxmlformats.org/presentationml/2006/main" showMasterSp="0" showMasterPhAnim="0">
+  <p:cSld>
+    <p:spTree>
+      <p:nvGrpSpPr>
+        <p:cNvPr id="1" name="Shape 75"/>
+        <p:cNvGrpSpPr/>
+        <p:nvPr/>
+      </p:nvGrpSpPr>
+      <p:grpSpPr>
+        <a:xfrm>
+          <a:off x="0" y="0"/>
+          <a:ext cx="0" cy="0"/>
+          <a:chOff x="0" y="0"/>
+          <a:chExt cx="0" cy="0"/>
+        </a:xfrm>
+      </p:grpSpPr>
+      <p:sp>
+        <p:nvSpPr>
+          <p:cNvPr id="76" name="Google Shape;76;g3606f1c2d_30:notes"/>
+          <p:cNvSpPr>
+            <a:spLocks noGrp="1" noRot="1" noChangeAspect="1"/>
+          </p:cNvSpPr>
+          <p:nvPr>
+            <p:ph type="sldImg" idx="2"/>
+          </p:nvPr>
+        </p:nvSpPr>
+        <p:spPr>
+          <a:xfrm>
+            <a:off x="381000" y="685800"/>
+            <a:ext cx="6096000" cy="3429000"/>
+          </a:xfrm>
+          <a:custGeom>
+            <a:avLst/>
+            <a:gdLst/>
+            <a:ahLst/>
+            <a:cxnLst/>
+            <a:rect l="l" t="t" r="r" b="b"/>
+            <a:pathLst>
+              <a:path w="120000" h="120000" extrusionOk="0">
+                <a:moveTo>
+                  <a:pt x="0" y="0"/>
+                </a:moveTo>
+                <a:lnTo>
+                  <a:pt x="120000" y="0"/>
+                </a:lnTo>
+                <a:lnTo>
+                  <a:pt x="120000" y="120000"/>
+                </a:lnTo>
+                <a:lnTo>
+                  <a:pt x="0" y="120000"/>
+                </a:lnTo>
+                <a:close/>
+              </a:path>
+            </a:pathLst>
+          </a:custGeom>
+        </p:spPr>
+      </p:sp>
+      <p:sp>
+        <p:nvSpPr>
+          <p:cNvPr id="77" name="Google Shape;77;g3606f1c2d_30:notes"/>
+          <p:cNvSpPr txBox="1">
+            <a:spLocks noGrp="1"/>
+          </p:cNvSpPr>
+          <p:nvPr>
+            <p:ph type="body" idx="1"/>
+          </p:nvPr>
+        </p:nvSpPr>
+        <p:spPr>
+          <a:xfrm>
+            <a:off x="685800" y="4343400"/>
+            <a:ext cx="5486400" cy="4114800"/>
+          </a:xfrm>
+          <a:prstGeom prst="rect">
+            <a:avLst/>
+          </a:prstGeom>
+        </p:spPr>
+        <p:txBody>
+          <a:bodyPr spcFirstLastPara="1" wrap="square" lIns="91425" tIns="91425" rIns="91425" bIns="91425" anchor="t" anchorCtr="0">
+            <a:noAutofit/>
+          </a:bodyPr>
+          <a:lstStyle/>
+          <a:p>
+            <a:pPr marL="0" lvl="0" indent="0" algn="l" rtl="0">
+              <a:spcBef>
+                <a:spcPts val="0"/>
+              </a:spcBef>
+              <a:spcAft>
+                <a:spcPts val="0"/>
+              </a:spcAft>
+              <a:buNone/>
+            </a:pPr>
+            <a:endParaRPr dirty="0"/>
+          </a:p>
+        </p:txBody>
+      </p:sp>
+    </p:spTree>
+    <p:extLst>
+      <p:ext uri="{BB962C8B-B14F-4D97-AF65-F5344CB8AC3E}">
+        <p14:creationId xmlns:p14="http://schemas.microsoft.com/office/powerpoint/2010/main" val="3132465075"/>
+      </p:ext>
+    </p:extLst>
+  </p:cSld>
+  <p:clrMapOvr>
+    <a:masterClrMapping/>
+  </p:clrMapOvr>
+</p:notes>
+</file>
+
+<file path=ppt/notesSlides/notesSlide16.xml><?xml version="1.0" encoding="utf-8"?>
+<p:notes xmlns:a="http://schemas.openxmlformats.org/drawingml/2006/main" xmlns:r="http://schemas.openxmlformats.org/officeDocument/2006/relationships" xmlns:p="http://schemas.openxmlformats.org/presentationml/2006/main">
+  <p:cSld>
+    <p:spTree>
+      <p:nvGrpSpPr>
+        <p:cNvPr id="1" name=""/>
+        <p:cNvGrpSpPr/>
+        <p:nvPr/>
+      </p:nvGrpSpPr>
+      <p:grpSpPr>
+        <a:xfrm>
+          <a:off x="0" y="0"/>
+          <a:ext cx="0" cy="0"/>
+          <a:chOff x="0" y="0"/>
+          <a:chExt cx="0" cy="0"/>
+        </a:xfrm>
+      </p:grpSpPr>
+      <p:sp>
+        <p:nvSpPr>
+          <p:cNvPr id="2" name="Espaço Reservado para Imagem de Slide 1"/>
+          <p:cNvSpPr>
+            <a:spLocks noGrp="1" noRot="1" noChangeAspect="1"/>
+          </p:cNvSpPr>
+          <p:nvPr>
+            <p:ph type="sldImg"/>
+          </p:nvPr>
+        </p:nvSpPr>
+        <p:spPr>
+          <a:xfrm>
+            <a:off x="381000" y="685800"/>
+            <a:ext cx="6096000" cy="3429000"/>
+          </a:xfrm>
+        </p:spPr>
+      </p:sp>
+      <p:sp>
+        <p:nvSpPr>
+          <p:cNvPr id="3" name="Espaço Reservado para Anotações 2"/>
+          <p:cNvSpPr>
+            <a:spLocks noGrp="1"/>
+          </p:cNvSpPr>
+          <p:nvPr>
+            <p:ph type="body" idx="1"/>
+          </p:nvPr>
+        </p:nvSpPr>
+        <p:spPr/>
+        <p:txBody>
+          <a:bodyPr/>
+          <a:lstStyle/>
+          <a:p>
+            <a:endParaRPr lang="pt-PT" dirty="0"/>
+          </a:p>
+        </p:txBody>
+      </p:sp>
+    </p:spTree>
+    <p:extLst>
+      <p:ext uri="{BB962C8B-B14F-4D97-AF65-F5344CB8AC3E}">
+        <p14:creationId xmlns:p14="http://schemas.microsoft.com/office/powerpoint/2010/main" val="1991099601"/>
+      </p:ext>
+    </p:extLst>
+  </p:cSld>
+  <p:clrMapOvr>
+    <a:masterClrMapping/>
+  </p:clrMapOvr>
+</p:notes>
+</file>
+
+<file path=ppt/notesSlides/notesSlide17.xml><?xml version="1.0" encoding="utf-8"?>
+<p:notes xmlns:a="http://schemas.openxmlformats.org/drawingml/2006/main" xmlns:r="http://schemas.openxmlformats.org/officeDocument/2006/relationships" xmlns:p="http://schemas.openxmlformats.org/presentationml/2006/main" showMasterSp="0" showMasterPhAnim="0">
+  <p:cSld>
+    <p:spTree>
+      <p:nvGrpSpPr>
+        <p:cNvPr id="1" name="Shape 84"/>
+        <p:cNvGrpSpPr/>
+        <p:nvPr/>
+      </p:nvGrpSpPr>
+      <p:grpSpPr>
+        <a:xfrm>
+          <a:off x="0" y="0"/>
+          <a:ext cx="0" cy="0"/>
+          <a:chOff x="0" y="0"/>
+          <a:chExt cx="0" cy="0"/>
+        </a:xfrm>
+      </p:grpSpPr>
+      <p:sp>
+        <p:nvSpPr>
+          <p:cNvPr id="85" name="Google Shape;85;g35f391192_04:notes"/>
+          <p:cNvSpPr>
+            <a:spLocks noGrp="1" noRot="1" noChangeAspect="1"/>
+          </p:cNvSpPr>
+          <p:nvPr>
+            <p:ph type="sldImg" idx="2"/>
+          </p:nvPr>
+        </p:nvSpPr>
+        <p:spPr>
+          <a:xfrm>
+            <a:off x="381000" y="685800"/>
+            <a:ext cx="6096000" cy="3429000"/>
+          </a:xfrm>
+          <a:custGeom>
+            <a:avLst/>
+            <a:gdLst/>
+            <a:ahLst/>
+            <a:cxnLst/>
+            <a:rect l="l" t="t" r="r" b="b"/>
+            <a:pathLst>
+              <a:path w="120000" h="120000" extrusionOk="0">
+                <a:moveTo>
+                  <a:pt x="0" y="0"/>
+                </a:moveTo>
+                <a:lnTo>
+                  <a:pt x="120000" y="0"/>
+                </a:lnTo>
+                <a:lnTo>
+                  <a:pt x="120000" y="120000"/>
+                </a:lnTo>
+                <a:lnTo>
+                  <a:pt x="0" y="120000"/>
+                </a:lnTo>
+                <a:close/>
+              </a:path>
+            </a:pathLst>
+          </a:custGeom>
+        </p:spPr>
+      </p:sp>
+      <p:sp>
+        <p:nvSpPr>
+          <p:cNvPr id="86" name="Google Shape;86;g35f391192_04:notes"/>
+          <p:cNvSpPr txBox="1">
+            <a:spLocks noGrp="1"/>
+          </p:cNvSpPr>
+          <p:nvPr>
+            <p:ph type="body" idx="1"/>
+          </p:nvPr>
+        </p:nvSpPr>
+        <p:spPr>
+          <a:xfrm>
+            <a:off x="685800" y="4343400"/>
+            <a:ext cx="5486400" cy="4114800"/>
+          </a:xfrm>
+          <a:prstGeom prst="rect">
+            <a:avLst/>
+          </a:prstGeom>
+        </p:spPr>
+        <p:txBody>
+          <a:bodyPr spcFirstLastPara="1" wrap="square" lIns="91425" tIns="91425" rIns="91425" bIns="91425" anchor="t" anchorCtr="0">
+            <a:noAutofit/>
+          </a:bodyPr>
+          <a:lstStyle/>
+          <a:p>
+            <a:pPr marL="0" lvl="0" indent="0" algn="l" rtl="0">
+              <a:spcBef>
+                <a:spcPts val="0"/>
+              </a:spcBef>
+              <a:spcAft>
+                <a:spcPts val="0"/>
+              </a:spcAft>
+              <a:buNone/>
+            </a:pPr>
+            <a:endParaRPr/>
+          </a:p>
+        </p:txBody>
+      </p:sp>
+    </p:spTree>
+  </p:cSld>
+  <p:clrMapOvr>
+    <a:masterClrMapping/>
+  </p:clrMapOvr>
+</p:notes>
+</file>
+
 <file path=ppt/notesSlides/notesSlide2.xml><?xml version="1.0" encoding="utf-8"?>
 <p:notes xmlns:a="http://schemas.openxmlformats.org/drawingml/2006/main" xmlns:r="http://schemas.openxmlformats.org/officeDocument/2006/relationships" xmlns:p="http://schemas.openxmlformats.org/presentationml/2006/main" showMasterSp="0" showMasterPhAnim="0">
   <p:cSld>
@@ -1589,7 +2421,7 @@
   <p:cSld>
     <p:spTree>
       <p:nvGrpSpPr>
-        <p:cNvPr id="1" name="Shape 84"/>
+        <p:cNvPr id="1" name="Shape 75"/>
         <p:cNvGrpSpPr/>
         <p:nvPr/>
       </p:nvGrpSpPr>
@@ -1603,7 +2435,7 @@
       </p:grpSpPr>
       <p:sp>
         <p:nvSpPr>
-          <p:cNvPr id="85" name="Google Shape;85;g35f391192_04:notes"/>
+          <p:cNvPr id="76" name="Google Shape;76;g3606f1c2d_30:notes"/>
           <p:cNvSpPr>
             <a:spLocks noGrp="1" noRot="1" noChangeAspect="1"/>
           </p:cNvSpPr>
@@ -1644,7 +2476,7 @@
       </p:sp>
       <p:sp>
         <p:nvSpPr>
-          <p:cNvPr id="86" name="Google Shape;86;g35f391192_04:notes"/>
+          <p:cNvPr id="77" name="Google Shape;77;g3606f1c2d_30:notes"/>
           <p:cNvSpPr txBox="1">
             <a:spLocks noGrp="1"/>
           </p:cNvSpPr>
@@ -1676,11 +2508,16 @@
               </a:spcAft>
               <a:buNone/>
             </a:pPr>
-            <a:endParaRPr/>
+            <a:endParaRPr dirty="0"/>
           </a:p>
         </p:txBody>
       </p:sp>
     </p:spTree>
+    <p:extLst>
+      <p:ext uri="{BB962C8B-B14F-4D97-AF65-F5344CB8AC3E}">
+        <p14:creationId xmlns:p14="http://schemas.microsoft.com/office/powerpoint/2010/main" val="312898532"/>
+      </p:ext>
+    </p:extLst>
   </p:cSld>
   <p:clrMapOvr>
     <a:masterClrMapping/>
@@ -4331,7 +5168,33 @@
                 <a:ea typeface="Segoe UI Black" pitchFamily="34" charset="0"/>
                 <a:cs typeface="Segoe UI Light" pitchFamily="34" charset="0"/>
               </a:rPr>
-              <a:t>SISTEMA WEB PARA AJUDAR NA ORIENTAÇÃO VOCACIONAL E PROFISSIONAL DOS ESTUDANTES DO ENSINO MÉDIO DE LUANDA </a:t>
+              <a:t>SISTEMA WEB PARA AJUDAR NA ORIENTAÇÃO VOCACIONAL </a:t>
+            </a:r>
+            <a:r>
+              <a:rPr lang="pt-PT" sz="2000" b="1" dirty="0" smtClean="0">
+                <a:solidFill>
+                  <a:schemeClr val="tx1">
+                    <a:lumMod val="50000"/>
+                  </a:schemeClr>
+                </a:solidFill>
+                <a:latin typeface="Segoe UI Black" pitchFamily="34" charset="0"/>
+                <a:ea typeface="Segoe UI Black" pitchFamily="34" charset="0"/>
+                <a:cs typeface="Segoe UI Light" pitchFamily="34" charset="0"/>
+              </a:rPr>
+              <a:t>- PROFISSIONAL </a:t>
+            </a:r>
+            <a:r>
+              <a:rPr lang="pt-PT" sz="2000" b="1" dirty="0" smtClean="0">
+                <a:solidFill>
+                  <a:schemeClr val="tx1">
+                    <a:lumMod val="50000"/>
+                  </a:schemeClr>
+                </a:solidFill>
+                <a:latin typeface="Segoe UI Black" pitchFamily="34" charset="0"/>
+                <a:ea typeface="Segoe UI Black" pitchFamily="34" charset="0"/>
+                <a:cs typeface="Segoe UI Light" pitchFamily="34" charset="0"/>
+              </a:rPr>
+              <a:t>DOS ESTUDANTES DO ENSINO MÉDIO DE LUANDA </a:t>
             </a:r>
             <a:endParaRPr lang="pt-PT" sz="2000" b="1" dirty="0">
               <a:solidFill>
@@ -4444,6 +5307,5938 @@
 </p:sld>
 </file>
 
+<file path=ppt/slides/slide10.xml><?xml version="1.0" encoding="utf-8"?>
+<p:sld xmlns:a="http://schemas.openxmlformats.org/drawingml/2006/main" xmlns:r="http://schemas.openxmlformats.org/officeDocument/2006/relationships" xmlns:p="http://schemas.openxmlformats.org/presentationml/2006/main">
+  <p:cSld>
+    <p:spTree>
+      <p:nvGrpSpPr>
+        <p:cNvPr id="1" name="Shape 78"/>
+        <p:cNvGrpSpPr/>
+        <p:nvPr/>
+      </p:nvGrpSpPr>
+      <p:grpSpPr>
+        <a:xfrm>
+          <a:off x="0" y="0"/>
+          <a:ext cx="0" cy="0"/>
+          <a:chOff x="0" y="0"/>
+          <a:chExt cx="0" cy="0"/>
+        </a:xfrm>
+      </p:grpSpPr>
+      <p:sp>
+        <p:nvSpPr>
+          <p:cNvPr id="83" name="Google Shape;83;p13"/>
+          <p:cNvSpPr txBox="1">
+            <a:spLocks noGrp="1"/>
+          </p:cNvSpPr>
+          <p:nvPr>
+            <p:ph type="sldNum" idx="12"/>
+          </p:nvPr>
+        </p:nvSpPr>
+        <p:spPr>
+          <a:xfrm>
+            <a:off x="4297659" y="510251"/>
+            <a:ext cx="548700" cy="393600"/>
+          </a:xfrm>
+          <a:prstGeom prst="rect">
+            <a:avLst/>
+          </a:prstGeom>
+        </p:spPr>
+        <p:txBody>
+          <a:bodyPr spcFirstLastPara="1" wrap="square" lIns="91425" tIns="91425" rIns="91425" bIns="91425" anchor="ctr" anchorCtr="0">
+            <a:noAutofit/>
+          </a:bodyPr>
+          <a:lstStyle/>
+          <a:p>
+            <a:pPr marL="0" lvl="0" indent="0" algn="ctr" rtl="0">
+              <a:spcBef>
+                <a:spcPts val="0"/>
+              </a:spcBef>
+              <a:spcAft>
+                <a:spcPts val="0"/>
+              </a:spcAft>
+              <a:buNone/>
+            </a:pPr>
+            <a:fld id="{00000000-1234-1234-1234-123412341234}" type="slidenum">
+              <a:rPr lang="en" smtClean="0"/>
+              <a:t>10</a:t>
+            </a:fld>
+            <a:endParaRPr dirty="0"/>
+          </a:p>
+        </p:txBody>
+      </p:sp>
+      <p:sp>
+        <p:nvSpPr>
+          <p:cNvPr id="7" name="Google Shape;71;p12"/>
+          <p:cNvSpPr txBox="1">
+            <a:spLocks/>
+          </p:cNvSpPr>
+          <p:nvPr/>
+        </p:nvSpPr>
+        <p:spPr>
+          <a:xfrm>
+            <a:off x="258977" y="2109603"/>
+            <a:ext cx="3456384" cy="473704"/>
+          </a:xfrm>
+          <a:prstGeom prst="rect">
+            <a:avLst/>
+          </a:prstGeom>
+          <a:noFill/>
+          <a:ln>
+            <a:noFill/>
+          </a:ln>
+        </p:spPr>
+        <p:txBody>
+          <a:bodyPr spcFirstLastPara="1" wrap="square" lIns="91425" tIns="91425" rIns="91425" bIns="91425" anchor="ctr" anchorCtr="0">
+            <a:noAutofit/>
+          </a:bodyPr>
+          <a:lstStyle>
+            <a:defPPr marR="0" lvl="0" algn="l" rtl="0">
+              <a:lnSpc>
+                <a:spcPct val="100000"/>
+              </a:lnSpc>
+              <a:spcBef>
+                <a:spcPts val="0"/>
+              </a:spcBef>
+              <a:spcAft>
+                <a:spcPts val="0"/>
+              </a:spcAft>
+            </a:defPPr>
+            <a:lvl1pPr marR="0" lvl="0" algn="ctr" rtl="0">
+              <a:lnSpc>
+                <a:spcPct val="100000"/>
+              </a:lnSpc>
+              <a:spcBef>
+                <a:spcPts val="0"/>
+              </a:spcBef>
+              <a:spcAft>
+                <a:spcPts val="0"/>
+              </a:spcAft>
+              <a:buClr>
+                <a:schemeClr val="lt1"/>
+              </a:buClr>
+              <a:buSzPts val="1800"/>
+              <a:buFont typeface="Vidaloka"/>
+              <a:buNone/>
+              <a:defRPr sz="1800" b="0" i="0" u="none" strike="noStrike" cap="none">
+                <a:solidFill>
+                  <a:schemeClr val="lt1"/>
+                </a:solidFill>
+                <a:latin typeface="Vidaloka"/>
+                <a:ea typeface="Vidaloka"/>
+                <a:cs typeface="Vidaloka"/>
+                <a:sym typeface="Vidaloka"/>
+              </a:defRPr>
+            </a:lvl1pPr>
+            <a:lvl2pPr marR="0" lvl="1" algn="ctr" rtl="0">
+              <a:lnSpc>
+                <a:spcPct val="100000"/>
+              </a:lnSpc>
+              <a:spcBef>
+                <a:spcPts val="0"/>
+              </a:spcBef>
+              <a:spcAft>
+                <a:spcPts val="0"/>
+              </a:spcAft>
+              <a:buClr>
+                <a:schemeClr val="lt1"/>
+              </a:buClr>
+              <a:buSzPts val="1800"/>
+              <a:buFont typeface="Vidaloka"/>
+              <a:buNone/>
+              <a:defRPr sz="1800" b="0" i="0" u="none" strike="noStrike" cap="none">
+                <a:solidFill>
+                  <a:schemeClr val="lt1"/>
+                </a:solidFill>
+                <a:latin typeface="Vidaloka"/>
+                <a:ea typeface="Vidaloka"/>
+                <a:cs typeface="Vidaloka"/>
+                <a:sym typeface="Vidaloka"/>
+              </a:defRPr>
+            </a:lvl2pPr>
+            <a:lvl3pPr marR="0" lvl="2" algn="ctr" rtl="0">
+              <a:lnSpc>
+                <a:spcPct val="100000"/>
+              </a:lnSpc>
+              <a:spcBef>
+                <a:spcPts val="0"/>
+              </a:spcBef>
+              <a:spcAft>
+                <a:spcPts val="0"/>
+              </a:spcAft>
+              <a:buClr>
+                <a:schemeClr val="lt1"/>
+              </a:buClr>
+              <a:buSzPts val="1800"/>
+              <a:buFont typeface="Vidaloka"/>
+              <a:buNone/>
+              <a:defRPr sz="1800" b="0" i="0" u="none" strike="noStrike" cap="none">
+                <a:solidFill>
+                  <a:schemeClr val="lt1"/>
+                </a:solidFill>
+                <a:latin typeface="Vidaloka"/>
+                <a:ea typeface="Vidaloka"/>
+                <a:cs typeface="Vidaloka"/>
+                <a:sym typeface="Vidaloka"/>
+              </a:defRPr>
+            </a:lvl3pPr>
+            <a:lvl4pPr marR="0" lvl="3" algn="ctr" rtl="0">
+              <a:lnSpc>
+                <a:spcPct val="100000"/>
+              </a:lnSpc>
+              <a:spcBef>
+                <a:spcPts val="0"/>
+              </a:spcBef>
+              <a:spcAft>
+                <a:spcPts val="0"/>
+              </a:spcAft>
+              <a:buClr>
+                <a:schemeClr val="lt1"/>
+              </a:buClr>
+              <a:buSzPts val="1800"/>
+              <a:buFont typeface="Vidaloka"/>
+              <a:buNone/>
+              <a:defRPr sz="1800" b="0" i="0" u="none" strike="noStrike" cap="none">
+                <a:solidFill>
+                  <a:schemeClr val="lt1"/>
+                </a:solidFill>
+                <a:latin typeface="Vidaloka"/>
+                <a:ea typeface="Vidaloka"/>
+                <a:cs typeface="Vidaloka"/>
+                <a:sym typeface="Vidaloka"/>
+              </a:defRPr>
+            </a:lvl4pPr>
+            <a:lvl5pPr marR="0" lvl="4" algn="ctr" rtl="0">
+              <a:lnSpc>
+                <a:spcPct val="100000"/>
+              </a:lnSpc>
+              <a:spcBef>
+                <a:spcPts val="0"/>
+              </a:spcBef>
+              <a:spcAft>
+                <a:spcPts val="0"/>
+              </a:spcAft>
+              <a:buClr>
+                <a:schemeClr val="lt1"/>
+              </a:buClr>
+              <a:buSzPts val="1800"/>
+              <a:buFont typeface="Vidaloka"/>
+              <a:buNone/>
+              <a:defRPr sz="1800" b="0" i="0" u="none" strike="noStrike" cap="none">
+                <a:solidFill>
+                  <a:schemeClr val="lt1"/>
+                </a:solidFill>
+                <a:latin typeface="Vidaloka"/>
+                <a:ea typeface="Vidaloka"/>
+                <a:cs typeface="Vidaloka"/>
+                <a:sym typeface="Vidaloka"/>
+              </a:defRPr>
+            </a:lvl5pPr>
+            <a:lvl6pPr marR="0" lvl="5" algn="ctr" rtl="0">
+              <a:lnSpc>
+                <a:spcPct val="100000"/>
+              </a:lnSpc>
+              <a:spcBef>
+                <a:spcPts val="0"/>
+              </a:spcBef>
+              <a:spcAft>
+                <a:spcPts val="0"/>
+              </a:spcAft>
+              <a:buClr>
+                <a:schemeClr val="lt1"/>
+              </a:buClr>
+              <a:buSzPts val="1800"/>
+              <a:buFont typeface="Vidaloka"/>
+              <a:buNone/>
+              <a:defRPr sz="1800" b="0" i="0" u="none" strike="noStrike" cap="none">
+                <a:solidFill>
+                  <a:schemeClr val="lt1"/>
+                </a:solidFill>
+                <a:latin typeface="Vidaloka"/>
+                <a:ea typeface="Vidaloka"/>
+                <a:cs typeface="Vidaloka"/>
+                <a:sym typeface="Vidaloka"/>
+              </a:defRPr>
+            </a:lvl6pPr>
+            <a:lvl7pPr marR="0" lvl="6" algn="ctr" rtl="0">
+              <a:lnSpc>
+                <a:spcPct val="100000"/>
+              </a:lnSpc>
+              <a:spcBef>
+                <a:spcPts val="0"/>
+              </a:spcBef>
+              <a:spcAft>
+                <a:spcPts val="0"/>
+              </a:spcAft>
+              <a:buClr>
+                <a:schemeClr val="lt1"/>
+              </a:buClr>
+              <a:buSzPts val="1800"/>
+              <a:buFont typeface="Vidaloka"/>
+              <a:buNone/>
+              <a:defRPr sz="1800" b="0" i="0" u="none" strike="noStrike" cap="none">
+                <a:solidFill>
+                  <a:schemeClr val="lt1"/>
+                </a:solidFill>
+                <a:latin typeface="Vidaloka"/>
+                <a:ea typeface="Vidaloka"/>
+                <a:cs typeface="Vidaloka"/>
+                <a:sym typeface="Vidaloka"/>
+              </a:defRPr>
+            </a:lvl7pPr>
+            <a:lvl8pPr marR="0" lvl="7" algn="ctr" rtl="0">
+              <a:lnSpc>
+                <a:spcPct val="100000"/>
+              </a:lnSpc>
+              <a:spcBef>
+                <a:spcPts val="0"/>
+              </a:spcBef>
+              <a:spcAft>
+                <a:spcPts val="0"/>
+              </a:spcAft>
+              <a:buClr>
+                <a:schemeClr val="lt1"/>
+              </a:buClr>
+              <a:buSzPts val="1800"/>
+              <a:buFont typeface="Vidaloka"/>
+              <a:buNone/>
+              <a:defRPr sz="1800" b="0" i="0" u="none" strike="noStrike" cap="none">
+                <a:solidFill>
+                  <a:schemeClr val="lt1"/>
+                </a:solidFill>
+                <a:latin typeface="Vidaloka"/>
+                <a:ea typeface="Vidaloka"/>
+                <a:cs typeface="Vidaloka"/>
+                <a:sym typeface="Vidaloka"/>
+              </a:defRPr>
+            </a:lvl8pPr>
+            <a:lvl9pPr marR="0" lvl="8" algn="ctr" rtl="0">
+              <a:lnSpc>
+                <a:spcPct val="100000"/>
+              </a:lnSpc>
+              <a:spcBef>
+                <a:spcPts val="0"/>
+              </a:spcBef>
+              <a:spcAft>
+                <a:spcPts val="0"/>
+              </a:spcAft>
+              <a:buClr>
+                <a:schemeClr val="lt1"/>
+              </a:buClr>
+              <a:buSzPts val="1800"/>
+              <a:buFont typeface="Vidaloka"/>
+              <a:buNone/>
+              <a:defRPr sz="1800" b="0" i="0" u="none" strike="noStrike" cap="none">
+                <a:solidFill>
+                  <a:schemeClr val="lt1"/>
+                </a:solidFill>
+                <a:latin typeface="Vidaloka"/>
+                <a:ea typeface="Vidaloka"/>
+                <a:cs typeface="Vidaloka"/>
+                <a:sym typeface="Vidaloka"/>
+              </a:defRPr>
+            </a:lvl9pPr>
+          </a:lstStyle>
+          <a:p>
+            <a:r>
+              <a:rPr lang="pt-PT" sz="2000" b="1" dirty="0">
+                <a:solidFill>
+                  <a:schemeClr val="tx1">
+                    <a:lumMod val="50000"/>
+                  </a:schemeClr>
+                </a:solidFill>
+                <a:latin typeface="Segoe UI Black" pitchFamily="34" charset="0"/>
+                <a:ea typeface="Segoe UI Black" pitchFamily="34" charset="0"/>
+                <a:cs typeface="Segoe UI Light" pitchFamily="34" charset="0"/>
+              </a:rPr>
+              <a:t>Objectivos da orientação</a:t>
+            </a:r>
+            <a:endParaRPr lang="pt-PT" sz="2000" b="1" dirty="0">
+              <a:solidFill>
+                <a:schemeClr val="tx1">
+                  <a:lumMod val="50000"/>
+                </a:schemeClr>
+              </a:solidFill>
+              <a:latin typeface="Segoe UI Black" pitchFamily="34" charset="0"/>
+              <a:ea typeface="Segoe UI Black" pitchFamily="34" charset="0"/>
+              <a:cs typeface="Segoe UI Light" pitchFamily="34" charset="0"/>
+            </a:endParaRPr>
+          </a:p>
+        </p:txBody>
+      </p:sp>
+      <p:sp>
+        <p:nvSpPr>
+          <p:cNvPr id="2" name="Chave Esquerda 1"/>
+          <p:cNvSpPr/>
+          <p:nvPr/>
+        </p:nvSpPr>
+        <p:spPr>
+          <a:xfrm>
+            <a:off x="3563888" y="510251"/>
+            <a:ext cx="576064" cy="3672408"/>
+          </a:xfrm>
+          <a:prstGeom prst="leftBrace">
+            <a:avLst/>
+          </a:prstGeom>
+          <a:ln>
+            <a:solidFill>
+              <a:schemeClr val="tx1"/>
+            </a:solidFill>
+          </a:ln>
+        </p:spPr>
+        <p:style>
+          <a:lnRef idx="1">
+            <a:schemeClr val="accent1"/>
+          </a:lnRef>
+          <a:fillRef idx="0">
+            <a:schemeClr val="accent1"/>
+          </a:fillRef>
+          <a:effectRef idx="0">
+            <a:schemeClr val="accent1"/>
+          </a:effectRef>
+          <a:fontRef idx="minor">
+            <a:schemeClr val="tx1"/>
+          </a:fontRef>
+        </p:style>
+        <p:txBody>
+          <a:bodyPr rtlCol="0" anchor="ctr"/>
+          <a:lstStyle/>
+          <a:p>
+            <a:pPr algn="ctr"/>
+            <a:endParaRPr lang="pt-PT"/>
+          </a:p>
+        </p:txBody>
+      </p:sp>
+      <p:sp>
+        <p:nvSpPr>
+          <p:cNvPr id="6" name="Google Shape;71;p12"/>
+          <p:cNvSpPr txBox="1">
+            <a:spLocks/>
+          </p:cNvSpPr>
+          <p:nvPr/>
+        </p:nvSpPr>
+        <p:spPr>
+          <a:xfrm>
+            <a:off x="3851920" y="1707654"/>
+            <a:ext cx="4680520" cy="1616719"/>
+          </a:xfrm>
+          <a:prstGeom prst="rect">
+            <a:avLst/>
+          </a:prstGeom>
+          <a:noFill/>
+          <a:ln>
+            <a:noFill/>
+          </a:ln>
+        </p:spPr>
+        <p:txBody>
+          <a:bodyPr spcFirstLastPara="1" wrap="square" lIns="91425" tIns="91425" rIns="91425" bIns="91425" anchor="ctr" anchorCtr="0">
+            <a:noAutofit/>
+          </a:bodyPr>
+          <a:lstStyle>
+            <a:defPPr marR="0" lvl="0" algn="l" rtl="0">
+              <a:lnSpc>
+                <a:spcPct val="100000"/>
+              </a:lnSpc>
+              <a:spcBef>
+                <a:spcPts val="0"/>
+              </a:spcBef>
+              <a:spcAft>
+                <a:spcPts val="0"/>
+              </a:spcAft>
+            </a:defPPr>
+            <a:lvl1pPr marR="0" lvl="0" algn="ctr" rtl="0">
+              <a:lnSpc>
+                <a:spcPct val="100000"/>
+              </a:lnSpc>
+              <a:spcBef>
+                <a:spcPts val="0"/>
+              </a:spcBef>
+              <a:spcAft>
+                <a:spcPts val="0"/>
+              </a:spcAft>
+              <a:buClr>
+                <a:schemeClr val="lt1"/>
+              </a:buClr>
+              <a:buSzPts val="1800"/>
+              <a:buFont typeface="Vidaloka"/>
+              <a:buNone/>
+              <a:defRPr sz="1800" b="0" i="0" u="none" strike="noStrike" cap="none">
+                <a:solidFill>
+                  <a:schemeClr val="lt1"/>
+                </a:solidFill>
+                <a:latin typeface="Vidaloka"/>
+                <a:ea typeface="Vidaloka"/>
+                <a:cs typeface="Vidaloka"/>
+                <a:sym typeface="Vidaloka"/>
+              </a:defRPr>
+            </a:lvl1pPr>
+            <a:lvl2pPr marR="0" lvl="1" algn="ctr" rtl="0">
+              <a:lnSpc>
+                <a:spcPct val="100000"/>
+              </a:lnSpc>
+              <a:spcBef>
+                <a:spcPts val="0"/>
+              </a:spcBef>
+              <a:spcAft>
+                <a:spcPts val="0"/>
+              </a:spcAft>
+              <a:buClr>
+                <a:schemeClr val="lt1"/>
+              </a:buClr>
+              <a:buSzPts val="1800"/>
+              <a:buFont typeface="Vidaloka"/>
+              <a:buNone/>
+              <a:defRPr sz="1800" b="0" i="0" u="none" strike="noStrike" cap="none">
+                <a:solidFill>
+                  <a:schemeClr val="lt1"/>
+                </a:solidFill>
+                <a:latin typeface="Vidaloka"/>
+                <a:ea typeface="Vidaloka"/>
+                <a:cs typeface="Vidaloka"/>
+                <a:sym typeface="Vidaloka"/>
+              </a:defRPr>
+            </a:lvl2pPr>
+            <a:lvl3pPr marR="0" lvl="2" algn="ctr" rtl="0">
+              <a:lnSpc>
+                <a:spcPct val="100000"/>
+              </a:lnSpc>
+              <a:spcBef>
+                <a:spcPts val="0"/>
+              </a:spcBef>
+              <a:spcAft>
+                <a:spcPts val="0"/>
+              </a:spcAft>
+              <a:buClr>
+                <a:schemeClr val="lt1"/>
+              </a:buClr>
+              <a:buSzPts val="1800"/>
+              <a:buFont typeface="Vidaloka"/>
+              <a:buNone/>
+              <a:defRPr sz="1800" b="0" i="0" u="none" strike="noStrike" cap="none">
+                <a:solidFill>
+                  <a:schemeClr val="lt1"/>
+                </a:solidFill>
+                <a:latin typeface="Vidaloka"/>
+                <a:ea typeface="Vidaloka"/>
+                <a:cs typeface="Vidaloka"/>
+                <a:sym typeface="Vidaloka"/>
+              </a:defRPr>
+            </a:lvl3pPr>
+            <a:lvl4pPr marR="0" lvl="3" algn="ctr" rtl="0">
+              <a:lnSpc>
+                <a:spcPct val="100000"/>
+              </a:lnSpc>
+              <a:spcBef>
+                <a:spcPts val="0"/>
+              </a:spcBef>
+              <a:spcAft>
+                <a:spcPts val="0"/>
+              </a:spcAft>
+              <a:buClr>
+                <a:schemeClr val="lt1"/>
+              </a:buClr>
+              <a:buSzPts val="1800"/>
+              <a:buFont typeface="Vidaloka"/>
+              <a:buNone/>
+              <a:defRPr sz="1800" b="0" i="0" u="none" strike="noStrike" cap="none">
+                <a:solidFill>
+                  <a:schemeClr val="lt1"/>
+                </a:solidFill>
+                <a:latin typeface="Vidaloka"/>
+                <a:ea typeface="Vidaloka"/>
+                <a:cs typeface="Vidaloka"/>
+                <a:sym typeface="Vidaloka"/>
+              </a:defRPr>
+            </a:lvl4pPr>
+            <a:lvl5pPr marR="0" lvl="4" algn="ctr" rtl="0">
+              <a:lnSpc>
+                <a:spcPct val="100000"/>
+              </a:lnSpc>
+              <a:spcBef>
+                <a:spcPts val="0"/>
+              </a:spcBef>
+              <a:spcAft>
+                <a:spcPts val="0"/>
+              </a:spcAft>
+              <a:buClr>
+                <a:schemeClr val="lt1"/>
+              </a:buClr>
+              <a:buSzPts val="1800"/>
+              <a:buFont typeface="Vidaloka"/>
+              <a:buNone/>
+              <a:defRPr sz="1800" b="0" i="0" u="none" strike="noStrike" cap="none">
+                <a:solidFill>
+                  <a:schemeClr val="lt1"/>
+                </a:solidFill>
+                <a:latin typeface="Vidaloka"/>
+                <a:ea typeface="Vidaloka"/>
+                <a:cs typeface="Vidaloka"/>
+                <a:sym typeface="Vidaloka"/>
+              </a:defRPr>
+            </a:lvl5pPr>
+            <a:lvl6pPr marR="0" lvl="5" algn="ctr" rtl="0">
+              <a:lnSpc>
+                <a:spcPct val="100000"/>
+              </a:lnSpc>
+              <a:spcBef>
+                <a:spcPts val="0"/>
+              </a:spcBef>
+              <a:spcAft>
+                <a:spcPts val="0"/>
+              </a:spcAft>
+              <a:buClr>
+                <a:schemeClr val="lt1"/>
+              </a:buClr>
+              <a:buSzPts val="1800"/>
+              <a:buFont typeface="Vidaloka"/>
+              <a:buNone/>
+              <a:defRPr sz="1800" b="0" i="0" u="none" strike="noStrike" cap="none">
+                <a:solidFill>
+                  <a:schemeClr val="lt1"/>
+                </a:solidFill>
+                <a:latin typeface="Vidaloka"/>
+                <a:ea typeface="Vidaloka"/>
+                <a:cs typeface="Vidaloka"/>
+                <a:sym typeface="Vidaloka"/>
+              </a:defRPr>
+            </a:lvl6pPr>
+            <a:lvl7pPr marR="0" lvl="6" algn="ctr" rtl="0">
+              <a:lnSpc>
+                <a:spcPct val="100000"/>
+              </a:lnSpc>
+              <a:spcBef>
+                <a:spcPts val="0"/>
+              </a:spcBef>
+              <a:spcAft>
+                <a:spcPts val="0"/>
+              </a:spcAft>
+              <a:buClr>
+                <a:schemeClr val="lt1"/>
+              </a:buClr>
+              <a:buSzPts val="1800"/>
+              <a:buFont typeface="Vidaloka"/>
+              <a:buNone/>
+              <a:defRPr sz="1800" b="0" i="0" u="none" strike="noStrike" cap="none">
+                <a:solidFill>
+                  <a:schemeClr val="lt1"/>
+                </a:solidFill>
+                <a:latin typeface="Vidaloka"/>
+                <a:ea typeface="Vidaloka"/>
+                <a:cs typeface="Vidaloka"/>
+                <a:sym typeface="Vidaloka"/>
+              </a:defRPr>
+            </a:lvl7pPr>
+            <a:lvl8pPr marR="0" lvl="7" algn="ctr" rtl="0">
+              <a:lnSpc>
+                <a:spcPct val="100000"/>
+              </a:lnSpc>
+              <a:spcBef>
+                <a:spcPts val="0"/>
+              </a:spcBef>
+              <a:spcAft>
+                <a:spcPts val="0"/>
+              </a:spcAft>
+              <a:buClr>
+                <a:schemeClr val="lt1"/>
+              </a:buClr>
+              <a:buSzPts val="1800"/>
+              <a:buFont typeface="Vidaloka"/>
+              <a:buNone/>
+              <a:defRPr sz="1800" b="0" i="0" u="none" strike="noStrike" cap="none">
+                <a:solidFill>
+                  <a:schemeClr val="lt1"/>
+                </a:solidFill>
+                <a:latin typeface="Vidaloka"/>
+                <a:ea typeface="Vidaloka"/>
+                <a:cs typeface="Vidaloka"/>
+                <a:sym typeface="Vidaloka"/>
+              </a:defRPr>
+            </a:lvl8pPr>
+            <a:lvl9pPr marR="0" lvl="8" algn="ctr" rtl="0">
+              <a:lnSpc>
+                <a:spcPct val="100000"/>
+              </a:lnSpc>
+              <a:spcBef>
+                <a:spcPts val="0"/>
+              </a:spcBef>
+              <a:spcAft>
+                <a:spcPts val="0"/>
+              </a:spcAft>
+              <a:buClr>
+                <a:schemeClr val="lt1"/>
+              </a:buClr>
+              <a:buSzPts val="1800"/>
+              <a:buFont typeface="Vidaloka"/>
+              <a:buNone/>
+              <a:defRPr sz="1800" b="0" i="0" u="none" strike="noStrike" cap="none">
+                <a:solidFill>
+                  <a:schemeClr val="lt1"/>
+                </a:solidFill>
+                <a:latin typeface="Vidaloka"/>
+                <a:ea typeface="Vidaloka"/>
+                <a:cs typeface="Vidaloka"/>
+                <a:sym typeface="Vidaloka"/>
+              </a:defRPr>
+            </a:lvl9pPr>
+          </a:lstStyle>
+          <a:p>
+            <a:pPr marL="285750" indent="-285750" algn="l">
+              <a:buFontTx/>
+              <a:buChar char="-"/>
+            </a:pPr>
+            <a:r>
+              <a:rPr lang="pt-PT" b="1" dirty="0" smtClean="0">
+                <a:solidFill>
+                  <a:schemeClr val="tx1">
+                    <a:lumMod val="50000"/>
+                  </a:schemeClr>
+                </a:solidFill>
+                <a:latin typeface="Segoe UI Black" pitchFamily="34" charset="0"/>
+                <a:ea typeface="Segoe UI Black" pitchFamily="34" charset="0"/>
+                <a:cs typeface="Segoe UI Light" pitchFamily="34" charset="0"/>
+              </a:rPr>
+              <a:t>a</a:t>
+            </a:r>
+            <a:r>
+              <a:rPr lang="pt-PT" b="1" dirty="0">
+                <a:solidFill>
+                  <a:schemeClr val="tx1">
+                    <a:lumMod val="50000"/>
+                  </a:schemeClr>
+                </a:solidFill>
+                <a:latin typeface="Segoe UI Black" pitchFamily="34" charset="0"/>
+                <a:ea typeface="Segoe UI Black" pitchFamily="34" charset="0"/>
+                <a:cs typeface="Segoe UI Light" pitchFamily="34" charset="0"/>
+              </a:rPr>
+              <a:t>)	Ajudar à personalização da educação</a:t>
+            </a:r>
+            <a:r>
+              <a:rPr lang="pt-PT" b="1" dirty="0" smtClean="0">
+                <a:solidFill>
+                  <a:schemeClr val="tx1">
+                    <a:lumMod val="50000"/>
+                  </a:schemeClr>
+                </a:solidFill>
+                <a:latin typeface="Segoe UI Black" pitchFamily="34" charset="0"/>
+                <a:ea typeface="Segoe UI Black" pitchFamily="34" charset="0"/>
+                <a:cs typeface="Segoe UI Light" pitchFamily="34" charset="0"/>
+              </a:rPr>
+              <a:t/>
+            </a:r>
+            <a:br>
+              <a:rPr lang="pt-PT" b="1" dirty="0" smtClean="0">
+                <a:solidFill>
+                  <a:schemeClr val="tx1">
+                    <a:lumMod val="50000"/>
+                  </a:schemeClr>
+                </a:solidFill>
+                <a:latin typeface="Segoe UI Black" pitchFamily="34" charset="0"/>
+                <a:ea typeface="Segoe UI Black" pitchFamily="34" charset="0"/>
+                <a:cs typeface="Segoe UI Light" pitchFamily="34" charset="0"/>
+              </a:rPr>
+            </a:br>
+            <a:r>
+              <a:rPr lang="pt-PT" b="1" dirty="0">
+                <a:solidFill>
+                  <a:schemeClr val="tx1">
+                    <a:lumMod val="50000"/>
+                  </a:schemeClr>
+                </a:solidFill>
+                <a:latin typeface="Segoe UI Black" pitchFamily="34" charset="0"/>
+                <a:ea typeface="Segoe UI Black" pitchFamily="34" charset="0"/>
+                <a:cs typeface="Segoe UI Light" pitchFamily="34" charset="0"/>
+              </a:rPr>
+              <a:t/>
+            </a:r>
+            <a:br>
+              <a:rPr lang="pt-PT" b="1" dirty="0">
+                <a:solidFill>
+                  <a:schemeClr val="tx1">
+                    <a:lumMod val="50000"/>
+                  </a:schemeClr>
+                </a:solidFill>
+                <a:latin typeface="Segoe UI Black" pitchFamily="34" charset="0"/>
+                <a:ea typeface="Segoe UI Black" pitchFamily="34" charset="0"/>
+                <a:cs typeface="Segoe UI Light" pitchFamily="34" charset="0"/>
+              </a:rPr>
+            </a:br>
+            <a:r>
+              <a:rPr lang="pt-PT" b="1" dirty="0" smtClean="0">
+                <a:solidFill>
+                  <a:schemeClr val="tx1">
+                    <a:lumMod val="50000"/>
+                  </a:schemeClr>
+                </a:solidFill>
+                <a:latin typeface="Segoe UI Black" pitchFamily="34" charset="0"/>
+                <a:ea typeface="Segoe UI Black" pitchFamily="34" charset="0"/>
+                <a:cs typeface="Segoe UI Light" pitchFamily="34" charset="0"/>
+              </a:rPr>
+              <a:t>b</a:t>
+            </a:r>
+            <a:r>
+              <a:rPr lang="pt-PT" b="1" dirty="0">
+                <a:solidFill>
+                  <a:schemeClr val="tx1">
+                    <a:lumMod val="50000"/>
+                  </a:schemeClr>
+                </a:solidFill>
+                <a:latin typeface="Segoe UI Black" pitchFamily="34" charset="0"/>
+                <a:ea typeface="Segoe UI Black" pitchFamily="34" charset="0"/>
+                <a:cs typeface="Segoe UI Light" pitchFamily="34" charset="0"/>
+              </a:rPr>
+              <a:t>)	Adaptar a resposta educativa às necessidades do aluno</a:t>
+            </a:r>
+            <a:endParaRPr lang="pt-PT" b="1" dirty="0" smtClean="0">
+              <a:solidFill>
+                <a:schemeClr val="tx1">
+                  <a:lumMod val="50000"/>
+                </a:schemeClr>
+              </a:solidFill>
+              <a:latin typeface="Segoe UI Black" pitchFamily="34" charset="0"/>
+              <a:ea typeface="Segoe UI Black" pitchFamily="34" charset="0"/>
+              <a:cs typeface="Segoe UI Light" pitchFamily="34" charset="0"/>
+            </a:endParaRPr>
+          </a:p>
+          <a:p>
+            <a:pPr marL="285750" indent="-285750" algn="l">
+              <a:buFontTx/>
+              <a:buChar char="-"/>
+            </a:pPr>
+            <a:endParaRPr lang="pt-PT" b="1" dirty="0">
+              <a:solidFill>
+                <a:schemeClr val="tx1">
+                  <a:lumMod val="50000"/>
+                </a:schemeClr>
+              </a:solidFill>
+              <a:latin typeface="Segoe UI Black" pitchFamily="34" charset="0"/>
+              <a:ea typeface="Segoe UI Black" pitchFamily="34" charset="0"/>
+              <a:cs typeface="Segoe UI Light" pitchFamily="34" charset="0"/>
+            </a:endParaRPr>
+          </a:p>
+          <a:p>
+            <a:pPr marL="285750" indent="-285750" algn="l">
+              <a:buFontTx/>
+              <a:buChar char="-"/>
+            </a:pPr>
+            <a:r>
+              <a:rPr lang="pt-PT" b="1" dirty="0">
+                <a:solidFill>
+                  <a:schemeClr val="tx1">
+                    <a:lumMod val="50000"/>
+                  </a:schemeClr>
+                </a:solidFill>
+                <a:latin typeface="Segoe UI Black" pitchFamily="34" charset="0"/>
+                <a:ea typeface="Segoe UI Black" pitchFamily="34" charset="0"/>
+                <a:cs typeface="Segoe UI Light" pitchFamily="34" charset="0"/>
+              </a:rPr>
+              <a:t>c)	Favorecer a maturidade pessoal, o desenvolvimento pessoal e sistema de valores</a:t>
+            </a:r>
+            <a:r>
+              <a:rPr lang="pt-PT" b="1" dirty="0" smtClean="0">
+                <a:solidFill>
+                  <a:schemeClr val="tx1">
+                    <a:lumMod val="50000"/>
+                  </a:schemeClr>
+                </a:solidFill>
+                <a:latin typeface="Segoe UI Black" pitchFamily="34" charset="0"/>
+                <a:ea typeface="Segoe UI Black" pitchFamily="34" charset="0"/>
+                <a:cs typeface="Segoe UI Light" pitchFamily="34" charset="0"/>
+              </a:rPr>
+              <a:t>;</a:t>
+            </a:r>
+          </a:p>
+          <a:p>
+            <a:pPr marL="285750" indent="-285750" algn="l">
+              <a:buFontTx/>
+              <a:buChar char="-"/>
+            </a:pPr>
+            <a:endParaRPr lang="pt-PT" b="1" dirty="0">
+              <a:solidFill>
+                <a:schemeClr val="tx1">
+                  <a:lumMod val="50000"/>
+                </a:schemeClr>
+              </a:solidFill>
+              <a:latin typeface="Segoe UI Black" pitchFamily="34" charset="0"/>
+              <a:ea typeface="Segoe UI Black" pitchFamily="34" charset="0"/>
+              <a:cs typeface="Segoe UI Light" pitchFamily="34" charset="0"/>
+            </a:endParaRPr>
+          </a:p>
+          <a:p>
+            <a:pPr marL="285750" indent="-285750" algn="l">
+              <a:buFontTx/>
+              <a:buChar char="-"/>
+            </a:pPr>
+            <a:r>
+              <a:rPr lang="pt-PT" b="1" dirty="0">
+                <a:solidFill>
+                  <a:schemeClr val="tx1">
+                    <a:lumMod val="50000"/>
+                  </a:schemeClr>
+                </a:solidFill>
+                <a:latin typeface="Segoe UI Black" pitchFamily="34" charset="0"/>
+                <a:ea typeface="Segoe UI Black" pitchFamily="34" charset="0"/>
+                <a:cs typeface="Segoe UI Light" pitchFamily="34" charset="0"/>
+              </a:rPr>
+              <a:t>d)	Garantir aqueles elementos educativos mais diferenciados e especializados;</a:t>
+            </a:r>
+            <a:r>
+              <a:rPr lang="pt-PT" b="1" dirty="0" smtClean="0">
+                <a:solidFill>
+                  <a:schemeClr val="tx1">
+                    <a:lumMod val="50000"/>
+                  </a:schemeClr>
+                </a:solidFill>
+                <a:latin typeface="Segoe UI Black" pitchFamily="34" charset="0"/>
+                <a:ea typeface="Segoe UI Black" pitchFamily="34" charset="0"/>
+                <a:cs typeface="Segoe UI Light" pitchFamily="34" charset="0"/>
+              </a:rPr>
+              <a:t/>
+            </a:r>
+            <a:br>
+              <a:rPr lang="pt-PT" b="1" dirty="0" smtClean="0">
+                <a:solidFill>
+                  <a:schemeClr val="tx1">
+                    <a:lumMod val="50000"/>
+                  </a:schemeClr>
+                </a:solidFill>
+                <a:latin typeface="Segoe UI Black" pitchFamily="34" charset="0"/>
+                <a:ea typeface="Segoe UI Black" pitchFamily="34" charset="0"/>
+                <a:cs typeface="Segoe UI Light" pitchFamily="34" charset="0"/>
+              </a:rPr>
+            </a:br>
+            <a:endParaRPr lang="pt-PT" b="1" dirty="0">
+              <a:solidFill>
+                <a:schemeClr val="tx1">
+                  <a:lumMod val="50000"/>
+                </a:schemeClr>
+              </a:solidFill>
+              <a:latin typeface="Segoe UI Black" pitchFamily="34" charset="0"/>
+              <a:ea typeface="Segoe UI Black" pitchFamily="34" charset="0"/>
+              <a:cs typeface="Segoe UI Light" pitchFamily="34" charset="0"/>
+            </a:endParaRPr>
+          </a:p>
+        </p:txBody>
+      </p:sp>
+    </p:spTree>
+    <p:extLst>
+      <p:ext uri="{BB962C8B-B14F-4D97-AF65-F5344CB8AC3E}">
+        <p14:creationId xmlns:p14="http://schemas.microsoft.com/office/powerpoint/2010/main" val="4278350590"/>
+      </p:ext>
+    </p:extLst>
+  </p:cSld>
+  <p:clrMapOvr>
+    <a:masterClrMapping/>
+  </p:clrMapOvr>
+  <p:timing>
+    <p:tnLst>
+      <p:par>
+        <p:cTn id="1" dur="indefinite" restart="never" nodeType="tmRoot"/>
+      </p:par>
+    </p:tnLst>
+  </p:timing>
+</p:sld>
+</file>
+
+<file path=ppt/slides/slide11.xml><?xml version="1.0" encoding="utf-8"?>
+<p:sld xmlns:a="http://schemas.openxmlformats.org/drawingml/2006/main" xmlns:r="http://schemas.openxmlformats.org/officeDocument/2006/relationships" xmlns:p="http://schemas.openxmlformats.org/presentationml/2006/main">
+  <p:cSld>
+    <p:spTree>
+      <p:nvGrpSpPr>
+        <p:cNvPr id="1" name="Shape 78"/>
+        <p:cNvGrpSpPr/>
+        <p:nvPr/>
+      </p:nvGrpSpPr>
+      <p:grpSpPr>
+        <a:xfrm>
+          <a:off x="0" y="0"/>
+          <a:ext cx="0" cy="0"/>
+          <a:chOff x="0" y="0"/>
+          <a:chExt cx="0" cy="0"/>
+        </a:xfrm>
+      </p:grpSpPr>
+      <p:sp>
+        <p:nvSpPr>
+          <p:cNvPr id="83" name="Google Shape;83;p13"/>
+          <p:cNvSpPr txBox="1">
+            <a:spLocks noGrp="1"/>
+          </p:cNvSpPr>
+          <p:nvPr>
+            <p:ph type="sldNum" idx="12"/>
+          </p:nvPr>
+        </p:nvSpPr>
+        <p:spPr>
+          <a:xfrm>
+            <a:off x="4297659" y="510251"/>
+            <a:ext cx="548700" cy="393600"/>
+          </a:xfrm>
+          <a:prstGeom prst="rect">
+            <a:avLst/>
+          </a:prstGeom>
+        </p:spPr>
+        <p:txBody>
+          <a:bodyPr spcFirstLastPara="1" wrap="square" lIns="91425" tIns="91425" rIns="91425" bIns="91425" anchor="ctr" anchorCtr="0">
+            <a:noAutofit/>
+          </a:bodyPr>
+          <a:lstStyle/>
+          <a:p>
+            <a:pPr marL="0" lvl="0" indent="0" algn="ctr" rtl="0">
+              <a:spcBef>
+                <a:spcPts val="0"/>
+              </a:spcBef>
+              <a:spcAft>
+                <a:spcPts val="0"/>
+              </a:spcAft>
+              <a:buNone/>
+            </a:pPr>
+            <a:fld id="{00000000-1234-1234-1234-123412341234}" type="slidenum">
+              <a:rPr lang="en" smtClean="0"/>
+              <a:t>11</a:t>
+            </a:fld>
+            <a:endParaRPr dirty="0"/>
+          </a:p>
+        </p:txBody>
+      </p:sp>
+      <p:sp>
+        <p:nvSpPr>
+          <p:cNvPr id="5" name="Google Shape;71;p12"/>
+          <p:cNvSpPr txBox="1">
+            <a:spLocks/>
+          </p:cNvSpPr>
+          <p:nvPr/>
+        </p:nvSpPr>
+        <p:spPr>
+          <a:xfrm>
+            <a:off x="1187624" y="2067694"/>
+            <a:ext cx="6624745" cy="473704"/>
+          </a:xfrm>
+          <a:prstGeom prst="rect">
+            <a:avLst/>
+          </a:prstGeom>
+          <a:noFill/>
+          <a:ln>
+            <a:noFill/>
+          </a:ln>
+        </p:spPr>
+        <p:txBody>
+          <a:bodyPr spcFirstLastPara="1" wrap="square" lIns="91425" tIns="91425" rIns="91425" bIns="91425" anchor="ctr" anchorCtr="0">
+            <a:noAutofit/>
+          </a:bodyPr>
+          <a:lstStyle>
+            <a:defPPr marR="0" lvl="0" algn="l" rtl="0">
+              <a:lnSpc>
+                <a:spcPct val="100000"/>
+              </a:lnSpc>
+              <a:spcBef>
+                <a:spcPts val="0"/>
+              </a:spcBef>
+              <a:spcAft>
+                <a:spcPts val="0"/>
+              </a:spcAft>
+            </a:defPPr>
+            <a:lvl1pPr marR="0" lvl="0" algn="ctr" rtl="0">
+              <a:lnSpc>
+                <a:spcPct val="100000"/>
+              </a:lnSpc>
+              <a:spcBef>
+                <a:spcPts val="0"/>
+              </a:spcBef>
+              <a:spcAft>
+                <a:spcPts val="0"/>
+              </a:spcAft>
+              <a:buClr>
+                <a:schemeClr val="lt1"/>
+              </a:buClr>
+              <a:buSzPts val="1800"/>
+              <a:buFont typeface="Vidaloka"/>
+              <a:buNone/>
+              <a:defRPr sz="1800" b="0" i="0" u="none" strike="noStrike" cap="none">
+                <a:solidFill>
+                  <a:schemeClr val="lt1"/>
+                </a:solidFill>
+                <a:latin typeface="Vidaloka"/>
+                <a:ea typeface="Vidaloka"/>
+                <a:cs typeface="Vidaloka"/>
+                <a:sym typeface="Vidaloka"/>
+              </a:defRPr>
+            </a:lvl1pPr>
+            <a:lvl2pPr marR="0" lvl="1" algn="ctr" rtl="0">
+              <a:lnSpc>
+                <a:spcPct val="100000"/>
+              </a:lnSpc>
+              <a:spcBef>
+                <a:spcPts val="0"/>
+              </a:spcBef>
+              <a:spcAft>
+                <a:spcPts val="0"/>
+              </a:spcAft>
+              <a:buClr>
+                <a:schemeClr val="lt1"/>
+              </a:buClr>
+              <a:buSzPts val="1800"/>
+              <a:buFont typeface="Vidaloka"/>
+              <a:buNone/>
+              <a:defRPr sz="1800" b="0" i="0" u="none" strike="noStrike" cap="none">
+                <a:solidFill>
+                  <a:schemeClr val="lt1"/>
+                </a:solidFill>
+                <a:latin typeface="Vidaloka"/>
+                <a:ea typeface="Vidaloka"/>
+                <a:cs typeface="Vidaloka"/>
+                <a:sym typeface="Vidaloka"/>
+              </a:defRPr>
+            </a:lvl2pPr>
+            <a:lvl3pPr marR="0" lvl="2" algn="ctr" rtl="0">
+              <a:lnSpc>
+                <a:spcPct val="100000"/>
+              </a:lnSpc>
+              <a:spcBef>
+                <a:spcPts val="0"/>
+              </a:spcBef>
+              <a:spcAft>
+                <a:spcPts val="0"/>
+              </a:spcAft>
+              <a:buClr>
+                <a:schemeClr val="lt1"/>
+              </a:buClr>
+              <a:buSzPts val="1800"/>
+              <a:buFont typeface="Vidaloka"/>
+              <a:buNone/>
+              <a:defRPr sz="1800" b="0" i="0" u="none" strike="noStrike" cap="none">
+                <a:solidFill>
+                  <a:schemeClr val="lt1"/>
+                </a:solidFill>
+                <a:latin typeface="Vidaloka"/>
+                <a:ea typeface="Vidaloka"/>
+                <a:cs typeface="Vidaloka"/>
+                <a:sym typeface="Vidaloka"/>
+              </a:defRPr>
+            </a:lvl3pPr>
+            <a:lvl4pPr marR="0" lvl="3" algn="ctr" rtl="0">
+              <a:lnSpc>
+                <a:spcPct val="100000"/>
+              </a:lnSpc>
+              <a:spcBef>
+                <a:spcPts val="0"/>
+              </a:spcBef>
+              <a:spcAft>
+                <a:spcPts val="0"/>
+              </a:spcAft>
+              <a:buClr>
+                <a:schemeClr val="lt1"/>
+              </a:buClr>
+              <a:buSzPts val="1800"/>
+              <a:buFont typeface="Vidaloka"/>
+              <a:buNone/>
+              <a:defRPr sz="1800" b="0" i="0" u="none" strike="noStrike" cap="none">
+                <a:solidFill>
+                  <a:schemeClr val="lt1"/>
+                </a:solidFill>
+                <a:latin typeface="Vidaloka"/>
+                <a:ea typeface="Vidaloka"/>
+                <a:cs typeface="Vidaloka"/>
+                <a:sym typeface="Vidaloka"/>
+              </a:defRPr>
+            </a:lvl4pPr>
+            <a:lvl5pPr marR="0" lvl="4" algn="ctr" rtl="0">
+              <a:lnSpc>
+                <a:spcPct val="100000"/>
+              </a:lnSpc>
+              <a:spcBef>
+                <a:spcPts val="0"/>
+              </a:spcBef>
+              <a:spcAft>
+                <a:spcPts val="0"/>
+              </a:spcAft>
+              <a:buClr>
+                <a:schemeClr val="lt1"/>
+              </a:buClr>
+              <a:buSzPts val="1800"/>
+              <a:buFont typeface="Vidaloka"/>
+              <a:buNone/>
+              <a:defRPr sz="1800" b="0" i="0" u="none" strike="noStrike" cap="none">
+                <a:solidFill>
+                  <a:schemeClr val="lt1"/>
+                </a:solidFill>
+                <a:latin typeface="Vidaloka"/>
+                <a:ea typeface="Vidaloka"/>
+                <a:cs typeface="Vidaloka"/>
+                <a:sym typeface="Vidaloka"/>
+              </a:defRPr>
+            </a:lvl5pPr>
+            <a:lvl6pPr marR="0" lvl="5" algn="ctr" rtl="0">
+              <a:lnSpc>
+                <a:spcPct val="100000"/>
+              </a:lnSpc>
+              <a:spcBef>
+                <a:spcPts val="0"/>
+              </a:spcBef>
+              <a:spcAft>
+                <a:spcPts val="0"/>
+              </a:spcAft>
+              <a:buClr>
+                <a:schemeClr val="lt1"/>
+              </a:buClr>
+              <a:buSzPts val="1800"/>
+              <a:buFont typeface="Vidaloka"/>
+              <a:buNone/>
+              <a:defRPr sz="1800" b="0" i="0" u="none" strike="noStrike" cap="none">
+                <a:solidFill>
+                  <a:schemeClr val="lt1"/>
+                </a:solidFill>
+                <a:latin typeface="Vidaloka"/>
+                <a:ea typeface="Vidaloka"/>
+                <a:cs typeface="Vidaloka"/>
+                <a:sym typeface="Vidaloka"/>
+              </a:defRPr>
+            </a:lvl6pPr>
+            <a:lvl7pPr marR="0" lvl="6" algn="ctr" rtl="0">
+              <a:lnSpc>
+                <a:spcPct val="100000"/>
+              </a:lnSpc>
+              <a:spcBef>
+                <a:spcPts val="0"/>
+              </a:spcBef>
+              <a:spcAft>
+                <a:spcPts val="0"/>
+              </a:spcAft>
+              <a:buClr>
+                <a:schemeClr val="lt1"/>
+              </a:buClr>
+              <a:buSzPts val="1800"/>
+              <a:buFont typeface="Vidaloka"/>
+              <a:buNone/>
+              <a:defRPr sz="1800" b="0" i="0" u="none" strike="noStrike" cap="none">
+                <a:solidFill>
+                  <a:schemeClr val="lt1"/>
+                </a:solidFill>
+                <a:latin typeface="Vidaloka"/>
+                <a:ea typeface="Vidaloka"/>
+                <a:cs typeface="Vidaloka"/>
+                <a:sym typeface="Vidaloka"/>
+              </a:defRPr>
+            </a:lvl7pPr>
+            <a:lvl8pPr marR="0" lvl="7" algn="ctr" rtl="0">
+              <a:lnSpc>
+                <a:spcPct val="100000"/>
+              </a:lnSpc>
+              <a:spcBef>
+                <a:spcPts val="0"/>
+              </a:spcBef>
+              <a:spcAft>
+                <a:spcPts val="0"/>
+              </a:spcAft>
+              <a:buClr>
+                <a:schemeClr val="lt1"/>
+              </a:buClr>
+              <a:buSzPts val="1800"/>
+              <a:buFont typeface="Vidaloka"/>
+              <a:buNone/>
+              <a:defRPr sz="1800" b="0" i="0" u="none" strike="noStrike" cap="none">
+                <a:solidFill>
+                  <a:schemeClr val="lt1"/>
+                </a:solidFill>
+                <a:latin typeface="Vidaloka"/>
+                <a:ea typeface="Vidaloka"/>
+                <a:cs typeface="Vidaloka"/>
+                <a:sym typeface="Vidaloka"/>
+              </a:defRPr>
+            </a:lvl8pPr>
+            <a:lvl9pPr marR="0" lvl="8" algn="ctr" rtl="0">
+              <a:lnSpc>
+                <a:spcPct val="100000"/>
+              </a:lnSpc>
+              <a:spcBef>
+                <a:spcPts val="0"/>
+              </a:spcBef>
+              <a:spcAft>
+                <a:spcPts val="0"/>
+              </a:spcAft>
+              <a:buClr>
+                <a:schemeClr val="lt1"/>
+              </a:buClr>
+              <a:buSzPts val="1800"/>
+              <a:buFont typeface="Vidaloka"/>
+              <a:buNone/>
+              <a:defRPr sz="1800" b="0" i="0" u="none" strike="noStrike" cap="none">
+                <a:solidFill>
+                  <a:schemeClr val="lt1"/>
+                </a:solidFill>
+                <a:latin typeface="Vidaloka"/>
+                <a:ea typeface="Vidaloka"/>
+                <a:cs typeface="Vidaloka"/>
+                <a:sym typeface="Vidaloka"/>
+              </a:defRPr>
+            </a:lvl9pPr>
+          </a:lstStyle>
+          <a:p>
+            <a:r>
+              <a:rPr lang="pt-PT" sz="2000" b="1" dirty="0" smtClean="0">
+                <a:solidFill>
+                  <a:schemeClr val="tx1"/>
+                </a:solidFill>
+                <a:latin typeface="Segoe UI Black" pitchFamily="34" charset="0"/>
+                <a:ea typeface="Segoe UI Black" pitchFamily="34" charset="0"/>
+                <a:cs typeface="Segoe UI Light" pitchFamily="34" charset="0"/>
+              </a:rPr>
+              <a:t>Orientação </a:t>
+            </a:r>
+            <a:r>
+              <a:rPr lang="pt-PT" sz="2000" b="1" dirty="0">
+                <a:solidFill>
+                  <a:schemeClr val="tx1"/>
+                </a:solidFill>
+                <a:latin typeface="Segoe UI Black" pitchFamily="34" charset="0"/>
+                <a:ea typeface="Segoe UI Black" pitchFamily="34" charset="0"/>
+                <a:cs typeface="Segoe UI Light" pitchFamily="34" charset="0"/>
+              </a:rPr>
+              <a:t>vocacional e profissional no ensino médio</a:t>
+            </a:r>
+            <a:endParaRPr lang="pt-PT" sz="2000" b="1" dirty="0">
+              <a:solidFill>
+                <a:schemeClr val="tx1"/>
+              </a:solidFill>
+              <a:latin typeface="Segoe UI Black" pitchFamily="34" charset="0"/>
+              <a:ea typeface="Segoe UI Black" pitchFamily="34" charset="0"/>
+              <a:cs typeface="Segoe UI Light" pitchFamily="34" charset="0"/>
+            </a:endParaRPr>
+          </a:p>
+        </p:txBody>
+      </p:sp>
+    </p:spTree>
+    <p:extLst>
+      <p:ext uri="{BB962C8B-B14F-4D97-AF65-F5344CB8AC3E}">
+        <p14:creationId xmlns:p14="http://schemas.microsoft.com/office/powerpoint/2010/main" val="437160475"/>
+      </p:ext>
+    </p:extLst>
+  </p:cSld>
+  <p:clrMapOvr>
+    <a:masterClrMapping/>
+  </p:clrMapOvr>
+  <p:timing>
+    <p:tnLst>
+      <p:par>
+        <p:cTn id="1" dur="indefinite" restart="never" nodeType="tmRoot"/>
+      </p:par>
+    </p:tnLst>
+  </p:timing>
+</p:sld>
+</file>
+
+<file path=ppt/slides/slide12.xml><?xml version="1.0" encoding="utf-8"?>
+<p:sld xmlns:a="http://schemas.openxmlformats.org/drawingml/2006/main" xmlns:r="http://schemas.openxmlformats.org/officeDocument/2006/relationships" xmlns:p="http://schemas.openxmlformats.org/presentationml/2006/main">
+  <p:cSld>
+    <p:spTree>
+      <p:nvGrpSpPr>
+        <p:cNvPr id="1" name="Shape 78"/>
+        <p:cNvGrpSpPr/>
+        <p:nvPr/>
+      </p:nvGrpSpPr>
+      <p:grpSpPr>
+        <a:xfrm>
+          <a:off x="0" y="0"/>
+          <a:ext cx="0" cy="0"/>
+          <a:chOff x="0" y="0"/>
+          <a:chExt cx="0" cy="0"/>
+        </a:xfrm>
+      </p:grpSpPr>
+      <p:sp>
+        <p:nvSpPr>
+          <p:cNvPr id="83" name="Google Shape;83;p13"/>
+          <p:cNvSpPr txBox="1">
+            <a:spLocks noGrp="1"/>
+          </p:cNvSpPr>
+          <p:nvPr>
+            <p:ph type="sldNum" idx="12"/>
+          </p:nvPr>
+        </p:nvSpPr>
+        <p:spPr>
+          <a:xfrm>
+            <a:off x="4297659" y="510251"/>
+            <a:ext cx="548700" cy="393600"/>
+          </a:xfrm>
+          <a:prstGeom prst="rect">
+            <a:avLst/>
+          </a:prstGeom>
+        </p:spPr>
+        <p:txBody>
+          <a:bodyPr spcFirstLastPara="1" wrap="square" lIns="91425" tIns="91425" rIns="91425" bIns="91425" anchor="ctr" anchorCtr="0">
+            <a:noAutofit/>
+          </a:bodyPr>
+          <a:lstStyle/>
+          <a:p>
+            <a:pPr marL="0" lvl="0" indent="0" algn="ctr" rtl="0">
+              <a:spcBef>
+                <a:spcPts val="0"/>
+              </a:spcBef>
+              <a:spcAft>
+                <a:spcPts val="0"/>
+              </a:spcAft>
+              <a:buNone/>
+            </a:pPr>
+            <a:fld id="{00000000-1234-1234-1234-123412341234}" type="slidenum">
+              <a:rPr lang="en" smtClean="0"/>
+              <a:t>12</a:t>
+            </a:fld>
+            <a:endParaRPr dirty="0"/>
+          </a:p>
+        </p:txBody>
+      </p:sp>
+      <p:sp>
+        <p:nvSpPr>
+          <p:cNvPr id="5" name="Google Shape;71;p12"/>
+          <p:cNvSpPr txBox="1">
+            <a:spLocks/>
+          </p:cNvSpPr>
+          <p:nvPr/>
+        </p:nvSpPr>
+        <p:spPr>
+          <a:xfrm>
+            <a:off x="1187624" y="2067694"/>
+            <a:ext cx="6624745" cy="473704"/>
+          </a:xfrm>
+          <a:prstGeom prst="rect">
+            <a:avLst/>
+          </a:prstGeom>
+          <a:noFill/>
+          <a:ln>
+            <a:noFill/>
+          </a:ln>
+        </p:spPr>
+        <p:txBody>
+          <a:bodyPr spcFirstLastPara="1" wrap="square" lIns="91425" tIns="91425" rIns="91425" bIns="91425" anchor="ctr" anchorCtr="0">
+            <a:noAutofit/>
+          </a:bodyPr>
+          <a:lstStyle>
+            <a:defPPr marR="0" lvl="0" algn="l" rtl="0">
+              <a:lnSpc>
+                <a:spcPct val="100000"/>
+              </a:lnSpc>
+              <a:spcBef>
+                <a:spcPts val="0"/>
+              </a:spcBef>
+              <a:spcAft>
+                <a:spcPts val="0"/>
+              </a:spcAft>
+            </a:defPPr>
+            <a:lvl1pPr marR="0" lvl="0" algn="ctr" rtl="0">
+              <a:lnSpc>
+                <a:spcPct val="100000"/>
+              </a:lnSpc>
+              <a:spcBef>
+                <a:spcPts val="0"/>
+              </a:spcBef>
+              <a:spcAft>
+                <a:spcPts val="0"/>
+              </a:spcAft>
+              <a:buClr>
+                <a:schemeClr val="lt1"/>
+              </a:buClr>
+              <a:buSzPts val="1800"/>
+              <a:buFont typeface="Vidaloka"/>
+              <a:buNone/>
+              <a:defRPr sz="1800" b="0" i="0" u="none" strike="noStrike" cap="none">
+                <a:solidFill>
+                  <a:schemeClr val="lt1"/>
+                </a:solidFill>
+                <a:latin typeface="Vidaloka"/>
+                <a:ea typeface="Vidaloka"/>
+                <a:cs typeface="Vidaloka"/>
+                <a:sym typeface="Vidaloka"/>
+              </a:defRPr>
+            </a:lvl1pPr>
+            <a:lvl2pPr marR="0" lvl="1" algn="ctr" rtl="0">
+              <a:lnSpc>
+                <a:spcPct val="100000"/>
+              </a:lnSpc>
+              <a:spcBef>
+                <a:spcPts val="0"/>
+              </a:spcBef>
+              <a:spcAft>
+                <a:spcPts val="0"/>
+              </a:spcAft>
+              <a:buClr>
+                <a:schemeClr val="lt1"/>
+              </a:buClr>
+              <a:buSzPts val="1800"/>
+              <a:buFont typeface="Vidaloka"/>
+              <a:buNone/>
+              <a:defRPr sz="1800" b="0" i="0" u="none" strike="noStrike" cap="none">
+                <a:solidFill>
+                  <a:schemeClr val="lt1"/>
+                </a:solidFill>
+                <a:latin typeface="Vidaloka"/>
+                <a:ea typeface="Vidaloka"/>
+                <a:cs typeface="Vidaloka"/>
+                <a:sym typeface="Vidaloka"/>
+              </a:defRPr>
+            </a:lvl2pPr>
+            <a:lvl3pPr marR="0" lvl="2" algn="ctr" rtl="0">
+              <a:lnSpc>
+                <a:spcPct val="100000"/>
+              </a:lnSpc>
+              <a:spcBef>
+                <a:spcPts val="0"/>
+              </a:spcBef>
+              <a:spcAft>
+                <a:spcPts val="0"/>
+              </a:spcAft>
+              <a:buClr>
+                <a:schemeClr val="lt1"/>
+              </a:buClr>
+              <a:buSzPts val="1800"/>
+              <a:buFont typeface="Vidaloka"/>
+              <a:buNone/>
+              <a:defRPr sz="1800" b="0" i="0" u="none" strike="noStrike" cap="none">
+                <a:solidFill>
+                  <a:schemeClr val="lt1"/>
+                </a:solidFill>
+                <a:latin typeface="Vidaloka"/>
+                <a:ea typeface="Vidaloka"/>
+                <a:cs typeface="Vidaloka"/>
+                <a:sym typeface="Vidaloka"/>
+              </a:defRPr>
+            </a:lvl3pPr>
+            <a:lvl4pPr marR="0" lvl="3" algn="ctr" rtl="0">
+              <a:lnSpc>
+                <a:spcPct val="100000"/>
+              </a:lnSpc>
+              <a:spcBef>
+                <a:spcPts val="0"/>
+              </a:spcBef>
+              <a:spcAft>
+                <a:spcPts val="0"/>
+              </a:spcAft>
+              <a:buClr>
+                <a:schemeClr val="lt1"/>
+              </a:buClr>
+              <a:buSzPts val="1800"/>
+              <a:buFont typeface="Vidaloka"/>
+              <a:buNone/>
+              <a:defRPr sz="1800" b="0" i="0" u="none" strike="noStrike" cap="none">
+                <a:solidFill>
+                  <a:schemeClr val="lt1"/>
+                </a:solidFill>
+                <a:latin typeface="Vidaloka"/>
+                <a:ea typeface="Vidaloka"/>
+                <a:cs typeface="Vidaloka"/>
+                <a:sym typeface="Vidaloka"/>
+              </a:defRPr>
+            </a:lvl4pPr>
+            <a:lvl5pPr marR="0" lvl="4" algn="ctr" rtl="0">
+              <a:lnSpc>
+                <a:spcPct val="100000"/>
+              </a:lnSpc>
+              <a:spcBef>
+                <a:spcPts val="0"/>
+              </a:spcBef>
+              <a:spcAft>
+                <a:spcPts val="0"/>
+              </a:spcAft>
+              <a:buClr>
+                <a:schemeClr val="lt1"/>
+              </a:buClr>
+              <a:buSzPts val="1800"/>
+              <a:buFont typeface="Vidaloka"/>
+              <a:buNone/>
+              <a:defRPr sz="1800" b="0" i="0" u="none" strike="noStrike" cap="none">
+                <a:solidFill>
+                  <a:schemeClr val="lt1"/>
+                </a:solidFill>
+                <a:latin typeface="Vidaloka"/>
+                <a:ea typeface="Vidaloka"/>
+                <a:cs typeface="Vidaloka"/>
+                <a:sym typeface="Vidaloka"/>
+              </a:defRPr>
+            </a:lvl5pPr>
+            <a:lvl6pPr marR="0" lvl="5" algn="ctr" rtl="0">
+              <a:lnSpc>
+                <a:spcPct val="100000"/>
+              </a:lnSpc>
+              <a:spcBef>
+                <a:spcPts val="0"/>
+              </a:spcBef>
+              <a:spcAft>
+                <a:spcPts val="0"/>
+              </a:spcAft>
+              <a:buClr>
+                <a:schemeClr val="lt1"/>
+              </a:buClr>
+              <a:buSzPts val="1800"/>
+              <a:buFont typeface="Vidaloka"/>
+              <a:buNone/>
+              <a:defRPr sz="1800" b="0" i="0" u="none" strike="noStrike" cap="none">
+                <a:solidFill>
+                  <a:schemeClr val="lt1"/>
+                </a:solidFill>
+                <a:latin typeface="Vidaloka"/>
+                <a:ea typeface="Vidaloka"/>
+                <a:cs typeface="Vidaloka"/>
+                <a:sym typeface="Vidaloka"/>
+              </a:defRPr>
+            </a:lvl6pPr>
+            <a:lvl7pPr marR="0" lvl="6" algn="ctr" rtl="0">
+              <a:lnSpc>
+                <a:spcPct val="100000"/>
+              </a:lnSpc>
+              <a:spcBef>
+                <a:spcPts val="0"/>
+              </a:spcBef>
+              <a:spcAft>
+                <a:spcPts val="0"/>
+              </a:spcAft>
+              <a:buClr>
+                <a:schemeClr val="lt1"/>
+              </a:buClr>
+              <a:buSzPts val="1800"/>
+              <a:buFont typeface="Vidaloka"/>
+              <a:buNone/>
+              <a:defRPr sz="1800" b="0" i="0" u="none" strike="noStrike" cap="none">
+                <a:solidFill>
+                  <a:schemeClr val="lt1"/>
+                </a:solidFill>
+                <a:latin typeface="Vidaloka"/>
+                <a:ea typeface="Vidaloka"/>
+                <a:cs typeface="Vidaloka"/>
+                <a:sym typeface="Vidaloka"/>
+              </a:defRPr>
+            </a:lvl7pPr>
+            <a:lvl8pPr marR="0" lvl="7" algn="ctr" rtl="0">
+              <a:lnSpc>
+                <a:spcPct val="100000"/>
+              </a:lnSpc>
+              <a:spcBef>
+                <a:spcPts val="0"/>
+              </a:spcBef>
+              <a:spcAft>
+                <a:spcPts val="0"/>
+              </a:spcAft>
+              <a:buClr>
+                <a:schemeClr val="lt1"/>
+              </a:buClr>
+              <a:buSzPts val="1800"/>
+              <a:buFont typeface="Vidaloka"/>
+              <a:buNone/>
+              <a:defRPr sz="1800" b="0" i="0" u="none" strike="noStrike" cap="none">
+                <a:solidFill>
+                  <a:schemeClr val="lt1"/>
+                </a:solidFill>
+                <a:latin typeface="Vidaloka"/>
+                <a:ea typeface="Vidaloka"/>
+                <a:cs typeface="Vidaloka"/>
+                <a:sym typeface="Vidaloka"/>
+              </a:defRPr>
+            </a:lvl8pPr>
+            <a:lvl9pPr marR="0" lvl="8" algn="ctr" rtl="0">
+              <a:lnSpc>
+                <a:spcPct val="100000"/>
+              </a:lnSpc>
+              <a:spcBef>
+                <a:spcPts val="0"/>
+              </a:spcBef>
+              <a:spcAft>
+                <a:spcPts val="0"/>
+              </a:spcAft>
+              <a:buClr>
+                <a:schemeClr val="lt1"/>
+              </a:buClr>
+              <a:buSzPts val="1800"/>
+              <a:buFont typeface="Vidaloka"/>
+              <a:buNone/>
+              <a:defRPr sz="1800" b="0" i="0" u="none" strike="noStrike" cap="none">
+                <a:solidFill>
+                  <a:schemeClr val="lt1"/>
+                </a:solidFill>
+                <a:latin typeface="Vidaloka"/>
+                <a:ea typeface="Vidaloka"/>
+                <a:cs typeface="Vidaloka"/>
+                <a:sym typeface="Vidaloka"/>
+              </a:defRPr>
+            </a:lvl9pPr>
+          </a:lstStyle>
+          <a:p>
+            <a:r>
+              <a:rPr lang="pt-PT" sz="2000" b="1" dirty="0" smtClean="0">
+                <a:solidFill>
+                  <a:schemeClr val="tx1"/>
+                </a:solidFill>
+                <a:latin typeface="Segoe UI Black" pitchFamily="34" charset="0"/>
+                <a:ea typeface="Segoe UI Black" pitchFamily="34" charset="0"/>
+                <a:cs typeface="Segoe UI Light" pitchFamily="34" charset="0"/>
+              </a:rPr>
+              <a:t>Papel </a:t>
+            </a:r>
+            <a:r>
+              <a:rPr lang="pt-PT" sz="2000" b="1" dirty="0">
+                <a:solidFill>
+                  <a:schemeClr val="tx1"/>
+                </a:solidFill>
+                <a:latin typeface="Segoe UI Black" pitchFamily="34" charset="0"/>
+                <a:ea typeface="Segoe UI Black" pitchFamily="34" charset="0"/>
+                <a:cs typeface="Segoe UI Light" pitchFamily="34" charset="0"/>
+              </a:rPr>
+              <a:t>dos pais na orientação vocacional e profissional</a:t>
+            </a:r>
+            <a:endParaRPr lang="pt-PT" sz="2000" b="1" dirty="0">
+              <a:solidFill>
+                <a:schemeClr val="tx1"/>
+              </a:solidFill>
+              <a:latin typeface="Segoe UI Black" pitchFamily="34" charset="0"/>
+              <a:ea typeface="Segoe UI Black" pitchFamily="34" charset="0"/>
+              <a:cs typeface="Segoe UI Light" pitchFamily="34" charset="0"/>
+            </a:endParaRPr>
+          </a:p>
+        </p:txBody>
+      </p:sp>
+    </p:spTree>
+    <p:extLst>
+      <p:ext uri="{BB962C8B-B14F-4D97-AF65-F5344CB8AC3E}">
+        <p14:creationId xmlns:p14="http://schemas.microsoft.com/office/powerpoint/2010/main" val="3641692221"/>
+      </p:ext>
+    </p:extLst>
+  </p:cSld>
+  <p:clrMapOvr>
+    <a:masterClrMapping/>
+  </p:clrMapOvr>
+  <p:timing>
+    <p:tnLst>
+      <p:par>
+        <p:cTn id="1" dur="indefinite" restart="never" nodeType="tmRoot"/>
+      </p:par>
+    </p:tnLst>
+  </p:timing>
+</p:sld>
+</file>
+
+<file path=ppt/slides/slide13.xml><?xml version="1.0" encoding="utf-8"?>
+<p:sld xmlns:a="http://schemas.openxmlformats.org/drawingml/2006/main" xmlns:r="http://schemas.openxmlformats.org/officeDocument/2006/relationships" xmlns:p="http://schemas.openxmlformats.org/presentationml/2006/main">
+  <p:cSld>
+    <p:spTree>
+      <p:nvGrpSpPr>
+        <p:cNvPr id="1" name="Shape 78"/>
+        <p:cNvGrpSpPr/>
+        <p:nvPr/>
+      </p:nvGrpSpPr>
+      <p:grpSpPr>
+        <a:xfrm>
+          <a:off x="0" y="0"/>
+          <a:ext cx="0" cy="0"/>
+          <a:chOff x="0" y="0"/>
+          <a:chExt cx="0" cy="0"/>
+        </a:xfrm>
+      </p:grpSpPr>
+      <p:sp>
+        <p:nvSpPr>
+          <p:cNvPr id="83" name="Google Shape;83;p13"/>
+          <p:cNvSpPr txBox="1">
+            <a:spLocks noGrp="1"/>
+          </p:cNvSpPr>
+          <p:nvPr>
+            <p:ph type="sldNum" idx="12"/>
+          </p:nvPr>
+        </p:nvSpPr>
+        <p:spPr>
+          <a:xfrm>
+            <a:off x="4297659" y="510251"/>
+            <a:ext cx="548700" cy="393600"/>
+          </a:xfrm>
+          <a:prstGeom prst="rect">
+            <a:avLst/>
+          </a:prstGeom>
+        </p:spPr>
+        <p:txBody>
+          <a:bodyPr spcFirstLastPara="1" wrap="square" lIns="91425" tIns="91425" rIns="91425" bIns="91425" anchor="ctr" anchorCtr="0">
+            <a:noAutofit/>
+          </a:bodyPr>
+          <a:lstStyle/>
+          <a:p>
+            <a:pPr marL="0" lvl="0" indent="0" algn="ctr" rtl="0">
+              <a:spcBef>
+                <a:spcPts val="0"/>
+              </a:spcBef>
+              <a:spcAft>
+                <a:spcPts val="0"/>
+              </a:spcAft>
+              <a:buNone/>
+            </a:pPr>
+            <a:fld id="{00000000-1234-1234-1234-123412341234}" type="slidenum">
+              <a:rPr lang="en" smtClean="0"/>
+              <a:t>13</a:t>
+            </a:fld>
+            <a:endParaRPr dirty="0"/>
+          </a:p>
+        </p:txBody>
+      </p:sp>
+      <p:sp>
+        <p:nvSpPr>
+          <p:cNvPr id="5" name="Google Shape;71;p12"/>
+          <p:cNvSpPr txBox="1">
+            <a:spLocks/>
+          </p:cNvSpPr>
+          <p:nvPr/>
+        </p:nvSpPr>
+        <p:spPr>
+          <a:xfrm>
+            <a:off x="1187624" y="2067694"/>
+            <a:ext cx="6624745" cy="473704"/>
+          </a:xfrm>
+          <a:prstGeom prst="rect">
+            <a:avLst/>
+          </a:prstGeom>
+          <a:noFill/>
+          <a:ln>
+            <a:noFill/>
+          </a:ln>
+        </p:spPr>
+        <p:txBody>
+          <a:bodyPr spcFirstLastPara="1" wrap="square" lIns="91425" tIns="91425" rIns="91425" bIns="91425" anchor="ctr" anchorCtr="0">
+            <a:noAutofit/>
+          </a:bodyPr>
+          <a:lstStyle>
+            <a:defPPr marR="0" lvl="0" algn="l" rtl="0">
+              <a:lnSpc>
+                <a:spcPct val="100000"/>
+              </a:lnSpc>
+              <a:spcBef>
+                <a:spcPts val="0"/>
+              </a:spcBef>
+              <a:spcAft>
+                <a:spcPts val="0"/>
+              </a:spcAft>
+            </a:defPPr>
+            <a:lvl1pPr marR="0" lvl="0" algn="ctr" rtl="0">
+              <a:lnSpc>
+                <a:spcPct val="100000"/>
+              </a:lnSpc>
+              <a:spcBef>
+                <a:spcPts val="0"/>
+              </a:spcBef>
+              <a:spcAft>
+                <a:spcPts val="0"/>
+              </a:spcAft>
+              <a:buClr>
+                <a:schemeClr val="lt1"/>
+              </a:buClr>
+              <a:buSzPts val="1800"/>
+              <a:buFont typeface="Vidaloka"/>
+              <a:buNone/>
+              <a:defRPr sz="1800" b="0" i="0" u="none" strike="noStrike" cap="none">
+                <a:solidFill>
+                  <a:schemeClr val="lt1"/>
+                </a:solidFill>
+                <a:latin typeface="Vidaloka"/>
+                <a:ea typeface="Vidaloka"/>
+                <a:cs typeface="Vidaloka"/>
+                <a:sym typeface="Vidaloka"/>
+              </a:defRPr>
+            </a:lvl1pPr>
+            <a:lvl2pPr marR="0" lvl="1" algn="ctr" rtl="0">
+              <a:lnSpc>
+                <a:spcPct val="100000"/>
+              </a:lnSpc>
+              <a:spcBef>
+                <a:spcPts val="0"/>
+              </a:spcBef>
+              <a:spcAft>
+                <a:spcPts val="0"/>
+              </a:spcAft>
+              <a:buClr>
+                <a:schemeClr val="lt1"/>
+              </a:buClr>
+              <a:buSzPts val="1800"/>
+              <a:buFont typeface="Vidaloka"/>
+              <a:buNone/>
+              <a:defRPr sz="1800" b="0" i="0" u="none" strike="noStrike" cap="none">
+                <a:solidFill>
+                  <a:schemeClr val="lt1"/>
+                </a:solidFill>
+                <a:latin typeface="Vidaloka"/>
+                <a:ea typeface="Vidaloka"/>
+                <a:cs typeface="Vidaloka"/>
+                <a:sym typeface="Vidaloka"/>
+              </a:defRPr>
+            </a:lvl2pPr>
+            <a:lvl3pPr marR="0" lvl="2" algn="ctr" rtl="0">
+              <a:lnSpc>
+                <a:spcPct val="100000"/>
+              </a:lnSpc>
+              <a:spcBef>
+                <a:spcPts val="0"/>
+              </a:spcBef>
+              <a:spcAft>
+                <a:spcPts val="0"/>
+              </a:spcAft>
+              <a:buClr>
+                <a:schemeClr val="lt1"/>
+              </a:buClr>
+              <a:buSzPts val="1800"/>
+              <a:buFont typeface="Vidaloka"/>
+              <a:buNone/>
+              <a:defRPr sz="1800" b="0" i="0" u="none" strike="noStrike" cap="none">
+                <a:solidFill>
+                  <a:schemeClr val="lt1"/>
+                </a:solidFill>
+                <a:latin typeface="Vidaloka"/>
+                <a:ea typeface="Vidaloka"/>
+                <a:cs typeface="Vidaloka"/>
+                <a:sym typeface="Vidaloka"/>
+              </a:defRPr>
+            </a:lvl3pPr>
+            <a:lvl4pPr marR="0" lvl="3" algn="ctr" rtl="0">
+              <a:lnSpc>
+                <a:spcPct val="100000"/>
+              </a:lnSpc>
+              <a:spcBef>
+                <a:spcPts val="0"/>
+              </a:spcBef>
+              <a:spcAft>
+                <a:spcPts val="0"/>
+              </a:spcAft>
+              <a:buClr>
+                <a:schemeClr val="lt1"/>
+              </a:buClr>
+              <a:buSzPts val="1800"/>
+              <a:buFont typeface="Vidaloka"/>
+              <a:buNone/>
+              <a:defRPr sz="1800" b="0" i="0" u="none" strike="noStrike" cap="none">
+                <a:solidFill>
+                  <a:schemeClr val="lt1"/>
+                </a:solidFill>
+                <a:latin typeface="Vidaloka"/>
+                <a:ea typeface="Vidaloka"/>
+                <a:cs typeface="Vidaloka"/>
+                <a:sym typeface="Vidaloka"/>
+              </a:defRPr>
+            </a:lvl4pPr>
+            <a:lvl5pPr marR="0" lvl="4" algn="ctr" rtl="0">
+              <a:lnSpc>
+                <a:spcPct val="100000"/>
+              </a:lnSpc>
+              <a:spcBef>
+                <a:spcPts val="0"/>
+              </a:spcBef>
+              <a:spcAft>
+                <a:spcPts val="0"/>
+              </a:spcAft>
+              <a:buClr>
+                <a:schemeClr val="lt1"/>
+              </a:buClr>
+              <a:buSzPts val="1800"/>
+              <a:buFont typeface="Vidaloka"/>
+              <a:buNone/>
+              <a:defRPr sz="1800" b="0" i="0" u="none" strike="noStrike" cap="none">
+                <a:solidFill>
+                  <a:schemeClr val="lt1"/>
+                </a:solidFill>
+                <a:latin typeface="Vidaloka"/>
+                <a:ea typeface="Vidaloka"/>
+                <a:cs typeface="Vidaloka"/>
+                <a:sym typeface="Vidaloka"/>
+              </a:defRPr>
+            </a:lvl5pPr>
+            <a:lvl6pPr marR="0" lvl="5" algn="ctr" rtl="0">
+              <a:lnSpc>
+                <a:spcPct val="100000"/>
+              </a:lnSpc>
+              <a:spcBef>
+                <a:spcPts val="0"/>
+              </a:spcBef>
+              <a:spcAft>
+                <a:spcPts val="0"/>
+              </a:spcAft>
+              <a:buClr>
+                <a:schemeClr val="lt1"/>
+              </a:buClr>
+              <a:buSzPts val="1800"/>
+              <a:buFont typeface="Vidaloka"/>
+              <a:buNone/>
+              <a:defRPr sz="1800" b="0" i="0" u="none" strike="noStrike" cap="none">
+                <a:solidFill>
+                  <a:schemeClr val="lt1"/>
+                </a:solidFill>
+                <a:latin typeface="Vidaloka"/>
+                <a:ea typeface="Vidaloka"/>
+                <a:cs typeface="Vidaloka"/>
+                <a:sym typeface="Vidaloka"/>
+              </a:defRPr>
+            </a:lvl6pPr>
+            <a:lvl7pPr marR="0" lvl="6" algn="ctr" rtl="0">
+              <a:lnSpc>
+                <a:spcPct val="100000"/>
+              </a:lnSpc>
+              <a:spcBef>
+                <a:spcPts val="0"/>
+              </a:spcBef>
+              <a:spcAft>
+                <a:spcPts val="0"/>
+              </a:spcAft>
+              <a:buClr>
+                <a:schemeClr val="lt1"/>
+              </a:buClr>
+              <a:buSzPts val="1800"/>
+              <a:buFont typeface="Vidaloka"/>
+              <a:buNone/>
+              <a:defRPr sz="1800" b="0" i="0" u="none" strike="noStrike" cap="none">
+                <a:solidFill>
+                  <a:schemeClr val="lt1"/>
+                </a:solidFill>
+                <a:latin typeface="Vidaloka"/>
+                <a:ea typeface="Vidaloka"/>
+                <a:cs typeface="Vidaloka"/>
+                <a:sym typeface="Vidaloka"/>
+              </a:defRPr>
+            </a:lvl7pPr>
+            <a:lvl8pPr marR="0" lvl="7" algn="ctr" rtl="0">
+              <a:lnSpc>
+                <a:spcPct val="100000"/>
+              </a:lnSpc>
+              <a:spcBef>
+                <a:spcPts val="0"/>
+              </a:spcBef>
+              <a:spcAft>
+                <a:spcPts val="0"/>
+              </a:spcAft>
+              <a:buClr>
+                <a:schemeClr val="lt1"/>
+              </a:buClr>
+              <a:buSzPts val="1800"/>
+              <a:buFont typeface="Vidaloka"/>
+              <a:buNone/>
+              <a:defRPr sz="1800" b="0" i="0" u="none" strike="noStrike" cap="none">
+                <a:solidFill>
+                  <a:schemeClr val="lt1"/>
+                </a:solidFill>
+                <a:latin typeface="Vidaloka"/>
+                <a:ea typeface="Vidaloka"/>
+                <a:cs typeface="Vidaloka"/>
+                <a:sym typeface="Vidaloka"/>
+              </a:defRPr>
+            </a:lvl8pPr>
+            <a:lvl9pPr marR="0" lvl="8" algn="ctr" rtl="0">
+              <a:lnSpc>
+                <a:spcPct val="100000"/>
+              </a:lnSpc>
+              <a:spcBef>
+                <a:spcPts val="0"/>
+              </a:spcBef>
+              <a:spcAft>
+                <a:spcPts val="0"/>
+              </a:spcAft>
+              <a:buClr>
+                <a:schemeClr val="lt1"/>
+              </a:buClr>
+              <a:buSzPts val="1800"/>
+              <a:buFont typeface="Vidaloka"/>
+              <a:buNone/>
+              <a:defRPr sz="1800" b="0" i="0" u="none" strike="noStrike" cap="none">
+                <a:solidFill>
+                  <a:schemeClr val="lt1"/>
+                </a:solidFill>
+                <a:latin typeface="Vidaloka"/>
+                <a:ea typeface="Vidaloka"/>
+                <a:cs typeface="Vidaloka"/>
+                <a:sym typeface="Vidaloka"/>
+              </a:defRPr>
+            </a:lvl9pPr>
+          </a:lstStyle>
+          <a:p>
+            <a:r>
+              <a:rPr lang="pt-PT" sz="2000" b="1" dirty="0">
+                <a:solidFill>
+                  <a:schemeClr val="tx1"/>
+                </a:solidFill>
+                <a:latin typeface="Segoe UI Black" pitchFamily="34" charset="0"/>
+                <a:ea typeface="Segoe UI Black" pitchFamily="34" charset="0"/>
+                <a:cs typeface="Segoe UI Light" pitchFamily="34" charset="0"/>
+              </a:rPr>
+              <a:t>Papel dos professores na orientação vocacional e profissional</a:t>
+            </a:r>
+            <a:endParaRPr lang="pt-PT" sz="2000" b="1" dirty="0">
+              <a:solidFill>
+                <a:schemeClr val="tx1"/>
+              </a:solidFill>
+              <a:latin typeface="Segoe UI Black" pitchFamily="34" charset="0"/>
+              <a:ea typeface="Segoe UI Black" pitchFamily="34" charset="0"/>
+              <a:cs typeface="Segoe UI Light" pitchFamily="34" charset="0"/>
+            </a:endParaRPr>
+          </a:p>
+        </p:txBody>
+      </p:sp>
+    </p:spTree>
+    <p:extLst>
+      <p:ext uri="{BB962C8B-B14F-4D97-AF65-F5344CB8AC3E}">
+        <p14:creationId xmlns:p14="http://schemas.microsoft.com/office/powerpoint/2010/main" val="2292302891"/>
+      </p:ext>
+    </p:extLst>
+  </p:cSld>
+  <p:clrMapOvr>
+    <a:masterClrMapping/>
+  </p:clrMapOvr>
+  <p:timing>
+    <p:tnLst>
+      <p:par>
+        <p:cTn id="1" dur="indefinite" restart="never" nodeType="tmRoot"/>
+      </p:par>
+    </p:tnLst>
+  </p:timing>
+</p:sld>
+</file>
+
+<file path=ppt/slides/slide14.xml><?xml version="1.0" encoding="utf-8"?>
+<p:sld xmlns:a="http://schemas.openxmlformats.org/drawingml/2006/main" xmlns:r="http://schemas.openxmlformats.org/officeDocument/2006/relationships" xmlns:p="http://schemas.openxmlformats.org/presentationml/2006/main">
+  <p:cSld>
+    <p:spTree>
+      <p:nvGrpSpPr>
+        <p:cNvPr id="1" name="Shape 78"/>
+        <p:cNvGrpSpPr/>
+        <p:nvPr/>
+      </p:nvGrpSpPr>
+      <p:grpSpPr>
+        <a:xfrm>
+          <a:off x="0" y="0"/>
+          <a:ext cx="0" cy="0"/>
+          <a:chOff x="0" y="0"/>
+          <a:chExt cx="0" cy="0"/>
+        </a:xfrm>
+      </p:grpSpPr>
+      <p:sp>
+        <p:nvSpPr>
+          <p:cNvPr id="83" name="Google Shape;83;p13"/>
+          <p:cNvSpPr txBox="1">
+            <a:spLocks noGrp="1"/>
+          </p:cNvSpPr>
+          <p:nvPr>
+            <p:ph type="sldNum" idx="12"/>
+          </p:nvPr>
+        </p:nvSpPr>
+        <p:spPr>
+          <a:xfrm>
+            <a:off x="4297659" y="510251"/>
+            <a:ext cx="548700" cy="393600"/>
+          </a:xfrm>
+          <a:prstGeom prst="rect">
+            <a:avLst/>
+          </a:prstGeom>
+        </p:spPr>
+        <p:txBody>
+          <a:bodyPr spcFirstLastPara="1" wrap="square" lIns="91425" tIns="91425" rIns="91425" bIns="91425" anchor="ctr" anchorCtr="0">
+            <a:noAutofit/>
+          </a:bodyPr>
+          <a:lstStyle/>
+          <a:p>
+            <a:pPr marL="0" lvl="0" indent="0" algn="ctr" rtl="0">
+              <a:spcBef>
+                <a:spcPts val="0"/>
+              </a:spcBef>
+              <a:spcAft>
+                <a:spcPts val="0"/>
+              </a:spcAft>
+              <a:buNone/>
+            </a:pPr>
+            <a:fld id="{00000000-1234-1234-1234-123412341234}" type="slidenum">
+              <a:rPr lang="en" smtClean="0"/>
+              <a:t>14</a:t>
+            </a:fld>
+            <a:endParaRPr dirty="0"/>
+          </a:p>
+        </p:txBody>
+      </p:sp>
+      <p:sp>
+        <p:nvSpPr>
+          <p:cNvPr id="5" name="Google Shape;71;p12"/>
+          <p:cNvSpPr txBox="1">
+            <a:spLocks/>
+          </p:cNvSpPr>
+          <p:nvPr/>
+        </p:nvSpPr>
+        <p:spPr>
+          <a:xfrm>
+            <a:off x="1187624" y="2067694"/>
+            <a:ext cx="6624745" cy="473704"/>
+          </a:xfrm>
+          <a:prstGeom prst="rect">
+            <a:avLst/>
+          </a:prstGeom>
+          <a:noFill/>
+          <a:ln>
+            <a:noFill/>
+          </a:ln>
+        </p:spPr>
+        <p:txBody>
+          <a:bodyPr spcFirstLastPara="1" wrap="square" lIns="91425" tIns="91425" rIns="91425" bIns="91425" anchor="ctr" anchorCtr="0">
+            <a:noAutofit/>
+          </a:bodyPr>
+          <a:lstStyle>
+            <a:defPPr marR="0" lvl="0" algn="l" rtl="0">
+              <a:lnSpc>
+                <a:spcPct val="100000"/>
+              </a:lnSpc>
+              <a:spcBef>
+                <a:spcPts val="0"/>
+              </a:spcBef>
+              <a:spcAft>
+                <a:spcPts val="0"/>
+              </a:spcAft>
+            </a:defPPr>
+            <a:lvl1pPr marR="0" lvl="0" algn="ctr" rtl="0">
+              <a:lnSpc>
+                <a:spcPct val="100000"/>
+              </a:lnSpc>
+              <a:spcBef>
+                <a:spcPts val="0"/>
+              </a:spcBef>
+              <a:spcAft>
+                <a:spcPts val="0"/>
+              </a:spcAft>
+              <a:buClr>
+                <a:schemeClr val="lt1"/>
+              </a:buClr>
+              <a:buSzPts val="1800"/>
+              <a:buFont typeface="Vidaloka"/>
+              <a:buNone/>
+              <a:defRPr sz="1800" b="0" i="0" u="none" strike="noStrike" cap="none">
+                <a:solidFill>
+                  <a:schemeClr val="lt1"/>
+                </a:solidFill>
+                <a:latin typeface="Vidaloka"/>
+                <a:ea typeface="Vidaloka"/>
+                <a:cs typeface="Vidaloka"/>
+                <a:sym typeface="Vidaloka"/>
+              </a:defRPr>
+            </a:lvl1pPr>
+            <a:lvl2pPr marR="0" lvl="1" algn="ctr" rtl="0">
+              <a:lnSpc>
+                <a:spcPct val="100000"/>
+              </a:lnSpc>
+              <a:spcBef>
+                <a:spcPts val="0"/>
+              </a:spcBef>
+              <a:spcAft>
+                <a:spcPts val="0"/>
+              </a:spcAft>
+              <a:buClr>
+                <a:schemeClr val="lt1"/>
+              </a:buClr>
+              <a:buSzPts val="1800"/>
+              <a:buFont typeface="Vidaloka"/>
+              <a:buNone/>
+              <a:defRPr sz="1800" b="0" i="0" u="none" strike="noStrike" cap="none">
+                <a:solidFill>
+                  <a:schemeClr val="lt1"/>
+                </a:solidFill>
+                <a:latin typeface="Vidaloka"/>
+                <a:ea typeface="Vidaloka"/>
+                <a:cs typeface="Vidaloka"/>
+                <a:sym typeface="Vidaloka"/>
+              </a:defRPr>
+            </a:lvl2pPr>
+            <a:lvl3pPr marR="0" lvl="2" algn="ctr" rtl="0">
+              <a:lnSpc>
+                <a:spcPct val="100000"/>
+              </a:lnSpc>
+              <a:spcBef>
+                <a:spcPts val="0"/>
+              </a:spcBef>
+              <a:spcAft>
+                <a:spcPts val="0"/>
+              </a:spcAft>
+              <a:buClr>
+                <a:schemeClr val="lt1"/>
+              </a:buClr>
+              <a:buSzPts val="1800"/>
+              <a:buFont typeface="Vidaloka"/>
+              <a:buNone/>
+              <a:defRPr sz="1800" b="0" i="0" u="none" strike="noStrike" cap="none">
+                <a:solidFill>
+                  <a:schemeClr val="lt1"/>
+                </a:solidFill>
+                <a:latin typeface="Vidaloka"/>
+                <a:ea typeface="Vidaloka"/>
+                <a:cs typeface="Vidaloka"/>
+                <a:sym typeface="Vidaloka"/>
+              </a:defRPr>
+            </a:lvl3pPr>
+            <a:lvl4pPr marR="0" lvl="3" algn="ctr" rtl="0">
+              <a:lnSpc>
+                <a:spcPct val="100000"/>
+              </a:lnSpc>
+              <a:spcBef>
+                <a:spcPts val="0"/>
+              </a:spcBef>
+              <a:spcAft>
+                <a:spcPts val="0"/>
+              </a:spcAft>
+              <a:buClr>
+                <a:schemeClr val="lt1"/>
+              </a:buClr>
+              <a:buSzPts val="1800"/>
+              <a:buFont typeface="Vidaloka"/>
+              <a:buNone/>
+              <a:defRPr sz="1800" b="0" i="0" u="none" strike="noStrike" cap="none">
+                <a:solidFill>
+                  <a:schemeClr val="lt1"/>
+                </a:solidFill>
+                <a:latin typeface="Vidaloka"/>
+                <a:ea typeface="Vidaloka"/>
+                <a:cs typeface="Vidaloka"/>
+                <a:sym typeface="Vidaloka"/>
+              </a:defRPr>
+            </a:lvl4pPr>
+            <a:lvl5pPr marR="0" lvl="4" algn="ctr" rtl="0">
+              <a:lnSpc>
+                <a:spcPct val="100000"/>
+              </a:lnSpc>
+              <a:spcBef>
+                <a:spcPts val="0"/>
+              </a:spcBef>
+              <a:spcAft>
+                <a:spcPts val="0"/>
+              </a:spcAft>
+              <a:buClr>
+                <a:schemeClr val="lt1"/>
+              </a:buClr>
+              <a:buSzPts val="1800"/>
+              <a:buFont typeface="Vidaloka"/>
+              <a:buNone/>
+              <a:defRPr sz="1800" b="0" i="0" u="none" strike="noStrike" cap="none">
+                <a:solidFill>
+                  <a:schemeClr val="lt1"/>
+                </a:solidFill>
+                <a:latin typeface="Vidaloka"/>
+                <a:ea typeface="Vidaloka"/>
+                <a:cs typeface="Vidaloka"/>
+                <a:sym typeface="Vidaloka"/>
+              </a:defRPr>
+            </a:lvl5pPr>
+            <a:lvl6pPr marR="0" lvl="5" algn="ctr" rtl="0">
+              <a:lnSpc>
+                <a:spcPct val="100000"/>
+              </a:lnSpc>
+              <a:spcBef>
+                <a:spcPts val="0"/>
+              </a:spcBef>
+              <a:spcAft>
+                <a:spcPts val="0"/>
+              </a:spcAft>
+              <a:buClr>
+                <a:schemeClr val="lt1"/>
+              </a:buClr>
+              <a:buSzPts val="1800"/>
+              <a:buFont typeface="Vidaloka"/>
+              <a:buNone/>
+              <a:defRPr sz="1800" b="0" i="0" u="none" strike="noStrike" cap="none">
+                <a:solidFill>
+                  <a:schemeClr val="lt1"/>
+                </a:solidFill>
+                <a:latin typeface="Vidaloka"/>
+                <a:ea typeface="Vidaloka"/>
+                <a:cs typeface="Vidaloka"/>
+                <a:sym typeface="Vidaloka"/>
+              </a:defRPr>
+            </a:lvl6pPr>
+            <a:lvl7pPr marR="0" lvl="6" algn="ctr" rtl="0">
+              <a:lnSpc>
+                <a:spcPct val="100000"/>
+              </a:lnSpc>
+              <a:spcBef>
+                <a:spcPts val="0"/>
+              </a:spcBef>
+              <a:spcAft>
+                <a:spcPts val="0"/>
+              </a:spcAft>
+              <a:buClr>
+                <a:schemeClr val="lt1"/>
+              </a:buClr>
+              <a:buSzPts val="1800"/>
+              <a:buFont typeface="Vidaloka"/>
+              <a:buNone/>
+              <a:defRPr sz="1800" b="0" i="0" u="none" strike="noStrike" cap="none">
+                <a:solidFill>
+                  <a:schemeClr val="lt1"/>
+                </a:solidFill>
+                <a:latin typeface="Vidaloka"/>
+                <a:ea typeface="Vidaloka"/>
+                <a:cs typeface="Vidaloka"/>
+                <a:sym typeface="Vidaloka"/>
+              </a:defRPr>
+            </a:lvl7pPr>
+            <a:lvl8pPr marR="0" lvl="7" algn="ctr" rtl="0">
+              <a:lnSpc>
+                <a:spcPct val="100000"/>
+              </a:lnSpc>
+              <a:spcBef>
+                <a:spcPts val="0"/>
+              </a:spcBef>
+              <a:spcAft>
+                <a:spcPts val="0"/>
+              </a:spcAft>
+              <a:buClr>
+                <a:schemeClr val="lt1"/>
+              </a:buClr>
+              <a:buSzPts val="1800"/>
+              <a:buFont typeface="Vidaloka"/>
+              <a:buNone/>
+              <a:defRPr sz="1800" b="0" i="0" u="none" strike="noStrike" cap="none">
+                <a:solidFill>
+                  <a:schemeClr val="lt1"/>
+                </a:solidFill>
+                <a:latin typeface="Vidaloka"/>
+                <a:ea typeface="Vidaloka"/>
+                <a:cs typeface="Vidaloka"/>
+                <a:sym typeface="Vidaloka"/>
+              </a:defRPr>
+            </a:lvl8pPr>
+            <a:lvl9pPr marR="0" lvl="8" algn="ctr" rtl="0">
+              <a:lnSpc>
+                <a:spcPct val="100000"/>
+              </a:lnSpc>
+              <a:spcBef>
+                <a:spcPts val="0"/>
+              </a:spcBef>
+              <a:spcAft>
+                <a:spcPts val="0"/>
+              </a:spcAft>
+              <a:buClr>
+                <a:schemeClr val="lt1"/>
+              </a:buClr>
+              <a:buSzPts val="1800"/>
+              <a:buFont typeface="Vidaloka"/>
+              <a:buNone/>
+              <a:defRPr sz="1800" b="0" i="0" u="none" strike="noStrike" cap="none">
+                <a:solidFill>
+                  <a:schemeClr val="lt1"/>
+                </a:solidFill>
+                <a:latin typeface="Vidaloka"/>
+                <a:ea typeface="Vidaloka"/>
+                <a:cs typeface="Vidaloka"/>
+                <a:sym typeface="Vidaloka"/>
+              </a:defRPr>
+            </a:lvl9pPr>
+          </a:lstStyle>
+          <a:p>
+            <a:r>
+              <a:rPr lang="pt-PT" sz="2000" b="1" dirty="0" smtClean="0">
+                <a:solidFill>
+                  <a:schemeClr val="tx1"/>
+                </a:solidFill>
+                <a:latin typeface="Segoe UI Black" pitchFamily="34" charset="0"/>
+                <a:ea typeface="Segoe UI Black" pitchFamily="34" charset="0"/>
+                <a:cs typeface="Segoe UI Light" pitchFamily="34" charset="0"/>
+              </a:rPr>
+              <a:t>Conceitos fundamentais para o desenvolvimento do sistema web</a:t>
+            </a:r>
+            <a:endParaRPr lang="pt-PT" sz="2000" b="1" dirty="0">
+              <a:solidFill>
+                <a:schemeClr val="tx1"/>
+              </a:solidFill>
+              <a:latin typeface="Segoe UI Black" pitchFamily="34" charset="0"/>
+              <a:ea typeface="Segoe UI Black" pitchFamily="34" charset="0"/>
+              <a:cs typeface="Segoe UI Light" pitchFamily="34" charset="0"/>
+            </a:endParaRPr>
+          </a:p>
+        </p:txBody>
+      </p:sp>
+    </p:spTree>
+    <p:extLst>
+      <p:ext uri="{BB962C8B-B14F-4D97-AF65-F5344CB8AC3E}">
+        <p14:creationId xmlns:p14="http://schemas.microsoft.com/office/powerpoint/2010/main" val="3446931020"/>
+      </p:ext>
+    </p:extLst>
+  </p:cSld>
+  <p:clrMapOvr>
+    <a:masterClrMapping/>
+  </p:clrMapOvr>
+  <p:timing>
+    <p:tnLst>
+      <p:par>
+        <p:cTn id="1" dur="indefinite" restart="never" nodeType="tmRoot"/>
+      </p:par>
+    </p:tnLst>
+  </p:timing>
+</p:sld>
+</file>
+
+<file path=ppt/slides/slide15.xml><?xml version="1.0" encoding="utf-8"?>
+<p:sld xmlns:a="http://schemas.openxmlformats.org/drawingml/2006/main" xmlns:r="http://schemas.openxmlformats.org/officeDocument/2006/relationships" xmlns:p="http://schemas.openxmlformats.org/presentationml/2006/main">
+  <p:cSld>
+    <p:spTree>
+      <p:nvGrpSpPr>
+        <p:cNvPr id="1" name="Shape 78"/>
+        <p:cNvGrpSpPr/>
+        <p:nvPr/>
+      </p:nvGrpSpPr>
+      <p:grpSpPr>
+        <a:xfrm>
+          <a:off x="0" y="0"/>
+          <a:ext cx="0" cy="0"/>
+          <a:chOff x="0" y="0"/>
+          <a:chExt cx="0" cy="0"/>
+        </a:xfrm>
+      </p:grpSpPr>
+      <p:sp>
+        <p:nvSpPr>
+          <p:cNvPr id="83" name="Google Shape;83;p13"/>
+          <p:cNvSpPr txBox="1">
+            <a:spLocks noGrp="1"/>
+          </p:cNvSpPr>
+          <p:nvPr>
+            <p:ph type="sldNum" idx="12"/>
+          </p:nvPr>
+        </p:nvSpPr>
+        <p:spPr>
+          <a:xfrm>
+            <a:off x="4297659" y="510251"/>
+            <a:ext cx="548700" cy="393600"/>
+          </a:xfrm>
+          <a:prstGeom prst="rect">
+            <a:avLst/>
+          </a:prstGeom>
+        </p:spPr>
+        <p:txBody>
+          <a:bodyPr spcFirstLastPara="1" wrap="square" lIns="91425" tIns="91425" rIns="91425" bIns="91425" anchor="ctr" anchorCtr="0">
+            <a:noAutofit/>
+          </a:bodyPr>
+          <a:lstStyle/>
+          <a:p>
+            <a:pPr marL="0" lvl="0" indent="0" algn="ctr" rtl="0">
+              <a:spcBef>
+                <a:spcPts val="0"/>
+              </a:spcBef>
+              <a:spcAft>
+                <a:spcPts val="0"/>
+              </a:spcAft>
+              <a:buNone/>
+            </a:pPr>
+            <a:fld id="{00000000-1234-1234-1234-123412341234}" type="slidenum">
+              <a:rPr lang="en" smtClean="0"/>
+              <a:t>15</a:t>
+            </a:fld>
+            <a:endParaRPr dirty="0"/>
+          </a:p>
+        </p:txBody>
+      </p:sp>
+      <p:sp>
+        <p:nvSpPr>
+          <p:cNvPr id="8" name="Google Shape;71;p12"/>
+          <p:cNvSpPr txBox="1">
+            <a:spLocks/>
+          </p:cNvSpPr>
+          <p:nvPr/>
+        </p:nvSpPr>
+        <p:spPr>
+          <a:xfrm>
+            <a:off x="5580112" y="903851"/>
+            <a:ext cx="3126060" cy="3181613"/>
+          </a:xfrm>
+          <a:prstGeom prst="rect">
+            <a:avLst/>
+          </a:prstGeom>
+          <a:noFill/>
+          <a:ln>
+            <a:noFill/>
+          </a:ln>
+        </p:spPr>
+        <p:txBody>
+          <a:bodyPr spcFirstLastPara="1" wrap="square" lIns="91425" tIns="91425" rIns="91425" bIns="91425" anchor="ctr" anchorCtr="0">
+            <a:noAutofit/>
+          </a:bodyPr>
+          <a:lstStyle>
+            <a:defPPr marR="0" lvl="0" algn="l" rtl="0">
+              <a:lnSpc>
+                <a:spcPct val="100000"/>
+              </a:lnSpc>
+              <a:spcBef>
+                <a:spcPts val="0"/>
+              </a:spcBef>
+              <a:spcAft>
+                <a:spcPts val="0"/>
+              </a:spcAft>
+            </a:defPPr>
+            <a:lvl1pPr marR="0" lvl="0" algn="ctr" rtl="0">
+              <a:lnSpc>
+                <a:spcPct val="100000"/>
+              </a:lnSpc>
+              <a:spcBef>
+                <a:spcPts val="0"/>
+              </a:spcBef>
+              <a:spcAft>
+                <a:spcPts val="0"/>
+              </a:spcAft>
+              <a:buClr>
+                <a:schemeClr val="lt1"/>
+              </a:buClr>
+              <a:buSzPts val="1800"/>
+              <a:buFont typeface="Vidaloka"/>
+              <a:buNone/>
+              <a:defRPr sz="1800" b="0" i="0" u="none" strike="noStrike" cap="none">
+                <a:solidFill>
+                  <a:schemeClr val="lt1"/>
+                </a:solidFill>
+                <a:latin typeface="Vidaloka"/>
+                <a:ea typeface="Vidaloka"/>
+                <a:cs typeface="Vidaloka"/>
+                <a:sym typeface="Vidaloka"/>
+              </a:defRPr>
+            </a:lvl1pPr>
+            <a:lvl2pPr marR="0" lvl="1" algn="ctr" rtl="0">
+              <a:lnSpc>
+                <a:spcPct val="100000"/>
+              </a:lnSpc>
+              <a:spcBef>
+                <a:spcPts val="0"/>
+              </a:spcBef>
+              <a:spcAft>
+                <a:spcPts val="0"/>
+              </a:spcAft>
+              <a:buClr>
+                <a:schemeClr val="lt1"/>
+              </a:buClr>
+              <a:buSzPts val="1800"/>
+              <a:buFont typeface="Vidaloka"/>
+              <a:buNone/>
+              <a:defRPr sz="1800" b="0" i="0" u="none" strike="noStrike" cap="none">
+                <a:solidFill>
+                  <a:schemeClr val="lt1"/>
+                </a:solidFill>
+                <a:latin typeface="Vidaloka"/>
+                <a:ea typeface="Vidaloka"/>
+                <a:cs typeface="Vidaloka"/>
+                <a:sym typeface="Vidaloka"/>
+              </a:defRPr>
+            </a:lvl2pPr>
+            <a:lvl3pPr marR="0" lvl="2" algn="ctr" rtl="0">
+              <a:lnSpc>
+                <a:spcPct val="100000"/>
+              </a:lnSpc>
+              <a:spcBef>
+                <a:spcPts val="0"/>
+              </a:spcBef>
+              <a:spcAft>
+                <a:spcPts val="0"/>
+              </a:spcAft>
+              <a:buClr>
+                <a:schemeClr val="lt1"/>
+              </a:buClr>
+              <a:buSzPts val="1800"/>
+              <a:buFont typeface="Vidaloka"/>
+              <a:buNone/>
+              <a:defRPr sz="1800" b="0" i="0" u="none" strike="noStrike" cap="none">
+                <a:solidFill>
+                  <a:schemeClr val="lt1"/>
+                </a:solidFill>
+                <a:latin typeface="Vidaloka"/>
+                <a:ea typeface="Vidaloka"/>
+                <a:cs typeface="Vidaloka"/>
+                <a:sym typeface="Vidaloka"/>
+              </a:defRPr>
+            </a:lvl3pPr>
+            <a:lvl4pPr marR="0" lvl="3" algn="ctr" rtl="0">
+              <a:lnSpc>
+                <a:spcPct val="100000"/>
+              </a:lnSpc>
+              <a:spcBef>
+                <a:spcPts val="0"/>
+              </a:spcBef>
+              <a:spcAft>
+                <a:spcPts val="0"/>
+              </a:spcAft>
+              <a:buClr>
+                <a:schemeClr val="lt1"/>
+              </a:buClr>
+              <a:buSzPts val="1800"/>
+              <a:buFont typeface="Vidaloka"/>
+              <a:buNone/>
+              <a:defRPr sz="1800" b="0" i="0" u="none" strike="noStrike" cap="none">
+                <a:solidFill>
+                  <a:schemeClr val="lt1"/>
+                </a:solidFill>
+                <a:latin typeface="Vidaloka"/>
+                <a:ea typeface="Vidaloka"/>
+                <a:cs typeface="Vidaloka"/>
+                <a:sym typeface="Vidaloka"/>
+              </a:defRPr>
+            </a:lvl4pPr>
+            <a:lvl5pPr marR="0" lvl="4" algn="ctr" rtl="0">
+              <a:lnSpc>
+                <a:spcPct val="100000"/>
+              </a:lnSpc>
+              <a:spcBef>
+                <a:spcPts val="0"/>
+              </a:spcBef>
+              <a:spcAft>
+                <a:spcPts val="0"/>
+              </a:spcAft>
+              <a:buClr>
+                <a:schemeClr val="lt1"/>
+              </a:buClr>
+              <a:buSzPts val="1800"/>
+              <a:buFont typeface="Vidaloka"/>
+              <a:buNone/>
+              <a:defRPr sz="1800" b="0" i="0" u="none" strike="noStrike" cap="none">
+                <a:solidFill>
+                  <a:schemeClr val="lt1"/>
+                </a:solidFill>
+                <a:latin typeface="Vidaloka"/>
+                <a:ea typeface="Vidaloka"/>
+                <a:cs typeface="Vidaloka"/>
+                <a:sym typeface="Vidaloka"/>
+              </a:defRPr>
+            </a:lvl5pPr>
+            <a:lvl6pPr marR="0" lvl="5" algn="ctr" rtl="0">
+              <a:lnSpc>
+                <a:spcPct val="100000"/>
+              </a:lnSpc>
+              <a:spcBef>
+                <a:spcPts val="0"/>
+              </a:spcBef>
+              <a:spcAft>
+                <a:spcPts val="0"/>
+              </a:spcAft>
+              <a:buClr>
+                <a:schemeClr val="lt1"/>
+              </a:buClr>
+              <a:buSzPts val="1800"/>
+              <a:buFont typeface="Vidaloka"/>
+              <a:buNone/>
+              <a:defRPr sz="1800" b="0" i="0" u="none" strike="noStrike" cap="none">
+                <a:solidFill>
+                  <a:schemeClr val="lt1"/>
+                </a:solidFill>
+                <a:latin typeface="Vidaloka"/>
+                <a:ea typeface="Vidaloka"/>
+                <a:cs typeface="Vidaloka"/>
+                <a:sym typeface="Vidaloka"/>
+              </a:defRPr>
+            </a:lvl6pPr>
+            <a:lvl7pPr marR="0" lvl="6" algn="ctr" rtl="0">
+              <a:lnSpc>
+                <a:spcPct val="100000"/>
+              </a:lnSpc>
+              <a:spcBef>
+                <a:spcPts val="0"/>
+              </a:spcBef>
+              <a:spcAft>
+                <a:spcPts val="0"/>
+              </a:spcAft>
+              <a:buClr>
+                <a:schemeClr val="lt1"/>
+              </a:buClr>
+              <a:buSzPts val="1800"/>
+              <a:buFont typeface="Vidaloka"/>
+              <a:buNone/>
+              <a:defRPr sz="1800" b="0" i="0" u="none" strike="noStrike" cap="none">
+                <a:solidFill>
+                  <a:schemeClr val="lt1"/>
+                </a:solidFill>
+                <a:latin typeface="Vidaloka"/>
+                <a:ea typeface="Vidaloka"/>
+                <a:cs typeface="Vidaloka"/>
+                <a:sym typeface="Vidaloka"/>
+              </a:defRPr>
+            </a:lvl7pPr>
+            <a:lvl8pPr marR="0" lvl="7" algn="ctr" rtl="0">
+              <a:lnSpc>
+                <a:spcPct val="100000"/>
+              </a:lnSpc>
+              <a:spcBef>
+                <a:spcPts val="0"/>
+              </a:spcBef>
+              <a:spcAft>
+                <a:spcPts val="0"/>
+              </a:spcAft>
+              <a:buClr>
+                <a:schemeClr val="lt1"/>
+              </a:buClr>
+              <a:buSzPts val="1800"/>
+              <a:buFont typeface="Vidaloka"/>
+              <a:buNone/>
+              <a:defRPr sz="1800" b="0" i="0" u="none" strike="noStrike" cap="none">
+                <a:solidFill>
+                  <a:schemeClr val="lt1"/>
+                </a:solidFill>
+                <a:latin typeface="Vidaloka"/>
+                <a:ea typeface="Vidaloka"/>
+                <a:cs typeface="Vidaloka"/>
+                <a:sym typeface="Vidaloka"/>
+              </a:defRPr>
+            </a:lvl8pPr>
+            <a:lvl9pPr marR="0" lvl="8" algn="ctr" rtl="0">
+              <a:lnSpc>
+                <a:spcPct val="100000"/>
+              </a:lnSpc>
+              <a:spcBef>
+                <a:spcPts val="0"/>
+              </a:spcBef>
+              <a:spcAft>
+                <a:spcPts val="0"/>
+              </a:spcAft>
+              <a:buClr>
+                <a:schemeClr val="lt1"/>
+              </a:buClr>
+              <a:buSzPts val="1800"/>
+              <a:buFont typeface="Vidaloka"/>
+              <a:buNone/>
+              <a:defRPr sz="1800" b="0" i="0" u="none" strike="noStrike" cap="none">
+                <a:solidFill>
+                  <a:schemeClr val="lt1"/>
+                </a:solidFill>
+                <a:latin typeface="Vidaloka"/>
+                <a:ea typeface="Vidaloka"/>
+                <a:cs typeface="Vidaloka"/>
+                <a:sym typeface="Vidaloka"/>
+              </a:defRPr>
+            </a:lvl9pPr>
+          </a:lstStyle>
+          <a:p>
+            <a:pPr marL="285750" indent="-285750">
+              <a:buFontTx/>
+              <a:buChar char="-"/>
+            </a:pPr>
+            <a:r>
+              <a:rPr lang="pt-PT" b="1" dirty="0" smtClean="0">
+                <a:solidFill>
+                  <a:schemeClr val="tx1">
+                    <a:lumMod val="50000"/>
+                  </a:schemeClr>
+                </a:solidFill>
+                <a:latin typeface="Segoe UI Black" pitchFamily="34" charset="0"/>
+                <a:ea typeface="Segoe UI Black" pitchFamily="34" charset="0"/>
+                <a:cs typeface="Segoe UI Light" pitchFamily="34" charset="0"/>
+              </a:rPr>
+              <a:t>Linguagem de Programação</a:t>
+            </a:r>
+            <a:endParaRPr lang="pt-PT" b="1" dirty="0" smtClean="0">
+              <a:solidFill>
+                <a:schemeClr val="tx1">
+                  <a:lumMod val="50000"/>
+                </a:schemeClr>
+              </a:solidFill>
+              <a:latin typeface="Segoe UI Black" pitchFamily="34" charset="0"/>
+              <a:ea typeface="Segoe UI Black" pitchFamily="34" charset="0"/>
+              <a:cs typeface="Segoe UI Light" pitchFamily="34" charset="0"/>
+            </a:endParaRPr>
+          </a:p>
+          <a:p>
+            <a:pPr marL="285750" indent="-285750" algn="l">
+              <a:buFontTx/>
+              <a:buChar char="-"/>
+            </a:pPr>
+            <a:r>
+              <a:rPr lang="pt-PT" b="1" dirty="0" smtClean="0">
+                <a:solidFill>
+                  <a:schemeClr val="tx1">
+                    <a:lumMod val="50000"/>
+                  </a:schemeClr>
+                </a:solidFill>
+                <a:latin typeface="Segoe UI Black" pitchFamily="34" charset="0"/>
+                <a:ea typeface="Segoe UI Black" pitchFamily="34" charset="0"/>
+                <a:cs typeface="Segoe UI Light" pitchFamily="34" charset="0"/>
+              </a:rPr>
+              <a:t/>
+            </a:r>
+            <a:br>
+              <a:rPr lang="pt-PT" b="1" dirty="0" smtClean="0">
+                <a:solidFill>
+                  <a:schemeClr val="tx1">
+                    <a:lumMod val="50000"/>
+                  </a:schemeClr>
+                </a:solidFill>
+                <a:latin typeface="Segoe UI Black" pitchFamily="34" charset="0"/>
+                <a:ea typeface="Segoe UI Black" pitchFamily="34" charset="0"/>
+                <a:cs typeface="Segoe UI Light" pitchFamily="34" charset="0"/>
+              </a:rPr>
+            </a:br>
+            <a:r>
+              <a:rPr lang="pt-PT" b="1" dirty="0" smtClean="0">
+                <a:solidFill>
+                  <a:schemeClr val="tx1">
+                    <a:lumMod val="50000"/>
+                  </a:schemeClr>
+                </a:solidFill>
+                <a:latin typeface="Segoe UI Black" pitchFamily="34" charset="0"/>
+                <a:ea typeface="Segoe UI Black" pitchFamily="34" charset="0"/>
+                <a:cs typeface="Segoe UI Light" pitchFamily="34" charset="0"/>
+              </a:rPr>
+              <a:t>Base de Dados</a:t>
+            </a:r>
+            <a:endParaRPr lang="pt-PT" b="1" dirty="0" smtClean="0">
+              <a:solidFill>
+                <a:schemeClr val="tx1">
+                  <a:lumMod val="50000"/>
+                </a:schemeClr>
+              </a:solidFill>
+              <a:latin typeface="Segoe UI Black" pitchFamily="34" charset="0"/>
+              <a:ea typeface="Segoe UI Black" pitchFamily="34" charset="0"/>
+              <a:cs typeface="Segoe UI Light" pitchFamily="34" charset="0"/>
+            </a:endParaRPr>
+          </a:p>
+          <a:p>
+            <a:pPr marL="285750" indent="-285750" algn="l">
+              <a:buFontTx/>
+              <a:buChar char="-"/>
+            </a:pPr>
+            <a:endParaRPr lang="pt-PT" b="1" dirty="0" smtClean="0">
+              <a:solidFill>
+                <a:schemeClr val="tx1">
+                  <a:lumMod val="50000"/>
+                </a:schemeClr>
+              </a:solidFill>
+              <a:latin typeface="Segoe UI Black" pitchFamily="34" charset="0"/>
+              <a:ea typeface="Segoe UI Black" pitchFamily="34" charset="0"/>
+              <a:cs typeface="Segoe UI Light" pitchFamily="34" charset="0"/>
+            </a:endParaRPr>
+          </a:p>
+          <a:p>
+            <a:pPr marL="285750" indent="-285750" algn="l">
+              <a:buFontTx/>
+              <a:buChar char="-"/>
+            </a:pPr>
+            <a:r>
+              <a:rPr lang="pt-PT" b="1" dirty="0" smtClean="0">
+                <a:solidFill>
+                  <a:schemeClr val="tx1">
+                    <a:lumMod val="50000"/>
+                  </a:schemeClr>
+                </a:solidFill>
+                <a:latin typeface="Segoe UI Black" pitchFamily="34" charset="0"/>
+                <a:ea typeface="Segoe UI Black" pitchFamily="34" charset="0"/>
+                <a:cs typeface="Segoe UI Light" pitchFamily="34" charset="0"/>
+              </a:rPr>
+              <a:t>- Inserção : </a:t>
+            </a:r>
+          </a:p>
+          <a:p>
+            <a:pPr marL="285750" indent="-285750" algn="l">
+              <a:buFontTx/>
+              <a:buChar char="-"/>
+            </a:pPr>
+            <a:endParaRPr lang="pt-PT" b="1" dirty="0" smtClean="0">
+              <a:solidFill>
+                <a:schemeClr val="tx1">
+                  <a:lumMod val="50000"/>
+                </a:schemeClr>
+              </a:solidFill>
+              <a:latin typeface="Segoe UI Black" pitchFamily="34" charset="0"/>
+              <a:ea typeface="Segoe UI Black" pitchFamily="34" charset="0"/>
+              <a:cs typeface="Segoe UI Light" pitchFamily="34" charset="0"/>
+            </a:endParaRPr>
+          </a:p>
+          <a:p>
+            <a:pPr marL="285750" indent="-285750" algn="l">
+              <a:buFontTx/>
+              <a:buChar char="-"/>
+            </a:pPr>
+            <a:r>
+              <a:rPr lang="pt-PT" b="1" dirty="0" smtClean="0">
+                <a:solidFill>
+                  <a:schemeClr val="tx1">
+                    <a:lumMod val="50000"/>
+                  </a:schemeClr>
+                </a:solidFill>
+                <a:latin typeface="Segoe UI Black" pitchFamily="34" charset="0"/>
+                <a:ea typeface="Segoe UI Black" pitchFamily="34" charset="0"/>
+                <a:cs typeface="Segoe UI Light" pitchFamily="34" charset="0"/>
+              </a:rPr>
+              <a:t>* social, </a:t>
+            </a:r>
+            <a:br>
+              <a:rPr lang="pt-PT" b="1" dirty="0" smtClean="0">
+                <a:solidFill>
+                  <a:schemeClr val="tx1">
+                    <a:lumMod val="50000"/>
+                  </a:schemeClr>
+                </a:solidFill>
+                <a:latin typeface="Segoe UI Black" pitchFamily="34" charset="0"/>
+                <a:ea typeface="Segoe UI Black" pitchFamily="34" charset="0"/>
+                <a:cs typeface="Segoe UI Light" pitchFamily="34" charset="0"/>
+              </a:rPr>
+            </a:br>
+            <a:r>
+              <a:rPr lang="pt-PT" b="1" dirty="0" smtClean="0">
+                <a:solidFill>
+                  <a:schemeClr val="tx1">
+                    <a:lumMod val="50000"/>
+                  </a:schemeClr>
+                </a:solidFill>
+                <a:latin typeface="Segoe UI Black" pitchFamily="34" charset="0"/>
+                <a:ea typeface="Segoe UI Black" pitchFamily="34" charset="0"/>
+                <a:cs typeface="Segoe UI Light" pitchFamily="34" charset="0"/>
+              </a:rPr>
+              <a:t>* econômico </a:t>
+            </a:r>
+          </a:p>
+          <a:p>
+            <a:pPr marL="285750" indent="-285750" algn="l">
+              <a:buFontTx/>
+              <a:buChar char="-"/>
+            </a:pPr>
+            <a:r>
+              <a:rPr lang="pt-PT" b="1" dirty="0" smtClean="0">
+                <a:solidFill>
+                  <a:schemeClr val="tx1">
+                    <a:lumMod val="50000"/>
+                  </a:schemeClr>
+                </a:solidFill>
+                <a:latin typeface="Segoe UI Black" pitchFamily="34" charset="0"/>
+                <a:ea typeface="Segoe UI Black" pitchFamily="34" charset="0"/>
+                <a:cs typeface="Segoe UI Light" pitchFamily="34" charset="0"/>
+              </a:rPr>
+              <a:t>* cultural</a:t>
+            </a:r>
+            <a:endParaRPr lang="pt-PT" b="1" dirty="0">
+              <a:solidFill>
+                <a:schemeClr val="tx1">
+                  <a:lumMod val="50000"/>
+                </a:schemeClr>
+              </a:solidFill>
+              <a:latin typeface="Segoe UI Black" pitchFamily="34" charset="0"/>
+              <a:ea typeface="Segoe UI Black" pitchFamily="34" charset="0"/>
+              <a:cs typeface="Segoe UI Light" pitchFamily="34" charset="0"/>
+            </a:endParaRPr>
+          </a:p>
+        </p:txBody>
+      </p:sp>
+      <p:sp>
+        <p:nvSpPr>
+          <p:cNvPr id="9" name="Google Shape;71;p12"/>
+          <p:cNvSpPr txBox="1">
+            <a:spLocks/>
+          </p:cNvSpPr>
+          <p:nvPr/>
+        </p:nvSpPr>
+        <p:spPr>
+          <a:xfrm>
+            <a:off x="611560" y="578400"/>
+            <a:ext cx="3470058" cy="816508"/>
+          </a:xfrm>
+          <a:prstGeom prst="rect">
+            <a:avLst/>
+          </a:prstGeom>
+          <a:noFill/>
+          <a:ln>
+            <a:noFill/>
+          </a:ln>
+        </p:spPr>
+        <p:txBody>
+          <a:bodyPr spcFirstLastPara="1" wrap="square" lIns="91425" tIns="91425" rIns="91425" bIns="91425" anchor="ctr" anchorCtr="0">
+            <a:noAutofit/>
+          </a:bodyPr>
+          <a:lstStyle>
+            <a:defPPr marR="0" lvl="0" algn="l" rtl="0">
+              <a:lnSpc>
+                <a:spcPct val="100000"/>
+              </a:lnSpc>
+              <a:spcBef>
+                <a:spcPts val="0"/>
+              </a:spcBef>
+              <a:spcAft>
+                <a:spcPts val="0"/>
+              </a:spcAft>
+            </a:defPPr>
+            <a:lvl1pPr marR="0" lvl="0" algn="ctr" rtl="0">
+              <a:lnSpc>
+                <a:spcPct val="100000"/>
+              </a:lnSpc>
+              <a:spcBef>
+                <a:spcPts val="0"/>
+              </a:spcBef>
+              <a:spcAft>
+                <a:spcPts val="0"/>
+              </a:spcAft>
+              <a:buClr>
+                <a:schemeClr val="lt1"/>
+              </a:buClr>
+              <a:buSzPts val="1800"/>
+              <a:buFont typeface="Vidaloka"/>
+              <a:buNone/>
+              <a:defRPr sz="1800" b="0" i="0" u="none" strike="noStrike" cap="none">
+                <a:solidFill>
+                  <a:schemeClr val="lt1"/>
+                </a:solidFill>
+                <a:latin typeface="Vidaloka"/>
+                <a:ea typeface="Vidaloka"/>
+                <a:cs typeface="Vidaloka"/>
+                <a:sym typeface="Vidaloka"/>
+              </a:defRPr>
+            </a:lvl1pPr>
+            <a:lvl2pPr marR="0" lvl="1" algn="ctr" rtl="0">
+              <a:lnSpc>
+                <a:spcPct val="100000"/>
+              </a:lnSpc>
+              <a:spcBef>
+                <a:spcPts val="0"/>
+              </a:spcBef>
+              <a:spcAft>
+                <a:spcPts val="0"/>
+              </a:spcAft>
+              <a:buClr>
+                <a:schemeClr val="lt1"/>
+              </a:buClr>
+              <a:buSzPts val="1800"/>
+              <a:buFont typeface="Vidaloka"/>
+              <a:buNone/>
+              <a:defRPr sz="1800" b="0" i="0" u="none" strike="noStrike" cap="none">
+                <a:solidFill>
+                  <a:schemeClr val="lt1"/>
+                </a:solidFill>
+                <a:latin typeface="Vidaloka"/>
+                <a:ea typeface="Vidaloka"/>
+                <a:cs typeface="Vidaloka"/>
+                <a:sym typeface="Vidaloka"/>
+              </a:defRPr>
+            </a:lvl2pPr>
+            <a:lvl3pPr marR="0" lvl="2" algn="ctr" rtl="0">
+              <a:lnSpc>
+                <a:spcPct val="100000"/>
+              </a:lnSpc>
+              <a:spcBef>
+                <a:spcPts val="0"/>
+              </a:spcBef>
+              <a:spcAft>
+                <a:spcPts val="0"/>
+              </a:spcAft>
+              <a:buClr>
+                <a:schemeClr val="lt1"/>
+              </a:buClr>
+              <a:buSzPts val="1800"/>
+              <a:buFont typeface="Vidaloka"/>
+              <a:buNone/>
+              <a:defRPr sz="1800" b="0" i="0" u="none" strike="noStrike" cap="none">
+                <a:solidFill>
+                  <a:schemeClr val="lt1"/>
+                </a:solidFill>
+                <a:latin typeface="Vidaloka"/>
+                <a:ea typeface="Vidaloka"/>
+                <a:cs typeface="Vidaloka"/>
+                <a:sym typeface="Vidaloka"/>
+              </a:defRPr>
+            </a:lvl3pPr>
+            <a:lvl4pPr marR="0" lvl="3" algn="ctr" rtl="0">
+              <a:lnSpc>
+                <a:spcPct val="100000"/>
+              </a:lnSpc>
+              <a:spcBef>
+                <a:spcPts val="0"/>
+              </a:spcBef>
+              <a:spcAft>
+                <a:spcPts val="0"/>
+              </a:spcAft>
+              <a:buClr>
+                <a:schemeClr val="lt1"/>
+              </a:buClr>
+              <a:buSzPts val="1800"/>
+              <a:buFont typeface="Vidaloka"/>
+              <a:buNone/>
+              <a:defRPr sz="1800" b="0" i="0" u="none" strike="noStrike" cap="none">
+                <a:solidFill>
+                  <a:schemeClr val="lt1"/>
+                </a:solidFill>
+                <a:latin typeface="Vidaloka"/>
+                <a:ea typeface="Vidaloka"/>
+                <a:cs typeface="Vidaloka"/>
+                <a:sym typeface="Vidaloka"/>
+              </a:defRPr>
+            </a:lvl4pPr>
+            <a:lvl5pPr marR="0" lvl="4" algn="ctr" rtl="0">
+              <a:lnSpc>
+                <a:spcPct val="100000"/>
+              </a:lnSpc>
+              <a:spcBef>
+                <a:spcPts val="0"/>
+              </a:spcBef>
+              <a:spcAft>
+                <a:spcPts val="0"/>
+              </a:spcAft>
+              <a:buClr>
+                <a:schemeClr val="lt1"/>
+              </a:buClr>
+              <a:buSzPts val="1800"/>
+              <a:buFont typeface="Vidaloka"/>
+              <a:buNone/>
+              <a:defRPr sz="1800" b="0" i="0" u="none" strike="noStrike" cap="none">
+                <a:solidFill>
+                  <a:schemeClr val="lt1"/>
+                </a:solidFill>
+                <a:latin typeface="Vidaloka"/>
+                <a:ea typeface="Vidaloka"/>
+                <a:cs typeface="Vidaloka"/>
+                <a:sym typeface="Vidaloka"/>
+              </a:defRPr>
+            </a:lvl5pPr>
+            <a:lvl6pPr marR="0" lvl="5" algn="ctr" rtl="0">
+              <a:lnSpc>
+                <a:spcPct val="100000"/>
+              </a:lnSpc>
+              <a:spcBef>
+                <a:spcPts val="0"/>
+              </a:spcBef>
+              <a:spcAft>
+                <a:spcPts val="0"/>
+              </a:spcAft>
+              <a:buClr>
+                <a:schemeClr val="lt1"/>
+              </a:buClr>
+              <a:buSzPts val="1800"/>
+              <a:buFont typeface="Vidaloka"/>
+              <a:buNone/>
+              <a:defRPr sz="1800" b="0" i="0" u="none" strike="noStrike" cap="none">
+                <a:solidFill>
+                  <a:schemeClr val="lt1"/>
+                </a:solidFill>
+                <a:latin typeface="Vidaloka"/>
+                <a:ea typeface="Vidaloka"/>
+                <a:cs typeface="Vidaloka"/>
+                <a:sym typeface="Vidaloka"/>
+              </a:defRPr>
+            </a:lvl6pPr>
+            <a:lvl7pPr marR="0" lvl="6" algn="ctr" rtl="0">
+              <a:lnSpc>
+                <a:spcPct val="100000"/>
+              </a:lnSpc>
+              <a:spcBef>
+                <a:spcPts val="0"/>
+              </a:spcBef>
+              <a:spcAft>
+                <a:spcPts val="0"/>
+              </a:spcAft>
+              <a:buClr>
+                <a:schemeClr val="lt1"/>
+              </a:buClr>
+              <a:buSzPts val="1800"/>
+              <a:buFont typeface="Vidaloka"/>
+              <a:buNone/>
+              <a:defRPr sz="1800" b="0" i="0" u="none" strike="noStrike" cap="none">
+                <a:solidFill>
+                  <a:schemeClr val="lt1"/>
+                </a:solidFill>
+                <a:latin typeface="Vidaloka"/>
+                <a:ea typeface="Vidaloka"/>
+                <a:cs typeface="Vidaloka"/>
+                <a:sym typeface="Vidaloka"/>
+              </a:defRPr>
+            </a:lvl7pPr>
+            <a:lvl8pPr marR="0" lvl="7" algn="ctr" rtl="0">
+              <a:lnSpc>
+                <a:spcPct val="100000"/>
+              </a:lnSpc>
+              <a:spcBef>
+                <a:spcPts val="0"/>
+              </a:spcBef>
+              <a:spcAft>
+                <a:spcPts val="0"/>
+              </a:spcAft>
+              <a:buClr>
+                <a:schemeClr val="lt1"/>
+              </a:buClr>
+              <a:buSzPts val="1800"/>
+              <a:buFont typeface="Vidaloka"/>
+              <a:buNone/>
+              <a:defRPr sz="1800" b="0" i="0" u="none" strike="noStrike" cap="none">
+                <a:solidFill>
+                  <a:schemeClr val="lt1"/>
+                </a:solidFill>
+                <a:latin typeface="Vidaloka"/>
+                <a:ea typeface="Vidaloka"/>
+                <a:cs typeface="Vidaloka"/>
+                <a:sym typeface="Vidaloka"/>
+              </a:defRPr>
+            </a:lvl8pPr>
+            <a:lvl9pPr marR="0" lvl="8" algn="ctr" rtl="0">
+              <a:lnSpc>
+                <a:spcPct val="100000"/>
+              </a:lnSpc>
+              <a:spcBef>
+                <a:spcPts val="0"/>
+              </a:spcBef>
+              <a:spcAft>
+                <a:spcPts val="0"/>
+              </a:spcAft>
+              <a:buClr>
+                <a:schemeClr val="lt1"/>
+              </a:buClr>
+              <a:buSzPts val="1800"/>
+              <a:buFont typeface="Vidaloka"/>
+              <a:buNone/>
+              <a:defRPr sz="1800" b="0" i="0" u="none" strike="noStrike" cap="none">
+                <a:solidFill>
+                  <a:schemeClr val="lt1"/>
+                </a:solidFill>
+                <a:latin typeface="Vidaloka"/>
+                <a:ea typeface="Vidaloka"/>
+                <a:cs typeface="Vidaloka"/>
+                <a:sym typeface="Vidaloka"/>
+              </a:defRPr>
+            </a:lvl9pPr>
+          </a:lstStyle>
+          <a:p>
+            <a:r>
+              <a:rPr lang="pt-PT" b="1" dirty="0" smtClean="0">
+                <a:solidFill>
+                  <a:schemeClr val="tx1">
+                    <a:lumMod val="50000"/>
+                  </a:schemeClr>
+                </a:solidFill>
+                <a:latin typeface="Segoe UI Black" pitchFamily="34" charset="0"/>
+                <a:ea typeface="Segoe UI Black" pitchFamily="34" charset="0"/>
+                <a:cs typeface="Segoe UI Light" pitchFamily="34" charset="0"/>
+              </a:rPr>
+              <a:t>Internet </a:t>
+            </a:r>
+            <a:r>
+              <a:rPr lang="pt-PT" b="1" dirty="0" smtClean="0">
+                <a:solidFill>
+                  <a:schemeClr val="tx1">
+                    <a:lumMod val="50000"/>
+                  </a:schemeClr>
+                </a:solidFill>
+                <a:latin typeface="Segoe UI Black" pitchFamily="34" charset="0"/>
+                <a:ea typeface="Segoe UI Black" pitchFamily="34" charset="0"/>
+                <a:cs typeface="Segoe UI Light" pitchFamily="34" charset="0"/>
+              </a:rPr>
+              <a:t>| </a:t>
+            </a:r>
+            <a:r>
+              <a:rPr lang="pt-PT" b="1" dirty="0" smtClean="0">
+                <a:solidFill>
+                  <a:schemeClr val="tx1">
+                    <a:lumMod val="50000"/>
+                  </a:schemeClr>
+                </a:solidFill>
+                <a:latin typeface="Segoe UI Black" pitchFamily="34" charset="0"/>
+                <a:ea typeface="Segoe UI Black" pitchFamily="34" charset="0"/>
+                <a:cs typeface="Segoe UI Light" pitchFamily="34" charset="0"/>
+              </a:rPr>
+              <a:t>Página Web</a:t>
+            </a:r>
+            <a:endParaRPr lang="pt-PT" b="1" dirty="0">
+              <a:solidFill>
+                <a:schemeClr val="tx1">
+                  <a:lumMod val="50000"/>
+                </a:schemeClr>
+              </a:solidFill>
+              <a:latin typeface="Segoe UI Black" pitchFamily="34" charset="0"/>
+              <a:ea typeface="Segoe UI Black" pitchFamily="34" charset="0"/>
+              <a:cs typeface="Segoe UI Light" pitchFamily="34" charset="0"/>
+            </a:endParaRPr>
+          </a:p>
+        </p:txBody>
+      </p:sp>
+      <p:sp>
+        <p:nvSpPr>
+          <p:cNvPr id="10" name="Google Shape;71;p12"/>
+          <p:cNvSpPr txBox="1">
+            <a:spLocks/>
+          </p:cNvSpPr>
+          <p:nvPr/>
+        </p:nvSpPr>
+        <p:spPr>
+          <a:xfrm>
+            <a:off x="611560" y="3987490"/>
+            <a:ext cx="3470058" cy="816508"/>
+          </a:xfrm>
+          <a:prstGeom prst="rect">
+            <a:avLst/>
+          </a:prstGeom>
+          <a:noFill/>
+          <a:ln>
+            <a:noFill/>
+          </a:ln>
+        </p:spPr>
+        <p:txBody>
+          <a:bodyPr spcFirstLastPara="1" wrap="square" lIns="91425" tIns="91425" rIns="91425" bIns="91425" anchor="ctr" anchorCtr="0">
+            <a:noAutofit/>
+          </a:bodyPr>
+          <a:lstStyle>
+            <a:defPPr marR="0" lvl="0" algn="l" rtl="0">
+              <a:lnSpc>
+                <a:spcPct val="100000"/>
+              </a:lnSpc>
+              <a:spcBef>
+                <a:spcPts val="0"/>
+              </a:spcBef>
+              <a:spcAft>
+                <a:spcPts val="0"/>
+              </a:spcAft>
+            </a:defPPr>
+            <a:lvl1pPr marR="0" lvl="0" algn="ctr" rtl="0">
+              <a:lnSpc>
+                <a:spcPct val="100000"/>
+              </a:lnSpc>
+              <a:spcBef>
+                <a:spcPts val="0"/>
+              </a:spcBef>
+              <a:spcAft>
+                <a:spcPts val="0"/>
+              </a:spcAft>
+              <a:buClr>
+                <a:schemeClr val="lt1"/>
+              </a:buClr>
+              <a:buSzPts val="1800"/>
+              <a:buFont typeface="Vidaloka"/>
+              <a:buNone/>
+              <a:defRPr sz="1800" b="0" i="0" u="none" strike="noStrike" cap="none">
+                <a:solidFill>
+                  <a:schemeClr val="lt1"/>
+                </a:solidFill>
+                <a:latin typeface="Vidaloka"/>
+                <a:ea typeface="Vidaloka"/>
+                <a:cs typeface="Vidaloka"/>
+                <a:sym typeface="Vidaloka"/>
+              </a:defRPr>
+            </a:lvl1pPr>
+            <a:lvl2pPr marR="0" lvl="1" algn="ctr" rtl="0">
+              <a:lnSpc>
+                <a:spcPct val="100000"/>
+              </a:lnSpc>
+              <a:spcBef>
+                <a:spcPts val="0"/>
+              </a:spcBef>
+              <a:spcAft>
+                <a:spcPts val="0"/>
+              </a:spcAft>
+              <a:buClr>
+                <a:schemeClr val="lt1"/>
+              </a:buClr>
+              <a:buSzPts val="1800"/>
+              <a:buFont typeface="Vidaloka"/>
+              <a:buNone/>
+              <a:defRPr sz="1800" b="0" i="0" u="none" strike="noStrike" cap="none">
+                <a:solidFill>
+                  <a:schemeClr val="lt1"/>
+                </a:solidFill>
+                <a:latin typeface="Vidaloka"/>
+                <a:ea typeface="Vidaloka"/>
+                <a:cs typeface="Vidaloka"/>
+                <a:sym typeface="Vidaloka"/>
+              </a:defRPr>
+            </a:lvl2pPr>
+            <a:lvl3pPr marR="0" lvl="2" algn="ctr" rtl="0">
+              <a:lnSpc>
+                <a:spcPct val="100000"/>
+              </a:lnSpc>
+              <a:spcBef>
+                <a:spcPts val="0"/>
+              </a:spcBef>
+              <a:spcAft>
+                <a:spcPts val="0"/>
+              </a:spcAft>
+              <a:buClr>
+                <a:schemeClr val="lt1"/>
+              </a:buClr>
+              <a:buSzPts val="1800"/>
+              <a:buFont typeface="Vidaloka"/>
+              <a:buNone/>
+              <a:defRPr sz="1800" b="0" i="0" u="none" strike="noStrike" cap="none">
+                <a:solidFill>
+                  <a:schemeClr val="lt1"/>
+                </a:solidFill>
+                <a:latin typeface="Vidaloka"/>
+                <a:ea typeface="Vidaloka"/>
+                <a:cs typeface="Vidaloka"/>
+                <a:sym typeface="Vidaloka"/>
+              </a:defRPr>
+            </a:lvl3pPr>
+            <a:lvl4pPr marR="0" lvl="3" algn="ctr" rtl="0">
+              <a:lnSpc>
+                <a:spcPct val="100000"/>
+              </a:lnSpc>
+              <a:spcBef>
+                <a:spcPts val="0"/>
+              </a:spcBef>
+              <a:spcAft>
+                <a:spcPts val="0"/>
+              </a:spcAft>
+              <a:buClr>
+                <a:schemeClr val="lt1"/>
+              </a:buClr>
+              <a:buSzPts val="1800"/>
+              <a:buFont typeface="Vidaloka"/>
+              <a:buNone/>
+              <a:defRPr sz="1800" b="0" i="0" u="none" strike="noStrike" cap="none">
+                <a:solidFill>
+                  <a:schemeClr val="lt1"/>
+                </a:solidFill>
+                <a:latin typeface="Vidaloka"/>
+                <a:ea typeface="Vidaloka"/>
+                <a:cs typeface="Vidaloka"/>
+                <a:sym typeface="Vidaloka"/>
+              </a:defRPr>
+            </a:lvl4pPr>
+            <a:lvl5pPr marR="0" lvl="4" algn="ctr" rtl="0">
+              <a:lnSpc>
+                <a:spcPct val="100000"/>
+              </a:lnSpc>
+              <a:spcBef>
+                <a:spcPts val="0"/>
+              </a:spcBef>
+              <a:spcAft>
+                <a:spcPts val="0"/>
+              </a:spcAft>
+              <a:buClr>
+                <a:schemeClr val="lt1"/>
+              </a:buClr>
+              <a:buSzPts val="1800"/>
+              <a:buFont typeface="Vidaloka"/>
+              <a:buNone/>
+              <a:defRPr sz="1800" b="0" i="0" u="none" strike="noStrike" cap="none">
+                <a:solidFill>
+                  <a:schemeClr val="lt1"/>
+                </a:solidFill>
+                <a:latin typeface="Vidaloka"/>
+                <a:ea typeface="Vidaloka"/>
+                <a:cs typeface="Vidaloka"/>
+                <a:sym typeface="Vidaloka"/>
+              </a:defRPr>
+            </a:lvl5pPr>
+            <a:lvl6pPr marR="0" lvl="5" algn="ctr" rtl="0">
+              <a:lnSpc>
+                <a:spcPct val="100000"/>
+              </a:lnSpc>
+              <a:spcBef>
+                <a:spcPts val="0"/>
+              </a:spcBef>
+              <a:spcAft>
+                <a:spcPts val="0"/>
+              </a:spcAft>
+              <a:buClr>
+                <a:schemeClr val="lt1"/>
+              </a:buClr>
+              <a:buSzPts val="1800"/>
+              <a:buFont typeface="Vidaloka"/>
+              <a:buNone/>
+              <a:defRPr sz="1800" b="0" i="0" u="none" strike="noStrike" cap="none">
+                <a:solidFill>
+                  <a:schemeClr val="lt1"/>
+                </a:solidFill>
+                <a:latin typeface="Vidaloka"/>
+                <a:ea typeface="Vidaloka"/>
+                <a:cs typeface="Vidaloka"/>
+                <a:sym typeface="Vidaloka"/>
+              </a:defRPr>
+            </a:lvl6pPr>
+            <a:lvl7pPr marR="0" lvl="6" algn="ctr" rtl="0">
+              <a:lnSpc>
+                <a:spcPct val="100000"/>
+              </a:lnSpc>
+              <a:spcBef>
+                <a:spcPts val="0"/>
+              </a:spcBef>
+              <a:spcAft>
+                <a:spcPts val="0"/>
+              </a:spcAft>
+              <a:buClr>
+                <a:schemeClr val="lt1"/>
+              </a:buClr>
+              <a:buSzPts val="1800"/>
+              <a:buFont typeface="Vidaloka"/>
+              <a:buNone/>
+              <a:defRPr sz="1800" b="0" i="0" u="none" strike="noStrike" cap="none">
+                <a:solidFill>
+                  <a:schemeClr val="lt1"/>
+                </a:solidFill>
+                <a:latin typeface="Vidaloka"/>
+                <a:ea typeface="Vidaloka"/>
+                <a:cs typeface="Vidaloka"/>
+                <a:sym typeface="Vidaloka"/>
+              </a:defRPr>
+            </a:lvl7pPr>
+            <a:lvl8pPr marR="0" lvl="7" algn="ctr" rtl="0">
+              <a:lnSpc>
+                <a:spcPct val="100000"/>
+              </a:lnSpc>
+              <a:spcBef>
+                <a:spcPts val="0"/>
+              </a:spcBef>
+              <a:spcAft>
+                <a:spcPts val="0"/>
+              </a:spcAft>
+              <a:buClr>
+                <a:schemeClr val="lt1"/>
+              </a:buClr>
+              <a:buSzPts val="1800"/>
+              <a:buFont typeface="Vidaloka"/>
+              <a:buNone/>
+              <a:defRPr sz="1800" b="0" i="0" u="none" strike="noStrike" cap="none">
+                <a:solidFill>
+                  <a:schemeClr val="lt1"/>
+                </a:solidFill>
+                <a:latin typeface="Vidaloka"/>
+                <a:ea typeface="Vidaloka"/>
+                <a:cs typeface="Vidaloka"/>
+                <a:sym typeface="Vidaloka"/>
+              </a:defRPr>
+            </a:lvl8pPr>
+            <a:lvl9pPr marR="0" lvl="8" algn="ctr" rtl="0">
+              <a:lnSpc>
+                <a:spcPct val="100000"/>
+              </a:lnSpc>
+              <a:spcBef>
+                <a:spcPts val="0"/>
+              </a:spcBef>
+              <a:spcAft>
+                <a:spcPts val="0"/>
+              </a:spcAft>
+              <a:buClr>
+                <a:schemeClr val="lt1"/>
+              </a:buClr>
+              <a:buSzPts val="1800"/>
+              <a:buFont typeface="Vidaloka"/>
+              <a:buNone/>
+              <a:defRPr sz="1800" b="0" i="0" u="none" strike="noStrike" cap="none">
+                <a:solidFill>
+                  <a:schemeClr val="lt1"/>
+                </a:solidFill>
+                <a:latin typeface="Vidaloka"/>
+                <a:ea typeface="Vidaloka"/>
+                <a:cs typeface="Vidaloka"/>
+                <a:sym typeface="Vidaloka"/>
+              </a:defRPr>
+            </a:lvl9pPr>
+          </a:lstStyle>
+          <a:p>
+            <a:r>
+              <a:rPr lang="pt-PT" b="1" dirty="0" smtClean="0">
+                <a:solidFill>
+                  <a:schemeClr val="tx1">
+                    <a:lumMod val="50000"/>
+                  </a:schemeClr>
+                </a:solidFill>
+                <a:latin typeface="Segoe UI Black" pitchFamily="34" charset="0"/>
+                <a:ea typeface="Segoe UI Black" pitchFamily="34" charset="0"/>
+                <a:cs typeface="Segoe UI Light" pitchFamily="34" charset="0"/>
+              </a:rPr>
+              <a:t>Redes de Computadores</a:t>
+            </a:r>
+            <a:r>
+              <a:rPr lang="pt-PT" b="1" dirty="0" smtClean="0">
+                <a:solidFill>
+                  <a:schemeClr val="tx1">
+                    <a:lumMod val="50000"/>
+                  </a:schemeClr>
+                </a:solidFill>
+                <a:latin typeface="Segoe UI Black" pitchFamily="34" charset="0"/>
+                <a:ea typeface="Segoe UI Black" pitchFamily="34" charset="0"/>
+                <a:cs typeface="Segoe UI Light" pitchFamily="34" charset="0"/>
+              </a:rPr>
+              <a:t> </a:t>
+            </a:r>
+            <a:r>
+              <a:rPr lang="pt-PT" b="1" dirty="0" smtClean="0">
+                <a:solidFill>
+                  <a:schemeClr val="tx1">
+                    <a:lumMod val="50000"/>
+                  </a:schemeClr>
+                </a:solidFill>
+                <a:latin typeface="Segoe UI Black" pitchFamily="34" charset="0"/>
+                <a:ea typeface="Segoe UI Black" pitchFamily="34" charset="0"/>
+                <a:cs typeface="Segoe UI Light" pitchFamily="34" charset="0"/>
+              </a:rPr>
+              <a:t>| </a:t>
+            </a:r>
+            <a:r>
+              <a:rPr lang="pt-PT" b="1" dirty="0" smtClean="0">
+                <a:solidFill>
+                  <a:schemeClr val="tx1">
+                    <a:lumMod val="50000"/>
+                  </a:schemeClr>
+                </a:solidFill>
+                <a:latin typeface="Segoe UI Black" pitchFamily="34" charset="0"/>
+                <a:ea typeface="Segoe UI Black" pitchFamily="34" charset="0"/>
+                <a:cs typeface="Segoe UI Light" pitchFamily="34" charset="0"/>
+              </a:rPr>
+              <a:t> Software</a:t>
+            </a:r>
+            <a:endParaRPr lang="pt-PT" b="1" dirty="0">
+              <a:solidFill>
+                <a:schemeClr val="tx1">
+                  <a:lumMod val="50000"/>
+                </a:schemeClr>
+              </a:solidFill>
+              <a:latin typeface="Segoe UI Black" pitchFamily="34" charset="0"/>
+              <a:ea typeface="Segoe UI Black" pitchFamily="34" charset="0"/>
+              <a:cs typeface="Segoe UI Light" pitchFamily="34" charset="0"/>
+            </a:endParaRPr>
+          </a:p>
+        </p:txBody>
+      </p:sp>
+      <p:sp>
+        <p:nvSpPr>
+          <p:cNvPr id="11" name="Google Shape;71;p12"/>
+          <p:cNvSpPr txBox="1">
+            <a:spLocks/>
+          </p:cNvSpPr>
+          <p:nvPr/>
+        </p:nvSpPr>
+        <p:spPr>
+          <a:xfrm rot="16200000">
+            <a:off x="2836980" y="2230626"/>
+            <a:ext cx="3470058" cy="816508"/>
+          </a:xfrm>
+          <a:prstGeom prst="rect">
+            <a:avLst/>
+          </a:prstGeom>
+          <a:noFill/>
+          <a:ln>
+            <a:noFill/>
+          </a:ln>
+        </p:spPr>
+        <p:txBody>
+          <a:bodyPr spcFirstLastPara="1" wrap="square" lIns="91425" tIns="91425" rIns="91425" bIns="91425" anchor="ctr" anchorCtr="0">
+            <a:noAutofit/>
+          </a:bodyPr>
+          <a:lstStyle>
+            <a:defPPr marR="0" lvl="0" algn="l" rtl="0">
+              <a:lnSpc>
+                <a:spcPct val="100000"/>
+              </a:lnSpc>
+              <a:spcBef>
+                <a:spcPts val="0"/>
+              </a:spcBef>
+              <a:spcAft>
+                <a:spcPts val="0"/>
+              </a:spcAft>
+            </a:defPPr>
+            <a:lvl1pPr marR="0" lvl="0" algn="ctr" rtl="0">
+              <a:lnSpc>
+                <a:spcPct val="100000"/>
+              </a:lnSpc>
+              <a:spcBef>
+                <a:spcPts val="0"/>
+              </a:spcBef>
+              <a:spcAft>
+                <a:spcPts val="0"/>
+              </a:spcAft>
+              <a:buClr>
+                <a:schemeClr val="lt1"/>
+              </a:buClr>
+              <a:buSzPts val="1800"/>
+              <a:buFont typeface="Vidaloka"/>
+              <a:buNone/>
+              <a:defRPr sz="1800" b="0" i="0" u="none" strike="noStrike" cap="none">
+                <a:solidFill>
+                  <a:schemeClr val="lt1"/>
+                </a:solidFill>
+                <a:latin typeface="Vidaloka"/>
+                <a:ea typeface="Vidaloka"/>
+                <a:cs typeface="Vidaloka"/>
+                <a:sym typeface="Vidaloka"/>
+              </a:defRPr>
+            </a:lvl1pPr>
+            <a:lvl2pPr marR="0" lvl="1" algn="ctr" rtl="0">
+              <a:lnSpc>
+                <a:spcPct val="100000"/>
+              </a:lnSpc>
+              <a:spcBef>
+                <a:spcPts val="0"/>
+              </a:spcBef>
+              <a:spcAft>
+                <a:spcPts val="0"/>
+              </a:spcAft>
+              <a:buClr>
+                <a:schemeClr val="lt1"/>
+              </a:buClr>
+              <a:buSzPts val="1800"/>
+              <a:buFont typeface="Vidaloka"/>
+              <a:buNone/>
+              <a:defRPr sz="1800" b="0" i="0" u="none" strike="noStrike" cap="none">
+                <a:solidFill>
+                  <a:schemeClr val="lt1"/>
+                </a:solidFill>
+                <a:latin typeface="Vidaloka"/>
+                <a:ea typeface="Vidaloka"/>
+                <a:cs typeface="Vidaloka"/>
+                <a:sym typeface="Vidaloka"/>
+              </a:defRPr>
+            </a:lvl2pPr>
+            <a:lvl3pPr marR="0" lvl="2" algn="ctr" rtl="0">
+              <a:lnSpc>
+                <a:spcPct val="100000"/>
+              </a:lnSpc>
+              <a:spcBef>
+                <a:spcPts val="0"/>
+              </a:spcBef>
+              <a:spcAft>
+                <a:spcPts val="0"/>
+              </a:spcAft>
+              <a:buClr>
+                <a:schemeClr val="lt1"/>
+              </a:buClr>
+              <a:buSzPts val="1800"/>
+              <a:buFont typeface="Vidaloka"/>
+              <a:buNone/>
+              <a:defRPr sz="1800" b="0" i="0" u="none" strike="noStrike" cap="none">
+                <a:solidFill>
+                  <a:schemeClr val="lt1"/>
+                </a:solidFill>
+                <a:latin typeface="Vidaloka"/>
+                <a:ea typeface="Vidaloka"/>
+                <a:cs typeface="Vidaloka"/>
+                <a:sym typeface="Vidaloka"/>
+              </a:defRPr>
+            </a:lvl3pPr>
+            <a:lvl4pPr marR="0" lvl="3" algn="ctr" rtl="0">
+              <a:lnSpc>
+                <a:spcPct val="100000"/>
+              </a:lnSpc>
+              <a:spcBef>
+                <a:spcPts val="0"/>
+              </a:spcBef>
+              <a:spcAft>
+                <a:spcPts val="0"/>
+              </a:spcAft>
+              <a:buClr>
+                <a:schemeClr val="lt1"/>
+              </a:buClr>
+              <a:buSzPts val="1800"/>
+              <a:buFont typeface="Vidaloka"/>
+              <a:buNone/>
+              <a:defRPr sz="1800" b="0" i="0" u="none" strike="noStrike" cap="none">
+                <a:solidFill>
+                  <a:schemeClr val="lt1"/>
+                </a:solidFill>
+                <a:latin typeface="Vidaloka"/>
+                <a:ea typeface="Vidaloka"/>
+                <a:cs typeface="Vidaloka"/>
+                <a:sym typeface="Vidaloka"/>
+              </a:defRPr>
+            </a:lvl4pPr>
+            <a:lvl5pPr marR="0" lvl="4" algn="ctr" rtl="0">
+              <a:lnSpc>
+                <a:spcPct val="100000"/>
+              </a:lnSpc>
+              <a:spcBef>
+                <a:spcPts val="0"/>
+              </a:spcBef>
+              <a:spcAft>
+                <a:spcPts val="0"/>
+              </a:spcAft>
+              <a:buClr>
+                <a:schemeClr val="lt1"/>
+              </a:buClr>
+              <a:buSzPts val="1800"/>
+              <a:buFont typeface="Vidaloka"/>
+              <a:buNone/>
+              <a:defRPr sz="1800" b="0" i="0" u="none" strike="noStrike" cap="none">
+                <a:solidFill>
+                  <a:schemeClr val="lt1"/>
+                </a:solidFill>
+                <a:latin typeface="Vidaloka"/>
+                <a:ea typeface="Vidaloka"/>
+                <a:cs typeface="Vidaloka"/>
+                <a:sym typeface="Vidaloka"/>
+              </a:defRPr>
+            </a:lvl5pPr>
+            <a:lvl6pPr marR="0" lvl="5" algn="ctr" rtl="0">
+              <a:lnSpc>
+                <a:spcPct val="100000"/>
+              </a:lnSpc>
+              <a:spcBef>
+                <a:spcPts val="0"/>
+              </a:spcBef>
+              <a:spcAft>
+                <a:spcPts val="0"/>
+              </a:spcAft>
+              <a:buClr>
+                <a:schemeClr val="lt1"/>
+              </a:buClr>
+              <a:buSzPts val="1800"/>
+              <a:buFont typeface="Vidaloka"/>
+              <a:buNone/>
+              <a:defRPr sz="1800" b="0" i="0" u="none" strike="noStrike" cap="none">
+                <a:solidFill>
+                  <a:schemeClr val="lt1"/>
+                </a:solidFill>
+                <a:latin typeface="Vidaloka"/>
+                <a:ea typeface="Vidaloka"/>
+                <a:cs typeface="Vidaloka"/>
+                <a:sym typeface="Vidaloka"/>
+              </a:defRPr>
+            </a:lvl6pPr>
+            <a:lvl7pPr marR="0" lvl="6" algn="ctr" rtl="0">
+              <a:lnSpc>
+                <a:spcPct val="100000"/>
+              </a:lnSpc>
+              <a:spcBef>
+                <a:spcPts val="0"/>
+              </a:spcBef>
+              <a:spcAft>
+                <a:spcPts val="0"/>
+              </a:spcAft>
+              <a:buClr>
+                <a:schemeClr val="lt1"/>
+              </a:buClr>
+              <a:buSzPts val="1800"/>
+              <a:buFont typeface="Vidaloka"/>
+              <a:buNone/>
+              <a:defRPr sz="1800" b="0" i="0" u="none" strike="noStrike" cap="none">
+                <a:solidFill>
+                  <a:schemeClr val="lt1"/>
+                </a:solidFill>
+                <a:latin typeface="Vidaloka"/>
+                <a:ea typeface="Vidaloka"/>
+                <a:cs typeface="Vidaloka"/>
+                <a:sym typeface="Vidaloka"/>
+              </a:defRPr>
+            </a:lvl7pPr>
+            <a:lvl8pPr marR="0" lvl="7" algn="ctr" rtl="0">
+              <a:lnSpc>
+                <a:spcPct val="100000"/>
+              </a:lnSpc>
+              <a:spcBef>
+                <a:spcPts val="0"/>
+              </a:spcBef>
+              <a:spcAft>
+                <a:spcPts val="0"/>
+              </a:spcAft>
+              <a:buClr>
+                <a:schemeClr val="lt1"/>
+              </a:buClr>
+              <a:buSzPts val="1800"/>
+              <a:buFont typeface="Vidaloka"/>
+              <a:buNone/>
+              <a:defRPr sz="1800" b="0" i="0" u="none" strike="noStrike" cap="none">
+                <a:solidFill>
+                  <a:schemeClr val="lt1"/>
+                </a:solidFill>
+                <a:latin typeface="Vidaloka"/>
+                <a:ea typeface="Vidaloka"/>
+                <a:cs typeface="Vidaloka"/>
+                <a:sym typeface="Vidaloka"/>
+              </a:defRPr>
+            </a:lvl8pPr>
+            <a:lvl9pPr marR="0" lvl="8" algn="ctr" rtl="0">
+              <a:lnSpc>
+                <a:spcPct val="100000"/>
+              </a:lnSpc>
+              <a:spcBef>
+                <a:spcPts val="0"/>
+              </a:spcBef>
+              <a:spcAft>
+                <a:spcPts val="0"/>
+              </a:spcAft>
+              <a:buClr>
+                <a:schemeClr val="lt1"/>
+              </a:buClr>
+              <a:buSzPts val="1800"/>
+              <a:buFont typeface="Vidaloka"/>
+              <a:buNone/>
+              <a:defRPr sz="1800" b="0" i="0" u="none" strike="noStrike" cap="none">
+                <a:solidFill>
+                  <a:schemeClr val="lt1"/>
+                </a:solidFill>
+                <a:latin typeface="Vidaloka"/>
+                <a:ea typeface="Vidaloka"/>
+                <a:cs typeface="Vidaloka"/>
+                <a:sym typeface="Vidaloka"/>
+              </a:defRPr>
+            </a:lvl9pPr>
+          </a:lstStyle>
+          <a:p>
+            <a:r>
+              <a:rPr lang="pt-PT" b="1" dirty="0" smtClean="0">
+                <a:solidFill>
+                  <a:schemeClr val="tx1">
+                    <a:lumMod val="50000"/>
+                  </a:schemeClr>
+                </a:solidFill>
+                <a:latin typeface="Segoe UI Black" pitchFamily="34" charset="0"/>
+                <a:ea typeface="Segoe UI Black" pitchFamily="34" charset="0"/>
+                <a:cs typeface="Segoe UI Light" pitchFamily="34" charset="0"/>
+              </a:rPr>
+              <a:t>Dúvidas, incertezas, revoltas e identidade negativa (delinquência) </a:t>
+            </a:r>
+            <a:endParaRPr lang="pt-PT" b="1" dirty="0">
+              <a:solidFill>
+                <a:schemeClr val="tx1">
+                  <a:lumMod val="50000"/>
+                </a:schemeClr>
+              </a:solidFill>
+              <a:latin typeface="Segoe UI Black" pitchFamily="34" charset="0"/>
+              <a:ea typeface="Segoe UI Black" pitchFamily="34" charset="0"/>
+              <a:cs typeface="Segoe UI Light" pitchFamily="34" charset="0"/>
+            </a:endParaRPr>
+          </a:p>
+        </p:txBody>
+      </p:sp>
+      <p:pic>
+        <p:nvPicPr>
+          <p:cNvPr id="4" name="Imagem 3"/>
+          <p:cNvPicPr>
+            <a:picLocks noChangeAspect="1"/>
+          </p:cNvPicPr>
+          <p:nvPr/>
+        </p:nvPicPr>
+        <p:blipFill>
+          <a:blip r:embed="rId3">
+            <a:extLst>
+              <a:ext uri="{28A0092B-C50C-407E-A947-70E740481C1C}">
+                <a14:useLocalDpi xmlns:a14="http://schemas.microsoft.com/office/drawing/2010/main" val="0"/>
+              </a:ext>
+            </a:extLst>
+          </a:blip>
+          <a:stretch>
+            <a:fillRect/>
+          </a:stretch>
+        </p:blipFill>
+        <p:spPr>
+          <a:xfrm>
+            <a:off x="803999" y="1675900"/>
+            <a:ext cx="3059832" cy="1925960"/>
+          </a:xfrm>
+          <a:prstGeom prst="rect">
+            <a:avLst/>
+          </a:prstGeom>
+        </p:spPr>
+      </p:pic>
+    </p:spTree>
+    <p:extLst>
+      <p:ext uri="{BB962C8B-B14F-4D97-AF65-F5344CB8AC3E}">
+        <p14:creationId xmlns:p14="http://schemas.microsoft.com/office/powerpoint/2010/main" val="2432631611"/>
+      </p:ext>
+    </p:extLst>
+  </p:cSld>
+  <p:clrMapOvr>
+    <a:masterClrMapping/>
+  </p:clrMapOvr>
+  <p:timing>
+    <p:tnLst>
+      <p:par>
+        <p:cTn id="1" dur="indefinite" restart="never" nodeType="tmRoot"/>
+      </p:par>
+    </p:tnLst>
+  </p:timing>
+</p:sld>
+</file>
+
+<file path=ppt/slides/slide16.xml><?xml version="1.0" encoding="utf-8"?>
+<p:sld xmlns:a="http://schemas.openxmlformats.org/drawingml/2006/main" xmlns:r="http://schemas.openxmlformats.org/officeDocument/2006/relationships" xmlns:p="http://schemas.openxmlformats.org/presentationml/2006/main">
+  <p:cSld>
+    <p:spTree>
+      <p:nvGrpSpPr>
+        <p:cNvPr id="1" name=""/>
+        <p:cNvGrpSpPr/>
+        <p:nvPr/>
+      </p:nvGrpSpPr>
+      <p:grpSpPr>
+        <a:xfrm>
+          <a:off x="0" y="0"/>
+          <a:ext cx="0" cy="0"/>
+          <a:chOff x="0" y="0"/>
+          <a:chExt cx="0" cy="0"/>
+        </a:xfrm>
+      </p:grpSpPr>
+      <p:sp>
+        <p:nvSpPr>
+          <p:cNvPr id="5" name="Espaço Reservado para Número de Slide 4"/>
+          <p:cNvSpPr>
+            <a:spLocks noGrp="1"/>
+          </p:cNvSpPr>
+          <p:nvPr>
+            <p:ph type="sldNum" idx="12"/>
+          </p:nvPr>
+        </p:nvSpPr>
+        <p:spPr/>
+        <p:txBody>
+          <a:bodyPr/>
+          <a:lstStyle/>
+          <a:p>
+            <a:pPr marL="0" lvl="0" indent="0" algn="ctr" rtl="0">
+              <a:spcBef>
+                <a:spcPts val="0"/>
+              </a:spcBef>
+              <a:spcAft>
+                <a:spcPts val="0"/>
+              </a:spcAft>
+              <a:buNone/>
+            </a:pPr>
+            <a:fld id="{00000000-1234-1234-1234-123412341234}" type="slidenum">
+              <a:rPr lang="pt-PT" smtClean="0"/>
+              <a:t>16</a:t>
+            </a:fld>
+            <a:endParaRPr lang="pt-PT"/>
+          </a:p>
+        </p:txBody>
+      </p:sp>
+      <p:graphicFrame>
+        <p:nvGraphicFramePr>
+          <p:cNvPr id="6" name="Tabela 5"/>
+          <p:cNvGraphicFramePr>
+            <a:graphicFrameLocks noGrp="1"/>
+          </p:cNvGraphicFramePr>
+          <p:nvPr>
+            <p:extLst>
+              <p:ext uri="{D42A27DB-BD31-4B8C-83A1-F6EECF244321}">
+                <p14:modId xmlns:p14="http://schemas.microsoft.com/office/powerpoint/2010/main" val="2638296428"/>
+              </p:ext>
+            </p:extLst>
+          </p:nvPr>
+        </p:nvGraphicFramePr>
+        <p:xfrm>
+          <a:off x="251520" y="123478"/>
+          <a:ext cx="8424936" cy="4803424"/>
+        </p:xfrm>
+        <a:graphic>
+          <a:graphicData uri="http://schemas.openxmlformats.org/drawingml/2006/table">
+            <a:tbl>
+              <a:tblPr firstRow="1" bandRow="1">
+                <a:tableStyleId>{F6532A9E-A2AD-4E92-B327-723726411782}</a:tableStyleId>
+              </a:tblPr>
+              <a:tblGrid>
+                <a:gridCol w="1440160">
+                  <a:extLst>
+                    <a:ext uri="{9D8B030D-6E8A-4147-A177-3AD203B41FA5}">
+                      <a16:colId xmlns:a16="http://schemas.microsoft.com/office/drawing/2014/main" val="926779273"/>
+                    </a:ext>
+                  </a:extLst>
+                </a:gridCol>
+                <a:gridCol w="4464496">
+                  <a:extLst>
+                    <a:ext uri="{9D8B030D-6E8A-4147-A177-3AD203B41FA5}">
+                      <a16:colId xmlns:a16="http://schemas.microsoft.com/office/drawing/2014/main" val="3186163204"/>
+                    </a:ext>
+                  </a:extLst>
+                </a:gridCol>
+                <a:gridCol w="936104">
+                  <a:extLst>
+                    <a:ext uri="{9D8B030D-6E8A-4147-A177-3AD203B41FA5}">
+                      <a16:colId xmlns:a16="http://schemas.microsoft.com/office/drawing/2014/main" val="365497352"/>
+                    </a:ext>
+                  </a:extLst>
+                </a:gridCol>
+                <a:gridCol w="1008112">
+                  <a:extLst>
+                    <a:ext uri="{9D8B030D-6E8A-4147-A177-3AD203B41FA5}">
+                      <a16:colId xmlns:a16="http://schemas.microsoft.com/office/drawing/2014/main" val="781582416"/>
+                    </a:ext>
+                  </a:extLst>
+                </a:gridCol>
+                <a:gridCol w="576064">
+                  <a:extLst>
+                    <a:ext uri="{9D8B030D-6E8A-4147-A177-3AD203B41FA5}">
+                      <a16:colId xmlns:a16="http://schemas.microsoft.com/office/drawing/2014/main" val="2666081613"/>
+                    </a:ext>
+                  </a:extLst>
+                </a:gridCol>
+              </a:tblGrid>
+              <a:tr h="311824">
+                <a:tc gridSpan="5">
+                  <a:txBody>
+                    <a:bodyPr/>
+                    <a:lstStyle/>
+                    <a:p>
+                      <a:r>
+                        <a:rPr lang="pt-PT" b="1" dirty="0" smtClean="0"/>
+                        <a:t>Product</a:t>
+                      </a:r>
+                      <a:r>
+                        <a:rPr lang="pt-PT" b="1" baseline="0" dirty="0" smtClean="0"/>
+                        <a:t> BackLog:</a:t>
+                      </a:r>
+                      <a:endParaRPr lang="pt-PT" b="1" dirty="0"/>
+                    </a:p>
+                  </a:txBody>
+                  <a:tcPr/>
+                </a:tc>
+                <a:tc hMerge="1">
+                  <a:txBody>
+                    <a:bodyPr/>
+                    <a:lstStyle/>
+                    <a:p>
+                      <a:endParaRPr lang="pt-PT" b="1" dirty="0"/>
+                    </a:p>
+                  </a:txBody>
+                  <a:tcPr/>
+                </a:tc>
+                <a:tc hMerge="1">
+                  <a:txBody>
+                    <a:bodyPr/>
+                    <a:lstStyle/>
+                    <a:p>
+                      <a:endParaRPr lang="pt-PT" dirty="0"/>
+                    </a:p>
+                  </a:txBody>
+                  <a:tcPr/>
+                </a:tc>
+                <a:tc hMerge="1">
+                  <a:txBody>
+                    <a:bodyPr/>
+                    <a:lstStyle/>
+                    <a:p>
+                      <a:endParaRPr lang="pt-PT" dirty="0"/>
+                    </a:p>
+                  </a:txBody>
+                  <a:tcPr/>
+                </a:tc>
+                <a:tc hMerge="1">
+                  <a:txBody>
+                    <a:bodyPr/>
+                    <a:lstStyle/>
+                    <a:p>
+                      <a:endParaRPr lang="pt-PT" dirty="0"/>
+                    </a:p>
+                  </a:txBody>
+                  <a:tcPr/>
+                </a:tc>
+                <a:extLst>
+                  <a:ext uri="{0D108BD9-81ED-4DB2-BD59-A6C34878D82A}">
+                    <a16:rowId xmlns:a16="http://schemas.microsoft.com/office/drawing/2014/main" val="1109931174"/>
+                  </a:ext>
+                </a:extLst>
+              </a:tr>
+              <a:tr h="336528">
+                <a:tc>
+                  <a:txBody>
+                    <a:bodyPr/>
+                    <a:lstStyle/>
+                    <a:p>
+                      <a:r>
+                        <a:rPr lang="pt-PT" sz="1000" b="1" dirty="0" smtClean="0"/>
+                        <a:t>Épico</a:t>
+                      </a:r>
+                      <a:endParaRPr lang="pt-PT" sz="1000" b="1" dirty="0"/>
+                    </a:p>
+                  </a:txBody>
+                  <a:tcPr>
+                    <a:solidFill>
+                      <a:schemeClr val="accent3"/>
+                    </a:solidFill>
+                  </a:tcPr>
+                </a:tc>
+                <a:tc>
+                  <a:txBody>
+                    <a:bodyPr/>
+                    <a:lstStyle/>
+                    <a:p>
+                      <a:pPr marL="0" marR="0" indent="0" algn="l" defTabSz="914400" rtl="0" eaLnBrk="1" fontAlgn="auto" latinLnBrk="0" hangingPunct="1">
+                        <a:lnSpc>
+                          <a:spcPct val="100000"/>
+                        </a:lnSpc>
+                        <a:spcBef>
+                          <a:spcPts val="0"/>
+                        </a:spcBef>
+                        <a:spcAft>
+                          <a:spcPts val="0"/>
+                        </a:spcAft>
+                        <a:buClr>
+                          <a:srgbClr val="000000"/>
+                        </a:buClr>
+                        <a:buSzTx/>
+                        <a:buFont typeface="Arial"/>
+                        <a:buNone/>
+                        <a:tabLst/>
+                        <a:defRPr/>
+                      </a:pPr>
+                      <a:r>
+                        <a:rPr lang="pt-PT" sz="1000" b="1" dirty="0" smtClean="0"/>
+                        <a:t>Histórias</a:t>
+                      </a:r>
+                    </a:p>
+                  </a:txBody>
+                  <a:tcPr>
+                    <a:solidFill>
+                      <a:schemeClr val="accent3"/>
+                    </a:solidFill>
+                  </a:tcPr>
+                </a:tc>
+                <a:tc>
+                  <a:txBody>
+                    <a:bodyPr/>
+                    <a:lstStyle/>
+                    <a:p>
+                      <a:r>
+                        <a:rPr lang="pt-PT" sz="1000" b="1" dirty="0" smtClean="0"/>
+                        <a:t>Prioridade</a:t>
+                      </a:r>
+                      <a:endParaRPr lang="pt-PT" sz="1000" b="1" dirty="0"/>
+                    </a:p>
+                  </a:txBody>
+                  <a:tcPr>
+                    <a:solidFill>
+                      <a:schemeClr val="accent3"/>
+                    </a:solidFill>
+                  </a:tcPr>
+                </a:tc>
+                <a:tc>
+                  <a:txBody>
+                    <a:bodyPr/>
+                    <a:lstStyle/>
+                    <a:p>
+                      <a:r>
+                        <a:rPr lang="pt-PT" sz="1000" b="1" dirty="0" smtClean="0"/>
+                        <a:t>Status</a:t>
+                      </a:r>
+                      <a:endParaRPr lang="pt-PT" sz="1000" b="1" dirty="0"/>
+                    </a:p>
+                  </a:txBody>
+                  <a:tcPr>
+                    <a:solidFill>
+                      <a:schemeClr val="accent3"/>
+                    </a:solidFill>
+                  </a:tcPr>
+                </a:tc>
+                <a:tc>
+                  <a:txBody>
+                    <a:bodyPr/>
+                    <a:lstStyle/>
+                    <a:p>
+                      <a:r>
+                        <a:rPr lang="pt-PT" sz="1000" b="1" dirty="0" smtClean="0"/>
+                        <a:t>Sprint</a:t>
+                      </a:r>
+                      <a:endParaRPr lang="pt-PT" sz="1000" b="1" dirty="0"/>
+                    </a:p>
+                  </a:txBody>
+                  <a:tcPr>
+                    <a:solidFill>
+                      <a:schemeClr val="accent3"/>
+                    </a:solidFill>
+                  </a:tcPr>
+                </a:tc>
+                <a:extLst>
+                  <a:ext uri="{0D108BD9-81ED-4DB2-BD59-A6C34878D82A}">
+                    <a16:rowId xmlns:a16="http://schemas.microsoft.com/office/drawing/2014/main" val="1493139971"/>
+                  </a:ext>
+                </a:extLst>
+              </a:tr>
+              <a:tr h="283164">
+                <a:tc rowSpan="2">
+                  <a:txBody>
+                    <a:bodyPr/>
+                    <a:lstStyle/>
+                    <a:p>
+                      <a:pPr algn="ctr"/>
+                      <a:r>
+                        <a:rPr lang="pt-PT" sz="800" b="1" dirty="0" smtClean="0"/>
+                        <a:t>Mockup</a:t>
+                      </a:r>
+                      <a:r>
+                        <a:rPr lang="pt-PT" sz="800" b="1" baseline="0" dirty="0" smtClean="0"/>
+                        <a:t> da Aplicação</a:t>
+                      </a:r>
+                      <a:endParaRPr lang="pt-PT" sz="800" b="1" dirty="0"/>
+                    </a:p>
+                  </a:txBody>
+                  <a:tcPr anchor="ctr"/>
+                </a:tc>
+                <a:tc>
+                  <a:txBody>
+                    <a:bodyPr/>
+                    <a:lstStyle/>
+                    <a:p>
+                      <a:r>
+                        <a:rPr lang="pt-PT" sz="1000" b="1" dirty="0" smtClean="0"/>
+                        <a:t>Difinição</a:t>
+                      </a:r>
+                      <a:r>
+                        <a:rPr lang="pt-PT" sz="1000" b="1" baseline="0" dirty="0" smtClean="0"/>
+                        <a:t> do Layout.</a:t>
+                      </a:r>
+                      <a:endParaRPr lang="pt-PT" sz="1000" b="1" dirty="0"/>
+                    </a:p>
+                  </a:txBody>
+                  <a:tcPr/>
+                </a:tc>
+                <a:tc>
+                  <a:txBody>
+                    <a:bodyPr/>
+                    <a:lstStyle/>
+                    <a:p>
+                      <a:r>
+                        <a:rPr lang="pt-PT" sz="800" b="1" dirty="0" smtClean="0"/>
+                        <a:t>Alta</a:t>
+                      </a:r>
+                      <a:endParaRPr lang="pt-PT" sz="800" b="1" dirty="0"/>
+                    </a:p>
+                  </a:txBody>
+                  <a:tcPr anchor="ctr"/>
+                </a:tc>
+                <a:tc>
+                  <a:txBody>
+                    <a:bodyPr/>
+                    <a:lstStyle/>
+                    <a:p>
+                      <a:r>
+                        <a:rPr lang="pt-PT" sz="800" b="1" dirty="0" smtClean="0"/>
+                        <a:t>Feito</a:t>
+                      </a:r>
+                      <a:endParaRPr lang="pt-PT" sz="800" b="1" dirty="0"/>
+                    </a:p>
+                  </a:txBody>
+                  <a:tcPr anchor="ctr">
+                    <a:solidFill>
+                      <a:schemeClr val="accent4">
+                        <a:lumMod val="75000"/>
+                      </a:schemeClr>
+                    </a:solidFill>
+                  </a:tcPr>
+                </a:tc>
+                <a:tc rowSpan="2">
+                  <a:txBody>
+                    <a:bodyPr/>
+                    <a:lstStyle/>
+                    <a:p>
+                      <a:pPr algn="ctr"/>
+                      <a:r>
+                        <a:rPr lang="pt-PT" sz="800" b="1" dirty="0" smtClean="0"/>
+                        <a:t>1</a:t>
+                      </a:r>
+                      <a:endParaRPr lang="pt-PT" sz="800" b="1" dirty="0"/>
+                    </a:p>
+                  </a:txBody>
+                  <a:tcPr anchor="ctr"/>
+                </a:tc>
+                <a:extLst>
+                  <a:ext uri="{0D108BD9-81ED-4DB2-BD59-A6C34878D82A}">
+                    <a16:rowId xmlns:a16="http://schemas.microsoft.com/office/drawing/2014/main" val="840248095"/>
+                  </a:ext>
+                </a:extLst>
+              </a:tr>
+              <a:tr h="283164">
+                <a:tc vMerge="1">
+                  <a:txBody>
+                    <a:bodyPr/>
+                    <a:lstStyle/>
+                    <a:p>
+                      <a:endParaRPr lang="pt-PT" sz="800" dirty="0"/>
+                    </a:p>
+                  </a:txBody>
+                  <a:tcPr/>
+                </a:tc>
+                <a:tc>
+                  <a:txBody>
+                    <a:bodyPr/>
+                    <a:lstStyle/>
+                    <a:p>
+                      <a:r>
+                        <a:rPr lang="pt-PT" sz="1000" b="1" dirty="0" smtClean="0"/>
+                        <a:t>Seleção</a:t>
+                      </a:r>
+                      <a:r>
+                        <a:rPr lang="pt-PT" sz="1000" b="1" baseline="0" dirty="0" smtClean="0"/>
+                        <a:t> das imagens, cores e icones.</a:t>
+                      </a:r>
+                      <a:endParaRPr lang="pt-PT" sz="1000" b="1" dirty="0"/>
+                    </a:p>
+                  </a:txBody>
+                  <a:tcPr/>
+                </a:tc>
+                <a:tc>
+                  <a:txBody>
+                    <a:bodyPr/>
+                    <a:lstStyle/>
+                    <a:p>
+                      <a:r>
+                        <a:rPr lang="pt-PT" sz="800" b="1" dirty="0" smtClean="0"/>
+                        <a:t>Alta</a:t>
+                      </a:r>
+                      <a:endParaRPr lang="pt-PT" sz="800" b="1" dirty="0"/>
+                    </a:p>
+                  </a:txBody>
+                  <a:tcPr anchor="ctr"/>
+                </a:tc>
+                <a:tc>
+                  <a:txBody>
+                    <a:bodyPr/>
+                    <a:lstStyle/>
+                    <a:p>
+                      <a:pPr marL="0" marR="0" indent="0" algn="l" defTabSz="914400" rtl="0" eaLnBrk="1" fontAlgn="auto" latinLnBrk="0" hangingPunct="1">
+                        <a:lnSpc>
+                          <a:spcPct val="100000"/>
+                        </a:lnSpc>
+                        <a:spcBef>
+                          <a:spcPts val="0"/>
+                        </a:spcBef>
+                        <a:spcAft>
+                          <a:spcPts val="0"/>
+                        </a:spcAft>
+                        <a:buClr>
+                          <a:srgbClr val="000000"/>
+                        </a:buClr>
+                        <a:buSzTx/>
+                        <a:buFont typeface="Arial"/>
+                        <a:buNone/>
+                        <a:tabLst/>
+                        <a:defRPr/>
+                      </a:pPr>
+                      <a:r>
+                        <a:rPr lang="pt-PT" sz="800" b="1" dirty="0" smtClean="0"/>
+                        <a:t>Feito</a:t>
+                      </a:r>
+                    </a:p>
+                  </a:txBody>
+                  <a:tcPr anchor="ctr">
+                    <a:solidFill>
+                      <a:schemeClr val="accent4">
+                        <a:lumMod val="75000"/>
+                      </a:schemeClr>
+                    </a:solidFill>
+                  </a:tcPr>
+                </a:tc>
+                <a:tc vMerge="1">
+                  <a:txBody>
+                    <a:bodyPr/>
+                    <a:lstStyle/>
+                    <a:p>
+                      <a:endParaRPr lang="pt-PT" sz="800" dirty="0"/>
+                    </a:p>
+                  </a:txBody>
+                  <a:tcPr/>
+                </a:tc>
+                <a:extLst>
+                  <a:ext uri="{0D108BD9-81ED-4DB2-BD59-A6C34878D82A}">
+                    <a16:rowId xmlns:a16="http://schemas.microsoft.com/office/drawing/2014/main" val="1723956992"/>
+                  </a:ext>
+                </a:extLst>
+              </a:tr>
+              <a:tr h="283164">
+                <a:tc rowSpan="7">
+                  <a:txBody>
+                    <a:bodyPr/>
+                    <a:lstStyle/>
+                    <a:p>
+                      <a:pPr algn="ctr"/>
+                      <a:r>
+                        <a:rPr lang="pt-PT" sz="800" b="1" dirty="0" smtClean="0"/>
+                        <a:t>Aplicação</a:t>
+                      </a:r>
+                      <a:endParaRPr lang="pt-PT" sz="800" b="1" dirty="0"/>
+                    </a:p>
+                  </a:txBody>
+                  <a:tcPr anchor="ctr"/>
+                </a:tc>
+                <a:tc>
+                  <a:txBody>
+                    <a:bodyPr/>
+                    <a:lstStyle/>
+                    <a:p>
+                      <a:r>
+                        <a:rPr lang="pt-PT" sz="1000" b="1" dirty="0" smtClean="0"/>
+                        <a:t>Implementar</a:t>
+                      </a:r>
+                      <a:r>
+                        <a:rPr lang="pt-PT" sz="1000" b="1" baseline="0" dirty="0" smtClean="0"/>
+                        <a:t> a página de apresentação, isto imprementação do layout da página inicial.</a:t>
+                      </a:r>
+                      <a:endParaRPr lang="pt-PT" sz="1000" b="1" dirty="0"/>
+                    </a:p>
+                  </a:txBody>
+                  <a:tcPr/>
+                </a:tc>
+                <a:tc>
+                  <a:txBody>
+                    <a:bodyPr/>
+                    <a:lstStyle/>
+                    <a:p>
+                      <a:r>
+                        <a:rPr lang="pt-PT" sz="800" b="1" dirty="0" smtClean="0"/>
+                        <a:t>Alta</a:t>
+                      </a:r>
+                      <a:endParaRPr lang="pt-PT" sz="800" b="1" dirty="0"/>
+                    </a:p>
+                  </a:txBody>
+                  <a:tcPr anchor="ctr"/>
+                </a:tc>
+                <a:tc>
+                  <a:txBody>
+                    <a:bodyPr/>
+                    <a:lstStyle/>
+                    <a:p>
+                      <a:r>
+                        <a:rPr lang="pt-PT" sz="800" b="1" dirty="0" smtClean="0"/>
+                        <a:t>Feito</a:t>
+                      </a:r>
+                      <a:endParaRPr lang="pt-PT" sz="800" b="1" dirty="0"/>
+                    </a:p>
+                  </a:txBody>
+                  <a:tcPr anchor="ctr">
+                    <a:solidFill>
+                      <a:schemeClr val="accent4">
+                        <a:lumMod val="75000"/>
+                      </a:schemeClr>
+                    </a:solidFill>
+                  </a:tcPr>
+                </a:tc>
+                <a:tc rowSpan="2">
+                  <a:txBody>
+                    <a:bodyPr/>
+                    <a:lstStyle/>
+                    <a:p>
+                      <a:pPr algn="ctr"/>
+                      <a:r>
+                        <a:rPr lang="pt-PT" sz="800" b="1" dirty="0" smtClean="0"/>
+                        <a:t>2</a:t>
+                      </a:r>
+                      <a:endParaRPr lang="pt-PT" sz="800" b="1" dirty="0"/>
+                    </a:p>
+                  </a:txBody>
+                  <a:tcPr anchor="ctr"/>
+                </a:tc>
+                <a:extLst>
+                  <a:ext uri="{0D108BD9-81ED-4DB2-BD59-A6C34878D82A}">
+                    <a16:rowId xmlns:a16="http://schemas.microsoft.com/office/drawing/2014/main" val="4027362494"/>
+                  </a:ext>
+                </a:extLst>
+              </a:tr>
+              <a:tr h="283164">
+                <a:tc vMerge="1">
+                  <a:txBody>
+                    <a:bodyPr/>
+                    <a:lstStyle/>
+                    <a:p>
+                      <a:endParaRPr lang="pt-PT" sz="800" dirty="0"/>
+                    </a:p>
+                  </a:txBody>
+                  <a:tcPr/>
+                </a:tc>
+                <a:tc>
+                  <a:txBody>
+                    <a:bodyPr/>
+                    <a:lstStyle/>
+                    <a:p>
+                      <a:r>
+                        <a:rPr lang="pt-PT" sz="1000" b="1" dirty="0" smtClean="0"/>
+                        <a:t>Como utilizador, na</a:t>
+                      </a:r>
+                      <a:r>
+                        <a:rPr lang="pt-PT" sz="1000" b="1" baseline="0" dirty="0" smtClean="0"/>
+                        <a:t> página inicial deve apresentar : breve descrição um botão para quando o utilizador já sabe o que cursar e outro para fazer o teste vocacional caso ainda não saiba o que cursar.</a:t>
+                      </a:r>
+                      <a:endParaRPr lang="pt-PT" sz="1000" b="1" dirty="0"/>
+                    </a:p>
+                  </a:txBody>
+                  <a:tcPr/>
+                </a:tc>
+                <a:tc>
+                  <a:txBody>
+                    <a:bodyPr/>
+                    <a:lstStyle/>
+                    <a:p>
+                      <a:r>
+                        <a:rPr lang="pt-PT" sz="800" b="1" dirty="0" smtClean="0"/>
+                        <a:t>Alta</a:t>
+                      </a:r>
+                      <a:endParaRPr lang="pt-PT" sz="800" b="1" dirty="0"/>
+                    </a:p>
+                  </a:txBody>
+                  <a:tcPr anchor="ctr"/>
+                </a:tc>
+                <a:tc>
+                  <a:txBody>
+                    <a:bodyPr/>
+                    <a:lstStyle/>
+                    <a:p>
+                      <a:r>
+                        <a:rPr lang="pt-PT" sz="800" b="1" dirty="0" smtClean="0"/>
+                        <a:t>Feito</a:t>
+                      </a:r>
+                      <a:endParaRPr lang="pt-PT" sz="800" b="1" dirty="0"/>
+                    </a:p>
+                  </a:txBody>
+                  <a:tcPr anchor="ctr">
+                    <a:solidFill>
+                      <a:schemeClr val="accent4">
+                        <a:lumMod val="75000"/>
+                      </a:schemeClr>
+                    </a:solidFill>
+                  </a:tcPr>
+                </a:tc>
+                <a:tc vMerge="1">
+                  <a:txBody>
+                    <a:bodyPr/>
+                    <a:lstStyle/>
+                    <a:p>
+                      <a:endParaRPr lang="pt-PT" sz="800" dirty="0"/>
+                    </a:p>
+                  </a:txBody>
+                  <a:tcPr/>
+                </a:tc>
+                <a:extLst>
+                  <a:ext uri="{0D108BD9-81ED-4DB2-BD59-A6C34878D82A}">
+                    <a16:rowId xmlns:a16="http://schemas.microsoft.com/office/drawing/2014/main" val="443786873"/>
+                  </a:ext>
+                </a:extLst>
+              </a:tr>
+              <a:tr h="283164">
+                <a:tc vMerge="1">
+                  <a:txBody>
+                    <a:bodyPr/>
+                    <a:lstStyle/>
+                    <a:p>
+                      <a:endParaRPr lang="pt-PT" sz="800" dirty="0"/>
+                    </a:p>
+                  </a:txBody>
+                  <a:tcPr/>
+                </a:tc>
+                <a:tc>
+                  <a:txBody>
+                    <a:bodyPr/>
+                    <a:lstStyle/>
+                    <a:p>
+                      <a:r>
+                        <a:rPr lang="pt-PT" sz="1000" b="1" dirty="0" smtClean="0"/>
+                        <a:t>Como utilizador, na página inicial</a:t>
+                      </a:r>
+                      <a:r>
+                        <a:rPr lang="pt-PT" sz="1000" b="1" baseline="0" dirty="0" smtClean="0"/>
+                        <a:t> deve apresentar: as caracterisicas da orientação vocacional e profissional.</a:t>
+                      </a:r>
+                      <a:endParaRPr lang="pt-PT" sz="1000" b="1" dirty="0"/>
+                    </a:p>
+                  </a:txBody>
+                  <a:tcPr/>
+                </a:tc>
+                <a:tc>
+                  <a:txBody>
+                    <a:bodyPr/>
+                    <a:lstStyle/>
+                    <a:p>
+                      <a:r>
+                        <a:rPr lang="pt-PT" sz="800" b="1" dirty="0" smtClean="0"/>
+                        <a:t>Alta</a:t>
+                      </a:r>
+                      <a:endParaRPr lang="pt-PT" sz="800" b="1" dirty="0"/>
+                    </a:p>
+                  </a:txBody>
+                  <a:tcPr anchor="ctr"/>
+                </a:tc>
+                <a:tc>
+                  <a:txBody>
+                    <a:bodyPr/>
+                    <a:lstStyle/>
+                    <a:p>
+                      <a:r>
+                        <a:rPr lang="pt-PT" sz="800" b="1" dirty="0" smtClean="0"/>
+                        <a:t>Feito</a:t>
+                      </a:r>
+                      <a:endParaRPr lang="pt-PT" sz="800" b="1" dirty="0"/>
+                    </a:p>
+                  </a:txBody>
+                  <a:tcPr anchor="ctr">
+                    <a:solidFill>
+                      <a:schemeClr val="accent4">
+                        <a:lumMod val="75000"/>
+                      </a:schemeClr>
+                    </a:solidFill>
+                  </a:tcPr>
+                </a:tc>
+                <a:tc>
+                  <a:txBody>
+                    <a:bodyPr/>
+                    <a:lstStyle/>
+                    <a:p>
+                      <a:pPr algn="ctr"/>
+                      <a:r>
+                        <a:rPr lang="pt-PT" sz="800" b="1" dirty="0" smtClean="0"/>
+                        <a:t>3</a:t>
+                      </a:r>
+                      <a:endParaRPr lang="pt-PT" sz="800" b="1" dirty="0"/>
+                    </a:p>
+                  </a:txBody>
+                  <a:tcPr anchor="ctr"/>
+                </a:tc>
+                <a:extLst>
+                  <a:ext uri="{0D108BD9-81ED-4DB2-BD59-A6C34878D82A}">
+                    <a16:rowId xmlns:a16="http://schemas.microsoft.com/office/drawing/2014/main" val="2022244284"/>
+                  </a:ext>
+                </a:extLst>
+              </a:tr>
+              <a:tr h="283164">
+                <a:tc vMerge="1">
+                  <a:txBody>
+                    <a:bodyPr/>
+                    <a:lstStyle/>
+                    <a:p>
+                      <a:endParaRPr lang="pt-PT" sz="800" dirty="0"/>
+                    </a:p>
+                  </a:txBody>
+                  <a:tcPr/>
+                </a:tc>
+                <a:tc>
+                  <a:txBody>
+                    <a:bodyPr/>
+                    <a:lstStyle/>
+                    <a:p>
+                      <a:pPr marL="0" marR="0" indent="0" algn="l" defTabSz="914400" rtl="0" eaLnBrk="1" fontAlgn="auto" latinLnBrk="0" hangingPunct="1">
+                        <a:lnSpc>
+                          <a:spcPct val="100000"/>
+                        </a:lnSpc>
+                        <a:spcBef>
+                          <a:spcPts val="0"/>
+                        </a:spcBef>
+                        <a:spcAft>
+                          <a:spcPts val="0"/>
+                        </a:spcAft>
+                        <a:buClr>
+                          <a:srgbClr val="000000"/>
+                        </a:buClr>
+                        <a:buSzTx/>
+                        <a:buFont typeface="Arial"/>
+                        <a:buNone/>
+                        <a:tabLst/>
+                        <a:defRPr/>
+                      </a:pPr>
+                      <a:r>
+                        <a:rPr lang="pt-PT" sz="1000" b="1" dirty="0" smtClean="0"/>
+                        <a:t>Como utilizador, na página inicial</a:t>
+                      </a:r>
+                      <a:r>
+                        <a:rPr lang="pt-PT" sz="1000" b="1" baseline="0" dirty="0" smtClean="0"/>
+                        <a:t> deve apresentar: o ranking nacional das instituições do ensino superior e das empresas nacionais de acordo a carreira / Curso.</a:t>
+                      </a:r>
+                      <a:endParaRPr lang="pt-PT" sz="1000" b="1" dirty="0" smtClean="0"/>
+                    </a:p>
+                  </a:txBody>
+                  <a:tcPr/>
+                </a:tc>
+                <a:tc>
+                  <a:txBody>
+                    <a:bodyPr/>
+                    <a:lstStyle/>
+                    <a:p>
+                      <a:r>
+                        <a:rPr lang="pt-PT" sz="800" b="1" dirty="0" smtClean="0"/>
+                        <a:t>Atla</a:t>
+                      </a:r>
+                      <a:endParaRPr lang="pt-PT" sz="800" b="1" dirty="0"/>
+                    </a:p>
+                  </a:txBody>
+                  <a:tcPr anchor="ctr"/>
+                </a:tc>
+                <a:tc>
+                  <a:txBody>
+                    <a:bodyPr/>
+                    <a:lstStyle/>
+                    <a:p>
+                      <a:r>
+                        <a:rPr lang="pt-PT" sz="800" b="1" dirty="0" smtClean="0"/>
+                        <a:t>Feito</a:t>
+                      </a:r>
+                      <a:endParaRPr lang="pt-PT" sz="800" b="1" dirty="0"/>
+                    </a:p>
+                  </a:txBody>
+                  <a:tcPr anchor="ctr">
+                    <a:solidFill>
+                      <a:schemeClr val="accent4">
+                        <a:lumMod val="75000"/>
+                      </a:schemeClr>
+                    </a:solidFill>
+                  </a:tcPr>
+                </a:tc>
+                <a:tc>
+                  <a:txBody>
+                    <a:bodyPr/>
+                    <a:lstStyle/>
+                    <a:p>
+                      <a:pPr algn="ctr"/>
+                      <a:r>
+                        <a:rPr lang="pt-PT" sz="800" b="1" dirty="0" smtClean="0"/>
+                        <a:t>4</a:t>
+                      </a:r>
+                      <a:endParaRPr lang="pt-PT" sz="800" b="1" dirty="0"/>
+                    </a:p>
+                  </a:txBody>
+                  <a:tcPr anchor="ctr"/>
+                </a:tc>
+                <a:extLst>
+                  <a:ext uri="{0D108BD9-81ED-4DB2-BD59-A6C34878D82A}">
+                    <a16:rowId xmlns:a16="http://schemas.microsoft.com/office/drawing/2014/main" val="1651993117"/>
+                  </a:ext>
+                </a:extLst>
+              </a:tr>
+              <a:tr h="283164">
+                <a:tc vMerge="1">
+                  <a:txBody>
+                    <a:bodyPr/>
+                    <a:lstStyle/>
+                    <a:p>
+                      <a:endParaRPr lang="pt-PT" sz="800" dirty="0"/>
+                    </a:p>
+                  </a:txBody>
+                  <a:tcPr/>
+                </a:tc>
+                <a:tc>
+                  <a:txBody>
+                    <a:bodyPr/>
+                    <a:lstStyle/>
+                    <a:p>
+                      <a:r>
+                        <a:rPr lang="pt-PT" sz="1000" b="1" dirty="0" smtClean="0"/>
+                        <a:t>Implementação</a:t>
+                      </a:r>
+                      <a:r>
+                        <a:rPr lang="pt-PT" sz="1000" b="1" baseline="0" dirty="0" smtClean="0"/>
+                        <a:t> da Página: Instituições | Vocacional</a:t>
+                      </a:r>
+                      <a:endParaRPr lang="pt-PT" sz="1000" b="1" dirty="0"/>
+                    </a:p>
+                  </a:txBody>
+                  <a:tcPr/>
+                </a:tc>
+                <a:tc>
+                  <a:txBody>
+                    <a:bodyPr/>
+                    <a:lstStyle/>
+                    <a:p>
+                      <a:r>
+                        <a:rPr lang="pt-PT" sz="800" b="1" dirty="0" smtClean="0"/>
+                        <a:t>Média</a:t>
+                      </a:r>
+                      <a:endParaRPr lang="pt-PT" sz="800" b="1" dirty="0"/>
+                    </a:p>
+                  </a:txBody>
+                  <a:tcPr/>
+                </a:tc>
+                <a:tc>
+                  <a:txBody>
+                    <a:bodyPr/>
+                    <a:lstStyle/>
+                    <a:p>
+                      <a:r>
+                        <a:rPr lang="pt-PT" sz="800" b="1" dirty="0" smtClean="0"/>
+                        <a:t>Em</a:t>
+                      </a:r>
+                      <a:r>
+                        <a:rPr lang="pt-PT" sz="800" b="1" baseline="0" dirty="0" smtClean="0"/>
+                        <a:t> Pregresso</a:t>
+                      </a:r>
+                      <a:endParaRPr lang="pt-PT" sz="800" b="1" dirty="0"/>
+                    </a:p>
+                  </a:txBody>
+                  <a:tcPr>
+                    <a:solidFill>
+                      <a:schemeClr val="accent6"/>
+                    </a:solidFill>
+                  </a:tcPr>
+                </a:tc>
+                <a:tc>
+                  <a:txBody>
+                    <a:bodyPr/>
+                    <a:lstStyle/>
+                    <a:p>
+                      <a:pPr algn="ctr"/>
+                      <a:r>
+                        <a:rPr lang="pt-PT" sz="800" b="1" dirty="0" smtClean="0"/>
+                        <a:t>5</a:t>
+                      </a:r>
+                      <a:endParaRPr lang="pt-PT" sz="800" b="1" dirty="0"/>
+                    </a:p>
+                  </a:txBody>
+                  <a:tcPr anchor="ctr"/>
+                </a:tc>
+                <a:extLst>
+                  <a:ext uri="{0D108BD9-81ED-4DB2-BD59-A6C34878D82A}">
+                    <a16:rowId xmlns:a16="http://schemas.microsoft.com/office/drawing/2014/main" val="2786280340"/>
+                  </a:ext>
+                </a:extLst>
+              </a:tr>
+              <a:tr h="283164">
+                <a:tc vMerge="1">
+                  <a:txBody>
+                    <a:bodyPr/>
+                    <a:lstStyle/>
+                    <a:p>
+                      <a:endParaRPr lang="pt-PT" sz="800" dirty="0"/>
+                    </a:p>
+                  </a:txBody>
+                  <a:tcPr/>
+                </a:tc>
+                <a:tc>
+                  <a:txBody>
+                    <a:bodyPr/>
+                    <a:lstStyle/>
+                    <a:p>
+                      <a:pPr marL="0" marR="0" indent="0" algn="l" defTabSz="914400" rtl="0" eaLnBrk="1" fontAlgn="auto" latinLnBrk="0" hangingPunct="1">
+                        <a:lnSpc>
+                          <a:spcPct val="100000"/>
+                        </a:lnSpc>
+                        <a:spcBef>
+                          <a:spcPts val="0"/>
+                        </a:spcBef>
+                        <a:spcAft>
+                          <a:spcPts val="0"/>
+                        </a:spcAft>
+                        <a:buClr>
+                          <a:srgbClr val="000000"/>
+                        </a:buClr>
+                        <a:buSzTx/>
+                        <a:buFont typeface="Arial"/>
+                        <a:buNone/>
+                        <a:tabLst/>
+                        <a:defRPr/>
+                      </a:pPr>
+                      <a:r>
+                        <a:rPr lang="pt-PT" sz="1000" b="1" dirty="0" smtClean="0"/>
+                        <a:t>Implementação</a:t>
+                      </a:r>
+                      <a:r>
+                        <a:rPr lang="pt-PT" sz="1000" b="1" baseline="0" dirty="0" smtClean="0"/>
+                        <a:t> da Página: Empresas | Profissional</a:t>
+                      </a:r>
+                      <a:endParaRPr lang="pt-PT" sz="1000" b="1" dirty="0" smtClean="0"/>
+                    </a:p>
+                  </a:txBody>
+                  <a:tcPr/>
+                </a:tc>
+                <a:tc>
+                  <a:txBody>
+                    <a:bodyPr/>
+                    <a:lstStyle/>
+                    <a:p>
+                      <a:r>
+                        <a:rPr lang="pt-PT" sz="800" b="1" dirty="0" smtClean="0"/>
+                        <a:t>Média</a:t>
+                      </a:r>
+                      <a:endParaRPr lang="pt-PT" sz="800" b="1" dirty="0"/>
+                    </a:p>
+                  </a:txBody>
+                  <a:tcPr/>
+                </a:tc>
+                <a:tc>
+                  <a:txBody>
+                    <a:bodyPr/>
+                    <a:lstStyle/>
+                    <a:p>
+                      <a:r>
+                        <a:rPr lang="pt-PT" sz="800" b="1" dirty="0" smtClean="0"/>
+                        <a:t>Em Progresso</a:t>
+                      </a:r>
+                      <a:endParaRPr lang="pt-PT" sz="800" b="1" dirty="0"/>
+                    </a:p>
+                  </a:txBody>
+                  <a:tcPr>
+                    <a:solidFill>
+                      <a:schemeClr val="accent6"/>
+                    </a:solidFill>
+                  </a:tcPr>
+                </a:tc>
+                <a:tc>
+                  <a:txBody>
+                    <a:bodyPr/>
+                    <a:lstStyle/>
+                    <a:p>
+                      <a:pPr algn="ctr"/>
+                      <a:r>
+                        <a:rPr lang="pt-PT" sz="800" b="1" dirty="0" smtClean="0"/>
+                        <a:t>5</a:t>
+                      </a:r>
+                      <a:endParaRPr lang="pt-PT" sz="800" b="1" dirty="0"/>
+                    </a:p>
+                  </a:txBody>
+                  <a:tcPr anchor="ctr"/>
+                </a:tc>
+                <a:extLst>
+                  <a:ext uri="{0D108BD9-81ED-4DB2-BD59-A6C34878D82A}">
+                    <a16:rowId xmlns:a16="http://schemas.microsoft.com/office/drawing/2014/main" val="1925249634"/>
+                  </a:ext>
+                </a:extLst>
+              </a:tr>
+              <a:tr h="283164">
+                <a:tc vMerge="1">
+                  <a:txBody>
+                    <a:bodyPr/>
+                    <a:lstStyle/>
+                    <a:p>
+                      <a:endParaRPr lang="pt-PT" sz="800" dirty="0"/>
+                    </a:p>
+                  </a:txBody>
+                  <a:tcPr/>
+                </a:tc>
+                <a:tc>
+                  <a:txBody>
+                    <a:bodyPr/>
+                    <a:lstStyle/>
+                    <a:p>
+                      <a:r>
+                        <a:rPr lang="pt-PT" sz="1000" b="1" dirty="0" smtClean="0"/>
+                        <a:t>Teste</a:t>
+                      </a:r>
+                      <a:r>
+                        <a:rPr lang="pt-PT" sz="1000" b="1" baseline="0" dirty="0" smtClean="0"/>
+                        <a:t> Vocacional e Presentação dos resultados ao utilizador</a:t>
+                      </a:r>
+                      <a:endParaRPr lang="pt-PT" sz="1000" b="1" dirty="0"/>
+                    </a:p>
+                  </a:txBody>
+                  <a:tcPr/>
+                </a:tc>
+                <a:tc>
+                  <a:txBody>
+                    <a:bodyPr/>
+                    <a:lstStyle/>
+                    <a:p>
+                      <a:r>
+                        <a:rPr lang="pt-PT" sz="800" b="1" dirty="0" smtClean="0"/>
+                        <a:t>Alta</a:t>
+                      </a:r>
+                      <a:endParaRPr lang="pt-PT" sz="800" b="1" dirty="0"/>
+                    </a:p>
+                  </a:txBody>
+                  <a:tcPr/>
+                </a:tc>
+                <a:tc>
+                  <a:txBody>
+                    <a:bodyPr/>
+                    <a:lstStyle/>
+                    <a:p>
+                      <a:endParaRPr lang="pt-PT" sz="800" dirty="0"/>
+                    </a:p>
+                  </a:txBody>
+                  <a:tcPr/>
+                </a:tc>
+                <a:tc>
+                  <a:txBody>
+                    <a:bodyPr/>
+                    <a:lstStyle/>
+                    <a:p>
+                      <a:endParaRPr lang="pt-PT" sz="800" dirty="0"/>
+                    </a:p>
+                  </a:txBody>
+                  <a:tcPr/>
+                </a:tc>
+                <a:extLst>
+                  <a:ext uri="{0D108BD9-81ED-4DB2-BD59-A6C34878D82A}">
+                    <a16:rowId xmlns:a16="http://schemas.microsoft.com/office/drawing/2014/main" val="1001916667"/>
+                  </a:ext>
+                </a:extLst>
+              </a:tr>
+              <a:tr h="283164">
+                <a:tc rowSpan="3">
+                  <a:txBody>
+                    <a:bodyPr/>
+                    <a:lstStyle/>
+                    <a:p>
+                      <a:pPr algn="ctr"/>
+                      <a:r>
+                        <a:rPr lang="pt-PT" sz="800" b="1" dirty="0" smtClean="0"/>
+                        <a:t>Testes</a:t>
+                      </a:r>
+                      <a:endParaRPr lang="pt-PT" sz="800" b="1" dirty="0"/>
+                    </a:p>
+                  </a:txBody>
+                  <a:tcPr anchor="ctr"/>
+                </a:tc>
+                <a:tc>
+                  <a:txBody>
+                    <a:bodyPr/>
+                    <a:lstStyle/>
+                    <a:p>
+                      <a:pPr marL="0" marR="0" indent="0" algn="l" defTabSz="914400" rtl="0" eaLnBrk="1" fontAlgn="auto" latinLnBrk="0" hangingPunct="1">
+                        <a:lnSpc>
+                          <a:spcPct val="100000"/>
+                        </a:lnSpc>
+                        <a:spcBef>
+                          <a:spcPts val="0"/>
+                        </a:spcBef>
+                        <a:spcAft>
+                          <a:spcPts val="0"/>
+                        </a:spcAft>
+                        <a:buClr>
+                          <a:srgbClr val="000000"/>
+                        </a:buClr>
+                        <a:buSzTx/>
+                        <a:buFont typeface="Arial"/>
+                        <a:buNone/>
+                        <a:tabLst/>
+                        <a:defRPr/>
+                      </a:pPr>
+                      <a:r>
+                        <a:rPr lang="pt-PT" sz="1000" b="1" dirty="0" smtClean="0"/>
+                        <a:t>Validar os componentes do código fonte</a:t>
+                      </a:r>
+                    </a:p>
+                  </a:txBody>
+                  <a:tcPr/>
+                </a:tc>
+                <a:tc>
+                  <a:txBody>
+                    <a:bodyPr/>
+                    <a:lstStyle/>
+                    <a:p>
+                      <a:r>
+                        <a:rPr lang="pt-PT" sz="800" b="1" dirty="0" smtClean="0"/>
+                        <a:t>Alta</a:t>
+                      </a:r>
+                      <a:endParaRPr lang="pt-PT" sz="800" b="1" dirty="0"/>
+                    </a:p>
+                  </a:txBody>
+                  <a:tcPr/>
+                </a:tc>
+                <a:tc>
+                  <a:txBody>
+                    <a:bodyPr/>
+                    <a:lstStyle/>
+                    <a:p>
+                      <a:r>
+                        <a:rPr lang="pt-PT" sz="800" b="1" dirty="0" smtClean="0"/>
+                        <a:t>A cada sprint</a:t>
+                      </a:r>
+                      <a:endParaRPr lang="pt-PT" sz="800" b="1" dirty="0"/>
+                    </a:p>
+                  </a:txBody>
+                  <a:tcPr>
+                    <a:solidFill>
+                      <a:schemeClr val="accent3"/>
+                    </a:solidFill>
+                  </a:tcPr>
+                </a:tc>
+                <a:tc>
+                  <a:txBody>
+                    <a:bodyPr/>
+                    <a:lstStyle/>
+                    <a:p>
+                      <a:pPr algn="ctr"/>
+                      <a:r>
+                        <a:rPr lang="pt-PT" sz="800" b="1" dirty="0" smtClean="0"/>
+                        <a:t>Todas</a:t>
+                      </a:r>
+                      <a:endParaRPr lang="pt-PT" sz="800" b="1" dirty="0"/>
+                    </a:p>
+                  </a:txBody>
+                  <a:tcPr/>
+                </a:tc>
+                <a:extLst>
+                  <a:ext uri="{0D108BD9-81ED-4DB2-BD59-A6C34878D82A}">
+                    <a16:rowId xmlns:a16="http://schemas.microsoft.com/office/drawing/2014/main" val="15344207"/>
+                  </a:ext>
+                </a:extLst>
+              </a:tr>
+              <a:tr h="283164">
+                <a:tc vMerge="1">
+                  <a:txBody>
+                    <a:bodyPr/>
+                    <a:lstStyle/>
+                    <a:p>
+                      <a:endParaRPr lang="pt-PT" sz="800" dirty="0"/>
+                    </a:p>
+                  </a:txBody>
+                  <a:tcPr/>
+                </a:tc>
+                <a:tc>
+                  <a:txBody>
+                    <a:bodyPr/>
+                    <a:lstStyle/>
+                    <a:p>
+                      <a:pPr marL="0" marR="0" indent="0" algn="l" defTabSz="914400" rtl="0" eaLnBrk="1" fontAlgn="auto" latinLnBrk="0" hangingPunct="1">
+                        <a:lnSpc>
+                          <a:spcPct val="100000"/>
+                        </a:lnSpc>
+                        <a:spcBef>
+                          <a:spcPts val="0"/>
+                        </a:spcBef>
+                        <a:spcAft>
+                          <a:spcPts val="0"/>
+                        </a:spcAft>
+                        <a:buClr>
+                          <a:srgbClr val="000000"/>
+                        </a:buClr>
+                        <a:buSzTx/>
+                        <a:buFont typeface="Arial"/>
+                        <a:buNone/>
+                        <a:tabLst/>
+                        <a:defRPr/>
+                      </a:pPr>
+                      <a:r>
+                        <a:rPr lang="pt-PT" sz="1000" b="1" dirty="0" smtClean="0"/>
+                        <a:t>Validar os Requisitos Funcionais</a:t>
+                      </a:r>
+                    </a:p>
+                  </a:txBody>
+                  <a:tcPr/>
+                </a:tc>
+                <a:tc>
+                  <a:txBody>
+                    <a:bodyPr/>
+                    <a:lstStyle/>
+                    <a:p>
+                      <a:r>
+                        <a:rPr lang="pt-PT" sz="800" b="1" dirty="0" smtClean="0"/>
+                        <a:t>Alta</a:t>
+                      </a:r>
+                      <a:endParaRPr lang="pt-PT" sz="800" b="1" dirty="0"/>
+                    </a:p>
+                  </a:txBody>
+                  <a:tcPr/>
+                </a:tc>
+                <a:tc>
+                  <a:txBody>
+                    <a:bodyPr/>
+                    <a:lstStyle/>
+                    <a:p>
+                      <a:pPr marL="0" marR="0" indent="0" algn="l" defTabSz="914400" rtl="0" eaLnBrk="1" fontAlgn="auto" latinLnBrk="0" hangingPunct="1">
+                        <a:lnSpc>
+                          <a:spcPct val="100000"/>
+                        </a:lnSpc>
+                        <a:spcBef>
+                          <a:spcPts val="0"/>
+                        </a:spcBef>
+                        <a:spcAft>
+                          <a:spcPts val="0"/>
+                        </a:spcAft>
+                        <a:buClr>
+                          <a:srgbClr val="000000"/>
+                        </a:buClr>
+                        <a:buSzTx/>
+                        <a:buFont typeface="Arial"/>
+                        <a:buNone/>
+                        <a:tabLst/>
+                        <a:defRPr/>
+                      </a:pPr>
+                      <a:r>
+                        <a:rPr lang="pt-PT" sz="800" b="1" dirty="0" smtClean="0"/>
+                        <a:t>A cada sprint</a:t>
+                      </a:r>
+                    </a:p>
+                  </a:txBody>
+                  <a:tcPr>
+                    <a:solidFill>
+                      <a:schemeClr val="accent3"/>
+                    </a:solidFill>
+                  </a:tcPr>
+                </a:tc>
+                <a:tc>
+                  <a:txBody>
+                    <a:bodyPr/>
+                    <a:lstStyle/>
+                    <a:p>
+                      <a:pPr algn="ctr"/>
+                      <a:r>
+                        <a:rPr lang="pt-PT" sz="800" b="1" dirty="0" smtClean="0"/>
+                        <a:t>Todas</a:t>
+                      </a:r>
+                      <a:endParaRPr lang="pt-PT" sz="800" b="1" dirty="0"/>
+                    </a:p>
+                  </a:txBody>
+                  <a:tcPr/>
+                </a:tc>
+                <a:extLst>
+                  <a:ext uri="{0D108BD9-81ED-4DB2-BD59-A6C34878D82A}">
+                    <a16:rowId xmlns:a16="http://schemas.microsoft.com/office/drawing/2014/main" val="3995466349"/>
+                  </a:ext>
+                </a:extLst>
+              </a:tr>
+              <a:tr h="283164">
+                <a:tc vMerge="1">
+                  <a:txBody>
+                    <a:bodyPr/>
+                    <a:lstStyle/>
+                    <a:p>
+                      <a:endParaRPr lang="pt-PT" sz="800" dirty="0"/>
+                    </a:p>
+                  </a:txBody>
+                  <a:tcPr/>
+                </a:tc>
+                <a:tc>
+                  <a:txBody>
+                    <a:bodyPr/>
+                    <a:lstStyle/>
+                    <a:p>
+                      <a:r>
+                        <a:rPr lang="pt-PT" sz="1000" b="1" dirty="0" smtClean="0"/>
+                        <a:t>Report</a:t>
+                      </a:r>
+                      <a:endParaRPr lang="pt-PT" sz="1000" b="1" dirty="0"/>
+                    </a:p>
+                  </a:txBody>
+                  <a:tcPr/>
+                </a:tc>
+                <a:tc>
+                  <a:txBody>
+                    <a:bodyPr/>
+                    <a:lstStyle/>
+                    <a:p>
+                      <a:r>
+                        <a:rPr lang="pt-PT" sz="800" b="1" dirty="0" smtClean="0"/>
+                        <a:t>Alta</a:t>
+                      </a:r>
+                      <a:endParaRPr lang="pt-PT" sz="800" b="1" dirty="0"/>
+                    </a:p>
+                  </a:txBody>
+                  <a:tcPr/>
+                </a:tc>
+                <a:tc>
+                  <a:txBody>
+                    <a:bodyPr/>
+                    <a:lstStyle/>
+                    <a:p>
+                      <a:pPr marL="0" marR="0" indent="0" algn="l" defTabSz="914400" rtl="0" eaLnBrk="1" fontAlgn="auto" latinLnBrk="0" hangingPunct="1">
+                        <a:lnSpc>
+                          <a:spcPct val="100000"/>
+                        </a:lnSpc>
+                        <a:spcBef>
+                          <a:spcPts val="0"/>
+                        </a:spcBef>
+                        <a:spcAft>
+                          <a:spcPts val="0"/>
+                        </a:spcAft>
+                        <a:buClr>
+                          <a:srgbClr val="000000"/>
+                        </a:buClr>
+                        <a:buSzTx/>
+                        <a:buFont typeface="Arial"/>
+                        <a:buNone/>
+                        <a:tabLst/>
+                        <a:defRPr/>
+                      </a:pPr>
+                      <a:r>
+                        <a:rPr lang="pt-PT" sz="800" b="1" dirty="0" smtClean="0"/>
+                        <a:t>A cada sprint</a:t>
+                      </a:r>
+                    </a:p>
+                  </a:txBody>
+                  <a:tcPr>
+                    <a:solidFill>
+                      <a:schemeClr val="accent3"/>
+                    </a:solidFill>
+                  </a:tcPr>
+                </a:tc>
+                <a:tc>
+                  <a:txBody>
+                    <a:bodyPr/>
+                    <a:lstStyle/>
+                    <a:p>
+                      <a:pPr algn="ctr"/>
+                      <a:r>
+                        <a:rPr lang="pt-PT" sz="800" b="1" dirty="0" smtClean="0"/>
+                        <a:t>Todas</a:t>
+                      </a:r>
+                      <a:endParaRPr lang="pt-PT" sz="800" b="1" dirty="0"/>
+                    </a:p>
+                  </a:txBody>
+                  <a:tcPr/>
+                </a:tc>
+                <a:extLst>
+                  <a:ext uri="{0D108BD9-81ED-4DB2-BD59-A6C34878D82A}">
+                    <a16:rowId xmlns:a16="http://schemas.microsoft.com/office/drawing/2014/main" val="1255638945"/>
+                  </a:ext>
+                </a:extLst>
+              </a:tr>
+            </a:tbl>
+          </a:graphicData>
+        </a:graphic>
+      </p:graphicFrame>
+    </p:spTree>
+    <p:extLst>
+      <p:ext uri="{BB962C8B-B14F-4D97-AF65-F5344CB8AC3E}">
+        <p14:creationId xmlns:p14="http://schemas.microsoft.com/office/powerpoint/2010/main" val="2207418667"/>
+      </p:ext>
+    </p:extLst>
+  </p:cSld>
+  <p:clrMapOvr>
+    <a:masterClrMapping/>
+  </p:clrMapOvr>
+  <p:timing>
+    <p:tnLst>
+      <p:par>
+        <p:cTn id="1" dur="indefinite" restart="never" nodeType="tmRoot"/>
+      </p:par>
+    </p:tnLst>
+  </p:timing>
+</p:sld>
+</file>
+
+<file path=ppt/slides/slide17.xml><?xml version="1.0" encoding="utf-8"?>
+<p:sld xmlns:a="http://schemas.openxmlformats.org/drawingml/2006/main" xmlns:r="http://schemas.openxmlformats.org/officeDocument/2006/relationships" xmlns:p="http://schemas.openxmlformats.org/presentationml/2006/main">
+  <p:cSld>
+    <p:spTree>
+      <p:nvGrpSpPr>
+        <p:cNvPr id="1" name="Shape 87"/>
+        <p:cNvGrpSpPr/>
+        <p:nvPr/>
+      </p:nvGrpSpPr>
+      <p:grpSpPr>
+        <a:xfrm>
+          <a:off x="0" y="0"/>
+          <a:ext cx="0" cy="0"/>
+          <a:chOff x="0" y="0"/>
+          <a:chExt cx="0" cy="0"/>
+        </a:xfrm>
+      </p:grpSpPr>
+      <p:sp>
+        <p:nvSpPr>
+          <p:cNvPr id="88" name="Google Shape;88;p14"/>
+          <p:cNvSpPr txBox="1">
+            <a:spLocks noGrp="1"/>
+          </p:cNvSpPr>
+          <p:nvPr>
+            <p:ph type="body" idx="1"/>
+          </p:nvPr>
+        </p:nvSpPr>
+        <p:spPr>
+          <a:xfrm>
+            <a:off x="1115616" y="2129950"/>
+            <a:ext cx="7149076" cy="873848"/>
+          </a:xfrm>
+          <a:prstGeom prst="rect">
+            <a:avLst/>
+          </a:prstGeom>
+        </p:spPr>
+        <p:txBody>
+          <a:bodyPr spcFirstLastPara="1" wrap="square" lIns="91425" tIns="91425" rIns="91425" bIns="91425" anchor="ctr" anchorCtr="0">
+            <a:noAutofit/>
+          </a:bodyPr>
+          <a:lstStyle/>
+          <a:p>
+            <a:pPr marL="0" lvl="0" indent="0" algn="ctr" rtl="0">
+              <a:spcBef>
+                <a:spcPts val="600"/>
+              </a:spcBef>
+              <a:spcAft>
+                <a:spcPts val="0"/>
+              </a:spcAft>
+              <a:buClr>
+                <a:schemeClr val="dk1"/>
+              </a:buClr>
+              <a:buSzPts val="1100"/>
+              <a:buFont typeface="Arial"/>
+              <a:buNone/>
+            </a:pPr>
+            <a:r>
+              <a:rPr lang="pt-PT" sz="2000" b="1" dirty="0" smtClean="0">
+                <a:solidFill>
+                  <a:schemeClr val="tx1">
+                    <a:lumMod val="50000"/>
+                  </a:schemeClr>
+                </a:solidFill>
+              </a:rPr>
+              <a:t>OBRIGADO</a:t>
+            </a:r>
+            <a:endParaRPr sz="2000" b="1" dirty="0">
+              <a:solidFill>
+                <a:schemeClr val="tx1">
+                  <a:lumMod val="50000"/>
+                </a:schemeClr>
+              </a:solidFill>
+            </a:endParaRPr>
+          </a:p>
+        </p:txBody>
+      </p:sp>
+      <p:sp>
+        <p:nvSpPr>
+          <p:cNvPr id="90" name="Google Shape;90;p14"/>
+          <p:cNvSpPr txBox="1">
+            <a:spLocks noGrp="1"/>
+          </p:cNvSpPr>
+          <p:nvPr>
+            <p:ph type="sldNum" idx="12"/>
+          </p:nvPr>
+        </p:nvSpPr>
+        <p:spPr>
+          <a:xfrm>
+            <a:off x="4297659" y="510251"/>
+            <a:ext cx="548700" cy="393600"/>
+          </a:xfrm>
+          <a:prstGeom prst="rect">
+            <a:avLst/>
+          </a:prstGeom>
+        </p:spPr>
+        <p:txBody>
+          <a:bodyPr spcFirstLastPara="1" wrap="square" lIns="91425" tIns="91425" rIns="91425" bIns="91425" anchor="ctr" anchorCtr="0">
+            <a:noAutofit/>
+          </a:bodyPr>
+          <a:lstStyle/>
+          <a:p>
+            <a:pPr marL="0" lvl="0" indent="0" algn="ctr" rtl="0">
+              <a:spcBef>
+                <a:spcPts val="0"/>
+              </a:spcBef>
+              <a:spcAft>
+                <a:spcPts val="0"/>
+              </a:spcAft>
+              <a:buNone/>
+            </a:pPr>
+            <a:fld id="{00000000-1234-1234-1234-123412341234}" type="slidenum">
+              <a:rPr lang="en"/>
+              <a:t>17</a:t>
+            </a:fld>
+            <a:endParaRPr/>
+          </a:p>
+        </p:txBody>
+      </p:sp>
+      <p:sp>
+        <p:nvSpPr>
+          <p:cNvPr id="2" name="AutoShape 2" descr="ucall logo"/>
+          <p:cNvSpPr>
+            <a:spLocks noChangeAspect="1" noChangeArrowheads="1"/>
+          </p:cNvSpPr>
+          <p:nvPr/>
+        </p:nvSpPr>
+        <p:spPr bwMode="auto">
+          <a:xfrm>
+            <a:off x="155575" y="-144463"/>
+            <a:ext cx="304800" cy="304801"/>
+          </a:xfrm>
+          <a:prstGeom prst="rect">
+            <a:avLst/>
+          </a:prstGeom>
+          <a:noFill/>
+          <a:extLst>
+            <a:ext uri="{909E8E84-426E-40DD-AFC4-6F175D3DCCD1}">
+              <a14:hiddenFill xmlns:a14="http://schemas.microsoft.com/office/drawing/2010/main">
+                <a:solidFill>
+                  <a:srgbClr val="FFFFFF"/>
+                </a:solidFill>
+              </a14:hiddenFill>
+            </a:ext>
+          </a:extLst>
+        </p:spPr>
+        <p:txBody>
+          <a:bodyPr vert="horz" wrap="square" lIns="91440" tIns="45720" rIns="91440" bIns="45720" numCol="1" anchor="t" anchorCtr="0" compatLnSpc="1">
+            <a:prstTxWarp prst="textNoShape">
+              <a:avLst/>
+            </a:prstTxWarp>
+          </a:bodyPr>
+          <a:lstStyle/>
+          <a:p>
+            <a:endParaRPr lang="pt-PT"/>
+          </a:p>
+        </p:txBody>
+      </p:sp>
+      <p:sp>
+        <p:nvSpPr>
+          <p:cNvPr id="3" name="AutoShape 4" descr="ucall logo"/>
+          <p:cNvSpPr>
+            <a:spLocks noChangeAspect="1" noChangeArrowheads="1"/>
+          </p:cNvSpPr>
+          <p:nvPr/>
+        </p:nvSpPr>
+        <p:spPr bwMode="auto">
+          <a:xfrm>
+            <a:off x="307975" y="7937"/>
+            <a:ext cx="304800" cy="304801"/>
+          </a:xfrm>
+          <a:prstGeom prst="rect">
+            <a:avLst/>
+          </a:prstGeom>
+          <a:noFill/>
+          <a:extLst>
+            <a:ext uri="{909E8E84-426E-40DD-AFC4-6F175D3DCCD1}">
+              <a14:hiddenFill xmlns:a14="http://schemas.microsoft.com/office/drawing/2010/main">
+                <a:solidFill>
+                  <a:srgbClr val="FFFFFF"/>
+                </a:solidFill>
+              </a14:hiddenFill>
+            </a:ext>
+          </a:extLst>
+        </p:spPr>
+        <p:txBody>
+          <a:bodyPr vert="horz" wrap="square" lIns="91440" tIns="45720" rIns="91440" bIns="45720" numCol="1" anchor="t" anchorCtr="0" compatLnSpc="1">
+            <a:prstTxWarp prst="textNoShape">
+              <a:avLst/>
+            </a:prstTxWarp>
+          </a:bodyPr>
+          <a:lstStyle/>
+          <a:p>
+            <a:endParaRPr lang="pt-PT"/>
+          </a:p>
+        </p:txBody>
+      </p:sp>
+      <p:sp>
+        <p:nvSpPr>
+          <p:cNvPr id="6" name="Google Shape;88;p14"/>
+          <p:cNvSpPr txBox="1">
+            <a:spLocks/>
+          </p:cNvSpPr>
+          <p:nvPr/>
+        </p:nvSpPr>
+        <p:spPr>
+          <a:xfrm>
+            <a:off x="7236296" y="4155926"/>
+            <a:ext cx="1584176" cy="560070"/>
+          </a:xfrm>
+          <a:prstGeom prst="rect">
+            <a:avLst/>
+          </a:prstGeom>
+          <a:noFill/>
+          <a:ln>
+            <a:noFill/>
+          </a:ln>
+        </p:spPr>
+        <p:txBody>
+          <a:bodyPr spcFirstLastPara="1" wrap="square" lIns="91425" tIns="91425" rIns="91425" bIns="91425" anchor="ctr" anchorCtr="0">
+            <a:noAutofit/>
+          </a:bodyPr>
+          <a:lstStyle>
+            <a:defPPr marR="0" lvl="0" algn="l" rtl="0">
+              <a:lnSpc>
+                <a:spcPct val="100000"/>
+              </a:lnSpc>
+              <a:spcBef>
+                <a:spcPts val="0"/>
+              </a:spcBef>
+              <a:spcAft>
+                <a:spcPts val="0"/>
+              </a:spcAft>
+            </a:defPPr>
+            <a:lvl1pPr marL="457200" marR="0" lvl="0" indent="-381000" algn="l" rtl="0">
+              <a:lnSpc>
+                <a:spcPct val="100000"/>
+              </a:lnSpc>
+              <a:spcBef>
+                <a:spcPts val="600"/>
+              </a:spcBef>
+              <a:spcAft>
+                <a:spcPts val="0"/>
+              </a:spcAft>
+              <a:buClr>
+                <a:schemeClr val="lt1"/>
+              </a:buClr>
+              <a:buSzPts val="2400"/>
+              <a:buFont typeface="Montserrat"/>
+              <a:buChar char="▪"/>
+              <a:defRPr sz="2400" b="0" i="0" u="none" strike="noStrike" cap="none">
+                <a:solidFill>
+                  <a:schemeClr val="lt1"/>
+                </a:solidFill>
+                <a:latin typeface="Montserrat"/>
+                <a:ea typeface="Montserrat"/>
+                <a:cs typeface="Montserrat"/>
+                <a:sym typeface="Montserrat"/>
+              </a:defRPr>
+            </a:lvl1pPr>
+            <a:lvl2pPr marL="914400" marR="0" lvl="1" indent="-381000" algn="l" rtl="0">
+              <a:lnSpc>
+                <a:spcPct val="100000"/>
+              </a:lnSpc>
+              <a:spcBef>
+                <a:spcPts val="0"/>
+              </a:spcBef>
+              <a:spcAft>
+                <a:spcPts val="0"/>
+              </a:spcAft>
+              <a:buClr>
+                <a:schemeClr val="lt1"/>
+              </a:buClr>
+              <a:buSzPts val="2400"/>
+              <a:buFont typeface="Montserrat"/>
+              <a:buChar char="⬞"/>
+              <a:defRPr sz="2400" b="0" i="0" u="none" strike="noStrike" cap="none">
+                <a:solidFill>
+                  <a:schemeClr val="lt1"/>
+                </a:solidFill>
+                <a:latin typeface="Montserrat"/>
+                <a:ea typeface="Montserrat"/>
+                <a:cs typeface="Montserrat"/>
+                <a:sym typeface="Montserrat"/>
+              </a:defRPr>
+            </a:lvl2pPr>
+            <a:lvl3pPr marL="1371600" marR="0" lvl="2" indent="-381000" algn="l" rtl="0">
+              <a:lnSpc>
+                <a:spcPct val="100000"/>
+              </a:lnSpc>
+              <a:spcBef>
+                <a:spcPts val="0"/>
+              </a:spcBef>
+              <a:spcAft>
+                <a:spcPts val="0"/>
+              </a:spcAft>
+              <a:buClr>
+                <a:schemeClr val="lt1"/>
+              </a:buClr>
+              <a:buSzPts val="2400"/>
+              <a:buFont typeface="Montserrat"/>
+              <a:buChar char="⬞"/>
+              <a:defRPr sz="2400" b="0" i="0" u="none" strike="noStrike" cap="none">
+                <a:solidFill>
+                  <a:schemeClr val="lt1"/>
+                </a:solidFill>
+                <a:latin typeface="Montserrat"/>
+                <a:ea typeface="Montserrat"/>
+                <a:cs typeface="Montserrat"/>
+                <a:sym typeface="Montserrat"/>
+              </a:defRPr>
+            </a:lvl3pPr>
+            <a:lvl4pPr marL="1828800" marR="0" lvl="3" indent="-381000" algn="l" rtl="0">
+              <a:lnSpc>
+                <a:spcPct val="100000"/>
+              </a:lnSpc>
+              <a:spcBef>
+                <a:spcPts val="0"/>
+              </a:spcBef>
+              <a:spcAft>
+                <a:spcPts val="0"/>
+              </a:spcAft>
+              <a:buClr>
+                <a:schemeClr val="lt1"/>
+              </a:buClr>
+              <a:buSzPts val="2400"/>
+              <a:buFont typeface="Montserrat"/>
+              <a:buChar char="⬞"/>
+              <a:defRPr sz="2400" b="0" i="0" u="none" strike="noStrike" cap="none">
+                <a:solidFill>
+                  <a:schemeClr val="lt1"/>
+                </a:solidFill>
+                <a:latin typeface="Montserrat"/>
+                <a:ea typeface="Montserrat"/>
+                <a:cs typeface="Montserrat"/>
+                <a:sym typeface="Montserrat"/>
+              </a:defRPr>
+            </a:lvl4pPr>
+            <a:lvl5pPr marL="2286000" marR="0" lvl="4" indent="-381000" algn="l" rtl="0">
+              <a:lnSpc>
+                <a:spcPct val="100000"/>
+              </a:lnSpc>
+              <a:spcBef>
+                <a:spcPts val="0"/>
+              </a:spcBef>
+              <a:spcAft>
+                <a:spcPts val="0"/>
+              </a:spcAft>
+              <a:buClr>
+                <a:schemeClr val="lt1"/>
+              </a:buClr>
+              <a:buSzPts val="2400"/>
+              <a:buFont typeface="Montserrat"/>
+              <a:buChar char="⬞"/>
+              <a:defRPr sz="2400" b="0" i="0" u="none" strike="noStrike" cap="none">
+                <a:solidFill>
+                  <a:schemeClr val="lt1"/>
+                </a:solidFill>
+                <a:latin typeface="Montserrat"/>
+                <a:ea typeface="Montserrat"/>
+                <a:cs typeface="Montserrat"/>
+                <a:sym typeface="Montserrat"/>
+              </a:defRPr>
+            </a:lvl5pPr>
+            <a:lvl6pPr marL="2743200" marR="0" lvl="5" indent="-381000" algn="l" rtl="0">
+              <a:lnSpc>
+                <a:spcPct val="100000"/>
+              </a:lnSpc>
+              <a:spcBef>
+                <a:spcPts val="0"/>
+              </a:spcBef>
+              <a:spcAft>
+                <a:spcPts val="0"/>
+              </a:spcAft>
+              <a:buClr>
+                <a:schemeClr val="lt1"/>
+              </a:buClr>
+              <a:buSzPts val="2400"/>
+              <a:buFont typeface="Montserrat"/>
+              <a:buChar char="⬞"/>
+              <a:defRPr sz="2400" b="0" i="0" u="none" strike="noStrike" cap="none">
+                <a:solidFill>
+                  <a:schemeClr val="lt1"/>
+                </a:solidFill>
+                <a:latin typeface="Montserrat"/>
+                <a:ea typeface="Montserrat"/>
+                <a:cs typeface="Montserrat"/>
+                <a:sym typeface="Montserrat"/>
+              </a:defRPr>
+            </a:lvl6pPr>
+            <a:lvl7pPr marL="3200400" marR="0" lvl="6" indent="-381000" algn="l" rtl="0">
+              <a:lnSpc>
+                <a:spcPct val="100000"/>
+              </a:lnSpc>
+              <a:spcBef>
+                <a:spcPts val="0"/>
+              </a:spcBef>
+              <a:spcAft>
+                <a:spcPts val="0"/>
+              </a:spcAft>
+              <a:buClr>
+                <a:schemeClr val="lt1"/>
+              </a:buClr>
+              <a:buSzPts val="2400"/>
+              <a:buFont typeface="Montserrat"/>
+              <a:buChar char="⬞"/>
+              <a:defRPr sz="2400" b="0" i="0" u="none" strike="noStrike" cap="none">
+                <a:solidFill>
+                  <a:schemeClr val="lt1"/>
+                </a:solidFill>
+                <a:latin typeface="Montserrat"/>
+                <a:ea typeface="Montserrat"/>
+                <a:cs typeface="Montserrat"/>
+                <a:sym typeface="Montserrat"/>
+              </a:defRPr>
+            </a:lvl7pPr>
+            <a:lvl8pPr marL="3657600" marR="0" lvl="7" indent="-381000" algn="l" rtl="0">
+              <a:lnSpc>
+                <a:spcPct val="100000"/>
+              </a:lnSpc>
+              <a:spcBef>
+                <a:spcPts val="0"/>
+              </a:spcBef>
+              <a:spcAft>
+                <a:spcPts val="0"/>
+              </a:spcAft>
+              <a:buClr>
+                <a:schemeClr val="lt1"/>
+              </a:buClr>
+              <a:buSzPts val="2400"/>
+              <a:buFont typeface="Montserrat"/>
+              <a:buChar char="⬞"/>
+              <a:defRPr sz="2400" b="0" i="0" u="none" strike="noStrike" cap="none">
+                <a:solidFill>
+                  <a:schemeClr val="lt1"/>
+                </a:solidFill>
+                <a:latin typeface="Montserrat"/>
+                <a:ea typeface="Montserrat"/>
+                <a:cs typeface="Montserrat"/>
+                <a:sym typeface="Montserrat"/>
+              </a:defRPr>
+            </a:lvl8pPr>
+            <a:lvl9pPr marL="4114800" marR="0" lvl="8" indent="-381000" algn="l" rtl="0">
+              <a:lnSpc>
+                <a:spcPct val="100000"/>
+              </a:lnSpc>
+              <a:spcBef>
+                <a:spcPts val="0"/>
+              </a:spcBef>
+              <a:spcAft>
+                <a:spcPts val="0"/>
+              </a:spcAft>
+              <a:buClr>
+                <a:schemeClr val="lt1"/>
+              </a:buClr>
+              <a:buSzPts val="2400"/>
+              <a:buFont typeface="Montserrat"/>
+              <a:buChar char="⬞"/>
+              <a:defRPr sz="2400" b="0" i="0" u="none" strike="noStrike" cap="none">
+                <a:solidFill>
+                  <a:schemeClr val="lt1"/>
+                </a:solidFill>
+                <a:latin typeface="Montserrat"/>
+                <a:ea typeface="Montserrat"/>
+                <a:cs typeface="Montserrat"/>
+                <a:sym typeface="Montserrat"/>
+              </a:defRPr>
+            </a:lvl9pPr>
+          </a:lstStyle>
+          <a:p>
+            <a:pPr marL="0" indent="0" algn="ctr">
+              <a:buClr>
+                <a:schemeClr val="dk1"/>
+              </a:buClr>
+              <a:buSzPts val="1100"/>
+              <a:buFont typeface="Arial"/>
+              <a:buNone/>
+            </a:pPr>
+            <a:r>
+              <a:rPr lang="pt-PT" sz="1400" b="1" dirty="0" smtClean="0"/>
+              <a:t>“Mi Vida❤❤”</a:t>
+            </a:r>
+            <a:endParaRPr lang="pt-PT" sz="1400" b="1" dirty="0"/>
+          </a:p>
+        </p:txBody>
+      </p:sp>
+    </p:spTree>
+    <p:extLst>
+      <p:ext uri="{BB962C8B-B14F-4D97-AF65-F5344CB8AC3E}">
+        <p14:creationId xmlns:p14="http://schemas.microsoft.com/office/powerpoint/2010/main" val="1930314135"/>
+      </p:ext>
+    </p:extLst>
+  </p:cSld>
+  <p:clrMapOvr>
+    <a:masterClrMapping/>
+  </p:clrMapOvr>
+  <p:timing>
+    <p:tnLst>
+      <p:par>
+        <p:cTn id="1" dur="indefinite" restart="never" nodeType="tmRoot"/>
+      </p:par>
+    </p:tnLst>
+  </p:timing>
+</p:sld>
+</file>
+
 <file path=ppt/slides/slide2.xml><?xml version="1.0" encoding="utf-8"?>
 <p:sld xmlns:a="http://schemas.openxmlformats.org/drawingml/2006/main" xmlns:r="http://schemas.openxmlformats.org/officeDocument/2006/relationships" xmlns:p="http://schemas.openxmlformats.org/presentationml/2006/main">
   <p:cSld>
@@ -4905,20 +11700,7 @@
                 <a:ea typeface="Segoe UI Black" pitchFamily="34" charset="0"/>
                 <a:cs typeface="Segoe UI Light" pitchFamily="34" charset="0"/>
               </a:rPr>
-              <a:t>* s</a:t>
-            </a:r>
-            <a:r>
-              <a:rPr lang="pt-PT" b="1" dirty="0" smtClean="0">
-                <a:solidFill>
-                  <a:schemeClr val="tx1">
-                    <a:lumMod val="50000"/>
-                  </a:schemeClr>
-                </a:solidFill>
-                <a:latin typeface="Segoe UI Black" pitchFamily="34" charset="0"/>
-                <a:ea typeface="Segoe UI Black" pitchFamily="34" charset="0"/>
-                <a:cs typeface="Segoe UI Light" pitchFamily="34" charset="0"/>
-              </a:rPr>
-              <a:t>ocial, </a:t>
+              <a:t>* social, </a:t>
             </a:r>
             <a:br>
               <a:rPr lang="pt-PT" b="1" dirty="0" smtClean="0">
@@ -6689,19 +13471,6 @@
               </a:rPr>
               <a:t>- Lidar com a realidade, pressões socias</a:t>
             </a:r>
-            <a:r>
-              <a:rPr lang="pt-PT" b="1" dirty="0" smtClean="0">
-                <a:solidFill>
-                  <a:schemeClr val="tx1">
-                    <a:lumMod val="50000"/>
-                  </a:schemeClr>
-                </a:solidFill>
-                <a:latin typeface="Segoe UI Black" pitchFamily="34" charset="0"/>
-                <a:ea typeface="Segoe UI Black" pitchFamily="34" charset="0"/>
-                <a:cs typeface="Segoe UI Light" pitchFamily="34" charset="0"/>
-              </a:rPr>
-              <a:t/>
-            </a:r>
             <a:br>
               <a:rPr lang="pt-PT" b="1" dirty="0" smtClean="0">
                 <a:solidFill>
@@ -10451,19 +17220,6 @@
               </a:rPr>
               <a:t>Concluir</a:t>
             </a:r>
-            <a:r>
-              <a:rPr lang="pt-PT" b="1" dirty="0" smtClean="0">
-                <a:solidFill>
-                  <a:schemeClr val="tx1">
-                    <a:lumMod val="50000"/>
-                  </a:schemeClr>
-                </a:solidFill>
-                <a:latin typeface="Segoe UI Black" pitchFamily="34" charset="0"/>
-                <a:ea typeface="Segoe UI Black" pitchFamily="34" charset="0"/>
-                <a:cs typeface="Segoe UI Light" pitchFamily="34" charset="0"/>
-              </a:rPr>
-              <a:t/>
-            </a:r>
             <a:br>
               <a:rPr lang="pt-PT" b="1" dirty="0" smtClean="0">
                 <a:solidFill>
@@ -11705,7 +18461,7 @@
   <p:cSld>
     <p:spTree>
       <p:nvGrpSpPr>
-        <p:cNvPr id="1" name="Shape 87"/>
+        <p:cNvPr id="1" name="Shape 78"/>
         <p:cNvGrpSpPr/>
         <p:nvPr/>
       </p:nvGrpSpPr>
@@ -11719,66 +18475,7 @@
       </p:grpSpPr>
       <p:sp>
         <p:nvSpPr>
-          <p:cNvPr id="88" name="Google Shape;88;p14"/>
-          <p:cNvSpPr txBox="1">
-            <a:spLocks noGrp="1"/>
-          </p:cNvSpPr>
-          <p:nvPr>
-            <p:ph type="body" idx="1"/>
-          </p:nvPr>
-        </p:nvSpPr>
-        <p:spPr>
-          <a:xfrm>
-            <a:off x="1115616" y="2129950"/>
-            <a:ext cx="7149076" cy="873848"/>
-          </a:xfrm>
-          <a:prstGeom prst="rect">
-            <a:avLst/>
-          </a:prstGeom>
-        </p:spPr>
-        <p:txBody>
-          <a:bodyPr spcFirstLastPara="1" wrap="square" lIns="91425" tIns="91425" rIns="91425" bIns="91425" anchor="ctr" anchorCtr="0">
-            <a:noAutofit/>
-          </a:bodyPr>
-          <a:lstStyle/>
-          <a:p>
-            <a:pPr marL="0" lvl="0" indent="0" algn="ctr" rtl="0">
-              <a:spcBef>
-                <a:spcPts val="600"/>
-              </a:spcBef>
-              <a:spcAft>
-                <a:spcPts val="0"/>
-              </a:spcAft>
-              <a:buClr>
-                <a:schemeClr val="dk1"/>
-              </a:buClr>
-              <a:buSzPts val="1100"/>
-              <a:buFont typeface="Arial"/>
-              <a:buNone/>
-            </a:pPr>
-            <a:r>
-              <a:rPr lang="pt-PT" sz="2000" b="1" dirty="0" smtClean="0">
-                <a:solidFill>
-                  <a:schemeClr val="tx1">
-                    <a:lumMod val="50000"/>
-                  </a:schemeClr>
-                </a:solidFill>
-              </a:rPr>
-              <a:t>OBRIGADO</a:t>
-            </a:r>
-            <a:endParaRPr sz="2000" b="1" dirty="0">
-              <a:solidFill>
-                <a:schemeClr val="tx1">
-                  <a:lumMod val="50000"/>
-                </a:schemeClr>
-              </a:solidFill>
-            </a:endParaRPr>
-          </a:p>
-        </p:txBody>
-      </p:sp>
-      <p:sp>
-        <p:nvSpPr>
-          <p:cNvPr id="90" name="Google Shape;90;p14"/>
+          <p:cNvPr id="83" name="Google Shape;83;p13"/>
           <p:cNvSpPr txBox="1">
             <a:spLocks noGrp="1"/>
           </p:cNvSpPr>
@@ -11811,94 +18508,16 @@
               <a:buNone/>
             </a:pPr>
             <a:fld id="{00000000-1234-1234-1234-123412341234}" type="slidenum">
-              <a:rPr lang="en"/>
+              <a:rPr lang="en" smtClean="0"/>
               <a:t>9</a:t>
             </a:fld>
-            <a:endParaRPr/>
+            <a:endParaRPr dirty="0"/>
           </a:p>
         </p:txBody>
       </p:sp>
       <p:sp>
         <p:nvSpPr>
-          <p:cNvPr id="2" name="AutoShape 2" descr="ucall logo"/>
-          <p:cNvSpPr>
-            <a:spLocks noChangeAspect="1" noChangeArrowheads="1"/>
-          </p:cNvSpPr>
-          <p:nvPr/>
-        </p:nvSpPr>
-        <p:spPr bwMode="auto">
-          <a:xfrm>
-            <a:off x="155575" y="-144463"/>
-            <a:ext cx="304800" cy="304801"/>
-          </a:xfrm>
-          <a:prstGeom prst="rect">
-            <a:avLst/>
-          </a:prstGeom>
-          <a:noFill/>
-          <a:extLst>
-            <a:ext uri="{909E8E84-426E-40DD-AFC4-6F175D3DCCD1}">
-              <a14:hiddenFill xmlns:a14="http://schemas.microsoft.com/office/drawing/2010/main">
-                <a:solidFill>
-                  <a:srgbClr val="FFFFFF"/>
-                </a:solidFill>
-              </a14:hiddenFill>
-            </a:ext>
-          </a:extLst>
-        </p:spPr>
-        <p:txBody>
-          <a:bodyPr vert="horz" wrap="square" lIns="91440" tIns="45720" rIns="91440" bIns="45720" numCol="1" anchor="t" anchorCtr="0" compatLnSpc="1">
-            <a:prstTxWarp prst="textNoShape">
-              <a:avLst/>
-            </a:prstTxWarp>
-          </a:bodyPr>
-          <a:lstStyle/>
-          <a:p>
-            <a:endParaRPr lang="pt-PT"/>
-          </a:p>
-        </p:txBody>
-      </p:sp>
-      <p:sp>
-        <p:nvSpPr>
-          <p:cNvPr id="3" name="AutoShape 4" descr="ucall logo"/>
-          <p:cNvSpPr>
-            <a:spLocks noChangeAspect="1" noChangeArrowheads="1"/>
-          </p:cNvSpPr>
-          <p:nvPr/>
-        </p:nvSpPr>
-        <p:spPr bwMode="auto">
-          <a:xfrm>
-            <a:off x="307975" y="7937"/>
-            <a:ext cx="304800" cy="304801"/>
-          </a:xfrm>
-          <a:prstGeom prst="rect">
-            <a:avLst/>
-          </a:prstGeom>
-          <a:noFill/>
-          <a:extLst>
-            <a:ext uri="{909E8E84-426E-40DD-AFC4-6F175D3DCCD1}">
-              <a14:hiddenFill xmlns:a14="http://schemas.microsoft.com/office/drawing/2010/main">
-                <a:solidFill>
-                  <a:srgbClr val="FFFFFF"/>
-                </a:solidFill>
-              </a14:hiddenFill>
-            </a:ext>
-          </a:extLst>
-        </p:spPr>
-        <p:txBody>
-          <a:bodyPr vert="horz" wrap="square" lIns="91440" tIns="45720" rIns="91440" bIns="45720" numCol="1" anchor="t" anchorCtr="0" compatLnSpc="1">
-            <a:prstTxWarp prst="textNoShape">
-              <a:avLst/>
-            </a:prstTxWarp>
-          </a:bodyPr>
-          <a:lstStyle/>
-          <a:p>
-            <a:endParaRPr lang="pt-PT"/>
-          </a:p>
-        </p:txBody>
-      </p:sp>
-      <p:sp>
-        <p:nvSpPr>
-          <p:cNvPr id="6" name="Google Shape;88;p14"/>
+          <p:cNvPr id="5" name="Google Shape;71;p12"/>
           <p:cNvSpPr txBox="1">
             <a:spLocks/>
           </p:cNvSpPr>
@@ -11906,8 +18525,8 @@
         </p:nvSpPr>
         <p:spPr>
           <a:xfrm>
-            <a:off x="7236296" y="4155926"/>
-            <a:ext cx="1584176" cy="560070"/>
+            <a:off x="2627784" y="2139702"/>
+            <a:ext cx="3456384" cy="473704"/>
           </a:xfrm>
           <a:prstGeom prst="rect">
             <a:avLst/>
@@ -11933,262 +18552,268 @@
                 <a:spcPts val="0"/>
               </a:spcAft>
             </a:defPPr>
-            <a:lvl1pPr marL="457200" marR="0" lvl="0" indent="-381000" algn="l" rtl="0">
-              <a:lnSpc>
-                <a:spcPct val="100000"/>
-              </a:lnSpc>
-              <a:spcBef>
-                <a:spcPts val="600"/>
-              </a:spcBef>
-              <a:spcAft>
-                <a:spcPts val="0"/>
-              </a:spcAft>
-              <a:buClr>
-                <a:schemeClr val="lt1"/>
-              </a:buClr>
-              <a:buSzPts val="2400"/>
-              <a:buFont typeface="Montserrat"/>
-              <a:buChar char="▪"/>
-              <a:defRPr sz="2400" b="0" i="0" u="none" strike="noStrike" cap="none">
-                <a:solidFill>
-                  <a:schemeClr val="lt1"/>
-                </a:solidFill>
-                <a:latin typeface="Montserrat"/>
-                <a:ea typeface="Montserrat"/>
-                <a:cs typeface="Montserrat"/>
-                <a:sym typeface="Montserrat"/>
+            <a:lvl1pPr marR="0" lvl="0" algn="ctr" rtl="0">
+              <a:lnSpc>
+                <a:spcPct val="100000"/>
+              </a:lnSpc>
+              <a:spcBef>
+                <a:spcPts val="0"/>
+              </a:spcBef>
+              <a:spcAft>
+                <a:spcPts val="0"/>
+              </a:spcAft>
+              <a:buClr>
+                <a:schemeClr val="lt1"/>
+              </a:buClr>
+              <a:buSzPts val="1800"/>
+              <a:buFont typeface="Vidaloka"/>
+              <a:buNone/>
+              <a:defRPr sz="1800" b="0" i="0" u="none" strike="noStrike" cap="none">
+                <a:solidFill>
+                  <a:schemeClr val="lt1"/>
+                </a:solidFill>
+                <a:latin typeface="Vidaloka"/>
+                <a:ea typeface="Vidaloka"/>
+                <a:cs typeface="Vidaloka"/>
+                <a:sym typeface="Vidaloka"/>
               </a:defRPr>
             </a:lvl1pPr>
-            <a:lvl2pPr marL="914400" marR="0" lvl="1" indent="-381000" algn="l" rtl="0">
-              <a:lnSpc>
-                <a:spcPct val="100000"/>
-              </a:lnSpc>
-              <a:spcBef>
-                <a:spcPts val="0"/>
-              </a:spcBef>
-              <a:spcAft>
-                <a:spcPts val="0"/>
-              </a:spcAft>
-              <a:buClr>
-                <a:schemeClr val="lt1"/>
-              </a:buClr>
-              <a:buSzPts val="2400"/>
-              <a:buFont typeface="Montserrat"/>
-              <a:buChar char="⬞"/>
-              <a:defRPr sz="2400" b="0" i="0" u="none" strike="noStrike" cap="none">
-                <a:solidFill>
-                  <a:schemeClr val="lt1"/>
-                </a:solidFill>
-                <a:latin typeface="Montserrat"/>
-                <a:ea typeface="Montserrat"/>
-                <a:cs typeface="Montserrat"/>
-                <a:sym typeface="Montserrat"/>
+            <a:lvl2pPr marR="0" lvl="1" algn="ctr" rtl="0">
+              <a:lnSpc>
+                <a:spcPct val="100000"/>
+              </a:lnSpc>
+              <a:spcBef>
+                <a:spcPts val="0"/>
+              </a:spcBef>
+              <a:spcAft>
+                <a:spcPts val="0"/>
+              </a:spcAft>
+              <a:buClr>
+                <a:schemeClr val="lt1"/>
+              </a:buClr>
+              <a:buSzPts val="1800"/>
+              <a:buFont typeface="Vidaloka"/>
+              <a:buNone/>
+              <a:defRPr sz="1800" b="0" i="0" u="none" strike="noStrike" cap="none">
+                <a:solidFill>
+                  <a:schemeClr val="lt1"/>
+                </a:solidFill>
+                <a:latin typeface="Vidaloka"/>
+                <a:ea typeface="Vidaloka"/>
+                <a:cs typeface="Vidaloka"/>
+                <a:sym typeface="Vidaloka"/>
               </a:defRPr>
             </a:lvl2pPr>
-            <a:lvl3pPr marL="1371600" marR="0" lvl="2" indent="-381000" algn="l" rtl="0">
-              <a:lnSpc>
-                <a:spcPct val="100000"/>
-              </a:lnSpc>
-              <a:spcBef>
-                <a:spcPts val="0"/>
-              </a:spcBef>
-              <a:spcAft>
-                <a:spcPts val="0"/>
-              </a:spcAft>
-              <a:buClr>
-                <a:schemeClr val="lt1"/>
-              </a:buClr>
-              <a:buSzPts val="2400"/>
-              <a:buFont typeface="Montserrat"/>
-              <a:buChar char="⬞"/>
-              <a:defRPr sz="2400" b="0" i="0" u="none" strike="noStrike" cap="none">
-                <a:solidFill>
-                  <a:schemeClr val="lt1"/>
-                </a:solidFill>
-                <a:latin typeface="Montserrat"/>
-                <a:ea typeface="Montserrat"/>
-                <a:cs typeface="Montserrat"/>
-                <a:sym typeface="Montserrat"/>
+            <a:lvl3pPr marR="0" lvl="2" algn="ctr" rtl="0">
+              <a:lnSpc>
+                <a:spcPct val="100000"/>
+              </a:lnSpc>
+              <a:spcBef>
+                <a:spcPts val="0"/>
+              </a:spcBef>
+              <a:spcAft>
+                <a:spcPts val="0"/>
+              </a:spcAft>
+              <a:buClr>
+                <a:schemeClr val="lt1"/>
+              </a:buClr>
+              <a:buSzPts val="1800"/>
+              <a:buFont typeface="Vidaloka"/>
+              <a:buNone/>
+              <a:defRPr sz="1800" b="0" i="0" u="none" strike="noStrike" cap="none">
+                <a:solidFill>
+                  <a:schemeClr val="lt1"/>
+                </a:solidFill>
+                <a:latin typeface="Vidaloka"/>
+                <a:ea typeface="Vidaloka"/>
+                <a:cs typeface="Vidaloka"/>
+                <a:sym typeface="Vidaloka"/>
               </a:defRPr>
             </a:lvl3pPr>
-            <a:lvl4pPr marL="1828800" marR="0" lvl="3" indent="-381000" algn="l" rtl="0">
-              <a:lnSpc>
-                <a:spcPct val="100000"/>
-              </a:lnSpc>
-              <a:spcBef>
-                <a:spcPts val="0"/>
-              </a:spcBef>
-              <a:spcAft>
-                <a:spcPts val="0"/>
-              </a:spcAft>
-              <a:buClr>
-                <a:schemeClr val="lt1"/>
-              </a:buClr>
-              <a:buSzPts val="2400"/>
-              <a:buFont typeface="Montserrat"/>
-              <a:buChar char="⬞"/>
-              <a:defRPr sz="2400" b="0" i="0" u="none" strike="noStrike" cap="none">
-                <a:solidFill>
-                  <a:schemeClr val="lt1"/>
-                </a:solidFill>
-                <a:latin typeface="Montserrat"/>
-                <a:ea typeface="Montserrat"/>
-                <a:cs typeface="Montserrat"/>
-                <a:sym typeface="Montserrat"/>
+            <a:lvl4pPr marR="0" lvl="3" algn="ctr" rtl="0">
+              <a:lnSpc>
+                <a:spcPct val="100000"/>
+              </a:lnSpc>
+              <a:spcBef>
+                <a:spcPts val="0"/>
+              </a:spcBef>
+              <a:spcAft>
+                <a:spcPts val="0"/>
+              </a:spcAft>
+              <a:buClr>
+                <a:schemeClr val="lt1"/>
+              </a:buClr>
+              <a:buSzPts val="1800"/>
+              <a:buFont typeface="Vidaloka"/>
+              <a:buNone/>
+              <a:defRPr sz="1800" b="0" i="0" u="none" strike="noStrike" cap="none">
+                <a:solidFill>
+                  <a:schemeClr val="lt1"/>
+                </a:solidFill>
+                <a:latin typeface="Vidaloka"/>
+                <a:ea typeface="Vidaloka"/>
+                <a:cs typeface="Vidaloka"/>
+                <a:sym typeface="Vidaloka"/>
               </a:defRPr>
             </a:lvl4pPr>
-            <a:lvl5pPr marL="2286000" marR="0" lvl="4" indent="-381000" algn="l" rtl="0">
-              <a:lnSpc>
-                <a:spcPct val="100000"/>
-              </a:lnSpc>
-              <a:spcBef>
-                <a:spcPts val="0"/>
-              </a:spcBef>
-              <a:spcAft>
-                <a:spcPts val="0"/>
-              </a:spcAft>
-              <a:buClr>
-                <a:schemeClr val="lt1"/>
-              </a:buClr>
-              <a:buSzPts val="2400"/>
-              <a:buFont typeface="Montserrat"/>
-              <a:buChar char="⬞"/>
-              <a:defRPr sz="2400" b="0" i="0" u="none" strike="noStrike" cap="none">
-                <a:solidFill>
-                  <a:schemeClr val="lt1"/>
-                </a:solidFill>
-                <a:latin typeface="Montserrat"/>
-                <a:ea typeface="Montserrat"/>
-                <a:cs typeface="Montserrat"/>
-                <a:sym typeface="Montserrat"/>
+            <a:lvl5pPr marR="0" lvl="4" algn="ctr" rtl="0">
+              <a:lnSpc>
+                <a:spcPct val="100000"/>
+              </a:lnSpc>
+              <a:spcBef>
+                <a:spcPts val="0"/>
+              </a:spcBef>
+              <a:spcAft>
+                <a:spcPts val="0"/>
+              </a:spcAft>
+              <a:buClr>
+                <a:schemeClr val="lt1"/>
+              </a:buClr>
+              <a:buSzPts val="1800"/>
+              <a:buFont typeface="Vidaloka"/>
+              <a:buNone/>
+              <a:defRPr sz="1800" b="0" i="0" u="none" strike="noStrike" cap="none">
+                <a:solidFill>
+                  <a:schemeClr val="lt1"/>
+                </a:solidFill>
+                <a:latin typeface="Vidaloka"/>
+                <a:ea typeface="Vidaloka"/>
+                <a:cs typeface="Vidaloka"/>
+                <a:sym typeface="Vidaloka"/>
               </a:defRPr>
             </a:lvl5pPr>
-            <a:lvl6pPr marL="2743200" marR="0" lvl="5" indent="-381000" algn="l" rtl="0">
-              <a:lnSpc>
-                <a:spcPct val="100000"/>
-              </a:lnSpc>
-              <a:spcBef>
-                <a:spcPts val="0"/>
-              </a:spcBef>
-              <a:spcAft>
-                <a:spcPts val="0"/>
-              </a:spcAft>
-              <a:buClr>
-                <a:schemeClr val="lt1"/>
-              </a:buClr>
-              <a:buSzPts val="2400"/>
-              <a:buFont typeface="Montserrat"/>
-              <a:buChar char="⬞"/>
-              <a:defRPr sz="2400" b="0" i="0" u="none" strike="noStrike" cap="none">
-                <a:solidFill>
-                  <a:schemeClr val="lt1"/>
-                </a:solidFill>
-                <a:latin typeface="Montserrat"/>
-                <a:ea typeface="Montserrat"/>
-                <a:cs typeface="Montserrat"/>
-                <a:sym typeface="Montserrat"/>
+            <a:lvl6pPr marR="0" lvl="5" algn="ctr" rtl="0">
+              <a:lnSpc>
+                <a:spcPct val="100000"/>
+              </a:lnSpc>
+              <a:spcBef>
+                <a:spcPts val="0"/>
+              </a:spcBef>
+              <a:spcAft>
+                <a:spcPts val="0"/>
+              </a:spcAft>
+              <a:buClr>
+                <a:schemeClr val="lt1"/>
+              </a:buClr>
+              <a:buSzPts val="1800"/>
+              <a:buFont typeface="Vidaloka"/>
+              <a:buNone/>
+              <a:defRPr sz="1800" b="0" i="0" u="none" strike="noStrike" cap="none">
+                <a:solidFill>
+                  <a:schemeClr val="lt1"/>
+                </a:solidFill>
+                <a:latin typeface="Vidaloka"/>
+                <a:ea typeface="Vidaloka"/>
+                <a:cs typeface="Vidaloka"/>
+                <a:sym typeface="Vidaloka"/>
               </a:defRPr>
             </a:lvl6pPr>
-            <a:lvl7pPr marL="3200400" marR="0" lvl="6" indent="-381000" algn="l" rtl="0">
-              <a:lnSpc>
-                <a:spcPct val="100000"/>
-              </a:lnSpc>
-              <a:spcBef>
-                <a:spcPts val="0"/>
-              </a:spcBef>
-              <a:spcAft>
-                <a:spcPts val="0"/>
-              </a:spcAft>
-              <a:buClr>
-                <a:schemeClr val="lt1"/>
-              </a:buClr>
-              <a:buSzPts val="2400"/>
-              <a:buFont typeface="Montserrat"/>
-              <a:buChar char="⬞"/>
-              <a:defRPr sz="2400" b="0" i="0" u="none" strike="noStrike" cap="none">
-                <a:solidFill>
-                  <a:schemeClr val="lt1"/>
-                </a:solidFill>
-                <a:latin typeface="Montserrat"/>
-                <a:ea typeface="Montserrat"/>
-                <a:cs typeface="Montserrat"/>
-                <a:sym typeface="Montserrat"/>
+            <a:lvl7pPr marR="0" lvl="6" algn="ctr" rtl="0">
+              <a:lnSpc>
+                <a:spcPct val="100000"/>
+              </a:lnSpc>
+              <a:spcBef>
+                <a:spcPts val="0"/>
+              </a:spcBef>
+              <a:spcAft>
+                <a:spcPts val="0"/>
+              </a:spcAft>
+              <a:buClr>
+                <a:schemeClr val="lt1"/>
+              </a:buClr>
+              <a:buSzPts val="1800"/>
+              <a:buFont typeface="Vidaloka"/>
+              <a:buNone/>
+              <a:defRPr sz="1800" b="0" i="0" u="none" strike="noStrike" cap="none">
+                <a:solidFill>
+                  <a:schemeClr val="lt1"/>
+                </a:solidFill>
+                <a:latin typeface="Vidaloka"/>
+                <a:ea typeface="Vidaloka"/>
+                <a:cs typeface="Vidaloka"/>
+                <a:sym typeface="Vidaloka"/>
               </a:defRPr>
             </a:lvl7pPr>
-            <a:lvl8pPr marL="3657600" marR="0" lvl="7" indent="-381000" algn="l" rtl="0">
-              <a:lnSpc>
-                <a:spcPct val="100000"/>
-              </a:lnSpc>
-              <a:spcBef>
-                <a:spcPts val="0"/>
-              </a:spcBef>
-              <a:spcAft>
-                <a:spcPts val="0"/>
-              </a:spcAft>
-              <a:buClr>
-                <a:schemeClr val="lt1"/>
-              </a:buClr>
-              <a:buSzPts val="2400"/>
-              <a:buFont typeface="Montserrat"/>
-              <a:buChar char="⬞"/>
-              <a:defRPr sz="2400" b="0" i="0" u="none" strike="noStrike" cap="none">
-                <a:solidFill>
-                  <a:schemeClr val="lt1"/>
-                </a:solidFill>
-                <a:latin typeface="Montserrat"/>
-                <a:ea typeface="Montserrat"/>
-                <a:cs typeface="Montserrat"/>
-                <a:sym typeface="Montserrat"/>
+            <a:lvl8pPr marR="0" lvl="7" algn="ctr" rtl="0">
+              <a:lnSpc>
+                <a:spcPct val="100000"/>
+              </a:lnSpc>
+              <a:spcBef>
+                <a:spcPts val="0"/>
+              </a:spcBef>
+              <a:spcAft>
+                <a:spcPts val="0"/>
+              </a:spcAft>
+              <a:buClr>
+                <a:schemeClr val="lt1"/>
+              </a:buClr>
+              <a:buSzPts val="1800"/>
+              <a:buFont typeface="Vidaloka"/>
+              <a:buNone/>
+              <a:defRPr sz="1800" b="0" i="0" u="none" strike="noStrike" cap="none">
+                <a:solidFill>
+                  <a:schemeClr val="lt1"/>
+                </a:solidFill>
+                <a:latin typeface="Vidaloka"/>
+                <a:ea typeface="Vidaloka"/>
+                <a:cs typeface="Vidaloka"/>
+                <a:sym typeface="Vidaloka"/>
               </a:defRPr>
             </a:lvl8pPr>
-            <a:lvl9pPr marL="4114800" marR="0" lvl="8" indent="-381000" algn="l" rtl="0">
-              <a:lnSpc>
-                <a:spcPct val="100000"/>
-              </a:lnSpc>
-              <a:spcBef>
-                <a:spcPts val="0"/>
-              </a:spcBef>
-              <a:spcAft>
-                <a:spcPts val="0"/>
-              </a:spcAft>
-              <a:buClr>
-                <a:schemeClr val="lt1"/>
-              </a:buClr>
-              <a:buSzPts val="2400"/>
-              <a:buFont typeface="Montserrat"/>
-              <a:buChar char="⬞"/>
-              <a:defRPr sz="2400" b="0" i="0" u="none" strike="noStrike" cap="none">
-                <a:solidFill>
-                  <a:schemeClr val="lt1"/>
-                </a:solidFill>
-                <a:latin typeface="Montserrat"/>
-                <a:ea typeface="Montserrat"/>
-                <a:cs typeface="Montserrat"/>
-                <a:sym typeface="Montserrat"/>
+            <a:lvl9pPr marR="0" lvl="8" algn="ctr" rtl="0">
+              <a:lnSpc>
+                <a:spcPct val="100000"/>
+              </a:lnSpc>
+              <a:spcBef>
+                <a:spcPts val="0"/>
+              </a:spcBef>
+              <a:spcAft>
+                <a:spcPts val="0"/>
+              </a:spcAft>
+              <a:buClr>
+                <a:schemeClr val="lt1"/>
+              </a:buClr>
+              <a:buSzPts val="1800"/>
+              <a:buFont typeface="Vidaloka"/>
+              <a:buNone/>
+              <a:defRPr sz="1800" b="0" i="0" u="none" strike="noStrike" cap="none">
+                <a:solidFill>
+                  <a:schemeClr val="lt1"/>
+                </a:solidFill>
+                <a:latin typeface="Vidaloka"/>
+                <a:ea typeface="Vidaloka"/>
+                <a:cs typeface="Vidaloka"/>
+                <a:sym typeface="Vidaloka"/>
               </a:defRPr>
             </a:lvl9pPr>
           </a:lstStyle>
           <a:p>
-            <a:pPr marL="0" indent="0" algn="ctr">
-              <a:buClr>
-                <a:schemeClr val="dk1"/>
-              </a:buClr>
-              <a:buSzPts val="1100"/>
-              <a:buFont typeface="Arial"/>
-              <a:buNone/>
-            </a:pPr>
             <a:r>
-              <a:rPr lang="pt-PT" sz="1400" b="1" dirty="0" smtClean="0"/>
-              <a:t>“Mi Vida❤❤”</a:t>
+              <a:rPr lang="pt-PT" sz="2000" b="1">
+                <a:solidFill>
+                  <a:schemeClr val="tx1"/>
+                </a:solidFill>
+                <a:latin typeface="Segoe UI Black" pitchFamily="34" charset="0"/>
+                <a:ea typeface="Segoe UI Black" pitchFamily="34" charset="0"/>
+                <a:cs typeface="Segoe UI Light" pitchFamily="34" charset="0"/>
+              </a:rPr>
+              <a:t>Conceito de orientação</a:t>
             </a:r>
-            <a:endParaRPr lang="pt-PT" sz="1400" b="1" dirty="0"/>
+            <a:endParaRPr lang="pt-PT" sz="2000" b="1" dirty="0">
+              <a:solidFill>
+                <a:schemeClr val="tx1"/>
+              </a:solidFill>
+              <a:latin typeface="Segoe UI Black" pitchFamily="34" charset="0"/>
+              <a:ea typeface="Segoe UI Black" pitchFamily="34" charset="0"/>
+              <a:cs typeface="Segoe UI Light" pitchFamily="34" charset="0"/>
+            </a:endParaRPr>
           </a:p>
         </p:txBody>
       </p:sp>
     </p:spTree>
     <p:extLst>
       <p:ext uri="{BB962C8B-B14F-4D97-AF65-F5344CB8AC3E}">
-        <p14:creationId xmlns:p14="http://schemas.microsoft.com/office/powerpoint/2010/main" val="1930314135"/>
+        <p14:creationId xmlns:p14="http://schemas.microsoft.com/office/powerpoint/2010/main" val="460783216"/>
       </p:ext>
     </p:extLst>
   </p:cSld>
